--- a/trunk/Design/User Interface Design.pptx
+++ b/trunk/Design/User Interface Design.pptx
@@ -4,6 +4,10 @@
   <p:sldMasterIdLst>
     <p:sldMasterId id="2147483648" r:id="rId1"/>
   </p:sldMasterIdLst>
+  <p:sldIdLst>
+    <p:sldId id="256" r:id="rId2"/>
+    <p:sldId id="257" r:id="rId3"/>
+  </p:sldIdLst>
   <p:sldSz cx="9144000" cy="6858000" type="screen4x3"/>
   <p:notesSz cx="6858000" cy="9144000"/>
   <p:defaultTextStyle>
@@ -286,7 +290,7 @@
             <a:fld id="{1D8BD707-D9CF-40AE-B4C6-C98DA3205C09}" type="datetimeFigureOut">
               <a:rPr lang="en-US" smtClean="0"/>
               <a:pPr/>
-              <a:t>9/18/2006</a:t>
+              <a:t>10/4/2011</a:t>
             </a:fld>
             <a:endParaRPr lang="en-US"/>
           </a:p>
@@ -453,7 +457,7 @@
             <a:fld id="{1D8BD707-D9CF-40AE-B4C6-C98DA3205C09}" type="datetimeFigureOut">
               <a:rPr lang="en-US" smtClean="0"/>
               <a:pPr/>
-              <a:t>9/18/2006</a:t>
+              <a:t>10/4/2011</a:t>
             </a:fld>
             <a:endParaRPr lang="en-US"/>
           </a:p>
@@ -630,7 +634,7 @@
             <a:fld id="{1D8BD707-D9CF-40AE-B4C6-C98DA3205C09}" type="datetimeFigureOut">
               <a:rPr lang="en-US" smtClean="0"/>
               <a:pPr/>
-              <a:t>9/18/2006</a:t>
+              <a:t>10/4/2011</a:t>
             </a:fld>
             <a:endParaRPr lang="en-US"/>
           </a:p>
@@ -797,7 +801,7 @@
             <a:fld id="{1D8BD707-D9CF-40AE-B4C6-C98DA3205C09}" type="datetimeFigureOut">
               <a:rPr lang="en-US" smtClean="0"/>
               <a:pPr/>
-              <a:t>9/18/2006</a:t>
+              <a:t>10/4/2011</a:t>
             </a:fld>
             <a:endParaRPr lang="en-US"/>
           </a:p>
@@ -1040,7 +1044,7 @@
             <a:fld id="{1D8BD707-D9CF-40AE-B4C6-C98DA3205C09}" type="datetimeFigureOut">
               <a:rPr lang="en-US" smtClean="0"/>
               <a:pPr/>
-              <a:t>9/18/2006</a:t>
+              <a:t>10/4/2011</a:t>
             </a:fld>
             <a:endParaRPr lang="en-US"/>
           </a:p>
@@ -1325,7 +1329,7 @@
             <a:fld id="{1D8BD707-D9CF-40AE-B4C6-C98DA3205C09}" type="datetimeFigureOut">
               <a:rPr lang="en-US" smtClean="0"/>
               <a:pPr/>
-              <a:t>9/18/2006</a:t>
+              <a:t>10/4/2011</a:t>
             </a:fld>
             <a:endParaRPr lang="en-US"/>
           </a:p>
@@ -1744,7 +1748,7 @@
             <a:fld id="{1D8BD707-D9CF-40AE-B4C6-C98DA3205C09}" type="datetimeFigureOut">
               <a:rPr lang="en-US" smtClean="0"/>
               <a:pPr/>
-              <a:t>9/18/2006</a:t>
+              <a:t>10/4/2011</a:t>
             </a:fld>
             <a:endParaRPr lang="en-US"/>
           </a:p>
@@ -1859,7 +1863,7 @@
             <a:fld id="{1D8BD707-D9CF-40AE-B4C6-C98DA3205C09}" type="datetimeFigureOut">
               <a:rPr lang="en-US" smtClean="0"/>
               <a:pPr/>
-              <a:t>9/18/2006</a:t>
+              <a:t>10/4/2011</a:t>
             </a:fld>
             <a:endParaRPr lang="en-US"/>
           </a:p>
@@ -1951,7 +1955,7 @@
             <a:fld id="{1D8BD707-D9CF-40AE-B4C6-C98DA3205C09}" type="datetimeFigureOut">
               <a:rPr lang="en-US" smtClean="0"/>
               <a:pPr/>
-              <a:t>9/18/2006</a:t>
+              <a:t>10/4/2011</a:t>
             </a:fld>
             <a:endParaRPr lang="en-US"/>
           </a:p>
@@ -2225,7 +2229,7 @@
             <a:fld id="{1D8BD707-D9CF-40AE-B4C6-C98DA3205C09}" type="datetimeFigureOut">
               <a:rPr lang="en-US" smtClean="0"/>
               <a:pPr/>
-              <a:t>9/18/2006</a:t>
+              <a:t>10/4/2011</a:t>
             </a:fld>
             <a:endParaRPr lang="en-US"/>
           </a:p>
@@ -2475,7 +2479,7 @@
             <a:fld id="{1D8BD707-D9CF-40AE-B4C6-C98DA3205C09}" type="datetimeFigureOut">
               <a:rPr lang="en-US" smtClean="0"/>
               <a:pPr/>
-              <a:t>9/18/2006</a:t>
+              <a:t>10/4/2011</a:t>
             </a:fld>
             <a:endParaRPr lang="en-US"/>
           </a:p>
@@ -2685,7 +2689,7 @@
             <a:fld id="{1D8BD707-D9CF-40AE-B4C6-C98DA3205C09}" type="datetimeFigureOut">
               <a:rPr lang="en-US" smtClean="0"/>
               <a:pPr/>
-              <a:t>9/18/2006</a:t>
+              <a:t>10/4/2011</a:t>
             </a:fld>
             <a:endParaRPr lang="en-US"/>
           </a:p>
@@ -3037,6 +3041,621 @@
     </p:otherStyle>
   </p:txStyles>
 </p:sldMaster>
+</file>
+
+<file path=ppt/slides/slide1.xml><?xml version="1.0" encoding="utf-8"?>
+<p:sld xmlns:a="http://schemas.openxmlformats.org/drawingml/2006/main" xmlns:r="http://schemas.openxmlformats.org/officeDocument/2006/relationships" xmlns:p="http://schemas.openxmlformats.org/presentationml/2006/main">
+  <p:cSld>
+    <p:spTree>
+      <p:nvGrpSpPr>
+        <p:cNvPr id="1" name=""/>
+        <p:cNvGrpSpPr/>
+        <p:nvPr/>
+      </p:nvGrpSpPr>
+      <p:grpSpPr>
+        <a:xfrm>
+          <a:off x="0" y="0"/>
+          <a:ext cx="0" cy="0"/>
+          <a:chOff x="0" y="0"/>
+          <a:chExt cx="0" cy="0"/>
+        </a:xfrm>
+      </p:grpSpPr>
+      <p:sp>
+        <p:nvSpPr>
+          <p:cNvPr id="6" name="TextBox 5"/>
+          <p:cNvSpPr txBox="1"/>
+          <p:nvPr/>
+        </p:nvSpPr>
+        <p:spPr>
+          <a:xfrm>
+            <a:off x="1600200" y="2743200"/>
+            <a:ext cx="5786257" cy="830997"/>
+          </a:xfrm>
+          <a:prstGeom prst="rect">
+            <a:avLst/>
+          </a:prstGeom>
+          <a:noFill/>
+        </p:spPr>
+        <p:txBody>
+          <a:bodyPr wrap="square" rtlCol="0">
+            <a:spAutoFit/>
+          </a:bodyPr>
+          <a:lstStyle/>
+          <a:p>
+            <a:pPr algn="ctr"/>
+            <a:r>
+              <a:rPr lang="en-US" sz="4800" b="1" dirty="0" smtClean="0"/>
+              <a:t>USER INTERFACE V1.0</a:t>
+            </a:r>
+            <a:endParaRPr lang="en-US" sz="4800" b="1" dirty="0"/>
+          </a:p>
+        </p:txBody>
+      </p:sp>
+    </p:spTree>
+    <p:extLst>
+      <p:ext uri="{BB962C8B-B14F-4D97-AF65-F5344CB8AC3E}">
+        <p14:creationId xmlns:p14="http://schemas.microsoft.com/office/powerpoint/2010/main" val="3387663926"/>
+      </p:ext>
+    </p:extLst>
+  </p:cSld>
+  <p:clrMapOvr>
+    <a:masterClrMapping/>
+  </p:clrMapOvr>
+</p:sld>
+</file>
+
+<file path=ppt/slides/slide2.xml><?xml version="1.0" encoding="utf-8"?>
+<p:sld xmlns:a="http://schemas.openxmlformats.org/drawingml/2006/main" xmlns:r="http://schemas.openxmlformats.org/officeDocument/2006/relationships" xmlns:p="http://schemas.openxmlformats.org/presentationml/2006/main">
+  <p:cSld>
+    <p:spTree>
+      <p:nvGrpSpPr>
+        <p:cNvPr id="1" name=""/>
+        <p:cNvGrpSpPr/>
+        <p:nvPr/>
+      </p:nvGrpSpPr>
+      <p:grpSpPr>
+        <a:xfrm>
+          <a:off x="0" y="0"/>
+          <a:ext cx="0" cy="0"/>
+          <a:chOff x="0" y="0"/>
+          <a:chExt cx="0" cy="0"/>
+        </a:xfrm>
+      </p:grpSpPr>
+      <p:sp>
+        <p:nvSpPr>
+          <p:cNvPr id="12" name="TextBox 11"/>
+          <p:cNvSpPr txBox="1"/>
+          <p:nvPr/>
+        </p:nvSpPr>
+        <p:spPr>
+          <a:xfrm>
+            <a:off x="1604554" y="159603"/>
+            <a:ext cx="5786257" cy="707886"/>
+          </a:xfrm>
+          <a:prstGeom prst="rect">
+            <a:avLst/>
+          </a:prstGeom>
+          <a:noFill/>
+        </p:spPr>
+        <p:txBody>
+          <a:bodyPr wrap="square" rtlCol="0">
+            <a:spAutoFit/>
+          </a:bodyPr>
+          <a:lstStyle/>
+          <a:p>
+            <a:pPr algn="ctr"/>
+            <a:r>
+              <a:rPr lang="vi-VN" sz="4000" b="1" noProof="1" smtClean="0"/>
+              <a:t>Màn hình chính</a:t>
+            </a:r>
+            <a:endParaRPr lang="vi-VN" sz="4000" b="1" noProof="1"/>
+          </a:p>
+        </p:txBody>
+      </p:sp>
+      <p:grpSp>
+        <p:nvGrpSpPr>
+          <p:cNvPr id="11" name="Group 10"/>
+          <p:cNvGrpSpPr/>
+          <p:nvPr/>
+        </p:nvGrpSpPr>
+        <p:grpSpPr>
+          <a:xfrm>
+            <a:off x="4714875" y="990600"/>
+            <a:ext cx="3743325" cy="5715000"/>
+            <a:chOff x="2505075" y="1219200"/>
+            <a:chExt cx="3743325" cy="5486400"/>
+          </a:xfrm>
+        </p:grpSpPr>
+        <p:pic>
+          <p:nvPicPr>
+            <p:cNvPr id="1027" name="Picture 3" descr="C:\Users\TUAN-NGUYEN\Desktop\Capture.PNG"/>
+            <p:cNvPicPr>
+              <a:picLocks noChangeAspect="1" noChangeArrowheads="1"/>
+            </p:cNvPicPr>
+            <p:nvPr/>
+          </p:nvPicPr>
+          <p:blipFill>
+            <a:blip r:embed="rId2">
+              <a:extLst>
+                <a:ext uri="{28A0092B-C50C-407E-A947-70E740481C1C}">
+                  <a14:useLocalDpi xmlns:a14="http://schemas.microsoft.com/office/drawing/2010/main" val="0"/>
+                </a:ext>
+              </a:extLst>
+            </a:blip>
+            <a:srcRect/>
+            <a:stretch>
+              <a:fillRect/>
+            </a:stretch>
+          </p:blipFill>
+          <p:spPr bwMode="auto">
+            <a:xfrm>
+              <a:off x="2505075" y="1219200"/>
+              <a:ext cx="3743325" cy="5486400"/>
+            </a:xfrm>
+            <a:prstGeom prst="rect">
+              <a:avLst/>
+            </a:prstGeom>
+            <a:noFill/>
+            <a:extLst>
+              <a:ext uri="{909E8E84-426E-40DD-AFC4-6F175D3DCCD1}">
+                <a14:hiddenFill xmlns:a14="http://schemas.microsoft.com/office/drawing/2010/main">
+                  <a:solidFill>
+                    <a:srgbClr val="FFFFFF"/>
+                  </a:solidFill>
+                </a14:hiddenFill>
+              </a:ext>
+            </a:extLst>
+          </p:spPr>
+        </p:pic>
+        <p:sp>
+          <p:nvSpPr>
+            <p:cNvPr id="4" name="Rectangle 3"/>
+            <p:cNvSpPr/>
+            <p:nvPr/>
+          </p:nvSpPr>
+          <p:spPr>
+            <a:xfrm>
+              <a:off x="2603863" y="1624148"/>
+              <a:ext cx="3492137" cy="228600"/>
+            </a:xfrm>
+            <a:prstGeom prst="rect">
+              <a:avLst/>
+            </a:prstGeom>
+            <a:solidFill>
+              <a:schemeClr val="tx1">
+                <a:lumMod val="50000"/>
+                <a:lumOff val="50000"/>
+              </a:schemeClr>
+            </a:solidFill>
+            <a:ln>
+              <a:solidFill>
+                <a:schemeClr val="bg1"/>
+              </a:solidFill>
+            </a:ln>
+          </p:spPr>
+          <p:style>
+            <a:lnRef idx="1">
+              <a:schemeClr val="dk1"/>
+            </a:lnRef>
+            <a:fillRef idx="2">
+              <a:schemeClr val="dk1"/>
+            </a:fillRef>
+            <a:effectRef idx="1">
+              <a:schemeClr val="dk1"/>
+            </a:effectRef>
+            <a:fontRef idx="minor">
+              <a:schemeClr val="dk1"/>
+            </a:fontRef>
+          </p:style>
+          <p:txBody>
+            <a:bodyPr rtlCol="0" anchor="ctr"/>
+            <a:lstStyle/>
+            <a:p>
+              <a:pPr algn="ctr"/>
+              <a:r>
+                <a:rPr lang="vi-VN" sz="1400" b="1" noProof="1" smtClean="0">
+                  <a:solidFill>
+                    <a:schemeClr val="bg1"/>
+                  </a:solidFill>
+                </a:rPr>
+                <a:t>MapPro v1.0</a:t>
+              </a:r>
+              <a:endParaRPr lang="vi-VN" sz="1400" b="1" noProof="1">
+                <a:solidFill>
+                  <a:schemeClr val="bg1"/>
+                </a:solidFill>
+              </a:endParaRPr>
+            </a:p>
+          </p:txBody>
+        </p:sp>
+        <p:sp>
+          <p:nvSpPr>
+            <p:cNvPr id="5" name="Rounded Rectangle 4"/>
+            <p:cNvSpPr/>
+            <p:nvPr/>
+          </p:nvSpPr>
+          <p:spPr>
+            <a:xfrm>
+              <a:off x="2569845" y="2514600"/>
+              <a:ext cx="1697355" cy="990600"/>
+            </a:xfrm>
+            <a:prstGeom prst="roundRect">
+              <a:avLst/>
+            </a:prstGeom>
+          </p:spPr>
+          <p:style>
+            <a:lnRef idx="1">
+              <a:schemeClr val="accent3"/>
+            </a:lnRef>
+            <a:fillRef idx="2">
+              <a:schemeClr val="accent3"/>
+            </a:fillRef>
+            <a:effectRef idx="1">
+              <a:schemeClr val="accent3"/>
+            </a:effectRef>
+            <a:fontRef idx="minor">
+              <a:schemeClr val="dk1"/>
+            </a:fontRef>
+          </p:style>
+          <p:txBody>
+            <a:bodyPr rtlCol="0" anchor="ctr"/>
+            <a:lstStyle/>
+            <a:p>
+              <a:pPr algn="ctr"/>
+              <a:r>
+                <a:rPr lang="vi-VN" sz="1600" b="1" noProof="1" smtClean="0"/>
+                <a:t>Địa điểm</a:t>
+              </a:r>
+              <a:endParaRPr lang="vi-VN" sz="1600" b="1" noProof="1"/>
+            </a:p>
+          </p:txBody>
+        </p:sp>
+        <p:sp>
+          <p:nvSpPr>
+            <p:cNvPr id="8" name="Rounded Rectangle 7"/>
+            <p:cNvSpPr/>
+            <p:nvPr/>
+          </p:nvSpPr>
+          <p:spPr>
+            <a:xfrm>
+              <a:off x="4343401" y="2514600"/>
+              <a:ext cx="1686878" cy="990600"/>
+            </a:xfrm>
+            <a:prstGeom prst="roundRect">
+              <a:avLst/>
+            </a:prstGeom>
+          </p:spPr>
+          <p:style>
+            <a:lnRef idx="1">
+              <a:schemeClr val="accent3"/>
+            </a:lnRef>
+            <a:fillRef idx="2">
+              <a:schemeClr val="accent3"/>
+            </a:fillRef>
+            <a:effectRef idx="1">
+              <a:schemeClr val="accent3"/>
+            </a:effectRef>
+            <a:fontRef idx="minor">
+              <a:schemeClr val="dk1"/>
+            </a:fontRef>
+          </p:style>
+          <p:txBody>
+            <a:bodyPr rtlCol="0" anchor="ctr"/>
+            <a:lstStyle/>
+            <a:p>
+              <a:pPr algn="ctr"/>
+              <a:r>
+                <a:rPr lang="vi-VN" sz="1600" b="1" noProof="1" smtClean="0"/>
+                <a:t>Bản đồ</a:t>
+              </a:r>
+              <a:endParaRPr lang="vi-VN" sz="1600" b="1" noProof="1"/>
+            </a:p>
+          </p:txBody>
+        </p:sp>
+        <p:sp>
+          <p:nvSpPr>
+            <p:cNvPr id="9" name="Rounded Rectangle 8"/>
+            <p:cNvSpPr/>
+            <p:nvPr/>
+          </p:nvSpPr>
+          <p:spPr>
+            <a:xfrm>
+              <a:off x="2579845" y="4114800"/>
+              <a:ext cx="1686878" cy="990600"/>
+            </a:xfrm>
+            <a:prstGeom prst="roundRect">
+              <a:avLst/>
+            </a:prstGeom>
+          </p:spPr>
+          <p:style>
+            <a:lnRef idx="1">
+              <a:schemeClr val="accent3"/>
+            </a:lnRef>
+            <a:fillRef idx="2">
+              <a:schemeClr val="accent3"/>
+            </a:fillRef>
+            <a:effectRef idx="1">
+              <a:schemeClr val="accent3"/>
+            </a:effectRef>
+            <a:fontRef idx="minor">
+              <a:schemeClr val="dk1"/>
+            </a:fontRef>
+          </p:style>
+          <p:txBody>
+            <a:bodyPr rtlCol="0" anchor="ctr"/>
+            <a:lstStyle/>
+            <a:p>
+              <a:pPr algn="ctr"/>
+              <a:r>
+                <a:rPr lang="vi-VN" sz="1600" b="1" noProof="1" smtClean="0"/>
+                <a:t>Dẫn đường</a:t>
+              </a:r>
+              <a:endParaRPr lang="vi-VN" sz="1600" b="1" noProof="1"/>
+            </a:p>
+          </p:txBody>
+        </p:sp>
+        <p:sp>
+          <p:nvSpPr>
+            <p:cNvPr id="10" name="Rounded Rectangle 9"/>
+            <p:cNvSpPr/>
+            <p:nvPr/>
+          </p:nvSpPr>
+          <p:spPr>
+            <a:xfrm>
+              <a:off x="4343400" y="4114800"/>
+              <a:ext cx="1686878" cy="990600"/>
+            </a:xfrm>
+            <a:prstGeom prst="roundRect">
+              <a:avLst/>
+            </a:prstGeom>
+          </p:spPr>
+          <p:style>
+            <a:lnRef idx="1">
+              <a:schemeClr val="accent3"/>
+            </a:lnRef>
+            <a:fillRef idx="2">
+              <a:schemeClr val="accent3"/>
+            </a:fillRef>
+            <a:effectRef idx="1">
+              <a:schemeClr val="accent3"/>
+            </a:effectRef>
+            <a:fontRef idx="minor">
+              <a:schemeClr val="dk1"/>
+            </a:fontRef>
+          </p:style>
+          <p:txBody>
+            <a:bodyPr rtlCol="0" anchor="ctr"/>
+            <a:lstStyle/>
+            <a:p>
+              <a:pPr algn="ctr"/>
+              <a:r>
+                <a:rPr lang="vi-VN" sz="1600" b="1" noProof="1" smtClean="0">
+                  <a:latin typeface="Arial" pitchFamily="34" charset="0"/>
+                  <a:cs typeface="Arial" pitchFamily="34" charset="0"/>
+                </a:rPr>
+                <a:t>Giới thiệu</a:t>
+              </a:r>
+              <a:endParaRPr lang="vi-VN" sz="1600" b="1" noProof="1">
+                <a:latin typeface="Arial" pitchFamily="34" charset="0"/>
+                <a:cs typeface="Arial" pitchFamily="34" charset="0"/>
+              </a:endParaRPr>
+            </a:p>
+          </p:txBody>
+        </p:sp>
+        <p:sp>
+          <p:nvSpPr>
+            <p:cNvPr id="7" name="TextBox 6"/>
+            <p:cNvSpPr txBox="1"/>
+            <p:nvPr/>
+          </p:nvSpPr>
+          <p:spPr>
+            <a:xfrm>
+              <a:off x="2959155" y="5943600"/>
+              <a:ext cx="2878993" cy="523220"/>
+            </a:xfrm>
+            <a:prstGeom prst="rect">
+              <a:avLst/>
+            </a:prstGeom>
+            <a:noFill/>
+          </p:spPr>
+          <p:txBody>
+            <a:bodyPr wrap="none" rtlCol="0">
+              <a:spAutoFit/>
+            </a:bodyPr>
+            <a:lstStyle/>
+            <a:p>
+              <a:pPr algn="ctr"/>
+              <a:r>
+                <a:rPr lang="vi-VN" sz="1400" noProof="1" smtClean="0">
+                  <a:solidFill>
+                    <a:schemeClr val="bg1"/>
+                  </a:solidFill>
+                </a:rPr>
+                <a:t>Vị trí hiện tại</a:t>
+              </a:r>
+            </a:p>
+            <a:p>
+              <a:pPr algn="ctr"/>
+              <a:r>
+                <a:rPr lang="vi-VN" sz="1400" noProof="1" smtClean="0">
+                  <a:solidFill>
+                    <a:schemeClr val="bg1"/>
+                  </a:solidFill>
+                </a:rPr>
+                <a:t>Đường Nguyễn Trãi – Q1-TpHCM</a:t>
+              </a:r>
+              <a:endParaRPr lang="vi-VN" sz="1400" noProof="1">
+                <a:solidFill>
+                  <a:schemeClr val="bg1"/>
+                </a:solidFill>
+              </a:endParaRPr>
+            </a:p>
+          </p:txBody>
+        </p:sp>
+      </p:grpSp>
+      <p:sp>
+        <p:nvSpPr>
+          <p:cNvPr id="23" name="TextBox 22"/>
+          <p:cNvSpPr txBox="1"/>
+          <p:nvPr/>
+        </p:nvSpPr>
+        <p:spPr>
+          <a:xfrm>
+            <a:off x="4791075" y="3048000"/>
+            <a:ext cx="388248" cy="307777"/>
+          </a:xfrm>
+          <a:prstGeom prst="rect">
+            <a:avLst/>
+          </a:prstGeom>
+          <a:noFill/>
+        </p:spPr>
+        <p:txBody>
+          <a:bodyPr wrap="none" rtlCol="0">
+            <a:spAutoFit/>
+          </a:bodyPr>
+          <a:lstStyle/>
+          <a:p>
+            <a:r>
+              <a:rPr lang="en-US" sz="1400" b="1" dirty="0" smtClean="0">
+                <a:solidFill>
+                  <a:srgbClr val="FF0000"/>
+                </a:solidFill>
+              </a:rPr>
+              <a:t>(1)</a:t>
+            </a:r>
+            <a:endParaRPr lang="en-US" sz="1400" b="1" dirty="0">
+              <a:solidFill>
+                <a:srgbClr val="FF0000"/>
+              </a:solidFill>
+            </a:endParaRPr>
+          </a:p>
+        </p:txBody>
+      </p:sp>
+      <p:sp>
+        <p:nvSpPr>
+          <p:cNvPr id="26" name="TextBox 25"/>
+          <p:cNvSpPr txBox="1"/>
+          <p:nvPr/>
+        </p:nvSpPr>
+        <p:spPr>
+          <a:xfrm>
+            <a:off x="6536427" y="3048000"/>
+            <a:ext cx="388248" cy="307777"/>
+          </a:xfrm>
+          <a:prstGeom prst="rect">
+            <a:avLst/>
+          </a:prstGeom>
+          <a:noFill/>
+        </p:spPr>
+        <p:txBody>
+          <a:bodyPr wrap="none" rtlCol="0">
+            <a:spAutoFit/>
+          </a:bodyPr>
+          <a:lstStyle/>
+          <a:p>
+            <a:r>
+              <a:rPr lang="en-US" sz="1400" b="1" dirty="0" smtClean="0">
+                <a:solidFill>
+                  <a:srgbClr val="FF0000"/>
+                </a:solidFill>
+              </a:rPr>
+              <a:t>(2)</a:t>
+            </a:r>
+            <a:endParaRPr lang="en-US" sz="1400" b="1" dirty="0">
+              <a:solidFill>
+                <a:srgbClr val="FF0000"/>
+              </a:solidFill>
+            </a:endParaRPr>
+          </a:p>
+        </p:txBody>
+      </p:sp>
+      <p:sp>
+        <p:nvSpPr>
+          <p:cNvPr id="27" name="TextBox 26"/>
+          <p:cNvSpPr txBox="1"/>
+          <p:nvPr/>
+        </p:nvSpPr>
+        <p:spPr>
+          <a:xfrm>
+            <a:off x="4791075" y="4721423"/>
+            <a:ext cx="388248" cy="307777"/>
+          </a:xfrm>
+          <a:prstGeom prst="rect">
+            <a:avLst/>
+          </a:prstGeom>
+          <a:noFill/>
+        </p:spPr>
+        <p:txBody>
+          <a:bodyPr wrap="none" rtlCol="0">
+            <a:spAutoFit/>
+          </a:bodyPr>
+          <a:lstStyle/>
+          <a:p>
+            <a:r>
+              <a:rPr lang="en-US" sz="1400" b="1" dirty="0" smtClean="0">
+                <a:solidFill>
+                  <a:srgbClr val="FF0000"/>
+                </a:solidFill>
+              </a:rPr>
+              <a:t>(3)</a:t>
+            </a:r>
+            <a:endParaRPr lang="en-US" sz="1400" b="1" dirty="0">
+              <a:solidFill>
+                <a:srgbClr val="FF0000"/>
+              </a:solidFill>
+            </a:endParaRPr>
+          </a:p>
+        </p:txBody>
+      </p:sp>
+      <p:sp>
+        <p:nvSpPr>
+          <p:cNvPr id="28" name="TextBox 27"/>
+          <p:cNvSpPr txBox="1"/>
+          <p:nvPr/>
+        </p:nvSpPr>
+        <p:spPr>
+          <a:xfrm>
+            <a:off x="6543675" y="4721423"/>
+            <a:ext cx="388248" cy="307777"/>
+          </a:xfrm>
+          <a:prstGeom prst="rect">
+            <a:avLst/>
+          </a:prstGeom>
+          <a:noFill/>
+        </p:spPr>
+        <p:txBody>
+          <a:bodyPr wrap="none" rtlCol="0">
+            <a:spAutoFit/>
+          </a:bodyPr>
+          <a:lstStyle/>
+          <a:p>
+            <a:r>
+              <a:rPr lang="en-US" sz="1400" b="1" dirty="0" smtClean="0">
+                <a:solidFill>
+                  <a:srgbClr val="FF0000"/>
+                </a:solidFill>
+              </a:rPr>
+              <a:t>(4)</a:t>
+            </a:r>
+            <a:endParaRPr lang="en-US" sz="1400" b="1" dirty="0">
+              <a:solidFill>
+                <a:srgbClr val="FF0000"/>
+              </a:solidFill>
+            </a:endParaRPr>
+          </a:p>
+        </p:txBody>
+      </p:sp>
+    </p:spTree>
+    <p:extLst>
+      <p:ext uri="{BB962C8B-B14F-4D97-AF65-F5344CB8AC3E}">
+        <p14:creationId xmlns:p14="http://schemas.microsoft.com/office/powerpoint/2010/main" val="3086926510"/>
+      </p:ext>
+    </p:extLst>
+  </p:cSld>
+  <p:clrMapOvr>
+    <a:masterClrMapping/>
+  </p:clrMapOvr>
+</p:sld>
 </file>
 
 <file path=ppt/theme/theme1.xml><?xml version="1.0" encoding="utf-8"?>

--- a/trunk/Design/User Interface Design.pptx
+++ b/trunk/Design/User Interface Design.pptx
@@ -7,6 +7,9 @@
   <p:sldIdLst>
     <p:sldId id="256" r:id="rId2"/>
     <p:sldId id="257" r:id="rId3"/>
+    <p:sldId id="258" r:id="rId4"/>
+    <p:sldId id="260" r:id="rId5"/>
+    <p:sldId id="259" r:id="rId6"/>
   </p:sldIdLst>
   <p:sldSz cx="9144000" cy="6858000" type="screen4x3"/>
   <p:notesSz cx="6858000" cy="9144000"/>
@@ -290,7 +293,7 @@
             <a:fld id="{1D8BD707-D9CF-40AE-B4C6-C98DA3205C09}" type="datetimeFigureOut">
               <a:rPr lang="en-US" smtClean="0"/>
               <a:pPr/>
-              <a:t>10/4/2011</a:t>
+              <a:t>10/5/2011</a:t>
             </a:fld>
             <a:endParaRPr lang="en-US"/>
           </a:p>
@@ -457,7 +460,7 @@
             <a:fld id="{1D8BD707-D9CF-40AE-B4C6-C98DA3205C09}" type="datetimeFigureOut">
               <a:rPr lang="en-US" smtClean="0"/>
               <a:pPr/>
-              <a:t>10/4/2011</a:t>
+              <a:t>10/5/2011</a:t>
             </a:fld>
             <a:endParaRPr lang="en-US"/>
           </a:p>
@@ -634,7 +637,7 @@
             <a:fld id="{1D8BD707-D9CF-40AE-B4C6-C98DA3205C09}" type="datetimeFigureOut">
               <a:rPr lang="en-US" smtClean="0"/>
               <a:pPr/>
-              <a:t>10/4/2011</a:t>
+              <a:t>10/5/2011</a:t>
             </a:fld>
             <a:endParaRPr lang="en-US"/>
           </a:p>
@@ -801,7 +804,7 @@
             <a:fld id="{1D8BD707-D9CF-40AE-B4C6-C98DA3205C09}" type="datetimeFigureOut">
               <a:rPr lang="en-US" smtClean="0"/>
               <a:pPr/>
-              <a:t>10/4/2011</a:t>
+              <a:t>10/5/2011</a:t>
             </a:fld>
             <a:endParaRPr lang="en-US"/>
           </a:p>
@@ -1044,7 +1047,7 @@
             <a:fld id="{1D8BD707-D9CF-40AE-B4C6-C98DA3205C09}" type="datetimeFigureOut">
               <a:rPr lang="en-US" smtClean="0"/>
               <a:pPr/>
-              <a:t>10/4/2011</a:t>
+              <a:t>10/5/2011</a:t>
             </a:fld>
             <a:endParaRPr lang="en-US"/>
           </a:p>
@@ -1329,7 +1332,7 @@
             <a:fld id="{1D8BD707-D9CF-40AE-B4C6-C98DA3205C09}" type="datetimeFigureOut">
               <a:rPr lang="en-US" smtClean="0"/>
               <a:pPr/>
-              <a:t>10/4/2011</a:t>
+              <a:t>10/5/2011</a:t>
             </a:fld>
             <a:endParaRPr lang="en-US"/>
           </a:p>
@@ -1748,7 +1751,7 @@
             <a:fld id="{1D8BD707-D9CF-40AE-B4C6-C98DA3205C09}" type="datetimeFigureOut">
               <a:rPr lang="en-US" smtClean="0"/>
               <a:pPr/>
-              <a:t>10/4/2011</a:t>
+              <a:t>10/5/2011</a:t>
             </a:fld>
             <a:endParaRPr lang="en-US"/>
           </a:p>
@@ -1863,7 +1866,7 @@
             <a:fld id="{1D8BD707-D9CF-40AE-B4C6-C98DA3205C09}" type="datetimeFigureOut">
               <a:rPr lang="en-US" smtClean="0"/>
               <a:pPr/>
-              <a:t>10/4/2011</a:t>
+              <a:t>10/5/2011</a:t>
             </a:fld>
             <a:endParaRPr lang="en-US"/>
           </a:p>
@@ -1955,7 +1958,7 @@
             <a:fld id="{1D8BD707-D9CF-40AE-B4C6-C98DA3205C09}" type="datetimeFigureOut">
               <a:rPr lang="en-US" smtClean="0"/>
               <a:pPr/>
-              <a:t>10/4/2011</a:t>
+              <a:t>10/5/2011</a:t>
             </a:fld>
             <a:endParaRPr lang="en-US"/>
           </a:p>
@@ -2229,7 +2232,7 @@
             <a:fld id="{1D8BD707-D9CF-40AE-B4C6-C98DA3205C09}" type="datetimeFigureOut">
               <a:rPr lang="en-US" smtClean="0"/>
               <a:pPr/>
-              <a:t>10/4/2011</a:t>
+              <a:t>10/5/2011</a:t>
             </a:fld>
             <a:endParaRPr lang="en-US"/>
           </a:p>
@@ -2479,7 +2482,7 @@
             <a:fld id="{1D8BD707-D9CF-40AE-B4C6-C98DA3205C09}" type="datetimeFigureOut">
               <a:rPr lang="en-US" smtClean="0"/>
               <a:pPr/>
-              <a:t>10/4/2011</a:t>
+              <a:t>10/5/2011</a:t>
             </a:fld>
             <a:endParaRPr lang="en-US"/>
           </a:p>
@@ -2689,7 +2692,7 @@
             <a:fld id="{1D8BD707-D9CF-40AE-B4C6-C98DA3205C09}" type="datetimeFigureOut">
               <a:rPr lang="en-US" smtClean="0"/>
               <a:pPr/>
-              <a:t>10/4/2011</a:t>
+              <a:t>10/5/2011</a:t>
             </a:fld>
             <a:endParaRPr lang="en-US"/>
           </a:p>
@@ -3221,30 +3224,20 @@
             <a:prstGeom prst="rect">
               <a:avLst/>
             </a:prstGeom>
-            <a:solidFill>
-              <a:schemeClr val="tx1">
-                <a:lumMod val="50000"/>
-                <a:lumOff val="50000"/>
-              </a:schemeClr>
-            </a:solidFill>
-            <a:ln>
-              <a:solidFill>
-                <a:schemeClr val="bg1"/>
-              </a:solidFill>
-            </a:ln>
+            <a:ln/>
           </p:spPr>
           <p:style>
             <a:lnRef idx="1">
-              <a:schemeClr val="dk1"/>
+              <a:schemeClr val="accent1"/>
             </a:lnRef>
-            <a:fillRef idx="2">
-              <a:schemeClr val="dk1"/>
+            <a:fillRef idx="3">
+              <a:schemeClr val="accent1"/>
             </a:fillRef>
-            <a:effectRef idx="1">
-              <a:schemeClr val="dk1"/>
+            <a:effectRef idx="2">
+              <a:schemeClr val="accent1"/>
             </a:effectRef>
             <a:fontRef idx="minor">
-              <a:schemeClr val="dk1"/>
+              <a:schemeClr val="lt1"/>
             </a:fontRef>
           </p:style>
           <p:txBody>
@@ -3649,6 +3642,1381 @@
     <p:extLst>
       <p:ext uri="{BB962C8B-B14F-4D97-AF65-F5344CB8AC3E}">
         <p14:creationId xmlns:p14="http://schemas.microsoft.com/office/powerpoint/2010/main" val="3086926510"/>
+      </p:ext>
+    </p:extLst>
+  </p:cSld>
+  <p:clrMapOvr>
+    <a:masterClrMapping/>
+  </p:clrMapOvr>
+</p:sld>
+</file>
+
+<file path=ppt/slides/slide3.xml><?xml version="1.0" encoding="utf-8"?>
+<p:sld xmlns:a="http://schemas.openxmlformats.org/drawingml/2006/main" xmlns:r="http://schemas.openxmlformats.org/officeDocument/2006/relationships" xmlns:p="http://schemas.openxmlformats.org/presentationml/2006/main">
+  <p:cSld>
+    <p:spTree>
+      <p:nvGrpSpPr>
+        <p:cNvPr id="1" name=""/>
+        <p:cNvGrpSpPr/>
+        <p:nvPr/>
+      </p:nvGrpSpPr>
+      <p:grpSpPr>
+        <a:xfrm>
+          <a:off x="0" y="0"/>
+          <a:ext cx="0" cy="0"/>
+          <a:chOff x="0" y="0"/>
+          <a:chExt cx="0" cy="0"/>
+        </a:xfrm>
+      </p:grpSpPr>
+      <p:sp>
+        <p:nvSpPr>
+          <p:cNvPr id="2" name="Title 1"/>
+          <p:cNvSpPr>
+            <a:spLocks noGrp="1"/>
+          </p:cNvSpPr>
+          <p:nvPr>
+            <p:ph type="title"/>
+          </p:nvPr>
+        </p:nvSpPr>
+        <p:spPr/>
+        <p:txBody>
+          <a:bodyPr/>
+          <a:lstStyle/>
+          <a:p>
+            <a:endParaRPr lang="en-US"/>
+          </a:p>
+        </p:txBody>
+      </p:sp>
+      <p:grpSp>
+        <p:nvGrpSpPr>
+          <p:cNvPr id="4" name="Group 3"/>
+          <p:cNvGrpSpPr/>
+          <p:nvPr/>
+        </p:nvGrpSpPr>
+        <p:grpSpPr>
+          <a:xfrm>
+            <a:off x="4724400" y="990600"/>
+            <a:ext cx="3743325" cy="5715000"/>
+            <a:chOff x="2505075" y="1219200"/>
+            <a:chExt cx="3743325" cy="5486400"/>
+          </a:xfrm>
+        </p:grpSpPr>
+        <p:pic>
+          <p:nvPicPr>
+            <p:cNvPr id="5" name="Picture 3" descr="C:\Users\TUAN-NGUYEN\Desktop\Capture.PNG"/>
+            <p:cNvPicPr>
+              <a:picLocks noChangeAspect="1" noChangeArrowheads="1"/>
+            </p:cNvPicPr>
+            <p:nvPr/>
+          </p:nvPicPr>
+          <p:blipFill>
+            <a:blip r:embed="rId2">
+              <a:extLst>
+                <a:ext uri="{28A0092B-C50C-407E-A947-70E740481C1C}">
+                  <a14:useLocalDpi xmlns:a14="http://schemas.microsoft.com/office/drawing/2010/main" val="0"/>
+                </a:ext>
+              </a:extLst>
+            </a:blip>
+            <a:srcRect/>
+            <a:stretch>
+              <a:fillRect/>
+            </a:stretch>
+          </p:blipFill>
+          <p:spPr bwMode="auto">
+            <a:xfrm>
+              <a:off x="2505075" y="1219200"/>
+              <a:ext cx="3743325" cy="5486400"/>
+            </a:xfrm>
+            <a:prstGeom prst="rect">
+              <a:avLst/>
+            </a:prstGeom>
+            <a:noFill/>
+            <a:extLst>
+              <a:ext uri="{909E8E84-426E-40DD-AFC4-6F175D3DCCD1}">
+                <a14:hiddenFill xmlns:a14="http://schemas.microsoft.com/office/drawing/2010/main">
+                  <a:solidFill>
+                    <a:srgbClr val="FFFFFF"/>
+                  </a:solidFill>
+                </a14:hiddenFill>
+              </a:ext>
+            </a:extLst>
+          </p:spPr>
+        </p:pic>
+        <p:sp>
+          <p:nvSpPr>
+            <p:cNvPr id="6" name="Rectangle 5"/>
+            <p:cNvSpPr/>
+            <p:nvPr/>
+          </p:nvSpPr>
+          <p:spPr>
+            <a:xfrm>
+              <a:off x="2603863" y="1624148"/>
+              <a:ext cx="3492137" cy="228600"/>
+            </a:xfrm>
+            <a:prstGeom prst="rect">
+              <a:avLst/>
+            </a:prstGeom>
+            <a:ln/>
+          </p:spPr>
+          <p:style>
+            <a:lnRef idx="1">
+              <a:schemeClr val="accent1"/>
+            </a:lnRef>
+            <a:fillRef idx="3">
+              <a:schemeClr val="accent1"/>
+            </a:fillRef>
+            <a:effectRef idx="2">
+              <a:schemeClr val="accent1"/>
+            </a:effectRef>
+            <a:fontRef idx="minor">
+              <a:schemeClr val="lt1"/>
+            </a:fontRef>
+          </p:style>
+          <p:txBody>
+            <a:bodyPr rtlCol="0" anchor="ctr"/>
+            <a:lstStyle/>
+            <a:p>
+              <a:pPr algn="ctr"/>
+              <a:r>
+                <a:rPr lang="vi-VN" sz="1400" b="1" noProof="1" smtClean="0">
+                  <a:solidFill>
+                    <a:schemeClr val="bg1"/>
+                  </a:solidFill>
+                </a:rPr>
+                <a:t>MapPro v1.0</a:t>
+              </a:r>
+              <a:endParaRPr lang="vi-VN" sz="1400" b="1" noProof="1">
+                <a:solidFill>
+                  <a:schemeClr val="bg1"/>
+                </a:solidFill>
+              </a:endParaRPr>
+            </a:p>
+          </p:txBody>
+        </p:sp>
+      </p:grpSp>
+      <p:sp>
+        <p:nvSpPr>
+          <p:cNvPr id="12" name="Rectangle 11"/>
+          <p:cNvSpPr/>
+          <p:nvPr/>
+        </p:nvSpPr>
+        <p:spPr>
+          <a:xfrm>
+            <a:off x="4813663" y="1650546"/>
+            <a:ext cx="3492137" cy="4978854"/>
+          </a:xfrm>
+          <a:prstGeom prst="rect">
+            <a:avLst/>
+          </a:prstGeom>
+          <a:solidFill>
+            <a:schemeClr val="accent1">
+              <a:lumMod val="20000"/>
+              <a:lumOff val="80000"/>
+            </a:schemeClr>
+          </a:solidFill>
+        </p:spPr>
+        <p:style>
+          <a:lnRef idx="2">
+            <a:schemeClr val="accent1">
+              <a:shade val="50000"/>
+            </a:schemeClr>
+          </a:lnRef>
+          <a:fillRef idx="1">
+            <a:schemeClr val="accent1"/>
+          </a:fillRef>
+          <a:effectRef idx="0">
+            <a:schemeClr val="accent1"/>
+          </a:effectRef>
+          <a:fontRef idx="minor">
+            <a:schemeClr val="lt1"/>
+          </a:fontRef>
+        </p:style>
+        <p:txBody>
+          <a:bodyPr rtlCol="0" anchor="ctr"/>
+          <a:lstStyle/>
+          <a:p>
+            <a:pPr algn="ctr"/>
+            <a:endParaRPr lang="en-US"/>
+          </a:p>
+        </p:txBody>
+      </p:sp>
+      <p:pic>
+        <p:nvPicPr>
+          <p:cNvPr id="1038" name="Picture 14" descr="D:\Google_Map_Project\google-map-api-and-map-on-android\Resources\Icon\ATMicon.gif"/>
+          <p:cNvPicPr>
+            <a:picLocks noChangeAspect="1" noChangeArrowheads="1"/>
+          </p:cNvPicPr>
+          <p:nvPr/>
+        </p:nvPicPr>
+        <p:blipFill>
+          <a:blip r:embed="rId3">
+            <a:extLst>
+              <a:ext uri="{28A0092B-C50C-407E-A947-70E740481C1C}">
+                <a14:useLocalDpi xmlns:a14="http://schemas.microsoft.com/office/drawing/2010/main" val="0"/>
+              </a:ext>
+            </a:extLst>
+          </a:blip>
+          <a:srcRect/>
+          <a:stretch>
+            <a:fillRect/>
+          </a:stretch>
+        </p:blipFill>
+        <p:spPr bwMode="auto">
+          <a:xfrm>
+            <a:off x="5105400" y="1905000"/>
+            <a:ext cx="990600" cy="990600"/>
+          </a:xfrm>
+          <a:prstGeom prst="rect">
+            <a:avLst/>
+          </a:prstGeom>
+          <a:noFill/>
+          <a:extLst>
+            <a:ext uri="{909E8E84-426E-40DD-AFC4-6F175D3DCCD1}">
+              <a14:hiddenFill xmlns:a14="http://schemas.microsoft.com/office/drawing/2010/main">
+                <a:solidFill>
+                  <a:srgbClr val="FFFFFF"/>
+                </a:solidFill>
+              </a14:hiddenFill>
+            </a:ext>
+          </a:extLst>
+        </p:spPr>
+      </p:pic>
+      <p:pic>
+        <p:nvPicPr>
+          <p:cNvPr id="1039" name="Picture 15" descr="D:\Google_Map_Project\google-map-api-and-map-on-android\Resources\Icon\Busstationicon.gif"/>
+          <p:cNvPicPr>
+            <a:picLocks noChangeAspect="1" noChangeArrowheads="1"/>
+          </p:cNvPicPr>
+          <p:nvPr/>
+        </p:nvPicPr>
+        <p:blipFill>
+          <a:blip r:embed="rId4">
+            <a:extLst>
+              <a:ext uri="{28A0092B-C50C-407E-A947-70E740481C1C}">
+                <a14:useLocalDpi xmlns:a14="http://schemas.microsoft.com/office/drawing/2010/main" val="0"/>
+              </a:ext>
+            </a:extLst>
+          </a:blip>
+          <a:srcRect/>
+          <a:stretch>
+            <a:fillRect/>
+          </a:stretch>
+        </p:blipFill>
+        <p:spPr bwMode="auto">
+          <a:xfrm>
+            <a:off x="6858000" y="1828800"/>
+            <a:ext cx="1143000" cy="1143000"/>
+          </a:xfrm>
+          <a:prstGeom prst="rect">
+            <a:avLst/>
+          </a:prstGeom>
+          <a:noFill/>
+          <a:extLst>
+            <a:ext uri="{909E8E84-426E-40DD-AFC4-6F175D3DCCD1}">
+              <a14:hiddenFill xmlns:a14="http://schemas.microsoft.com/office/drawing/2010/main">
+                <a:solidFill>
+                  <a:srgbClr val="FFFFFF"/>
+                </a:solidFill>
+              </a14:hiddenFill>
+            </a:ext>
+          </a:extLst>
+        </p:spPr>
+      </p:pic>
+      <p:pic>
+        <p:nvPicPr>
+          <p:cNvPr id="1040" name="Picture 16" descr="D:\Google_Map_Project\google-map-api-and-map-on-android\Resources\Icon\GasStationicon.gif"/>
+          <p:cNvPicPr>
+            <a:picLocks noChangeAspect="1" noChangeArrowheads="1"/>
+          </p:cNvPicPr>
+          <p:nvPr/>
+        </p:nvPicPr>
+        <p:blipFill>
+          <a:blip r:embed="rId5">
+            <a:extLst>
+              <a:ext uri="{28A0092B-C50C-407E-A947-70E740481C1C}">
+                <a14:useLocalDpi xmlns:a14="http://schemas.microsoft.com/office/drawing/2010/main" val="0"/>
+              </a:ext>
+            </a:extLst>
+          </a:blip>
+          <a:srcRect/>
+          <a:stretch>
+            <a:fillRect/>
+          </a:stretch>
+        </p:blipFill>
+        <p:spPr bwMode="auto">
+          <a:xfrm>
+            <a:off x="6858000" y="4876800"/>
+            <a:ext cx="1143000" cy="1143000"/>
+          </a:xfrm>
+          <a:prstGeom prst="rect">
+            <a:avLst/>
+          </a:prstGeom>
+          <a:noFill/>
+          <a:extLst>
+            <a:ext uri="{909E8E84-426E-40DD-AFC4-6F175D3DCCD1}">
+              <a14:hiddenFill xmlns:a14="http://schemas.microsoft.com/office/drawing/2010/main">
+                <a:solidFill>
+                  <a:srgbClr val="FFFFFF"/>
+                </a:solidFill>
+              </a14:hiddenFill>
+            </a:ext>
+          </a:extLst>
+        </p:spPr>
+      </p:pic>
+      <p:pic>
+        <p:nvPicPr>
+          <p:cNvPr id="1041" name="Picture 17" descr="D:\Google_Map_Project\google-map-api-and-map-on-android\Resources\Icon\hospitalicon.gif"/>
+          <p:cNvPicPr>
+            <a:picLocks noChangeAspect="1" noChangeArrowheads="1"/>
+          </p:cNvPicPr>
+          <p:nvPr/>
+        </p:nvPicPr>
+        <p:blipFill>
+          <a:blip r:embed="rId6">
+            <a:extLst>
+              <a:ext uri="{28A0092B-C50C-407E-A947-70E740481C1C}">
+                <a14:useLocalDpi xmlns:a14="http://schemas.microsoft.com/office/drawing/2010/main" val="0"/>
+              </a:ext>
+            </a:extLst>
+          </a:blip>
+          <a:srcRect/>
+          <a:stretch>
+            <a:fillRect/>
+          </a:stretch>
+        </p:blipFill>
+        <p:spPr bwMode="auto">
+          <a:xfrm>
+            <a:off x="5029200" y="3200400"/>
+            <a:ext cx="1143000" cy="1143000"/>
+          </a:xfrm>
+          <a:prstGeom prst="rect">
+            <a:avLst/>
+          </a:prstGeom>
+          <a:noFill/>
+          <a:extLst>
+            <a:ext uri="{909E8E84-426E-40DD-AFC4-6F175D3DCCD1}">
+              <a14:hiddenFill xmlns:a14="http://schemas.microsoft.com/office/drawing/2010/main">
+                <a:solidFill>
+                  <a:srgbClr val="FFFFFF"/>
+                </a:solidFill>
+              </a14:hiddenFill>
+            </a:ext>
+          </a:extLst>
+        </p:spPr>
+      </p:pic>
+      <p:pic>
+        <p:nvPicPr>
+          <p:cNvPr id="1042" name="Picture 18" descr="D:\Google_Map_Project\google-map-api-and-map-on-android\Resources\Icon\Hotelicon.gif"/>
+          <p:cNvPicPr>
+            <a:picLocks noChangeAspect="1" noChangeArrowheads="1"/>
+          </p:cNvPicPr>
+          <p:nvPr/>
+        </p:nvPicPr>
+        <p:blipFill>
+          <a:blip r:embed="rId7">
+            <a:extLst>
+              <a:ext uri="{28A0092B-C50C-407E-A947-70E740481C1C}">
+                <a14:useLocalDpi xmlns:a14="http://schemas.microsoft.com/office/drawing/2010/main" val="0"/>
+              </a:ext>
+            </a:extLst>
+          </a:blip>
+          <a:srcRect/>
+          <a:stretch>
+            <a:fillRect/>
+          </a:stretch>
+        </p:blipFill>
+        <p:spPr bwMode="auto">
+          <a:xfrm>
+            <a:off x="5029200" y="4876800"/>
+            <a:ext cx="1143000" cy="1143000"/>
+          </a:xfrm>
+          <a:prstGeom prst="rect">
+            <a:avLst/>
+          </a:prstGeom>
+          <a:noFill/>
+          <a:extLst>
+            <a:ext uri="{909E8E84-426E-40DD-AFC4-6F175D3DCCD1}">
+              <a14:hiddenFill xmlns:a14="http://schemas.microsoft.com/office/drawing/2010/main">
+                <a:solidFill>
+                  <a:srgbClr val="FFFFFF"/>
+                </a:solidFill>
+              </a14:hiddenFill>
+            </a:ext>
+          </a:extLst>
+        </p:spPr>
+      </p:pic>
+      <p:pic>
+        <p:nvPicPr>
+          <p:cNvPr id="1043" name="Picture 19" descr="D:\Google_Map_Project\google-map-api-and-map-on-android\Resources\Icon\universitycon.gif"/>
+          <p:cNvPicPr>
+            <a:picLocks noChangeAspect="1" noChangeArrowheads="1"/>
+          </p:cNvPicPr>
+          <p:nvPr/>
+        </p:nvPicPr>
+        <p:blipFill>
+          <a:blip r:embed="rId8">
+            <a:extLst>
+              <a:ext uri="{28A0092B-C50C-407E-A947-70E740481C1C}">
+                <a14:useLocalDpi xmlns:a14="http://schemas.microsoft.com/office/drawing/2010/main" val="0"/>
+              </a:ext>
+            </a:extLst>
+          </a:blip>
+          <a:srcRect/>
+          <a:stretch>
+            <a:fillRect/>
+          </a:stretch>
+        </p:blipFill>
+        <p:spPr bwMode="auto">
+          <a:xfrm>
+            <a:off x="6858000" y="3200400"/>
+            <a:ext cx="1143000" cy="1143000"/>
+          </a:xfrm>
+          <a:prstGeom prst="rect">
+            <a:avLst/>
+          </a:prstGeom>
+          <a:noFill/>
+          <a:extLst>
+            <a:ext uri="{909E8E84-426E-40DD-AFC4-6F175D3DCCD1}">
+              <a14:hiddenFill xmlns:a14="http://schemas.microsoft.com/office/drawing/2010/main">
+                <a:solidFill>
+                  <a:srgbClr val="FFFFFF"/>
+                </a:solidFill>
+              </a14:hiddenFill>
+            </a:ext>
+          </a:extLst>
+        </p:spPr>
+      </p:pic>
+    </p:spTree>
+    <p:extLst>
+      <p:ext uri="{BB962C8B-B14F-4D97-AF65-F5344CB8AC3E}">
+        <p14:creationId xmlns:p14="http://schemas.microsoft.com/office/powerpoint/2010/main" val="1318561867"/>
+      </p:ext>
+    </p:extLst>
+  </p:cSld>
+  <p:clrMapOvr>
+    <a:masterClrMapping/>
+  </p:clrMapOvr>
+</p:sld>
+</file>
+
+<file path=ppt/slides/slide4.xml><?xml version="1.0" encoding="utf-8"?>
+<p:sld xmlns:a="http://schemas.openxmlformats.org/drawingml/2006/main" xmlns:r="http://schemas.openxmlformats.org/officeDocument/2006/relationships" xmlns:p="http://schemas.openxmlformats.org/presentationml/2006/main">
+  <p:cSld>
+    <p:spTree>
+      <p:nvGrpSpPr>
+        <p:cNvPr id="1" name=""/>
+        <p:cNvGrpSpPr/>
+        <p:nvPr/>
+      </p:nvGrpSpPr>
+      <p:grpSpPr>
+        <a:xfrm>
+          <a:off x="0" y="0"/>
+          <a:ext cx="0" cy="0"/>
+          <a:chOff x="0" y="0"/>
+          <a:chExt cx="0" cy="0"/>
+        </a:xfrm>
+      </p:grpSpPr>
+      <p:sp>
+        <p:nvSpPr>
+          <p:cNvPr id="2" name="Title 1"/>
+          <p:cNvSpPr>
+            <a:spLocks noGrp="1"/>
+          </p:cNvSpPr>
+          <p:nvPr>
+            <p:ph type="title"/>
+          </p:nvPr>
+        </p:nvSpPr>
+        <p:spPr/>
+        <p:txBody>
+          <a:bodyPr/>
+          <a:lstStyle/>
+          <a:p>
+            <a:endParaRPr lang="en-US"/>
+          </a:p>
+        </p:txBody>
+      </p:sp>
+      <p:grpSp>
+        <p:nvGrpSpPr>
+          <p:cNvPr id="4" name="Group 3"/>
+          <p:cNvGrpSpPr/>
+          <p:nvPr/>
+        </p:nvGrpSpPr>
+        <p:grpSpPr>
+          <a:xfrm>
+            <a:off x="4714875" y="990600"/>
+            <a:ext cx="3743325" cy="5715000"/>
+            <a:chOff x="2505075" y="1219200"/>
+            <a:chExt cx="3743325" cy="5486400"/>
+          </a:xfrm>
+        </p:grpSpPr>
+        <p:pic>
+          <p:nvPicPr>
+            <p:cNvPr id="5" name="Picture 3" descr="C:\Users\TUAN-NGUYEN\Desktop\Capture.PNG"/>
+            <p:cNvPicPr>
+              <a:picLocks noChangeAspect="1" noChangeArrowheads="1"/>
+            </p:cNvPicPr>
+            <p:nvPr/>
+          </p:nvPicPr>
+          <p:blipFill>
+            <a:blip r:embed="rId2">
+              <a:extLst>
+                <a:ext uri="{28A0092B-C50C-407E-A947-70E740481C1C}">
+                  <a14:useLocalDpi xmlns:a14="http://schemas.microsoft.com/office/drawing/2010/main" val="0"/>
+                </a:ext>
+              </a:extLst>
+            </a:blip>
+            <a:srcRect/>
+            <a:stretch>
+              <a:fillRect/>
+            </a:stretch>
+          </p:blipFill>
+          <p:spPr bwMode="auto">
+            <a:xfrm>
+              <a:off x="2505075" y="1219200"/>
+              <a:ext cx="3743325" cy="5486400"/>
+            </a:xfrm>
+            <a:prstGeom prst="rect">
+              <a:avLst/>
+            </a:prstGeom>
+            <a:noFill/>
+            <a:extLst>
+              <a:ext uri="{909E8E84-426E-40DD-AFC4-6F175D3DCCD1}">
+                <a14:hiddenFill xmlns:a14="http://schemas.microsoft.com/office/drawing/2010/main">
+                  <a:solidFill>
+                    <a:srgbClr val="FFFFFF"/>
+                  </a:solidFill>
+                </a14:hiddenFill>
+              </a:ext>
+            </a:extLst>
+          </p:spPr>
+        </p:pic>
+        <p:sp>
+          <p:nvSpPr>
+            <p:cNvPr id="6" name="Rectangle 5"/>
+            <p:cNvSpPr/>
+            <p:nvPr/>
+          </p:nvSpPr>
+          <p:spPr>
+            <a:xfrm>
+              <a:off x="2603863" y="1624148"/>
+              <a:ext cx="3492137" cy="228600"/>
+            </a:xfrm>
+            <a:prstGeom prst="rect">
+              <a:avLst/>
+            </a:prstGeom>
+            <a:ln/>
+          </p:spPr>
+          <p:style>
+            <a:lnRef idx="1">
+              <a:schemeClr val="accent1"/>
+            </a:lnRef>
+            <a:fillRef idx="3">
+              <a:schemeClr val="accent1"/>
+            </a:fillRef>
+            <a:effectRef idx="2">
+              <a:schemeClr val="accent1"/>
+            </a:effectRef>
+            <a:fontRef idx="minor">
+              <a:schemeClr val="lt1"/>
+            </a:fontRef>
+          </p:style>
+          <p:txBody>
+            <a:bodyPr rtlCol="0" anchor="ctr"/>
+            <a:lstStyle/>
+            <a:p>
+              <a:pPr algn="ctr"/>
+              <a:r>
+                <a:rPr lang="vi-VN" sz="1400" b="1" noProof="1" smtClean="0">
+                  <a:solidFill>
+                    <a:schemeClr val="bg1"/>
+                  </a:solidFill>
+                </a:rPr>
+                <a:t>MapPro v1.0</a:t>
+              </a:r>
+              <a:endParaRPr lang="vi-VN" sz="1400" b="1" noProof="1">
+                <a:solidFill>
+                  <a:schemeClr val="bg1"/>
+                </a:solidFill>
+              </a:endParaRPr>
+            </a:p>
+          </p:txBody>
+        </p:sp>
+      </p:grpSp>
+    </p:spTree>
+    <p:extLst>
+      <p:ext uri="{BB962C8B-B14F-4D97-AF65-F5344CB8AC3E}">
+        <p14:creationId xmlns:p14="http://schemas.microsoft.com/office/powerpoint/2010/main" val="474523323"/>
+      </p:ext>
+    </p:extLst>
+  </p:cSld>
+  <p:clrMapOvr>
+    <a:masterClrMapping/>
+  </p:clrMapOvr>
+</p:sld>
+</file>
+
+<file path=ppt/slides/slide5.xml><?xml version="1.0" encoding="utf-8"?>
+<p:sld xmlns:a="http://schemas.openxmlformats.org/drawingml/2006/main" xmlns:r="http://schemas.openxmlformats.org/officeDocument/2006/relationships" xmlns:p="http://schemas.openxmlformats.org/presentationml/2006/main">
+  <p:cSld>
+    <p:spTree>
+      <p:nvGrpSpPr>
+        <p:cNvPr id="1" name=""/>
+        <p:cNvGrpSpPr/>
+        <p:nvPr/>
+      </p:nvGrpSpPr>
+      <p:grpSpPr>
+        <a:xfrm>
+          <a:off x="0" y="0"/>
+          <a:ext cx="0" cy="0"/>
+          <a:chOff x="0" y="0"/>
+          <a:chExt cx="0" cy="0"/>
+        </a:xfrm>
+      </p:grpSpPr>
+      <p:grpSp>
+        <p:nvGrpSpPr>
+          <p:cNvPr id="4" name="Group 3"/>
+          <p:cNvGrpSpPr/>
+          <p:nvPr/>
+        </p:nvGrpSpPr>
+        <p:grpSpPr>
+          <a:xfrm>
+            <a:off x="4724400" y="533400"/>
+            <a:ext cx="3743325" cy="5791200"/>
+            <a:chOff x="2505075" y="1219200"/>
+            <a:chExt cx="3743325" cy="5486400"/>
+          </a:xfrm>
+        </p:grpSpPr>
+        <p:pic>
+          <p:nvPicPr>
+            <p:cNvPr id="5" name="Picture 3" descr="C:\Users\TUAN-NGUYEN\Desktop\Capture.PNG"/>
+            <p:cNvPicPr>
+              <a:picLocks noChangeAspect="1" noChangeArrowheads="1"/>
+            </p:cNvPicPr>
+            <p:nvPr/>
+          </p:nvPicPr>
+          <p:blipFill>
+            <a:blip r:embed="rId2">
+              <a:extLst>
+                <a:ext uri="{28A0092B-C50C-407E-A947-70E740481C1C}">
+                  <a14:useLocalDpi xmlns:a14="http://schemas.microsoft.com/office/drawing/2010/main" val="0"/>
+                </a:ext>
+              </a:extLst>
+            </a:blip>
+            <a:srcRect/>
+            <a:stretch>
+              <a:fillRect/>
+            </a:stretch>
+          </p:blipFill>
+          <p:spPr bwMode="auto">
+            <a:xfrm>
+              <a:off x="2505075" y="1219200"/>
+              <a:ext cx="3743325" cy="5486400"/>
+            </a:xfrm>
+            <a:prstGeom prst="rect">
+              <a:avLst/>
+            </a:prstGeom>
+            <a:noFill/>
+            <a:extLst>
+              <a:ext uri="{909E8E84-426E-40DD-AFC4-6F175D3DCCD1}">
+                <a14:hiddenFill xmlns:a14="http://schemas.microsoft.com/office/drawing/2010/main">
+                  <a:solidFill>
+                    <a:srgbClr val="FFFFFF"/>
+                  </a:solidFill>
+                </a14:hiddenFill>
+              </a:ext>
+            </a:extLst>
+          </p:spPr>
+        </p:pic>
+        <p:sp>
+          <p:nvSpPr>
+            <p:cNvPr id="6" name="Rectangle 5"/>
+            <p:cNvSpPr/>
+            <p:nvPr/>
+          </p:nvSpPr>
+          <p:spPr>
+            <a:xfrm>
+              <a:off x="2603863" y="1624148"/>
+              <a:ext cx="3492137" cy="228600"/>
+            </a:xfrm>
+            <a:prstGeom prst="rect">
+              <a:avLst/>
+            </a:prstGeom>
+            <a:ln/>
+          </p:spPr>
+          <p:style>
+            <a:lnRef idx="1">
+              <a:schemeClr val="accent1"/>
+            </a:lnRef>
+            <a:fillRef idx="3">
+              <a:schemeClr val="accent1"/>
+            </a:fillRef>
+            <a:effectRef idx="2">
+              <a:schemeClr val="accent1"/>
+            </a:effectRef>
+            <a:fontRef idx="minor">
+              <a:schemeClr val="lt1"/>
+            </a:fontRef>
+          </p:style>
+          <p:txBody>
+            <a:bodyPr rtlCol="0" anchor="ctr"/>
+            <a:lstStyle/>
+            <a:p>
+              <a:pPr algn="ctr"/>
+              <a:r>
+                <a:rPr lang="vi-VN" sz="1200" b="1" noProof="1" smtClean="0">
+                  <a:solidFill>
+                    <a:schemeClr val="bg1"/>
+                  </a:solidFill>
+                </a:rPr>
+                <a:t>MapPro</a:t>
+              </a:r>
+              <a:r>
+                <a:rPr lang="en-US" sz="1200" b="1" noProof="1" smtClean="0">
+                  <a:solidFill>
+                    <a:schemeClr val="bg1"/>
+                  </a:solidFill>
+                </a:rPr>
+                <a:t> </a:t>
+              </a:r>
+              <a:r>
+                <a:rPr lang="vi-VN" sz="1200" b="1" noProof="1" smtClean="0">
+                  <a:solidFill>
+                    <a:schemeClr val="bg1"/>
+                  </a:solidFill>
+                </a:rPr>
+                <a:t> </a:t>
+              </a:r>
+              <a:r>
+                <a:rPr lang="vi-VN" sz="1200" b="1" noProof="1" smtClean="0">
+                  <a:solidFill>
+                    <a:schemeClr val="bg1"/>
+                  </a:solidFill>
+                </a:rPr>
+                <a:t>v1.0</a:t>
+              </a:r>
+              <a:endParaRPr lang="vi-VN" sz="1200" b="1" noProof="1">
+                <a:solidFill>
+                  <a:schemeClr val="bg1"/>
+                </a:solidFill>
+              </a:endParaRPr>
+            </a:p>
+          </p:txBody>
+        </p:sp>
+      </p:grpSp>
+      <p:sp>
+        <p:nvSpPr>
+          <p:cNvPr id="11" name="Rectangle 10"/>
+          <p:cNvSpPr/>
+          <p:nvPr/>
+        </p:nvSpPr>
+        <p:spPr>
+          <a:xfrm>
+            <a:off x="4823188" y="1295400"/>
+            <a:ext cx="3492137" cy="711654"/>
+          </a:xfrm>
+          <a:prstGeom prst="rect">
+            <a:avLst/>
+          </a:prstGeom>
+        </p:spPr>
+        <p:style>
+          <a:lnRef idx="2">
+            <a:schemeClr val="dk1">
+              <a:shade val="50000"/>
+            </a:schemeClr>
+          </a:lnRef>
+          <a:fillRef idx="1">
+            <a:schemeClr val="dk1"/>
+          </a:fillRef>
+          <a:effectRef idx="0">
+            <a:schemeClr val="dk1"/>
+          </a:effectRef>
+          <a:fontRef idx="minor">
+            <a:schemeClr val="lt1"/>
+          </a:fontRef>
+        </p:style>
+        <p:txBody>
+          <a:bodyPr rtlCol="0" anchor="ctr"/>
+          <a:lstStyle/>
+          <a:p>
+            <a:pPr algn="ctr"/>
+            <a:endParaRPr lang="en-US" sz="1400" dirty="0"/>
+          </a:p>
+        </p:txBody>
+      </p:sp>
+      <p:sp>
+        <p:nvSpPr>
+          <p:cNvPr id="12" name="Rectangle 11"/>
+          <p:cNvSpPr/>
+          <p:nvPr/>
+        </p:nvSpPr>
+        <p:spPr>
+          <a:xfrm>
+            <a:off x="4824548" y="2057400"/>
+            <a:ext cx="3492137" cy="711654"/>
+          </a:xfrm>
+          <a:prstGeom prst="rect">
+            <a:avLst/>
+          </a:prstGeom>
+        </p:spPr>
+        <p:style>
+          <a:lnRef idx="2">
+            <a:schemeClr val="dk1">
+              <a:shade val="50000"/>
+            </a:schemeClr>
+          </a:lnRef>
+          <a:fillRef idx="1">
+            <a:schemeClr val="dk1"/>
+          </a:fillRef>
+          <a:effectRef idx="0">
+            <a:schemeClr val="dk1"/>
+          </a:effectRef>
+          <a:fontRef idx="minor">
+            <a:schemeClr val="lt1"/>
+          </a:fontRef>
+        </p:style>
+        <p:txBody>
+          <a:bodyPr rtlCol="0" anchor="ctr"/>
+          <a:lstStyle/>
+          <a:p>
+            <a:pPr algn="ctr"/>
+            <a:endParaRPr lang="en-US"/>
+          </a:p>
+        </p:txBody>
+      </p:sp>
+      <p:sp>
+        <p:nvSpPr>
+          <p:cNvPr id="14" name="Rectangle 13"/>
+          <p:cNvSpPr/>
+          <p:nvPr/>
+        </p:nvSpPr>
+        <p:spPr>
+          <a:xfrm>
+            <a:off x="4833255" y="2819400"/>
+            <a:ext cx="3492137" cy="711654"/>
+          </a:xfrm>
+          <a:prstGeom prst="rect">
+            <a:avLst/>
+          </a:prstGeom>
+        </p:spPr>
+        <p:style>
+          <a:lnRef idx="2">
+            <a:schemeClr val="dk1">
+              <a:shade val="50000"/>
+            </a:schemeClr>
+          </a:lnRef>
+          <a:fillRef idx="1">
+            <a:schemeClr val="dk1"/>
+          </a:fillRef>
+          <a:effectRef idx="0">
+            <a:schemeClr val="dk1"/>
+          </a:effectRef>
+          <a:fontRef idx="minor">
+            <a:schemeClr val="lt1"/>
+          </a:fontRef>
+        </p:style>
+        <p:txBody>
+          <a:bodyPr rtlCol="0" anchor="ctr"/>
+          <a:lstStyle/>
+          <a:p>
+            <a:pPr algn="ctr"/>
+            <a:endParaRPr lang="en-US"/>
+          </a:p>
+        </p:txBody>
+      </p:sp>
+      <p:sp>
+        <p:nvSpPr>
+          <p:cNvPr id="15" name="Rectangle 14"/>
+          <p:cNvSpPr/>
+          <p:nvPr/>
+        </p:nvSpPr>
+        <p:spPr>
+          <a:xfrm>
+            <a:off x="4800600" y="3579494"/>
+            <a:ext cx="3492137" cy="711654"/>
+          </a:xfrm>
+          <a:prstGeom prst="rect">
+            <a:avLst/>
+          </a:prstGeom>
+        </p:spPr>
+        <p:style>
+          <a:lnRef idx="2">
+            <a:schemeClr val="dk1">
+              <a:shade val="50000"/>
+            </a:schemeClr>
+          </a:lnRef>
+          <a:fillRef idx="1">
+            <a:schemeClr val="dk1"/>
+          </a:fillRef>
+          <a:effectRef idx="0">
+            <a:schemeClr val="dk1"/>
+          </a:effectRef>
+          <a:fontRef idx="minor">
+            <a:schemeClr val="lt1"/>
+          </a:fontRef>
+        </p:style>
+        <p:txBody>
+          <a:bodyPr rtlCol="0" anchor="ctr"/>
+          <a:lstStyle/>
+          <a:p>
+            <a:pPr algn="ctr"/>
+            <a:endParaRPr lang="en-US"/>
+          </a:p>
+        </p:txBody>
+      </p:sp>
+      <p:sp>
+        <p:nvSpPr>
+          <p:cNvPr id="16" name="Rectangle 15"/>
+          <p:cNvSpPr/>
+          <p:nvPr/>
+        </p:nvSpPr>
+        <p:spPr>
+          <a:xfrm>
+            <a:off x="4837611" y="4343400"/>
+            <a:ext cx="3492137" cy="711654"/>
+          </a:xfrm>
+          <a:prstGeom prst="rect">
+            <a:avLst/>
+          </a:prstGeom>
+        </p:spPr>
+        <p:style>
+          <a:lnRef idx="2">
+            <a:schemeClr val="dk1">
+              <a:shade val="50000"/>
+            </a:schemeClr>
+          </a:lnRef>
+          <a:fillRef idx="1">
+            <a:schemeClr val="dk1"/>
+          </a:fillRef>
+          <a:effectRef idx="0">
+            <a:schemeClr val="dk1"/>
+          </a:effectRef>
+          <a:fontRef idx="minor">
+            <a:schemeClr val="lt1"/>
+          </a:fontRef>
+        </p:style>
+        <p:txBody>
+          <a:bodyPr rtlCol="0" anchor="ctr"/>
+          <a:lstStyle/>
+          <a:p>
+            <a:pPr algn="ctr"/>
+            <a:endParaRPr lang="en-US"/>
+          </a:p>
+        </p:txBody>
+      </p:sp>
+      <p:sp>
+        <p:nvSpPr>
+          <p:cNvPr id="17" name="Rectangle 16"/>
+          <p:cNvSpPr/>
+          <p:nvPr/>
+        </p:nvSpPr>
+        <p:spPr>
+          <a:xfrm>
+            <a:off x="4826726" y="5105400"/>
+            <a:ext cx="3492137" cy="711654"/>
+          </a:xfrm>
+          <a:prstGeom prst="rect">
+            <a:avLst/>
+          </a:prstGeom>
+        </p:spPr>
+        <p:style>
+          <a:lnRef idx="2">
+            <a:schemeClr val="dk1">
+              <a:shade val="50000"/>
+            </a:schemeClr>
+          </a:lnRef>
+          <a:fillRef idx="1">
+            <a:schemeClr val="dk1"/>
+          </a:fillRef>
+          <a:effectRef idx="0">
+            <a:schemeClr val="dk1"/>
+          </a:effectRef>
+          <a:fontRef idx="minor">
+            <a:schemeClr val="lt1"/>
+          </a:fontRef>
+        </p:style>
+        <p:txBody>
+          <a:bodyPr rtlCol="0" anchor="ctr"/>
+          <a:lstStyle/>
+          <a:p>
+            <a:pPr algn="ctr"/>
+            <a:endParaRPr lang="en-US"/>
+          </a:p>
+        </p:txBody>
+      </p:sp>
+      <p:sp>
+        <p:nvSpPr>
+          <p:cNvPr id="19" name="TextBox 18"/>
+          <p:cNvSpPr txBox="1"/>
+          <p:nvPr/>
+        </p:nvSpPr>
+        <p:spPr>
+          <a:xfrm>
+            <a:off x="5934074" y="1321525"/>
+            <a:ext cx="2295525" cy="523220"/>
+          </a:xfrm>
+          <a:prstGeom prst="rect">
+            <a:avLst/>
+          </a:prstGeom>
+          <a:noFill/>
+        </p:spPr>
+        <p:txBody>
+          <a:bodyPr wrap="square" rtlCol="0">
+            <a:spAutoFit/>
+          </a:bodyPr>
+          <a:lstStyle/>
+          <a:p>
+            <a:r>
+              <a:rPr lang="vi-VN" sz="1600" b="1" noProof="1" smtClean="0">
+                <a:solidFill>
+                  <a:schemeClr val="bg1"/>
+                </a:solidFill>
+                <a:latin typeface="Calibri (Body)"/>
+              </a:rPr>
+              <a:t>ATM</a:t>
+            </a:r>
+            <a:r>
+              <a:rPr lang="vi-VN" sz="1600" b="1" noProof="1" smtClean="0">
+                <a:solidFill>
+                  <a:schemeClr val="bg1"/>
+                </a:solidFill>
+              </a:rPr>
+              <a:t> HSBC</a:t>
+            </a:r>
+          </a:p>
+          <a:p>
+            <a:r>
+              <a:rPr lang="vi-VN" sz="1200" b="1" noProof="1" smtClean="0">
+                <a:solidFill>
+                  <a:schemeClr val="bg1"/>
+                </a:solidFill>
+              </a:rPr>
+              <a:t>23,  Nguyễn Trãi, Quận 1</a:t>
+            </a:r>
+            <a:endParaRPr lang="vi-VN" sz="1200" b="1" noProof="1">
+              <a:solidFill>
+                <a:schemeClr val="bg1"/>
+              </a:solidFill>
+            </a:endParaRPr>
+          </a:p>
+        </p:txBody>
+      </p:sp>
+      <p:sp>
+        <p:nvSpPr>
+          <p:cNvPr id="20" name="TextBox 19"/>
+          <p:cNvSpPr txBox="1"/>
+          <p:nvPr/>
+        </p:nvSpPr>
+        <p:spPr>
+          <a:xfrm>
+            <a:off x="5857874" y="2057400"/>
+            <a:ext cx="2371725" cy="523220"/>
+          </a:xfrm>
+          <a:prstGeom prst="rect">
+            <a:avLst/>
+          </a:prstGeom>
+          <a:noFill/>
+        </p:spPr>
+        <p:txBody>
+          <a:bodyPr wrap="square" rtlCol="0">
+            <a:spAutoFit/>
+          </a:bodyPr>
+          <a:lstStyle/>
+          <a:p>
+            <a:r>
+              <a:rPr lang="vi-VN" sz="1600" b="1" noProof="1" smtClean="0">
+                <a:solidFill>
+                  <a:schemeClr val="bg1"/>
+                </a:solidFill>
+              </a:rPr>
+              <a:t>ATM VietinBank</a:t>
+            </a:r>
+          </a:p>
+          <a:p>
+            <a:r>
+              <a:rPr lang="vi-VN" sz="1200" b="1" noProof="1" smtClean="0">
+                <a:solidFill>
+                  <a:schemeClr val="bg1"/>
+                </a:solidFill>
+              </a:rPr>
+              <a:t>23,  Nguyễn Huệ, Quận 1</a:t>
+            </a:r>
+            <a:endParaRPr lang="vi-VN" sz="1200" b="1" noProof="1">
+              <a:solidFill>
+                <a:schemeClr val="bg1"/>
+              </a:solidFill>
+            </a:endParaRPr>
+          </a:p>
+        </p:txBody>
+      </p:sp>
+      <p:sp>
+        <p:nvSpPr>
+          <p:cNvPr id="21" name="TextBox 20"/>
+          <p:cNvSpPr txBox="1"/>
+          <p:nvPr/>
+        </p:nvSpPr>
+        <p:spPr>
+          <a:xfrm>
+            <a:off x="5857874" y="2768025"/>
+            <a:ext cx="2371725" cy="523220"/>
+          </a:xfrm>
+          <a:prstGeom prst="rect">
+            <a:avLst/>
+          </a:prstGeom>
+          <a:noFill/>
+        </p:spPr>
+        <p:txBody>
+          <a:bodyPr wrap="square" rtlCol="0">
+            <a:spAutoFit/>
+          </a:bodyPr>
+          <a:lstStyle/>
+          <a:p>
+            <a:r>
+              <a:rPr lang="vi-VN" sz="1600" b="1" noProof="1" smtClean="0">
+                <a:solidFill>
+                  <a:schemeClr val="bg1"/>
+                </a:solidFill>
+              </a:rPr>
+              <a:t>ATM VietinBank</a:t>
+            </a:r>
+          </a:p>
+          <a:p>
+            <a:r>
+              <a:rPr lang="vi-VN" sz="1200" b="1" noProof="1" smtClean="0">
+                <a:solidFill>
+                  <a:schemeClr val="bg1"/>
+                </a:solidFill>
+              </a:rPr>
+              <a:t>23,  Nguyễn Huệ, Quận 1</a:t>
+            </a:r>
+            <a:endParaRPr lang="vi-VN" sz="1200" b="1" noProof="1">
+              <a:solidFill>
+                <a:schemeClr val="bg1"/>
+              </a:solidFill>
+            </a:endParaRPr>
+          </a:p>
+        </p:txBody>
+      </p:sp>
+      <p:sp>
+        <p:nvSpPr>
+          <p:cNvPr id="22" name="Rectangle 21"/>
+          <p:cNvSpPr/>
+          <p:nvPr/>
+        </p:nvSpPr>
+        <p:spPr>
+          <a:xfrm>
+            <a:off x="4800600" y="5867400"/>
+            <a:ext cx="3492137" cy="355827"/>
+          </a:xfrm>
+          <a:prstGeom prst="rect">
+            <a:avLst/>
+          </a:prstGeom>
+        </p:spPr>
+        <p:style>
+          <a:lnRef idx="2">
+            <a:schemeClr val="dk1">
+              <a:shade val="50000"/>
+            </a:schemeClr>
+          </a:lnRef>
+          <a:fillRef idx="1">
+            <a:schemeClr val="dk1"/>
+          </a:fillRef>
+          <a:effectRef idx="0">
+            <a:schemeClr val="dk1"/>
+          </a:effectRef>
+          <a:fontRef idx="minor">
+            <a:schemeClr val="lt1"/>
+          </a:fontRef>
+        </p:style>
+        <p:txBody>
+          <a:bodyPr rtlCol="0" anchor="ctr"/>
+          <a:lstStyle/>
+          <a:p>
+            <a:pPr algn="ctr"/>
+            <a:endParaRPr lang="en-US"/>
+          </a:p>
+        </p:txBody>
+      </p:sp>
+      <p:sp>
+        <p:nvSpPr>
+          <p:cNvPr id="23" name="TextBox 22"/>
+          <p:cNvSpPr txBox="1"/>
+          <p:nvPr/>
+        </p:nvSpPr>
+        <p:spPr>
+          <a:xfrm>
+            <a:off x="5857874" y="3581400"/>
+            <a:ext cx="2371725" cy="523220"/>
+          </a:xfrm>
+          <a:prstGeom prst="rect">
+            <a:avLst/>
+          </a:prstGeom>
+          <a:noFill/>
+        </p:spPr>
+        <p:txBody>
+          <a:bodyPr wrap="square" rtlCol="0">
+            <a:spAutoFit/>
+          </a:bodyPr>
+          <a:lstStyle/>
+          <a:p>
+            <a:r>
+              <a:rPr lang="vi-VN" sz="1600" b="1" noProof="1" smtClean="0">
+                <a:solidFill>
+                  <a:schemeClr val="bg1"/>
+                </a:solidFill>
+              </a:rPr>
+              <a:t>ATM VietinBank</a:t>
+            </a:r>
+          </a:p>
+          <a:p>
+            <a:r>
+              <a:rPr lang="vi-VN" sz="1200" b="1" noProof="1" smtClean="0">
+                <a:solidFill>
+                  <a:schemeClr val="bg1"/>
+                </a:solidFill>
+              </a:rPr>
+              <a:t>23,  Nguyễn Huệ, Quận 1</a:t>
+            </a:r>
+            <a:endParaRPr lang="vi-VN" sz="1200" b="1" noProof="1">
+              <a:solidFill>
+                <a:schemeClr val="bg1"/>
+              </a:solidFill>
+            </a:endParaRPr>
+          </a:p>
+        </p:txBody>
+      </p:sp>
+      <p:sp>
+        <p:nvSpPr>
+          <p:cNvPr id="24" name="TextBox 23"/>
+          <p:cNvSpPr txBox="1"/>
+          <p:nvPr/>
+        </p:nvSpPr>
+        <p:spPr>
+          <a:xfrm>
+            <a:off x="5857874" y="4343400"/>
+            <a:ext cx="2371725" cy="523220"/>
+          </a:xfrm>
+          <a:prstGeom prst="rect">
+            <a:avLst/>
+          </a:prstGeom>
+          <a:noFill/>
+        </p:spPr>
+        <p:txBody>
+          <a:bodyPr wrap="square" rtlCol="0">
+            <a:spAutoFit/>
+          </a:bodyPr>
+          <a:lstStyle/>
+          <a:p>
+            <a:r>
+              <a:rPr lang="vi-VN" sz="1600" b="1" noProof="1" smtClean="0">
+                <a:solidFill>
+                  <a:schemeClr val="bg1"/>
+                </a:solidFill>
+              </a:rPr>
+              <a:t>ATM VietinBank</a:t>
+            </a:r>
+          </a:p>
+          <a:p>
+            <a:r>
+              <a:rPr lang="vi-VN" sz="1200" b="1" noProof="1" smtClean="0">
+                <a:solidFill>
+                  <a:schemeClr val="bg1"/>
+                </a:solidFill>
+              </a:rPr>
+              <a:t>23,  Nguyễn Huệ, Quận 1</a:t>
+            </a:r>
+            <a:endParaRPr lang="vi-VN" sz="1200" b="1" noProof="1">
+              <a:solidFill>
+                <a:schemeClr val="bg1"/>
+              </a:solidFill>
+            </a:endParaRPr>
+          </a:p>
+        </p:txBody>
+      </p:sp>
+      <p:sp>
+        <p:nvSpPr>
+          <p:cNvPr id="25" name="TextBox 24"/>
+          <p:cNvSpPr txBox="1"/>
+          <p:nvPr/>
+        </p:nvSpPr>
+        <p:spPr>
+          <a:xfrm>
+            <a:off x="5857874" y="5105400"/>
+            <a:ext cx="2371725" cy="523220"/>
+          </a:xfrm>
+          <a:prstGeom prst="rect">
+            <a:avLst/>
+          </a:prstGeom>
+          <a:noFill/>
+        </p:spPr>
+        <p:txBody>
+          <a:bodyPr wrap="square" rtlCol="0">
+            <a:spAutoFit/>
+          </a:bodyPr>
+          <a:lstStyle/>
+          <a:p>
+            <a:r>
+              <a:rPr lang="vi-VN" sz="1600" b="1" noProof="1" smtClean="0">
+                <a:solidFill>
+                  <a:schemeClr val="bg1"/>
+                </a:solidFill>
+              </a:rPr>
+              <a:t>ATM VietinBank</a:t>
+            </a:r>
+          </a:p>
+          <a:p>
+            <a:r>
+              <a:rPr lang="vi-VN" sz="1200" b="1" noProof="1" smtClean="0">
+                <a:solidFill>
+                  <a:schemeClr val="bg1"/>
+                </a:solidFill>
+              </a:rPr>
+              <a:t>23,  Nguyễn Huệ, Quận 1</a:t>
+            </a:r>
+            <a:endParaRPr lang="vi-VN" sz="1200" b="1" noProof="1">
+              <a:solidFill>
+                <a:schemeClr val="bg1"/>
+              </a:solidFill>
+            </a:endParaRPr>
+          </a:p>
+        </p:txBody>
+      </p:sp>
+      <p:sp>
+        <p:nvSpPr>
+          <p:cNvPr id="26" name="TextBox 25"/>
+          <p:cNvSpPr txBox="1"/>
+          <p:nvPr/>
+        </p:nvSpPr>
+        <p:spPr>
+          <a:xfrm>
+            <a:off x="5867400" y="5879068"/>
+            <a:ext cx="2362200" cy="338554"/>
+          </a:xfrm>
+          <a:prstGeom prst="rect">
+            <a:avLst/>
+          </a:prstGeom>
+          <a:noFill/>
+        </p:spPr>
+        <p:txBody>
+          <a:bodyPr wrap="square" rtlCol="0">
+            <a:spAutoFit/>
+          </a:bodyPr>
+          <a:lstStyle/>
+          <a:p>
+            <a:r>
+              <a:rPr lang="vi-VN" sz="1600" b="1" noProof="1" smtClean="0">
+                <a:solidFill>
+                  <a:schemeClr val="bg1"/>
+                </a:solidFill>
+              </a:rPr>
+              <a:t>ATM VietinBank</a:t>
+            </a:r>
+          </a:p>
+        </p:txBody>
+      </p:sp>
+    </p:spTree>
+    <p:extLst>
+      <p:ext uri="{BB962C8B-B14F-4D97-AF65-F5344CB8AC3E}">
+        <p14:creationId xmlns:p14="http://schemas.microsoft.com/office/powerpoint/2010/main" val="3744568548"/>
       </p:ext>
     </p:extLst>
   </p:cSld>

--- a/trunk/Design/User Interface Design.pptx
+++ b/trunk/Design/User Interface Design.pptx
@@ -8,8 +8,12 @@
     <p:sldId id="256" r:id="rId2"/>
     <p:sldId id="257" r:id="rId3"/>
     <p:sldId id="258" r:id="rId4"/>
-    <p:sldId id="260" r:id="rId5"/>
-    <p:sldId id="259" r:id="rId6"/>
+    <p:sldId id="261" r:id="rId5"/>
+    <p:sldId id="260" r:id="rId6"/>
+    <p:sldId id="259" r:id="rId7"/>
+    <p:sldId id="262" r:id="rId8"/>
+    <p:sldId id="263" r:id="rId9"/>
+    <p:sldId id="264" r:id="rId10"/>
   </p:sldIdLst>
   <p:sldSz cx="9144000" cy="6858000" type="screen4x3"/>
   <p:notesSz cx="6858000" cy="9144000"/>
@@ -293,7 +297,7 @@
             <a:fld id="{1D8BD707-D9CF-40AE-B4C6-C98DA3205C09}" type="datetimeFigureOut">
               <a:rPr lang="en-US" smtClean="0"/>
               <a:pPr/>
-              <a:t>10/5/2011</a:t>
+              <a:t>10/6/2011</a:t>
             </a:fld>
             <a:endParaRPr lang="en-US"/>
           </a:p>
@@ -460,7 +464,7 @@
             <a:fld id="{1D8BD707-D9CF-40AE-B4C6-C98DA3205C09}" type="datetimeFigureOut">
               <a:rPr lang="en-US" smtClean="0"/>
               <a:pPr/>
-              <a:t>10/5/2011</a:t>
+              <a:t>10/6/2011</a:t>
             </a:fld>
             <a:endParaRPr lang="en-US"/>
           </a:p>
@@ -637,7 +641,7 @@
             <a:fld id="{1D8BD707-D9CF-40AE-B4C6-C98DA3205C09}" type="datetimeFigureOut">
               <a:rPr lang="en-US" smtClean="0"/>
               <a:pPr/>
-              <a:t>10/5/2011</a:t>
+              <a:t>10/6/2011</a:t>
             </a:fld>
             <a:endParaRPr lang="en-US"/>
           </a:p>
@@ -804,7 +808,7 @@
             <a:fld id="{1D8BD707-D9CF-40AE-B4C6-C98DA3205C09}" type="datetimeFigureOut">
               <a:rPr lang="en-US" smtClean="0"/>
               <a:pPr/>
-              <a:t>10/5/2011</a:t>
+              <a:t>10/6/2011</a:t>
             </a:fld>
             <a:endParaRPr lang="en-US"/>
           </a:p>
@@ -1047,7 +1051,7 @@
             <a:fld id="{1D8BD707-D9CF-40AE-B4C6-C98DA3205C09}" type="datetimeFigureOut">
               <a:rPr lang="en-US" smtClean="0"/>
               <a:pPr/>
-              <a:t>10/5/2011</a:t>
+              <a:t>10/6/2011</a:t>
             </a:fld>
             <a:endParaRPr lang="en-US"/>
           </a:p>
@@ -1332,7 +1336,7 @@
             <a:fld id="{1D8BD707-D9CF-40AE-B4C6-C98DA3205C09}" type="datetimeFigureOut">
               <a:rPr lang="en-US" smtClean="0"/>
               <a:pPr/>
-              <a:t>10/5/2011</a:t>
+              <a:t>10/6/2011</a:t>
             </a:fld>
             <a:endParaRPr lang="en-US"/>
           </a:p>
@@ -1751,7 +1755,7 @@
             <a:fld id="{1D8BD707-D9CF-40AE-B4C6-C98DA3205C09}" type="datetimeFigureOut">
               <a:rPr lang="en-US" smtClean="0"/>
               <a:pPr/>
-              <a:t>10/5/2011</a:t>
+              <a:t>10/6/2011</a:t>
             </a:fld>
             <a:endParaRPr lang="en-US"/>
           </a:p>
@@ -1866,7 +1870,7 @@
             <a:fld id="{1D8BD707-D9CF-40AE-B4C6-C98DA3205C09}" type="datetimeFigureOut">
               <a:rPr lang="en-US" smtClean="0"/>
               <a:pPr/>
-              <a:t>10/5/2011</a:t>
+              <a:t>10/6/2011</a:t>
             </a:fld>
             <a:endParaRPr lang="en-US"/>
           </a:p>
@@ -1958,7 +1962,7 @@
             <a:fld id="{1D8BD707-D9CF-40AE-B4C6-C98DA3205C09}" type="datetimeFigureOut">
               <a:rPr lang="en-US" smtClean="0"/>
               <a:pPr/>
-              <a:t>10/5/2011</a:t>
+              <a:t>10/6/2011</a:t>
             </a:fld>
             <a:endParaRPr lang="en-US"/>
           </a:p>
@@ -2232,7 +2236,7 @@
             <a:fld id="{1D8BD707-D9CF-40AE-B4C6-C98DA3205C09}" type="datetimeFigureOut">
               <a:rPr lang="en-US" smtClean="0"/>
               <a:pPr/>
-              <a:t>10/5/2011</a:t>
+              <a:t>10/6/2011</a:t>
             </a:fld>
             <a:endParaRPr lang="en-US"/>
           </a:p>
@@ -2482,7 +2486,7 @@
             <a:fld id="{1D8BD707-D9CF-40AE-B4C6-C98DA3205C09}" type="datetimeFigureOut">
               <a:rPr lang="en-US" smtClean="0"/>
               <a:pPr/>
-              <a:t>10/5/2011</a:t>
+              <a:t>10/6/2011</a:t>
             </a:fld>
             <a:endParaRPr lang="en-US"/>
           </a:p>
@@ -2692,7 +2696,7 @@
             <a:fld id="{1D8BD707-D9CF-40AE-B4C6-C98DA3205C09}" type="datetimeFigureOut">
               <a:rPr lang="en-US" smtClean="0"/>
               <a:pPr/>
-              <a:t>10/5/2011</a:t>
+              <a:t>10/6/2011</a:t>
             </a:fld>
             <a:endParaRPr lang="en-US"/>
           </a:p>
@@ -3104,6 +3108,13 @@
   <p:clrMapOvr>
     <a:masterClrMapping/>
   </p:clrMapOvr>
+  <p:timing>
+    <p:tnLst>
+      <p:par>
+        <p:cTn id="1" dur="indefinite" restart="never" nodeType="tmRoot"/>
+      </p:par>
+    </p:tnLst>
+  </p:timing>
 </p:sld>
 </file>
 
@@ -3263,55 +3274,13 @@
         </p:sp>
         <p:sp>
           <p:nvSpPr>
-            <p:cNvPr id="5" name="Rounded Rectangle 4"/>
-            <p:cNvSpPr/>
-            <p:nvPr/>
-          </p:nvSpPr>
-          <p:spPr>
-            <a:xfrm>
-              <a:off x="2569845" y="2514600"/>
-              <a:ext cx="1697355" cy="990600"/>
-            </a:xfrm>
-            <a:prstGeom prst="roundRect">
-              <a:avLst/>
-            </a:prstGeom>
-          </p:spPr>
-          <p:style>
-            <a:lnRef idx="1">
-              <a:schemeClr val="accent3"/>
-            </a:lnRef>
-            <a:fillRef idx="2">
-              <a:schemeClr val="accent3"/>
-            </a:fillRef>
-            <a:effectRef idx="1">
-              <a:schemeClr val="accent3"/>
-            </a:effectRef>
-            <a:fontRef idx="minor">
-              <a:schemeClr val="dk1"/>
-            </a:fontRef>
-          </p:style>
-          <p:txBody>
-            <a:bodyPr rtlCol="0" anchor="ctr"/>
-            <a:lstStyle/>
-            <a:p>
-              <a:pPr algn="ctr"/>
-              <a:r>
-                <a:rPr lang="vi-VN" sz="1600" b="1" noProof="1" smtClean="0"/>
-                <a:t>Địa điểm</a:t>
-              </a:r>
-              <a:endParaRPr lang="vi-VN" sz="1600" b="1" noProof="1"/>
-            </a:p>
-          </p:txBody>
-        </p:sp>
-        <p:sp>
-          <p:nvSpPr>
             <p:cNvPr id="8" name="Rounded Rectangle 7"/>
             <p:cNvSpPr/>
             <p:nvPr/>
           </p:nvSpPr>
           <p:spPr>
             <a:xfrm>
-              <a:off x="4343401" y="2514600"/>
+              <a:off x="4343401" y="2514601"/>
               <a:ext cx="1686878" cy="990600"/>
             </a:xfrm>
             <a:prstGeom prst="roundRect">
@@ -3443,8 +3412,8 @@
           </p:nvSpPr>
           <p:spPr>
             <a:xfrm>
-              <a:off x="2959155" y="5943600"/>
-              <a:ext cx="2878993" cy="523220"/>
+              <a:off x="2904621" y="5943600"/>
+              <a:ext cx="2988062" cy="502291"/>
             </a:xfrm>
             <a:prstGeom prst="rect">
               <a:avLst/>
@@ -3459,7 +3428,7 @@
             <a:p>
               <a:pPr algn="ctr"/>
               <a:r>
-                <a:rPr lang="vi-VN" sz="1400" noProof="1" smtClean="0">
+                <a:rPr lang="vi-VN" sz="1400" b="1" noProof="1" smtClean="0">
                   <a:solidFill>
                     <a:schemeClr val="bg1"/>
                   </a:solidFill>
@@ -3470,14 +3439,14 @@
             <a:p>
               <a:pPr algn="ctr"/>
               <a:r>
-                <a:rPr lang="vi-VN" sz="1400" noProof="1" smtClean="0">
+                <a:rPr lang="vi-VN" sz="1400" b="1" noProof="1" smtClean="0">
                   <a:solidFill>
                     <a:schemeClr val="bg1"/>
                   </a:solidFill>
                 </a:rPr>
                 <a:t>Đường Nguyễn Trãi – Q1-TpHCM</a:t>
               </a:r>
-              <a:endParaRPr lang="vi-VN" sz="1400" noProof="1">
+              <a:endParaRPr lang="vi-VN" sz="1400" b="1" noProof="1">
                 <a:solidFill>
                   <a:schemeClr val="bg1"/>
                 </a:solidFill>
@@ -3488,13 +3457,13 @@
       </p:grpSp>
       <p:sp>
         <p:nvSpPr>
-          <p:cNvPr id="23" name="TextBox 22"/>
+          <p:cNvPr id="28" name="TextBox 27"/>
           <p:cNvSpPr txBox="1"/>
           <p:nvPr/>
         </p:nvSpPr>
         <p:spPr>
           <a:xfrm>
-            <a:off x="4791075" y="3048000"/>
+            <a:off x="6608451" y="4730948"/>
             <a:ext cx="388248" cy="307777"/>
           </a:xfrm>
           <a:prstGeom prst="rect">
@@ -3514,7 +3483,7 @@
                   <a:srgbClr val="FF0000"/>
                 </a:solidFill>
               </a:rPr>
-              <a:t>(1)</a:t>
+              <a:t>(4)</a:t>
             </a:r>
             <a:endParaRPr lang="en-US" sz="1400" b="1" dirty="0">
               <a:solidFill>
@@ -3526,13 +3495,55 @@
       </p:sp>
       <p:sp>
         <p:nvSpPr>
-          <p:cNvPr id="26" name="TextBox 25"/>
+          <p:cNvPr id="18" name="Rounded Rectangle 17"/>
+          <p:cNvSpPr/>
+          <p:nvPr/>
+        </p:nvSpPr>
+        <p:spPr>
+          <a:xfrm>
+            <a:off x="4741001" y="2339976"/>
+            <a:ext cx="1686878" cy="1031875"/>
+          </a:xfrm>
+          <a:prstGeom prst="roundRect">
+            <a:avLst/>
+          </a:prstGeom>
+        </p:spPr>
+        <p:style>
+          <a:lnRef idx="1">
+            <a:schemeClr val="accent3"/>
+          </a:lnRef>
+          <a:fillRef idx="2">
+            <a:schemeClr val="accent3"/>
+          </a:fillRef>
+          <a:effectRef idx="1">
+            <a:schemeClr val="accent3"/>
+          </a:effectRef>
+          <a:fontRef idx="minor">
+            <a:schemeClr val="dk1"/>
+          </a:fontRef>
+        </p:style>
+        <p:txBody>
+          <a:bodyPr rtlCol="0" anchor="ctr"/>
+          <a:lstStyle/>
+          <a:p>
+            <a:pPr algn="ctr"/>
+            <a:r>
+              <a:rPr lang="vi-VN" sz="1600" b="1" noProof="1" smtClean="0"/>
+              <a:t>Địa điểm</a:t>
+            </a:r>
+            <a:endParaRPr lang="vi-VN" sz="1600" b="1" noProof="1"/>
+          </a:p>
+        </p:txBody>
+      </p:sp>
+      <p:sp>
+        <p:nvSpPr>
+          <p:cNvPr id="23" name="TextBox 22"/>
           <p:cNvSpPr txBox="1"/>
           <p:nvPr/>
         </p:nvSpPr>
         <p:spPr>
           <a:xfrm>
-            <a:off x="6536427" y="3048000"/>
+            <a:off x="4817373" y="3028014"/>
             <a:ext cx="388248" cy="307777"/>
           </a:xfrm>
           <a:prstGeom prst="rect">
@@ -3552,7 +3563,7 @@
                   <a:srgbClr val="FF0000"/>
                 </a:solidFill>
               </a:rPr>
-              <a:t>(2)</a:t>
+              <a:t>(1)</a:t>
             </a:r>
             <a:endParaRPr lang="en-US" sz="1400" b="1" dirty="0">
               <a:solidFill>
@@ -3564,13 +3575,13 @@
       </p:sp>
       <p:sp>
         <p:nvSpPr>
-          <p:cNvPr id="27" name="TextBox 26"/>
+          <p:cNvPr id="26" name="TextBox 25"/>
           <p:cNvSpPr txBox="1"/>
           <p:nvPr/>
         </p:nvSpPr>
         <p:spPr>
           <a:xfrm>
-            <a:off x="4791075" y="4721423"/>
+            <a:off x="6612510" y="3010597"/>
             <a:ext cx="388248" cy="307777"/>
           </a:xfrm>
           <a:prstGeom prst="rect">
@@ -3590,7 +3601,7 @@
                   <a:srgbClr val="FF0000"/>
                 </a:solidFill>
               </a:rPr>
-              <a:t>(3)</a:t>
+              <a:t>(2)</a:t>
             </a:r>
             <a:endParaRPr lang="en-US" sz="1400" b="1" dirty="0">
               <a:solidFill>
@@ -3602,13 +3613,13 @@
       </p:sp>
       <p:sp>
         <p:nvSpPr>
-          <p:cNvPr id="28" name="TextBox 27"/>
+          <p:cNvPr id="27" name="TextBox 26"/>
           <p:cNvSpPr txBox="1"/>
           <p:nvPr/>
         </p:nvSpPr>
         <p:spPr>
           <a:xfrm>
-            <a:off x="6543675" y="4721423"/>
+            <a:off x="4800600" y="4721423"/>
             <a:ext cx="388248" cy="307777"/>
           </a:xfrm>
           <a:prstGeom prst="rect">
@@ -3628,7 +3639,7 @@
                   <a:srgbClr val="FF0000"/>
                 </a:solidFill>
               </a:rPr>
-              <a:t>(4)</a:t>
+              <a:t>(3)</a:t>
             </a:r>
             <a:endParaRPr lang="en-US" sz="1400" b="1" dirty="0">
               <a:solidFill>
@@ -3648,6 +3659,13 @@
   <p:clrMapOvr>
     <a:masterClrMapping/>
   </p:clrMapOvr>
+  <p:timing>
+    <p:tnLst>
+      <p:par>
+        <p:cTn id="1" dur="indefinite" restart="never" nodeType="tmRoot"/>
+      </p:par>
+    </p:tnLst>
+  </p:timing>
 </p:sld>
 </file>
 
@@ -3668,49 +3686,178 @@
           <a:chExt cx="0" cy="0"/>
         </a:xfrm>
       </p:grpSpPr>
-      <p:sp>
-        <p:nvSpPr>
-          <p:cNvPr id="2" name="Title 1"/>
-          <p:cNvSpPr>
-            <a:spLocks noGrp="1"/>
-          </p:cNvSpPr>
-          <p:nvPr>
-            <p:ph type="title"/>
-          </p:nvPr>
-        </p:nvSpPr>
-        <p:spPr/>
-        <p:txBody>
-          <a:bodyPr/>
-          <a:lstStyle/>
-          <a:p>
-            <a:endParaRPr lang="en-US"/>
-          </a:p>
-        </p:txBody>
-      </p:sp>
       <p:grpSp>
         <p:nvGrpSpPr>
-          <p:cNvPr id="4" name="Group 3"/>
+          <p:cNvPr id="7" name="Group 6"/>
           <p:cNvGrpSpPr/>
           <p:nvPr/>
         </p:nvGrpSpPr>
         <p:grpSpPr>
           <a:xfrm>
-            <a:off x="4724400" y="990600"/>
+            <a:off x="685800" y="931817"/>
             <a:ext cx="3743325" cy="5715000"/>
-            <a:chOff x="2505075" y="1219200"/>
-            <a:chExt cx="3743325" cy="5486400"/>
+            <a:chOff x="4724400" y="990600"/>
+            <a:chExt cx="3743325" cy="5715000"/>
           </a:xfrm>
         </p:grpSpPr>
+        <p:grpSp>
+          <p:nvGrpSpPr>
+            <p:cNvPr id="4" name="Group 3"/>
+            <p:cNvGrpSpPr/>
+            <p:nvPr/>
+          </p:nvGrpSpPr>
+          <p:grpSpPr>
+            <a:xfrm>
+              <a:off x="4724400" y="990600"/>
+              <a:ext cx="3743325" cy="5715000"/>
+              <a:chOff x="2505075" y="1219200"/>
+              <a:chExt cx="3743325" cy="5486400"/>
+            </a:xfrm>
+          </p:grpSpPr>
+          <p:pic>
+            <p:nvPicPr>
+              <p:cNvPr id="5" name="Picture 3" descr="C:\Users\TUAN-NGUYEN\Desktop\Capture.PNG"/>
+              <p:cNvPicPr>
+                <a:picLocks noChangeAspect="1" noChangeArrowheads="1"/>
+              </p:cNvPicPr>
+              <p:nvPr/>
+            </p:nvPicPr>
+            <p:blipFill>
+              <a:blip r:embed="rId2">
+                <a:extLst>
+                  <a:ext uri="{28A0092B-C50C-407E-A947-70E740481C1C}">
+                    <a14:useLocalDpi xmlns:a14="http://schemas.microsoft.com/office/drawing/2010/main" val="0"/>
+                  </a:ext>
+                </a:extLst>
+              </a:blip>
+              <a:srcRect/>
+              <a:stretch>
+                <a:fillRect/>
+              </a:stretch>
+            </p:blipFill>
+            <p:spPr bwMode="auto">
+              <a:xfrm>
+                <a:off x="2505075" y="1219200"/>
+                <a:ext cx="3743325" cy="5486400"/>
+              </a:xfrm>
+              <a:prstGeom prst="rect">
+                <a:avLst/>
+              </a:prstGeom>
+              <a:noFill/>
+              <a:extLst>
+                <a:ext uri="{909E8E84-426E-40DD-AFC4-6F175D3DCCD1}">
+                  <a14:hiddenFill xmlns:a14="http://schemas.microsoft.com/office/drawing/2010/main">
+                    <a:solidFill>
+                      <a:srgbClr val="FFFFFF"/>
+                    </a:solidFill>
+                  </a14:hiddenFill>
+                </a:ext>
+              </a:extLst>
+            </p:spPr>
+          </p:pic>
+          <p:sp>
+            <p:nvSpPr>
+              <p:cNvPr id="6" name="Rectangle 5"/>
+              <p:cNvSpPr/>
+              <p:nvPr/>
+            </p:nvSpPr>
+            <p:spPr>
+              <a:xfrm>
+                <a:off x="2603863" y="1624148"/>
+                <a:ext cx="3492137" cy="228600"/>
+              </a:xfrm>
+              <a:prstGeom prst="rect">
+                <a:avLst/>
+              </a:prstGeom>
+              <a:ln/>
+            </p:spPr>
+            <p:style>
+              <a:lnRef idx="1">
+                <a:schemeClr val="accent1"/>
+              </a:lnRef>
+              <a:fillRef idx="3">
+                <a:schemeClr val="accent1"/>
+              </a:fillRef>
+              <a:effectRef idx="2">
+                <a:schemeClr val="accent1"/>
+              </a:effectRef>
+              <a:fontRef idx="minor">
+                <a:schemeClr val="lt1"/>
+              </a:fontRef>
+            </p:style>
+            <p:txBody>
+              <a:bodyPr rtlCol="0" anchor="ctr"/>
+              <a:lstStyle/>
+              <a:p>
+                <a:pPr algn="ctr"/>
+                <a:r>
+                  <a:rPr lang="vi-VN" sz="1400" b="1" noProof="1" smtClean="0">
+                    <a:solidFill>
+                      <a:schemeClr val="bg1"/>
+                    </a:solidFill>
+                  </a:rPr>
+                  <a:t>MapPro v1.0</a:t>
+                </a:r>
+                <a:endParaRPr lang="vi-VN" sz="1400" b="1" noProof="1">
+                  <a:solidFill>
+                    <a:schemeClr val="bg1"/>
+                  </a:solidFill>
+                </a:endParaRPr>
+              </a:p>
+            </p:txBody>
+          </p:sp>
+        </p:grpSp>
+        <p:sp>
+          <p:nvSpPr>
+            <p:cNvPr id="12" name="Rectangle 11"/>
+            <p:cNvSpPr/>
+            <p:nvPr/>
+          </p:nvSpPr>
+          <p:spPr>
+            <a:xfrm>
+              <a:off x="4813663" y="1650546"/>
+              <a:ext cx="3492137" cy="4978854"/>
+            </a:xfrm>
+            <a:prstGeom prst="rect">
+              <a:avLst/>
+            </a:prstGeom>
+            <a:solidFill>
+              <a:schemeClr val="bg1"/>
+            </a:solidFill>
+          </p:spPr>
+          <p:style>
+            <a:lnRef idx="1">
+              <a:schemeClr val="accent3"/>
+            </a:lnRef>
+            <a:fillRef idx="2">
+              <a:schemeClr val="accent3"/>
+            </a:fillRef>
+            <a:effectRef idx="1">
+              <a:schemeClr val="accent3"/>
+            </a:effectRef>
+            <a:fontRef idx="minor">
+              <a:schemeClr val="dk1"/>
+            </a:fontRef>
+          </p:style>
+          <p:txBody>
+            <a:bodyPr rtlCol="0" anchor="ctr"/>
+            <a:lstStyle/>
+            <a:p>
+              <a:pPr algn="ctr"/>
+              <a:endParaRPr lang="en-US"/>
+            </a:p>
+          </p:txBody>
+        </p:sp>
         <p:pic>
           <p:nvPicPr>
-            <p:cNvPr id="5" name="Picture 3" descr="C:\Users\TUAN-NGUYEN\Desktop\Capture.PNG"/>
+            <p:cNvPr id="1026" name="Picture 2" descr="D:\Google_Map_Project\google-map-api-and-map-on-android\Resources\Icon\ATMicon.png"/>
             <p:cNvPicPr>
               <a:picLocks noChangeAspect="1" noChangeArrowheads="1"/>
             </p:cNvPicPr>
             <p:nvPr/>
           </p:nvPicPr>
           <p:blipFill>
-            <a:blip r:embed="rId2">
+            <a:blip r:embed="rId3">
               <a:extLst>
                 <a:ext uri="{28A0092B-C50C-407E-A947-70E740481C1C}">
                   <a14:useLocalDpi xmlns:a14="http://schemas.microsoft.com/office/drawing/2010/main" val="0"/>
@@ -3724,8 +3871,8 @@
           </p:blipFill>
           <p:spPr bwMode="auto">
             <a:xfrm>
-              <a:off x="2505075" y="1219200"/>
-              <a:ext cx="3743325" cy="5486400"/>
+              <a:off x="5195798" y="1828800"/>
+              <a:ext cx="1058091" cy="1058091"/>
             </a:xfrm>
             <a:prstGeom prst="rect">
               <a:avLst/>
@@ -3742,350 +3889,243 @@
             </a:extLst>
           </p:spPr>
         </p:pic>
-        <p:sp>
-          <p:nvSpPr>
-            <p:cNvPr id="6" name="Rectangle 5"/>
-            <p:cNvSpPr/>
+        <p:pic>
+          <p:nvPicPr>
+            <p:cNvPr id="1027" name="Picture 3" descr="D:\Google_Map_Project\google-map-api-and-map-on-android\Resources\Icon\Busicon.png"/>
+            <p:cNvPicPr>
+              <a:picLocks noChangeAspect="1" noChangeArrowheads="1"/>
+            </p:cNvPicPr>
             <p:nvPr/>
-          </p:nvSpPr>
-          <p:spPr>
+          </p:nvPicPr>
+          <p:blipFill>
+            <a:blip r:embed="rId4">
+              <a:extLst>
+                <a:ext uri="{28A0092B-C50C-407E-A947-70E740481C1C}">
+                  <a14:useLocalDpi xmlns:a14="http://schemas.microsoft.com/office/drawing/2010/main" val="0"/>
+                </a:ext>
+              </a:extLst>
+            </a:blip>
+            <a:srcRect/>
+            <a:stretch>
+              <a:fillRect/>
+            </a:stretch>
+          </p:blipFill>
+          <p:spPr bwMode="auto">
             <a:xfrm>
-              <a:off x="2603863" y="1624148"/>
-              <a:ext cx="3492137" cy="228600"/>
+              <a:off x="6857366" y="1828799"/>
+              <a:ext cx="1064215" cy="1058091"/>
             </a:xfrm>
             <a:prstGeom prst="rect">
               <a:avLst/>
             </a:prstGeom>
-            <a:ln/>
+            <a:noFill/>
+            <a:extLst>
+              <a:ext uri="{909E8E84-426E-40DD-AFC4-6F175D3DCCD1}">
+                <a14:hiddenFill xmlns:a14="http://schemas.microsoft.com/office/drawing/2010/main">
+                  <a:solidFill>
+                    <a:srgbClr val="FFFFFF"/>
+                  </a:solidFill>
+                </a14:hiddenFill>
+              </a:ext>
+            </a:extLst>
           </p:spPr>
-          <p:style>
-            <a:lnRef idx="1">
-              <a:schemeClr val="accent1"/>
-            </a:lnRef>
-            <a:fillRef idx="3">
-              <a:schemeClr val="accent1"/>
-            </a:fillRef>
-            <a:effectRef idx="2">
-              <a:schemeClr val="accent1"/>
-            </a:effectRef>
-            <a:fontRef idx="minor">
-              <a:schemeClr val="lt1"/>
-            </a:fontRef>
-          </p:style>
-          <p:txBody>
-            <a:bodyPr rtlCol="0" anchor="ctr"/>
-            <a:lstStyle/>
-            <a:p>
-              <a:pPr algn="ctr"/>
-              <a:r>
-                <a:rPr lang="vi-VN" sz="1400" b="1" noProof="1" smtClean="0">
+        </p:pic>
+        <p:pic>
+          <p:nvPicPr>
+            <p:cNvPr id="1028" name="Picture 4" descr="D:\Google_Map_Project\google-map-api-and-map-on-android\Resources\Icon\hospitalicon.png"/>
+            <p:cNvPicPr>
+              <a:picLocks noChangeAspect="1" noChangeArrowheads="1"/>
+            </p:cNvPicPr>
+            <p:nvPr/>
+          </p:nvPicPr>
+          <p:blipFill>
+            <a:blip r:embed="rId5">
+              <a:extLst>
+                <a:ext uri="{28A0092B-C50C-407E-A947-70E740481C1C}">
+                  <a14:useLocalDpi xmlns:a14="http://schemas.microsoft.com/office/drawing/2010/main" val="0"/>
+                </a:ext>
+              </a:extLst>
+            </a:blip>
+            <a:srcRect/>
+            <a:stretch>
+              <a:fillRect/>
+            </a:stretch>
+          </p:blipFill>
+          <p:spPr bwMode="auto">
+            <a:xfrm>
+              <a:off x="5178381" y="3333750"/>
+              <a:ext cx="1085850" cy="1085850"/>
+            </a:xfrm>
+            <a:prstGeom prst="rect">
+              <a:avLst/>
+            </a:prstGeom>
+            <a:noFill/>
+            <a:extLst>
+              <a:ext uri="{909E8E84-426E-40DD-AFC4-6F175D3DCCD1}">
+                <a14:hiddenFill xmlns:a14="http://schemas.microsoft.com/office/drawing/2010/main">
                   <a:solidFill>
-                    <a:schemeClr val="bg1"/>
+                    <a:srgbClr val="FFFFFF"/>
                   </a:solidFill>
-                </a:rPr>
-                <a:t>MapPro v1.0</a:t>
-              </a:r>
-              <a:endParaRPr lang="vi-VN" sz="1400" b="1" noProof="1">
-                <a:solidFill>
-                  <a:schemeClr val="bg1"/>
-                </a:solidFill>
-              </a:endParaRPr>
-            </a:p>
-          </p:txBody>
-        </p:sp>
+                </a14:hiddenFill>
+              </a:ext>
+            </a:extLst>
+          </p:spPr>
+        </p:pic>
+        <p:pic>
+          <p:nvPicPr>
+            <p:cNvPr id="1029" name="Picture 5" descr="D:\Google_Map_Project\google-map-api-and-map-on-android\Resources\Icon\universityicon.png"/>
+            <p:cNvPicPr>
+              <a:picLocks noChangeAspect="1" noChangeArrowheads="1"/>
+            </p:cNvPicPr>
+            <p:nvPr/>
+          </p:nvPicPr>
+          <p:blipFill>
+            <a:blip r:embed="rId6">
+              <a:extLst>
+                <a:ext uri="{28A0092B-C50C-407E-A947-70E740481C1C}">
+                  <a14:useLocalDpi xmlns:a14="http://schemas.microsoft.com/office/drawing/2010/main" val="0"/>
+                </a:ext>
+              </a:extLst>
+            </a:blip>
+            <a:srcRect/>
+            <a:stretch>
+              <a:fillRect/>
+            </a:stretch>
+          </p:blipFill>
+          <p:spPr bwMode="auto">
+            <a:xfrm>
+              <a:off x="6778581" y="3352800"/>
+              <a:ext cx="1143000" cy="1143000"/>
+            </a:xfrm>
+            <a:prstGeom prst="rect">
+              <a:avLst/>
+            </a:prstGeom>
+            <a:noFill/>
+            <a:extLst>
+              <a:ext uri="{909E8E84-426E-40DD-AFC4-6F175D3DCCD1}">
+                <a14:hiddenFill xmlns:a14="http://schemas.microsoft.com/office/drawing/2010/main">
+                  <a:solidFill>
+                    <a:srgbClr val="FFFFFF"/>
+                  </a:solidFill>
+                </a14:hiddenFill>
+              </a:ext>
+            </a:extLst>
+          </p:spPr>
+        </p:pic>
+        <p:pic>
+          <p:nvPicPr>
+            <p:cNvPr id="1030" name="Picture 6" descr="D:\Google_Map_Project\google-map-api-and-map-on-android\Resources\Icon\Hotelicon.png"/>
+            <p:cNvPicPr>
+              <a:picLocks noChangeAspect="1" noChangeArrowheads="1"/>
+            </p:cNvPicPr>
+            <p:nvPr/>
+          </p:nvPicPr>
+          <p:blipFill>
+            <a:blip r:embed="rId7">
+              <a:extLst>
+                <a:ext uri="{28A0092B-C50C-407E-A947-70E740481C1C}">
+                  <a14:useLocalDpi xmlns:a14="http://schemas.microsoft.com/office/drawing/2010/main" val="0"/>
+                </a:ext>
+              </a:extLst>
+            </a:blip>
+            <a:srcRect/>
+            <a:stretch>
+              <a:fillRect/>
+            </a:stretch>
+          </p:blipFill>
+          <p:spPr bwMode="auto">
+            <a:xfrm>
+              <a:off x="5108984" y="4876800"/>
+              <a:ext cx="1183821" cy="1183821"/>
+            </a:xfrm>
+            <a:prstGeom prst="rect">
+              <a:avLst/>
+            </a:prstGeom>
+            <a:noFill/>
+            <a:extLst>
+              <a:ext uri="{909E8E84-426E-40DD-AFC4-6F175D3DCCD1}">
+                <a14:hiddenFill xmlns:a14="http://schemas.microsoft.com/office/drawing/2010/main">
+                  <a:solidFill>
+                    <a:srgbClr val="FFFFFF"/>
+                  </a:solidFill>
+                </a14:hiddenFill>
+              </a:ext>
+            </a:extLst>
+          </p:spPr>
+        </p:pic>
+        <p:pic>
+          <p:nvPicPr>
+            <p:cNvPr id="1031" name="Picture 7" descr="D:\Google_Map_Project\google-map-api-and-map-on-android\Resources\Icon\GasStationicon.png"/>
+            <p:cNvPicPr>
+              <a:picLocks noChangeAspect="1" noChangeArrowheads="1"/>
+            </p:cNvPicPr>
+            <p:nvPr/>
+          </p:nvPicPr>
+          <p:blipFill>
+            <a:blip r:embed="rId8">
+              <a:extLst>
+                <a:ext uri="{28A0092B-C50C-407E-A947-70E740481C1C}">
+                  <a14:useLocalDpi xmlns:a14="http://schemas.microsoft.com/office/drawing/2010/main" val="0"/>
+                </a:ext>
+              </a:extLst>
+            </a:blip>
+            <a:srcRect/>
+            <a:stretch>
+              <a:fillRect/>
+            </a:stretch>
+          </p:blipFill>
+          <p:spPr bwMode="auto">
+            <a:xfrm>
+              <a:off x="6740979" y="4876800"/>
+              <a:ext cx="1183821" cy="1183821"/>
+            </a:xfrm>
+            <a:prstGeom prst="rect">
+              <a:avLst/>
+            </a:prstGeom>
+            <a:noFill/>
+            <a:extLst>
+              <a:ext uri="{909E8E84-426E-40DD-AFC4-6F175D3DCCD1}">
+                <a14:hiddenFill xmlns:a14="http://schemas.microsoft.com/office/drawing/2010/main">
+                  <a:solidFill>
+                    <a:srgbClr val="FFFFFF"/>
+                  </a:solidFill>
+                </a14:hiddenFill>
+              </a:ext>
+            </a:extLst>
+          </p:spPr>
+        </p:pic>
       </p:grpSp>
       <p:sp>
         <p:nvSpPr>
-          <p:cNvPr id="12" name="Rectangle 11"/>
-          <p:cNvSpPr/>
+          <p:cNvPr id="22" name="TextBox 21"/>
+          <p:cNvSpPr txBox="1"/>
           <p:nvPr/>
         </p:nvSpPr>
         <p:spPr>
           <a:xfrm>
-            <a:off x="4813663" y="1650546"/>
-            <a:ext cx="3492137" cy="4978854"/>
-          </a:xfrm>
-          <a:prstGeom prst="rect">
-            <a:avLst/>
-          </a:prstGeom>
-          <a:solidFill>
-            <a:schemeClr val="accent1">
-              <a:lumMod val="20000"/>
-              <a:lumOff val="80000"/>
-            </a:schemeClr>
-          </a:solidFill>
-        </p:spPr>
-        <p:style>
-          <a:lnRef idx="2">
-            <a:schemeClr val="accent1">
-              <a:shade val="50000"/>
-            </a:schemeClr>
-          </a:lnRef>
-          <a:fillRef idx="1">
-            <a:schemeClr val="accent1"/>
-          </a:fillRef>
-          <a:effectRef idx="0">
-            <a:schemeClr val="accent1"/>
-          </a:effectRef>
-          <a:fontRef idx="minor">
-            <a:schemeClr val="lt1"/>
-          </a:fontRef>
-        </p:style>
-        <p:txBody>
-          <a:bodyPr rtlCol="0" anchor="ctr"/>
-          <a:lstStyle/>
-          <a:p>
-            <a:pPr algn="ctr"/>
-            <a:endParaRPr lang="en-US"/>
-          </a:p>
-        </p:txBody>
-      </p:sp>
-      <p:pic>
-        <p:nvPicPr>
-          <p:cNvPr id="1038" name="Picture 14" descr="D:\Google_Map_Project\google-map-api-and-map-on-android\Resources\Icon\ATMicon.gif"/>
-          <p:cNvPicPr>
-            <a:picLocks noChangeAspect="1" noChangeArrowheads="1"/>
-          </p:cNvPicPr>
-          <p:nvPr/>
-        </p:nvPicPr>
-        <p:blipFill>
-          <a:blip r:embed="rId3">
-            <a:extLst>
-              <a:ext uri="{28A0092B-C50C-407E-A947-70E740481C1C}">
-                <a14:useLocalDpi xmlns:a14="http://schemas.microsoft.com/office/drawing/2010/main" val="0"/>
-              </a:ext>
-            </a:extLst>
-          </a:blip>
-          <a:srcRect/>
-          <a:stretch>
-            <a:fillRect/>
-          </a:stretch>
-        </p:blipFill>
-        <p:spPr bwMode="auto">
-          <a:xfrm>
-            <a:off x="5105400" y="1905000"/>
-            <a:ext cx="990600" cy="990600"/>
+            <a:off x="1604554" y="159603"/>
+            <a:ext cx="5786257" cy="707886"/>
           </a:xfrm>
           <a:prstGeom prst="rect">
             <a:avLst/>
           </a:prstGeom>
           <a:noFill/>
-          <a:extLst>
-            <a:ext uri="{909E8E84-426E-40DD-AFC4-6F175D3DCCD1}">
-              <a14:hiddenFill xmlns:a14="http://schemas.microsoft.com/office/drawing/2010/main">
-                <a:solidFill>
-                  <a:srgbClr val="FFFFFF"/>
-                </a:solidFill>
-              </a14:hiddenFill>
-            </a:ext>
-          </a:extLst>
         </p:spPr>
-      </p:pic>
-      <p:pic>
-        <p:nvPicPr>
-          <p:cNvPr id="1039" name="Picture 15" descr="D:\Google_Map_Project\google-map-api-and-map-on-android\Resources\Icon\Busstationicon.gif"/>
-          <p:cNvPicPr>
-            <a:picLocks noChangeAspect="1" noChangeArrowheads="1"/>
-          </p:cNvPicPr>
-          <p:nvPr/>
-        </p:nvPicPr>
-        <p:blipFill>
-          <a:blip r:embed="rId4">
-            <a:extLst>
-              <a:ext uri="{28A0092B-C50C-407E-A947-70E740481C1C}">
-                <a14:useLocalDpi xmlns:a14="http://schemas.microsoft.com/office/drawing/2010/main" val="0"/>
-              </a:ext>
-            </a:extLst>
-          </a:blip>
-          <a:srcRect/>
-          <a:stretch>
-            <a:fillRect/>
-          </a:stretch>
-        </p:blipFill>
-        <p:spPr bwMode="auto">
-          <a:xfrm>
-            <a:off x="6858000" y="1828800"/>
-            <a:ext cx="1143000" cy="1143000"/>
-          </a:xfrm>
-          <a:prstGeom prst="rect">
-            <a:avLst/>
-          </a:prstGeom>
-          <a:noFill/>
-          <a:extLst>
-            <a:ext uri="{909E8E84-426E-40DD-AFC4-6F175D3DCCD1}">
-              <a14:hiddenFill xmlns:a14="http://schemas.microsoft.com/office/drawing/2010/main">
-                <a:solidFill>
-                  <a:srgbClr val="FFFFFF"/>
-                </a:solidFill>
-              </a14:hiddenFill>
-            </a:ext>
-          </a:extLst>
-        </p:spPr>
-      </p:pic>
-      <p:pic>
-        <p:nvPicPr>
-          <p:cNvPr id="1040" name="Picture 16" descr="D:\Google_Map_Project\google-map-api-and-map-on-android\Resources\Icon\GasStationicon.gif"/>
-          <p:cNvPicPr>
-            <a:picLocks noChangeAspect="1" noChangeArrowheads="1"/>
-          </p:cNvPicPr>
-          <p:nvPr/>
-        </p:nvPicPr>
-        <p:blipFill>
-          <a:blip r:embed="rId5">
-            <a:extLst>
-              <a:ext uri="{28A0092B-C50C-407E-A947-70E740481C1C}">
-                <a14:useLocalDpi xmlns:a14="http://schemas.microsoft.com/office/drawing/2010/main" val="0"/>
-              </a:ext>
-            </a:extLst>
-          </a:blip>
-          <a:srcRect/>
-          <a:stretch>
-            <a:fillRect/>
-          </a:stretch>
-        </p:blipFill>
-        <p:spPr bwMode="auto">
-          <a:xfrm>
-            <a:off x="6858000" y="4876800"/>
-            <a:ext cx="1143000" cy="1143000"/>
-          </a:xfrm>
-          <a:prstGeom prst="rect">
-            <a:avLst/>
-          </a:prstGeom>
-          <a:noFill/>
-          <a:extLst>
-            <a:ext uri="{909E8E84-426E-40DD-AFC4-6F175D3DCCD1}">
-              <a14:hiddenFill xmlns:a14="http://schemas.microsoft.com/office/drawing/2010/main">
-                <a:solidFill>
-                  <a:srgbClr val="FFFFFF"/>
-                </a:solidFill>
-              </a14:hiddenFill>
-            </a:ext>
-          </a:extLst>
-        </p:spPr>
-      </p:pic>
-      <p:pic>
-        <p:nvPicPr>
-          <p:cNvPr id="1041" name="Picture 17" descr="D:\Google_Map_Project\google-map-api-and-map-on-android\Resources\Icon\hospitalicon.gif"/>
-          <p:cNvPicPr>
-            <a:picLocks noChangeAspect="1" noChangeArrowheads="1"/>
-          </p:cNvPicPr>
-          <p:nvPr/>
-        </p:nvPicPr>
-        <p:blipFill>
-          <a:blip r:embed="rId6">
-            <a:extLst>
-              <a:ext uri="{28A0092B-C50C-407E-A947-70E740481C1C}">
-                <a14:useLocalDpi xmlns:a14="http://schemas.microsoft.com/office/drawing/2010/main" val="0"/>
-              </a:ext>
-            </a:extLst>
-          </a:blip>
-          <a:srcRect/>
-          <a:stretch>
-            <a:fillRect/>
-          </a:stretch>
-        </p:blipFill>
-        <p:spPr bwMode="auto">
-          <a:xfrm>
-            <a:off x="5029200" y="3200400"/>
-            <a:ext cx="1143000" cy="1143000"/>
-          </a:xfrm>
-          <a:prstGeom prst="rect">
-            <a:avLst/>
-          </a:prstGeom>
-          <a:noFill/>
-          <a:extLst>
-            <a:ext uri="{909E8E84-426E-40DD-AFC4-6F175D3DCCD1}">
-              <a14:hiddenFill xmlns:a14="http://schemas.microsoft.com/office/drawing/2010/main">
-                <a:solidFill>
-                  <a:srgbClr val="FFFFFF"/>
-                </a:solidFill>
-              </a14:hiddenFill>
-            </a:ext>
-          </a:extLst>
-        </p:spPr>
-      </p:pic>
-      <p:pic>
-        <p:nvPicPr>
-          <p:cNvPr id="1042" name="Picture 18" descr="D:\Google_Map_Project\google-map-api-and-map-on-android\Resources\Icon\Hotelicon.gif"/>
-          <p:cNvPicPr>
-            <a:picLocks noChangeAspect="1" noChangeArrowheads="1"/>
-          </p:cNvPicPr>
-          <p:nvPr/>
-        </p:nvPicPr>
-        <p:blipFill>
-          <a:blip r:embed="rId7">
-            <a:extLst>
-              <a:ext uri="{28A0092B-C50C-407E-A947-70E740481C1C}">
-                <a14:useLocalDpi xmlns:a14="http://schemas.microsoft.com/office/drawing/2010/main" val="0"/>
-              </a:ext>
-            </a:extLst>
-          </a:blip>
-          <a:srcRect/>
-          <a:stretch>
-            <a:fillRect/>
-          </a:stretch>
-        </p:blipFill>
-        <p:spPr bwMode="auto">
-          <a:xfrm>
-            <a:off x="5029200" y="4876800"/>
-            <a:ext cx="1143000" cy="1143000"/>
-          </a:xfrm>
-          <a:prstGeom prst="rect">
-            <a:avLst/>
-          </a:prstGeom>
-          <a:noFill/>
-          <a:extLst>
-            <a:ext uri="{909E8E84-426E-40DD-AFC4-6F175D3DCCD1}">
-              <a14:hiddenFill xmlns:a14="http://schemas.microsoft.com/office/drawing/2010/main">
-                <a:solidFill>
-                  <a:srgbClr val="FFFFFF"/>
-                </a:solidFill>
-              </a14:hiddenFill>
-            </a:ext>
-          </a:extLst>
-        </p:spPr>
-      </p:pic>
-      <p:pic>
-        <p:nvPicPr>
-          <p:cNvPr id="1043" name="Picture 19" descr="D:\Google_Map_Project\google-map-api-and-map-on-android\Resources\Icon\universitycon.gif"/>
-          <p:cNvPicPr>
-            <a:picLocks noChangeAspect="1" noChangeArrowheads="1"/>
-          </p:cNvPicPr>
-          <p:nvPr/>
-        </p:nvPicPr>
-        <p:blipFill>
-          <a:blip r:embed="rId8">
-            <a:extLst>
-              <a:ext uri="{28A0092B-C50C-407E-A947-70E740481C1C}">
-                <a14:useLocalDpi xmlns:a14="http://schemas.microsoft.com/office/drawing/2010/main" val="0"/>
-              </a:ext>
-            </a:extLst>
-          </a:blip>
-          <a:srcRect/>
-          <a:stretch>
-            <a:fillRect/>
-          </a:stretch>
-        </p:blipFill>
-        <p:spPr bwMode="auto">
-          <a:xfrm>
-            <a:off x="6858000" y="3200400"/>
-            <a:ext cx="1143000" cy="1143000"/>
-          </a:xfrm>
-          <a:prstGeom prst="rect">
-            <a:avLst/>
-          </a:prstGeom>
-          <a:noFill/>
-          <a:extLst>
-            <a:ext uri="{909E8E84-426E-40DD-AFC4-6F175D3DCCD1}">
-              <a14:hiddenFill xmlns:a14="http://schemas.microsoft.com/office/drawing/2010/main">
-                <a:solidFill>
-                  <a:srgbClr val="FFFFFF"/>
-                </a:solidFill>
-              </a14:hiddenFill>
-            </a:ext>
-          </a:extLst>
-        </p:spPr>
-      </p:pic>
+        <p:txBody>
+          <a:bodyPr wrap="square" rtlCol="0">
+            <a:spAutoFit/>
+          </a:bodyPr>
+          <a:lstStyle/>
+          <a:p>
+            <a:pPr algn="ctr"/>
+            <a:r>
+              <a:rPr lang="en-US" sz="4000" b="1" noProof="1" smtClean="0"/>
+              <a:t>Màn hình địa điểm</a:t>
+            </a:r>
+            <a:endParaRPr lang="vi-VN" sz="4000" b="1" noProof="1"/>
+          </a:p>
+        </p:txBody>
+      </p:sp>
     </p:spTree>
     <p:extLst>
       <p:ext uri="{BB962C8B-B14F-4D97-AF65-F5344CB8AC3E}">
@@ -4096,6 +4136,13 @@
   <p:clrMapOvr>
     <a:masterClrMapping/>
   </p:clrMapOvr>
+  <p:timing>
+    <p:tnLst>
+      <p:par>
+        <p:cTn id="1" dur="indefinite" restart="never" nodeType="tmRoot"/>
+      </p:par>
+    </p:tnLst>
+  </p:timing>
 </p:sld>
 </file>
 
@@ -4116,6 +4163,615 @@
           <a:chExt cx="0" cy="0"/>
         </a:xfrm>
       </p:grpSpPr>
+      <p:grpSp>
+        <p:nvGrpSpPr>
+          <p:cNvPr id="17" name="Group 16"/>
+          <p:cNvGrpSpPr/>
+          <p:nvPr/>
+        </p:nvGrpSpPr>
+        <p:grpSpPr>
+          <a:xfrm>
+            <a:off x="1514475" y="990600"/>
+            <a:ext cx="3743325" cy="5715000"/>
+            <a:chOff x="4714875" y="990600"/>
+            <a:chExt cx="3743325" cy="5715000"/>
+          </a:xfrm>
+        </p:grpSpPr>
+        <p:grpSp>
+          <p:nvGrpSpPr>
+            <p:cNvPr id="4" name="Group 3"/>
+            <p:cNvGrpSpPr/>
+            <p:nvPr/>
+          </p:nvGrpSpPr>
+          <p:grpSpPr>
+            <a:xfrm>
+              <a:off x="4714875" y="990600"/>
+              <a:ext cx="3743325" cy="5715000"/>
+              <a:chOff x="2505075" y="1219200"/>
+              <a:chExt cx="3743325" cy="5486400"/>
+            </a:xfrm>
+          </p:grpSpPr>
+          <p:pic>
+            <p:nvPicPr>
+              <p:cNvPr id="5" name="Picture 3" descr="C:\Users\TUAN-NGUYEN\Desktop\Capture.PNG"/>
+              <p:cNvPicPr>
+                <a:picLocks noChangeAspect="1" noChangeArrowheads="1"/>
+              </p:cNvPicPr>
+              <p:nvPr/>
+            </p:nvPicPr>
+            <p:blipFill>
+              <a:blip r:embed="rId2">
+                <a:extLst>
+                  <a:ext uri="{28A0092B-C50C-407E-A947-70E740481C1C}">
+                    <a14:useLocalDpi xmlns:a14="http://schemas.microsoft.com/office/drawing/2010/main" val="0"/>
+                  </a:ext>
+                </a:extLst>
+              </a:blip>
+              <a:srcRect/>
+              <a:stretch>
+                <a:fillRect/>
+              </a:stretch>
+            </p:blipFill>
+            <p:spPr bwMode="auto">
+              <a:xfrm>
+                <a:off x="2505075" y="1219200"/>
+                <a:ext cx="3743325" cy="5486400"/>
+              </a:xfrm>
+              <a:prstGeom prst="rect">
+                <a:avLst/>
+              </a:prstGeom>
+              <a:noFill/>
+              <a:extLst>
+                <a:ext uri="{909E8E84-426E-40DD-AFC4-6F175D3DCCD1}">
+                  <a14:hiddenFill xmlns:a14="http://schemas.microsoft.com/office/drawing/2010/main">
+                    <a:solidFill>
+                      <a:srgbClr val="FFFFFF"/>
+                    </a:solidFill>
+                  </a14:hiddenFill>
+                </a:ext>
+              </a:extLst>
+            </p:spPr>
+          </p:pic>
+          <p:sp>
+            <p:nvSpPr>
+              <p:cNvPr id="6" name="Rectangle 5"/>
+              <p:cNvSpPr/>
+              <p:nvPr/>
+            </p:nvSpPr>
+            <p:spPr>
+              <a:xfrm>
+                <a:off x="2603863" y="1624148"/>
+                <a:ext cx="3492137" cy="228600"/>
+              </a:xfrm>
+              <a:prstGeom prst="rect">
+                <a:avLst/>
+              </a:prstGeom>
+              <a:ln/>
+            </p:spPr>
+            <p:style>
+              <a:lnRef idx="1">
+                <a:schemeClr val="accent1"/>
+              </a:lnRef>
+              <a:fillRef idx="3">
+                <a:schemeClr val="accent1"/>
+              </a:fillRef>
+              <a:effectRef idx="2">
+                <a:schemeClr val="accent1"/>
+              </a:effectRef>
+              <a:fontRef idx="minor">
+                <a:schemeClr val="lt1"/>
+              </a:fontRef>
+            </p:style>
+            <p:txBody>
+              <a:bodyPr rtlCol="0" anchor="ctr"/>
+              <a:lstStyle/>
+              <a:p>
+                <a:pPr algn="ctr"/>
+                <a:r>
+                  <a:rPr lang="vi-VN" sz="1400" b="1" noProof="1" smtClean="0">
+                    <a:solidFill>
+                      <a:schemeClr val="bg1"/>
+                    </a:solidFill>
+                  </a:rPr>
+                  <a:t>MapPro v1.0</a:t>
+                </a:r>
+                <a:endParaRPr lang="vi-VN" sz="1400" b="1" noProof="1">
+                  <a:solidFill>
+                    <a:schemeClr val="bg1"/>
+                  </a:solidFill>
+                </a:endParaRPr>
+              </a:p>
+            </p:txBody>
+          </p:sp>
+        </p:grpSp>
+        <p:sp>
+          <p:nvSpPr>
+            <p:cNvPr id="11" name="Rounded Rectangle 10"/>
+            <p:cNvSpPr/>
+            <p:nvPr/>
+          </p:nvSpPr>
+          <p:spPr>
+            <a:xfrm>
+              <a:off x="4926439" y="2768543"/>
+              <a:ext cx="2845961" cy="381000"/>
+            </a:xfrm>
+            <a:prstGeom prst="roundRect">
+              <a:avLst/>
+            </a:prstGeom>
+          </p:spPr>
+          <p:style>
+            <a:lnRef idx="2">
+              <a:schemeClr val="accent3"/>
+            </a:lnRef>
+            <a:fillRef idx="1">
+              <a:schemeClr val="lt1"/>
+            </a:fillRef>
+            <a:effectRef idx="0">
+              <a:schemeClr val="accent3"/>
+            </a:effectRef>
+            <a:fontRef idx="minor">
+              <a:schemeClr val="dk1"/>
+            </a:fontRef>
+          </p:style>
+          <p:txBody>
+            <a:bodyPr rtlCol="0" anchor="ctr"/>
+            <a:lstStyle/>
+            <a:p>
+              <a:pPr algn="ctr"/>
+              <a:endParaRPr lang="en-US"/>
+            </a:p>
+          </p:txBody>
+        </p:sp>
+        <p:sp>
+          <p:nvSpPr>
+            <p:cNvPr id="13" name="Rounded Rectangle 12"/>
+            <p:cNvSpPr/>
+            <p:nvPr/>
+          </p:nvSpPr>
+          <p:spPr>
+            <a:xfrm>
+              <a:off x="4926438" y="3836126"/>
+              <a:ext cx="2845961" cy="381000"/>
+            </a:xfrm>
+            <a:prstGeom prst="roundRect">
+              <a:avLst/>
+            </a:prstGeom>
+          </p:spPr>
+          <p:style>
+            <a:lnRef idx="2">
+              <a:schemeClr val="accent3"/>
+            </a:lnRef>
+            <a:fillRef idx="1">
+              <a:schemeClr val="lt1"/>
+            </a:fillRef>
+            <a:effectRef idx="0">
+              <a:schemeClr val="accent3"/>
+            </a:effectRef>
+            <a:fontRef idx="minor">
+              <a:schemeClr val="dk1"/>
+            </a:fontRef>
+          </p:style>
+          <p:txBody>
+            <a:bodyPr rtlCol="0" anchor="ctr"/>
+            <a:lstStyle/>
+            <a:p>
+              <a:pPr algn="ctr"/>
+              <a:endParaRPr lang="en-US"/>
+            </a:p>
+          </p:txBody>
+        </p:sp>
+        <p:sp>
+          <p:nvSpPr>
+            <p:cNvPr id="14" name="TextBox 13"/>
+            <p:cNvSpPr txBox="1"/>
+            <p:nvPr/>
+          </p:nvSpPr>
+          <p:spPr>
+            <a:xfrm>
+              <a:off x="4876800" y="2311343"/>
+              <a:ext cx="1420582" cy="338554"/>
+            </a:xfrm>
+            <a:prstGeom prst="rect">
+              <a:avLst/>
+            </a:prstGeom>
+            <a:noFill/>
+          </p:spPr>
+          <p:txBody>
+            <a:bodyPr wrap="none" rtlCol="0">
+              <a:spAutoFit/>
+            </a:bodyPr>
+            <a:lstStyle/>
+            <a:p>
+              <a:r>
+                <a:rPr lang="vi-VN" sz="1600" b="1" noProof="1" smtClean="0">
+                  <a:solidFill>
+                    <a:schemeClr val="bg1"/>
+                  </a:solidFill>
+                </a:rPr>
+                <a:t>Vị trí hiện tại</a:t>
+              </a:r>
+              <a:endParaRPr lang="vi-VN" sz="1600" b="1" noProof="1">
+                <a:solidFill>
+                  <a:schemeClr val="bg1"/>
+                </a:solidFill>
+              </a:endParaRPr>
+            </a:p>
+          </p:txBody>
+        </p:sp>
+        <p:sp>
+          <p:nvSpPr>
+            <p:cNvPr id="15" name="TextBox 14"/>
+            <p:cNvSpPr txBox="1"/>
+            <p:nvPr/>
+          </p:nvSpPr>
+          <p:spPr>
+            <a:xfrm>
+              <a:off x="4907340" y="3390594"/>
+              <a:ext cx="1475084" cy="338554"/>
+            </a:xfrm>
+            <a:prstGeom prst="rect">
+              <a:avLst/>
+            </a:prstGeom>
+            <a:noFill/>
+          </p:spPr>
+          <p:txBody>
+            <a:bodyPr wrap="none" rtlCol="0">
+              <a:spAutoFit/>
+            </a:bodyPr>
+            <a:lstStyle/>
+            <a:p>
+              <a:r>
+                <a:rPr lang="vi-VN" sz="1600" b="1" noProof="1" smtClean="0">
+                  <a:solidFill>
+                    <a:schemeClr val="bg1"/>
+                  </a:solidFill>
+                </a:rPr>
+                <a:t>Vị trí cho sẵn</a:t>
+              </a:r>
+              <a:endParaRPr lang="vi-VN" sz="1600" b="1" noProof="1">
+                <a:solidFill>
+                  <a:schemeClr val="bg1"/>
+                </a:solidFill>
+              </a:endParaRPr>
+            </a:p>
+          </p:txBody>
+        </p:sp>
+        <p:sp>
+          <p:nvSpPr>
+            <p:cNvPr id="16" name="Rounded Rectangle 15"/>
+            <p:cNvSpPr/>
+            <p:nvPr/>
+          </p:nvSpPr>
+          <p:spPr>
+            <a:xfrm>
+              <a:off x="5867400" y="5257800"/>
+              <a:ext cx="1285875" cy="533400"/>
+            </a:xfrm>
+            <a:prstGeom prst="roundRect">
+              <a:avLst/>
+            </a:prstGeom>
+          </p:spPr>
+          <p:style>
+            <a:lnRef idx="0">
+              <a:schemeClr val="accent3"/>
+            </a:lnRef>
+            <a:fillRef idx="3">
+              <a:schemeClr val="accent3"/>
+            </a:fillRef>
+            <a:effectRef idx="3">
+              <a:schemeClr val="accent3"/>
+            </a:effectRef>
+            <a:fontRef idx="minor">
+              <a:schemeClr val="lt1"/>
+            </a:fontRef>
+          </p:style>
+          <p:txBody>
+            <a:bodyPr rtlCol="0" anchor="ctr"/>
+            <a:lstStyle/>
+            <a:p>
+              <a:pPr algn="ctr"/>
+              <a:r>
+                <a:rPr lang="vi-VN" b="1" noProof="1" smtClean="0"/>
+                <a:t>Xem</a:t>
+              </a:r>
+              <a:endParaRPr lang="vi-VN" b="1" noProof="1"/>
+            </a:p>
+          </p:txBody>
+        </p:sp>
+        <p:pic>
+          <p:nvPicPr>
+            <p:cNvPr id="4099" name="Picture 3"/>
+            <p:cNvPicPr>
+              <a:picLocks noChangeAspect="1" noChangeArrowheads="1"/>
+            </p:cNvPicPr>
+            <p:nvPr/>
+          </p:nvPicPr>
+          <p:blipFill>
+            <a:blip r:embed="rId3">
+              <a:extLst>
+                <a:ext uri="{28A0092B-C50C-407E-A947-70E740481C1C}">
+                  <a14:useLocalDpi xmlns:a14="http://schemas.microsoft.com/office/drawing/2010/main" val="0"/>
+                </a:ext>
+              </a:extLst>
+            </a:blip>
+            <a:srcRect/>
+            <a:stretch>
+              <a:fillRect/>
+            </a:stretch>
+          </p:blipFill>
+          <p:spPr bwMode="auto">
+            <a:xfrm>
+              <a:off x="6610350" y="4543424"/>
+              <a:ext cx="1238250" cy="334936"/>
+            </a:xfrm>
+            <a:prstGeom prst="rect">
+              <a:avLst/>
+            </a:prstGeom>
+            <a:noFill/>
+            <a:ln>
+              <a:noFill/>
+            </a:ln>
+            <a:effectLst/>
+            <a:extLst>
+              <a:ext uri="{909E8E84-426E-40DD-AFC4-6F175D3DCCD1}">
+                <a14:hiddenFill xmlns:a14="http://schemas.microsoft.com/office/drawing/2010/main">
+                  <a:solidFill>
+                    <a:schemeClr val="accent1"/>
+                  </a:solidFill>
+                </a14:hiddenFill>
+              </a:ext>
+              <a:ext uri="{91240B29-F687-4F45-9708-019B960494DF}">
+                <a14:hiddenLine xmlns:a14="http://schemas.microsoft.com/office/drawing/2010/main" w="9525">
+                  <a:solidFill>
+                    <a:schemeClr val="tx1"/>
+                  </a:solidFill>
+                  <a:miter lim="800000"/>
+                  <a:headEnd/>
+                  <a:tailEnd/>
+                </a14:hiddenLine>
+              </a:ext>
+              <a:ext uri="{AF507438-7753-43E0-B8FC-AC1667EBCBE1}">
+                <a14:hiddenEffects xmlns:a14="http://schemas.microsoft.com/office/drawing/2010/main">
+                  <a:effectLst>
+                    <a:outerShdw dist="35921" dir="2700000" algn="ctr" rotWithShape="0">
+                      <a:schemeClr val="bg2"/>
+                    </a:outerShdw>
+                  </a:effectLst>
+                </a14:hiddenEffects>
+              </a:ext>
+            </a:extLst>
+          </p:spPr>
+        </p:pic>
+        <p:pic>
+          <p:nvPicPr>
+            <p:cNvPr id="4100" name="Picture 4"/>
+            <p:cNvPicPr>
+              <a:picLocks noChangeAspect="1" noChangeArrowheads="1"/>
+            </p:cNvPicPr>
+            <p:nvPr/>
+          </p:nvPicPr>
+          <p:blipFill>
+            <a:blip r:embed="rId4">
+              <a:extLst>
+                <a:ext uri="{28A0092B-C50C-407E-A947-70E740481C1C}">
+                  <a14:useLocalDpi xmlns:a14="http://schemas.microsoft.com/office/drawing/2010/main" val="0"/>
+                </a:ext>
+              </a:extLst>
+            </a:blip>
+            <a:srcRect/>
+            <a:stretch>
+              <a:fillRect/>
+            </a:stretch>
+          </p:blipFill>
+          <p:spPr bwMode="auto">
+            <a:xfrm>
+              <a:off x="7848600" y="2731532"/>
+              <a:ext cx="442819" cy="468868"/>
+            </a:xfrm>
+            <a:prstGeom prst="rect">
+              <a:avLst/>
+            </a:prstGeom>
+            <a:noFill/>
+            <a:ln>
+              <a:noFill/>
+            </a:ln>
+            <a:effectLst/>
+            <a:extLst>
+              <a:ext uri="{909E8E84-426E-40DD-AFC4-6F175D3DCCD1}">
+                <a14:hiddenFill xmlns:a14="http://schemas.microsoft.com/office/drawing/2010/main">
+                  <a:solidFill>
+                    <a:schemeClr val="accent1"/>
+                  </a:solidFill>
+                </a14:hiddenFill>
+              </a:ext>
+              <a:ext uri="{91240B29-F687-4F45-9708-019B960494DF}">
+                <a14:hiddenLine xmlns:a14="http://schemas.microsoft.com/office/drawing/2010/main" w="9525">
+                  <a:solidFill>
+                    <a:schemeClr val="tx1"/>
+                  </a:solidFill>
+                  <a:miter lim="800000"/>
+                  <a:headEnd/>
+                  <a:tailEnd/>
+                </a14:hiddenLine>
+              </a:ext>
+              <a:ext uri="{AF507438-7753-43E0-B8FC-AC1667EBCBE1}">
+                <a14:hiddenEffects xmlns:a14="http://schemas.microsoft.com/office/drawing/2010/main">
+                  <a:effectLst>
+                    <a:outerShdw dist="35921" dir="2700000" algn="ctr" rotWithShape="0">
+                      <a:schemeClr val="bg2"/>
+                    </a:outerShdw>
+                  </a:effectLst>
+                </a14:hiddenEffects>
+              </a:ext>
+            </a:extLst>
+          </p:spPr>
+        </p:pic>
+        <p:pic>
+          <p:nvPicPr>
+            <p:cNvPr id="4101" name="Picture 5"/>
+            <p:cNvPicPr>
+              <a:picLocks noChangeAspect="1" noChangeArrowheads="1"/>
+            </p:cNvPicPr>
+            <p:nvPr/>
+          </p:nvPicPr>
+          <p:blipFill>
+            <a:blip r:embed="rId5">
+              <a:extLst>
+                <a:ext uri="{28A0092B-C50C-407E-A947-70E740481C1C}">
+                  <a14:useLocalDpi xmlns:a14="http://schemas.microsoft.com/office/drawing/2010/main" val="0"/>
+                </a:ext>
+              </a:extLst>
+            </a:blip>
+            <a:srcRect/>
+            <a:stretch>
+              <a:fillRect/>
+            </a:stretch>
+          </p:blipFill>
+          <p:spPr bwMode="auto">
+            <a:xfrm>
+              <a:off x="7848600" y="3836126"/>
+              <a:ext cx="457200" cy="431074"/>
+            </a:xfrm>
+            <a:prstGeom prst="rect">
+              <a:avLst/>
+            </a:prstGeom>
+            <a:noFill/>
+            <a:ln>
+              <a:noFill/>
+            </a:ln>
+            <a:effectLst/>
+            <a:extLst>
+              <a:ext uri="{909E8E84-426E-40DD-AFC4-6F175D3DCCD1}">
+                <a14:hiddenFill xmlns:a14="http://schemas.microsoft.com/office/drawing/2010/main">
+                  <a:solidFill>
+                    <a:schemeClr val="accent1"/>
+                  </a:solidFill>
+                </a14:hiddenFill>
+              </a:ext>
+              <a:ext uri="{91240B29-F687-4F45-9708-019B960494DF}">
+                <a14:hiddenLine xmlns:a14="http://schemas.microsoft.com/office/drawing/2010/main" w="9525">
+                  <a:solidFill>
+                    <a:schemeClr val="tx1"/>
+                  </a:solidFill>
+                  <a:miter lim="800000"/>
+                  <a:headEnd/>
+                  <a:tailEnd/>
+                </a14:hiddenLine>
+              </a:ext>
+              <a:ext uri="{AF507438-7753-43E0-B8FC-AC1667EBCBE1}">
+                <a14:hiddenEffects xmlns:a14="http://schemas.microsoft.com/office/drawing/2010/main">
+                  <a:effectLst>
+                    <a:outerShdw dist="35921" dir="2700000" algn="ctr" rotWithShape="0">
+                      <a:schemeClr val="bg2"/>
+                    </a:outerShdw>
+                  </a:effectLst>
+                </a14:hiddenEffects>
+              </a:ext>
+            </a:extLst>
+          </p:spPr>
+        </p:pic>
+        <p:pic>
+          <p:nvPicPr>
+            <p:cNvPr id="4103" name="Picture 7"/>
+            <p:cNvPicPr>
+              <a:picLocks noChangeAspect="1" noChangeArrowheads="1"/>
+            </p:cNvPicPr>
+            <p:nvPr/>
+          </p:nvPicPr>
+          <p:blipFill>
+            <a:blip r:embed="rId6">
+              <a:extLst>
+                <a:ext uri="{28A0092B-C50C-407E-A947-70E740481C1C}">
+                  <a14:useLocalDpi xmlns:a14="http://schemas.microsoft.com/office/drawing/2010/main" val="0"/>
+                </a:ext>
+              </a:extLst>
+            </a:blip>
+            <a:srcRect/>
+            <a:stretch>
+              <a:fillRect/>
+            </a:stretch>
+          </p:blipFill>
+          <p:spPr bwMode="auto">
+            <a:xfrm>
+              <a:off x="5334000" y="4550738"/>
+              <a:ext cx="1161461" cy="321476"/>
+            </a:xfrm>
+            <a:prstGeom prst="rect">
+              <a:avLst/>
+            </a:prstGeom>
+            <a:noFill/>
+            <a:ln>
+              <a:noFill/>
+            </a:ln>
+            <a:effectLst/>
+            <a:extLst>
+              <a:ext uri="{909E8E84-426E-40DD-AFC4-6F175D3DCCD1}">
+                <a14:hiddenFill xmlns:a14="http://schemas.microsoft.com/office/drawing/2010/main">
+                  <a:solidFill>
+                    <a:schemeClr val="accent1"/>
+                  </a:solidFill>
+                </a14:hiddenFill>
+              </a:ext>
+              <a:ext uri="{91240B29-F687-4F45-9708-019B960494DF}">
+                <a14:hiddenLine xmlns:a14="http://schemas.microsoft.com/office/drawing/2010/main" w="9525">
+                  <a:solidFill>
+                    <a:schemeClr val="tx1"/>
+                  </a:solidFill>
+                  <a:miter lim="800000"/>
+                  <a:headEnd/>
+                  <a:tailEnd/>
+                </a14:hiddenLine>
+              </a:ext>
+              <a:ext uri="{AF507438-7753-43E0-B8FC-AC1667EBCBE1}">
+                <a14:hiddenEffects xmlns:a14="http://schemas.microsoft.com/office/drawing/2010/main">
+                  <a:effectLst>
+                    <a:outerShdw dist="35921" dir="2700000" algn="ctr" rotWithShape="0">
+                      <a:schemeClr val="bg2"/>
+                    </a:outerShdw>
+                  </a:effectLst>
+                </a14:hiddenEffects>
+              </a:ext>
+            </a:extLst>
+          </p:spPr>
+        </p:pic>
+      </p:grpSp>
+    </p:spTree>
+    <p:extLst>
+      <p:ext uri="{BB962C8B-B14F-4D97-AF65-F5344CB8AC3E}">
+        <p14:creationId xmlns:p14="http://schemas.microsoft.com/office/powerpoint/2010/main" val="2827532749"/>
+      </p:ext>
+    </p:extLst>
+  </p:cSld>
+  <p:clrMapOvr>
+    <a:masterClrMapping/>
+  </p:clrMapOvr>
+  <p:timing>
+    <p:tnLst>
+      <p:par>
+        <p:cTn id="1" dur="indefinite" restart="never" nodeType="tmRoot"/>
+      </p:par>
+    </p:tnLst>
+  </p:timing>
+</p:sld>
+</file>
+
+<file path=ppt/slides/slide5.xml><?xml version="1.0" encoding="utf-8"?>
+<p:sld xmlns:a="http://schemas.openxmlformats.org/drawingml/2006/main" xmlns:r="http://schemas.openxmlformats.org/officeDocument/2006/relationships" xmlns:p="http://schemas.openxmlformats.org/presentationml/2006/main">
+  <p:cSld>
+    <p:spTree>
+      <p:nvGrpSpPr>
+        <p:cNvPr id="1" name=""/>
+        <p:cNvGrpSpPr/>
+        <p:nvPr/>
+      </p:nvGrpSpPr>
+      <p:grpSpPr>
+        <a:xfrm>
+          <a:off x="0" y="0"/>
+          <a:ext cx="0" cy="0"/>
+          <a:chOff x="0" y="0"/>
+          <a:chExt cx="0" cy="0"/>
+        </a:xfrm>
+      </p:grpSpPr>
       <p:sp>
         <p:nvSpPr>
           <p:cNvPr id="2" name="Title 1"/>
@@ -4131,7 +4787,7 @@
           <a:bodyPr/>
           <a:lstStyle/>
           <a:p>
-            <a:endParaRPr lang="en-US"/>
+            <a:endParaRPr lang="en-US" dirty="0"/>
           </a:p>
         </p:txBody>
       </p:sp>
@@ -4242,6 +4898,334 @@
           </p:txBody>
         </p:sp>
       </p:grpSp>
+      <p:pic>
+        <p:nvPicPr>
+          <p:cNvPr id="3076" name="Picture 4" descr="C:\Users\TUAN-NGUYEN\Desktop\Capture.PNG"/>
+          <p:cNvPicPr>
+            <a:picLocks noChangeAspect="1" noChangeArrowheads="1"/>
+          </p:cNvPicPr>
+          <p:nvPr/>
+        </p:nvPicPr>
+        <p:blipFill>
+          <a:blip r:embed="rId3">
+            <a:extLst>
+              <a:ext uri="{28A0092B-C50C-407E-A947-70E740481C1C}">
+                <a14:useLocalDpi xmlns:a14="http://schemas.microsoft.com/office/drawing/2010/main" val="0"/>
+              </a:ext>
+            </a:extLst>
+          </a:blip>
+          <a:srcRect/>
+          <a:stretch>
+            <a:fillRect/>
+          </a:stretch>
+        </p:blipFill>
+        <p:spPr bwMode="auto">
+          <a:xfrm>
+            <a:off x="4813663" y="1683203"/>
+            <a:ext cx="3492137" cy="4869997"/>
+          </a:xfrm>
+          <a:prstGeom prst="rect">
+            <a:avLst/>
+          </a:prstGeom>
+          <a:noFill/>
+          <a:extLst>
+            <a:ext uri="{909E8E84-426E-40DD-AFC4-6F175D3DCCD1}">
+              <a14:hiddenFill xmlns:a14="http://schemas.microsoft.com/office/drawing/2010/main">
+                <a:solidFill>
+                  <a:srgbClr val="FFFFFF"/>
+                </a:solidFill>
+              </a14:hiddenFill>
+            </a:ext>
+          </a:extLst>
+        </p:spPr>
+      </p:pic>
+      <p:pic>
+        <p:nvPicPr>
+          <p:cNvPr id="3078" name="Picture 6" descr="D:\Google_Map_Project\google-map-api-and-map-on-android\Resources\Icon\StartPoint.png"/>
+          <p:cNvPicPr>
+            <a:picLocks noChangeAspect="1" noChangeArrowheads="1"/>
+          </p:cNvPicPr>
+          <p:nvPr/>
+        </p:nvPicPr>
+        <p:blipFill>
+          <a:blip r:embed="rId4">
+            <a:extLst>
+              <a:ext uri="{28A0092B-C50C-407E-A947-70E740481C1C}">
+                <a14:useLocalDpi xmlns:a14="http://schemas.microsoft.com/office/drawing/2010/main" val="0"/>
+              </a:ext>
+            </a:extLst>
+          </a:blip>
+          <a:srcRect/>
+          <a:stretch>
+            <a:fillRect/>
+          </a:stretch>
+        </p:blipFill>
+        <p:spPr bwMode="auto">
+          <a:xfrm>
+            <a:off x="5791200" y="3505200"/>
+            <a:ext cx="263763" cy="342900"/>
+          </a:xfrm>
+          <a:prstGeom prst="rect">
+            <a:avLst/>
+          </a:prstGeom>
+          <a:noFill/>
+          <a:extLst>
+            <a:ext uri="{909E8E84-426E-40DD-AFC4-6F175D3DCCD1}">
+              <a14:hiddenFill xmlns:a14="http://schemas.microsoft.com/office/drawing/2010/main">
+                <a:solidFill>
+                  <a:srgbClr val="FFFFFF"/>
+                </a:solidFill>
+              </a14:hiddenFill>
+            </a:ext>
+          </a:extLst>
+        </p:spPr>
+      </p:pic>
+      <p:pic>
+        <p:nvPicPr>
+          <p:cNvPr id="11" name="Picture 6" descr="D:\Google_Map_Project\google-map-api-and-map-on-android\Resources\Icon\StartPoint.png"/>
+          <p:cNvPicPr>
+            <a:picLocks noChangeAspect="1" noChangeArrowheads="1"/>
+          </p:cNvPicPr>
+          <p:nvPr/>
+        </p:nvPicPr>
+        <p:blipFill>
+          <a:blip r:embed="rId4">
+            <a:extLst>
+              <a:ext uri="{28A0092B-C50C-407E-A947-70E740481C1C}">
+                <a14:useLocalDpi xmlns:a14="http://schemas.microsoft.com/office/drawing/2010/main" val="0"/>
+              </a:ext>
+            </a:extLst>
+          </a:blip>
+          <a:srcRect/>
+          <a:stretch>
+            <a:fillRect/>
+          </a:stretch>
+        </p:blipFill>
+        <p:spPr bwMode="auto">
+          <a:xfrm>
+            <a:off x="7142281" y="4267200"/>
+            <a:ext cx="263763" cy="342900"/>
+          </a:xfrm>
+          <a:prstGeom prst="rect">
+            <a:avLst/>
+          </a:prstGeom>
+          <a:noFill/>
+          <a:extLst>
+            <a:ext uri="{909E8E84-426E-40DD-AFC4-6F175D3DCCD1}">
+              <a14:hiddenFill xmlns:a14="http://schemas.microsoft.com/office/drawing/2010/main">
+                <a:solidFill>
+                  <a:srgbClr val="FFFFFF"/>
+                </a:solidFill>
+              </a14:hiddenFill>
+            </a:ext>
+          </a:extLst>
+        </p:spPr>
+      </p:pic>
+      <p:pic>
+        <p:nvPicPr>
+          <p:cNvPr id="12" name="Picture 6" descr="D:\Google_Map_Project\google-map-api-and-map-on-android\Resources\Icon\StartPoint.png"/>
+          <p:cNvPicPr>
+            <a:picLocks noChangeAspect="1" noChangeArrowheads="1"/>
+          </p:cNvPicPr>
+          <p:nvPr/>
+        </p:nvPicPr>
+        <p:blipFill>
+          <a:blip r:embed="rId4">
+            <a:extLst>
+              <a:ext uri="{28A0092B-C50C-407E-A947-70E740481C1C}">
+                <a14:useLocalDpi xmlns:a14="http://schemas.microsoft.com/office/drawing/2010/main" val="0"/>
+              </a:ext>
+            </a:extLst>
+          </a:blip>
+          <a:srcRect/>
+          <a:stretch>
+            <a:fillRect/>
+          </a:stretch>
+        </p:blipFill>
+        <p:spPr bwMode="auto">
+          <a:xfrm>
+            <a:off x="7030918" y="2895600"/>
+            <a:ext cx="263763" cy="342900"/>
+          </a:xfrm>
+          <a:prstGeom prst="rect">
+            <a:avLst/>
+          </a:prstGeom>
+          <a:noFill/>
+          <a:extLst>
+            <a:ext uri="{909E8E84-426E-40DD-AFC4-6F175D3DCCD1}">
+              <a14:hiddenFill xmlns:a14="http://schemas.microsoft.com/office/drawing/2010/main">
+                <a:solidFill>
+                  <a:srgbClr val="FFFFFF"/>
+                </a:solidFill>
+              </a14:hiddenFill>
+            </a:ext>
+          </a:extLst>
+        </p:spPr>
+      </p:pic>
+      <p:pic>
+        <p:nvPicPr>
+          <p:cNvPr id="13" name="Picture 6" descr="D:\Google_Map_Project\google-map-api-and-map-on-android\Resources\Icon\StartPoint.png"/>
+          <p:cNvPicPr>
+            <a:picLocks noChangeAspect="1" noChangeArrowheads="1"/>
+          </p:cNvPicPr>
+          <p:nvPr/>
+        </p:nvPicPr>
+        <p:blipFill>
+          <a:blip r:embed="rId4">
+            <a:extLst>
+              <a:ext uri="{28A0092B-C50C-407E-A947-70E740481C1C}">
+                <a14:useLocalDpi xmlns:a14="http://schemas.microsoft.com/office/drawing/2010/main" val="0"/>
+              </a:ext>
+            </a:extLst>
+          </a:blip>
+          <a:srcRect/>
+          <a:stretch>
+            <a:fillRect/>
+          </a:stretch>
+        </p:blipFill>
+        <p:spPr bwMode="auto">
+          <a:xfrm>
+            <a:off x="5791200" y="4655276"/>
+            <a:ext cx="263763" cy="342900"/>
+          </a:xfrm>
+          <a:prstGeom prst="rect">
+            <a:avLst/>
+          </a:prstGeom>
+          <a:noFill/>
+          <a:extLst>
+            <a:ext uri="{909E8E84-426E-40DD-AFC4-6F175D3DCCD1}">
+              <a14:hiddenFill xmlns:a14="http://schemas.microsoft.com/office/drawing/2010/main">
+                <a:solidFill>
+                  <a:srgbClr val="FFFFFF"/>
+                </a:solidFill>
+              </a14:hiddenFill>
+            </a:ext>
+          </a:extLst>
+        </p:spPr>
+      </p:pic>
+      <p:pic>
+        <p:nvPicPr>
+          <p:cNvPr id="14" name="Picture 6" descr="D:\Google_Map_Project\google-map-api-and-map-on-android\Resources\Icon\StartPoint.png"/>
+          <p:cNvPicPr>
+            <a:picLocks noChangeAspect="1" noChangeArrowheads="1"/>
+          </p:cNvPicPr>
+          <p:nvPr/>
+        </p:nvPicPr>
+        <p:blipFill>
+          <a:blip r:embed="rId4">
+            <a:extLst>
+              <a:ext uri="{28A0092B-C50C-407E-A947-70E740481C1C}">
+                <a14:useLocalDpi xmlns:a14="http://schemas.microsoft.com/office/drawing/2010/main" val="0"/>
+              </a:ext>
+            </a:extLst>
+          </a:blip>
+          <a:srcRect/>
+          <a:stretch>
+            <a:fillRect/>
+          </a:stretch>
+        </p:blipFill>
+        <p:spPr bwMode="auto">
+          <a:xfrm>
+            <a:off x="6767155" y="4920343"/>
+            <a:ext cx="263763" cy="342900"/>
+          </a:xfrm>
+          <a:prstGeom prst="rect">
+            <a:avLst/>
+          </a:prstGeom>
+          <a:noFill/>
+          <a:extLst>
+            <a:ext uri="{909E8E84-426E-40DD-AFC4-6F175D3DCCD1}">
+              <a14:hiddenFill xmlns:a14="http://schemas.microsoft.com/office/drawing/2010/main">
+                <a:solidFill>
+                  <a:srgbClr val="FFFFFF"/>
+                </a:solidFill>
+              </a14:hiddenFill>
+            </a:ext>
+          </a:extLst>
+        </p:spPr>
+      </p:pic>
+      <p:pic>
+        <p:nvPicPr>
+          <p:cNvPr id="15" name="Picture 6" descr="D:\Google_Map_Project\google-map-api-and-map-on-android\Resources\Icon\StartPoint.png"/>
+          <p:cNvPicPr>
+            <a:picLocks noChangeAspect="1" noChangeArrowheads="1"/>
+          </p:cNvPicPr>
+          <p:nvPr/>
+        </p:nvPicPr>
+        <p:blipFill>
+          <a:blip r:embed="rId4">
+            <a:extLst>
+              <a:ext uri="{28A0092B-C50C-407E-A947-70E740481C1C}">
+                <a14:useLocalDpi xmlns:a14="http://schemas.microsoft.com/office/drawing/2010/main" val="0"/>
+              </a:ext>
+            </a:extLst>
+          </a:blip>
+          <a:srcRect/>
+          <a:stretch>
+            <a:fillRect/>
+          </a:stretch>
+        </p:blipFill>
+        <p:spPr bwMode="auto">
+          <a:xfrm>
+            <a:off x="6338938" y="2724150"/>
+            <a:ext cx="263763" cy="342900"/>
+          </a:xfrm>
+          <a:prstGeom prst="rect">
+            <a:avLst/>
+          </a:prstGeom>
+          <a:noFill/>
+          <a:extLst>
+            <a:ext uri="{909E8E84-426E-40DD-AFC4-6F175D3DCCD1}">
+              <a14:hiddenFill xmlns:a14="http://schemas.microsoft.com/office/drawing/2010/main">
+                <a:solidFill>
+                  <a:srgbClr val="FFFFFF"/>
+                </a:solidFill>
+              </a14:hiddenFill>
+            </a:ext>
+          </a:extLst>
+        </p:spPr>
+      </p:pic>
+      <p:pic>
+        <p:nvPicPr>
+          <p:cNvPr id="17" name="Picture 6" descr="D:\Google_Map_Project\google-map-api-and-map-on-android\Resources\Icon\StartPoint.png"/>
+          <p:cNvPicPr>
+            <a:picLocks noChangeAspect="1" noChangeArrowheads="1"/>
+          </p:cNvPicPr>
+          <p:nvPr/>
+        </p:nvPicPr>
+        <p:blipFill>
+          <a:blip r:embed="rId4">
+            <a:extLst>
+              <a:ext uri="{28A0092B-C50C-407E-A947-70E740481C1C}">
+                <a14:useLocalDpi xmlns:a14="http://schemas.microsoft.com/office/drawing/2010/main" val="0"/>
+              </a:ext>
+            </a:extLst>
+          </a:blip>
+          <a:srcRect/>
+          <a:stretch>
+            <a:fillRect/>
+          </a:stretch>
+        </p:blipFill>
+        <p:spPr bwMode="auto">
+          <a:xfrm>
+            <a:off x="7543800" y="3526972"/>
+            <a:ext cx="263763" cy="342900"/>
+          </a:xfrm>
+          <a:prstGeom prst="rect">
+            <a:avLst/>
+          </a:prstGeom>
+          <a:noFill/>
+          <a:extLst>
+            <a:ext uri="{909E8E84-426E-40DD-AFC4-6F175D3DCCD1}">
+              <a14:hiddenFill xmlns:a14="http://schemas.microsoft.com/office/drawing/2010/main">
+                <a:solidFill>
+                  <a:srgbClr val="FFFFFF"/>
+                </a:solidFill>
+              </a14:hiddenFill>
+            </a:ext>
+          </a:extLst>
+        </p:spPr>
+      </p:pic>
     </p:spTree>
     <p:extLst>
       <p:ext uri="{BB962C8B-B14F-4D97-AF65-F5344CB8AC3E}">
@@ -4252,10 +5236,17 @@
   <p:clrMapOvr>
     <a:masterClrMapping/>
   </p:clrMapOvr>
+  <p:timing>
+    <p:tnLst>
+      <p:par>
+        <p:cTn id="1" dur="indefinite" restart="never" nodeType="tmRoot"/>
+      </p:par>
+    </p:tnLst>
+  </p:timing>
 </p:sld>
 </file>
 
-<file path=ppt/slides/slide5.xml><?xml version="1.0" encoding="utf-8"?>
+<file path=ppt/slides/slide6.xml><?xml version="1.0" encoding="utf-8"?>
 <p:sld xmlns:a="http://schemas.openxmlformats.org/drawingml/2006/main" xmlns:r="http://schemas.openxmlformats.org/officeDocument/2006/relationships" xmlns:p="http://schemas.openxmlformats.org/presentationml/2006/main">
   <p:cSld>
     <p:spTree>
@@ -4384,15 +5375,7 @@
                     <a:schemeClr val="bg1"/>
                   </a:solidFill>
                 </a:rPr>
-                <a:t> </a:t>
-              </a:r>
-              <a:r>
-                <a:rPr lang="vi-VN" sz="1200" b="1" noProof="1" smtClean="0">
-                  <a:solidFill>
-                    <a:schemeClr val="bg1"/>
-                  </a:solidFill>
-                </a:rPr>
-                <a:t>v1.0</a:t>
+                <a:t> v1.0</a:t>
               </a:r>
               <a:endParaRPr lang="vi-VN" sz="1200" b="1" noProof="1">
                 <a:solidFill>
@@ -5013,6 +5996,252 @@
           </a:p>
         </p:txBody>
       </p:sp>
+      <p:pic>
+        <p:nvPicPr>
+          <p:cNvPr id="27" name="Picture 8" descr="C:\Users\TUAN-NGUYEN\Desktop\atm-icon.gif"/>
+          <p:cNvPicPr>
+            <a:picLocks noChangeAspect="1" noChangeArrowheads="1"/>
+          </p:cNvPicPr>
+          <p:nvPr/>
+        </p:nvPicPr>
+        <p:blipFill>
+          <a:blip r:embed="rId3">
+            <a:extLst>
+              <a:ext uri="{28A0092B-C50C-407E-A947-70E740481C1C}">
+                <a14:useLocalDpi xmlns:a14="http://schemas.microsoft.com/office/drawing/2010/main" val="0"/>
+              </a:ext>
+            </a:extLst>
+          </a:blip>
+          <a:srcRect/>
+          <a:stretch>
+            <a:fillRect/>
+          </a:stretch>
+        </p:blipFill>
+        <p:spPr bwMode="auto">
+          <a:xfrm>
+            <a:off x="4953000" y="1321525"/>
+            <a:ext cx="828674" cy="652462"/>
+          </a:xfrm>
+          <a:prstGeom prst="rect">
+            <a:avLst/>
+          </a:prstGeom>
+          <a:noFill/>
+          <a:extLst>
+            <a:ext uri="{909E8E84-426E-40DD-AFC4-6F175D3DCCD1}">
+              <a14:hiddenFill xmlns:a14="http://schemas.microsoft.com/office/drawing/2010/main">
+                <a:solidFill>
+                  <a:srgbClr val="FFFFFF"/>
+                </a:solidFill>
+              </a14:hiddenFill>
+            </a:ext>
+          </a:extLst>
+        </p:spPr>
+      </p:pic>
+      <p:pic>
+        <p:nvPicPr>
+          <p:cNvPr id="28" name="Picture 8" descr="C:\Users\TUAN-NGUYEN\Desktop\atm-icon.gif"/>
+          <p:cNvPicPr>
+            <a:picLocks noChangeAspect="1" noChangeArrowheads="1"/>
+          </p:cNvPicPr>
+          <p:nvPr/>
+        </p:nvPicPr>
+        <p:blipFill>
+          <a:blip r:embed="rId3">
+            <a:extLst>
+              <a:ext uri="{28A0092B-C50C-407E-A947-70E740481C1C}">
+                <a14:useLocalDpi xmlns:a14="http://schemas.microsoft.com/office/drawing/2010/main" val="0"/>
+              </a:ext>
+            </a:extLst>
+          </a:blip>
+          <a:srcRect/>
+          <a:stretch>
+            <a:fillRect/>
+          </a:stretch>
+        </p:blipFill>
+        <p:spPr bwMode="auto">
+          <a:xfrm>
+            <a:off x="4953000" y="2053131"/>
+            <a:ext cx="828674" cy="652462"/>
+          </a:xfrm>
+          <a:prstGeom prst="rect">
+            <a:avLst/>
+          </a:prstGeom>
+          <a:noFill/>
+          <a:extLst>
+            <a:ext uri="{909E8E84-426E-40DD-AFC4-6F175D3DCCD1}">
+              <a14:hiddenFill xmlns:a14="http://schemas.microsoft.com/office/drawing/2010/main">
+                <a:solidFill>
+                  <a:srgbClr val="FFFFFF"/>
+                </a:solidFill>
+              </a14:hiddenFill>
+            </a:ext>
+          </a:extLst>
+        </p:spPr>
+      </p:pic>
+      <p:pic>
+        <p:nvPicPr>
+          <p:cNvPr id="29" name="Picture 8" descr="C:\Users\TUAN-NGUYEN\Desktop\atm-icon.gif"/>
+          <p:cNvPicPr>
+            <a:picLocks noChangeAspect="1" noChangeArrowheads="1"/>
+          </p:cNvPicPr>
+          <p:nvPr/>
+        </p:nvPicPr>
+        <p:blipFill>
+          <a:blip r:embed="rId3">
+            <a:extLst>
+              <a:ext uri="{28A0092B-C50C-407E-A947-70E740481C1C}">
+                <a14:useLocalDpi xmlns:a14="http://schemas.microsoft.com/office/drawing/2010/main" val="0"/>
+              </a:ext>
+            </a:extLst>
+          </a:blip>
+          <a:srcRect/>
+          <a:stretch>
+            <a:fillRect/>
+          </a:stretch>
+        </p:blipFill>
+        <p:spPr bwMode="auto">
+          <a:xfrm>
+            <a:off x="4971097" y="2857993"/>
+            <a:ext cx="828674" cy="652462"/>
+          </a:xfrm>
+          <a:prstGeom prst="rect">
+            <a:avLst/>
+          </a:prstGeom>
+          <a:noFill/>
+          <a:extLst>
+            <a:ext uri="{909E8E84-426E-40DD-AFC4-6F175D3DCCD1}">
+              <a14:hiddenFill xmlns:a14="http://schemas.microsoft.com/office/drawing/2010/main">
+                <a:solidFill>
+                  <a:srgbClr val="FFFFFF"/>
+                </a:solidFill>
+              </a14:hiddenFill>
+            </a:ext>
+          </a:extLst>
+        </p:spPr>
+      </p:pic>
+      <p:pic>
+        <p:nvPicPr>
+          <p:cNvPr id="30" name="Picture 8" descr="C:\Users\TUAN-NGUYEN\Desktop\atm-icon.gif"/>
+          <p:cNvPicPr>
+            <a:picLocks noChangeAspect="1" noChangeArrowheads="1"/>
+          </p:cNvPicPr>
+          <p:nvPr/>
+        </p:nvPicPr>
+        <p:blipFill>
+          <a:blip r:embed="rId3">
+            <a:extLst>
+              <a:ext uri="{28A0092B-C50C-407E-A947-70E740481C1C}">
+                <a14:useLocalDpi xmlns:a14="http://schemas.microsoft.com/office/drawing/2010/main" val="0"/>
+              </a:ext>
+            </a:extLst>
+          </a:blip>
+          <a:srcRect/>
+          <a:stretch>
+            <a:fillRect/>
+          </a:stretch>
+        </p:blipFill>
+        <p:spPr bwMode="auto">
+          <a:xfrm>
+            <a:off x="4971097" y="3609090"/>
+            <a:ext cx="828674" cy="652462"/>
+          </a:xfrm>
+          <a:prstGeom prst="rect">
+            <a:avLst/>
+          </a:prstGeom>
+          <a:noFill/>
+          <a:extLst>
+            <a:ext uri="{909E8E84-426E-40DD-AFC4-6F175D3DCCD1}">
+              <a14:hiddenFill xmlns:a14="http://schemas.microsoft.com/office/drawing/2010/main">
+                <a:solidFill>
+                  <a:srgbClr val="FFFFFF"/>
+                </a:solidFill>
+              </a14:hiddenFill>
+            </a:ext>
+          </a:extLst>
+        </p:spPr>
+      </p:pic>
+      <p:pic>
+        <p:nvPicPr>
+          <p:cNvPr id="31" name="Picture 8" descr="C:\Users\TUAN-NGUYEN\Desktop\atm-icon.gif"/>
+          <p:cNvPicPr>
+            <a:picLocks noChangeAspect="1" noChangeArrowheads="1"/>
+          </p:cNvPicPr>
+          <p:nvPr/>
+        </p:nvPicPr>
+        <p:blipFill>
+          <a:blip r:embed="rId3">
+            <a:extLst>
+              <a:ext uri="{28A0092B-C50C-407E-A947-70E740481C1C}">
+                <a14:useLocalDpi xmlns:a14="http://schemas.microsoft.com/office/drawing/2010/main" val="0"/>
+              </a:ext>
+            </a:extLst>
+          </a:blip>
+          <a:srcRect/>
+          <a:stretch>
+            <a:fillRect/>
+          </a:stretch>
+        </p:blipFill>
+        <p:spPr bwMode="auto">
+          <a:xfrm>
+            <a:off x="4953000" y="4343400"/>
+            <a:ext cx="828674" cy="652462"/>
+          </a:xfrm>
+          <a:prstGeom prst="rect">
+            <a:avLst/>
+          </a:prstGeom>
+          <a:noFill/>
+          <a:extLst>
+            <a:ext uri="{909E8E84-426E-40DD-AFC4-6F175D3DCCD1}">
+              <a14:hiddenFill xmlns:a14="http://schemas.microsoft.com/office/drawing/2010/main">
+                <a:solidFill>
+                  <a:srgbClr val="FFFFFF"/>
+                </a:solidFill>
+              </a14:hiddenFill>
+            </a:ext>
+          </a:extLst>
+        </p:spPr>
+      </p:pic>
+      <p:pic>
+        <p:nvPicPr>
+          <p:cNvPr id="32" name="Picture 8" descr="C:\Users\TUAN-NGUYEN\Desktop\atm-icon.gif"/>
+          <p:cNvPicPr>
+            <a:picLocks noChangeAspect="1" noChangeArrowheads="1"/>
+          </p:cNvPicPr>
+          <p:nvPr/>
+        </p:nvPicPr>
+        <p:blipFill>
+          <a:blip r:embed="rId3">
+            <a:extLst>
+              <a:ext uri="{28A0092B-C50C-407E-A947-70E740481C1C}">
+                <a14:useLocalDpi xmlns:a14="http://schemas.microsoft.com/office/drawing/2010/main" val="0"/>
+              </a:ext>
+            </a:extLst>
+          </a:blip>
+          <a:srcRect/>
+          <a:stretch>
+            <a:fillRect/>
+          </a:stretch>
+        </p:blipFill>
+        <p:spPr bwMode="auto">
+          <a:xfrm>
+            <a:off x="4971097" y="5138738"/>
+            <a:ext cx="828674" cy="652462"/>
+          </a:xfrm>
+          <a:prstGeom prst="rect">
+            <a:avLst/>
+          </a:prstGeom>
+          <a:noFill/>
+          <a:extLst>
+            <a:ext uri="{909E8E84-426E-40DD-AFC4-6F175D3DCCD1}">
+              <a14:hiddenFill xmlns:a14="http://schemas.microsoft.com/office/drawing/2010/main">
+                <a:solidFill>
+                  <a:srgbClr val="FFFFFF"/>
+                </a:solidFill>
+              </a14:hiddenFill>
+            </a:ext>
+          </a:extLst>
+        </p:spPr>
+      </p:pic>
     </p:spTree>
     <p:extLst>
       <p:ext uri="{BB962C8B-B14F-4D97-AF65-F5344CB8AC3E}">
@@ -5023,6 +6252,828 @@
   <p:clrMapOvr>
     <a:masterClrMapping/>
   </p:clrMapOvr>
+  <p:timing>
+    <p:tnLst>
+      <p:par>
+        <p:cTn id="1" dur="indefinite" restart="never" nodeType="tmRoot"/>
+      </p:par>
+    </p:tnLst>
+  </p:timing>
+</p:sld>
+</file>
+
+<file path=ppt/slides/slide7.xml><?xml version="1.0" encoding="utf-8"?>
+<p:sld xmlns:a="http://schemas.openxmlformats.org/drawingml/2006/main" xmlns:r="http://schemas.openxmlformats.org/officeDocument/2006/relationships" xmlns:p="http://schemas.openxmlformats.org/presentationml/2006/main">
+  <p:cSld>
+    <p:spTree>
+      <p:nvGrpSpPr>
+        <p:cNvPr id="1" name=""/>
+        <p:cNvGrpSpPr/>
+        <p:nvPr/>
+      </p:nvGrpSpPr>
+      <p:grpSpPr>
+        <a:xfrm>
+          <a:off x="0" y="0"/>
+          <a:ext cx="0" cy="0"/>
+          <a:chOff x="0" y="0"/>
+          <a:chExt cx="0" cy="0"/>
+        </a:xfrm>
+      </p:grpSpPr>
+      <p:sp>
+        <p:nvSpPr>
+          <p:cNvPr id="4" name="TextBox 3"/>
+          <p:cNvSpPr txBox="1"/>
+          <p:nvPr/>
+        </p:nvSpPr>
+        <p:spPr>
+          <a:xfrm>
+            <a:off x="1604554" y="159603"/>
+            <a:ext cx="5786257" cy="707886"/>
+          </a:xfrm>
+          <a:prstGeom prst="rect">
+            <a:avLst/>
+          </a:prstGeom>
+          <a:noFill/>
+        </p:spPr>
+        <p:txBody>
+          <a:bodyPr wrap="square" rtlCol="0">
+            <a:spAutoFit/>
+          </a:bodyPr>
+          <a:lstStyle/>
+          <a:p>
+            <a:pPr algn="ctr"/>
+            <a:r>
+              <a:rPr lang="en-US" sz="4000" b="1" noProof="1" smtClean="0"/>
+              <a:t>Màn hình dẫn đường</a:t>
+            </a:r>
+            <a:endParaRPr lang="vi-VN" sz="4000" b="1" noProof="1"/>
+          </a:p>
+        </p:txBody>
+      </p:sp>
+      <p:grpSp>
+        <p:nvGrpSpPr>
+          <p:cNvPr id="5" name="Group 4"/>
+          <p:cNvGrpSpPr/>
+          <p:nvPr/>
+        </p:nvGrpSpPr>
+        <p:grpSpPr>
+          <a:xfrm>
+            <a:off x="1514475" y="990600"/>
+            <a:ext cx="3743325" cy="5715000"/>
+            <a:chOff x="4714875" y="990600"/>
+            <a:chExt cx="3743325" cy="5715000"/>
+          </a:xfrm>
+        </p:grpSpPr>
+        <p:grpSp>
+          <p:nvGrpSpPr>
+            <p:cNvPr id="6" name="Group 5"/>
+            <p:cNvGrpSpPr/>
+            <p:nvPr/>
+          </p:nvGrpSpPr>
+          <p:grpSpPr>
+            <a:xfrm>
+              <a:off x="4714875" y="990600"/>
+              <a:ext cx="3743325" cy="5715000"/>
+              <a:chOff x="2505075" y="1219200"/>
+              <a:chExt cx="3743325" cy="5486400"/>
+            </a:xfrm>
+          </p:grpSpPr>
+          <p:pic>
+            <p:nvPicPr>
+              <p:cNvPr id="16" name="Picture 3" descr="C:\Users\TUAN-NGUYEN\Desktop\Capture.PNG"/>
+              <p:cNvPicPr>
+                <a:picLocks noChangeAspect="1" noChangeArrowheads="1"/>
+              </p:cNvPicPr>
+              <p:nvPr/>
+            </p:nvPicPr>
+            <p:blipFill>
+              <a:blip r:embed="rId2">
+                <a:extLst>
+                  <a:ext uri="{28A0092B-C50C-407E-A947-70E740481C1C}">
+                    <a14:useLocalDpi xmlns:a14="http://schemas.microsoft.com/office/drawing/2010/main" val="0"/>
+                  </a:ext>
+                </a:extLst>
+              </a:blip>
+              <a:srcRect/>
+              <a:stretch>
+                <a:fillRect/>
+              </a:stretch>
+            </p:blipFill>
+            <p:spPr bwMode="auto">
+              <a:xfrm>
+                <a:off x="2505075" y="1219200"/>
+                <a:ext cx="3743325" cy="5486400"/>
+              </a:xfrm>
+              <a:prstGeom prst="rect">
+                <a:avLst/>
+              </a:prstGeom>
+              <a:noFill/>
+              <a:extLst>
+                <a:ext uri="{909E8E84-426E-40DD-AFC4-6F175D3DCCD1}">
+                  <a14:hiddenFill xmlns:a14="http://schemas.microsoft.com/office/drawing/2010/main">
+                    <a:solidFill>
+                      <a:srgbClr val="FFFFFF"/>
+                    </a:solidFill>
+                  </a14:hiddenFill>
+                </a:ext>
+              </a:extLst>
+            </p:spPr>
+          </p:pic>
+          <p:sp>
+            <p:nvSpPr>
+              <p:cNvPr id="17" name="Rectangle 16"/>
+              <p:cNvSpPr/>
+              <p:nvPr/>
+            </p:nvSpPr>
+            <p:spPr>
+              <a:xfrm>
+                <a:off x="2603863" y="1624148"/>
+                <a:ext cx="3492137" cy="228600"/>
+              </a:xfrm>
+              <a:prstGeom prst="rect">
+                <a:avLst/>
+              </a:prstGeom>
+              <a:ln/>
+            </p:spPr>
+            <p:style>
+              <a:lnRef idx="1">
+                <a:schemeClr val="accent1"/>
+              </a:lnRef>
+              <a:fillRef idx="3">
+                <a:schemeClr val="accent1"/>
+              </a:fillRef>
+              <a:effectRef idx="2">
+                <a:schemeClr val="accent1"/>
+              </a:effectRef>
+              <a:fontRef idx="minor">
+                <a:schemeClr val="lt1"/>
+              </a:fontRef>
+            </p:style>
+            <p:txBody>
+              <a:bodyPr rtlCol="0" anchor="ctr"/>
+              <a:lstStyle/>
+              <a:p>
+                <a:pPr algn="ctr"/>
+                <a:r>
+                  <a:rPr lang="vi-VN" sz="1400" b="1" noProof="1" smtClean="0">
+                    <a:solidFill>
+                      <a:schemeClr val="bg1"/>
+                    </a:solidFill>
+                  </a:rPr>
+                  <a:t>MapPro v1.0</a:t>
+                </a:r>
+                <a:endParaRPr lang="vi-VN" sz="1400" b="1" noProof="1">
+                  <a:solidFill>
+                    <a:schemeClr val="bg1"/>
+                  </a:solidFill>
+                </a:endParaRPr>
+              </a:p>
+            </p:txBody>
+          </p:sp>
+        </p:grpSp>
+        <p:sp>
+          <p:nvSpPr>
+            <p:cNvPr id="7" name="Rounded Rectangle 6"/>
+            <p:cNvSpPr/>
+            <p:nvPr/>
+          </p:nvSpPr>
+          <p:spPr>
+            <a:xfrm>
+              <a:off x="4926439" y="2768543"/>
+              <a:ext cx="3379361" cy="381000"/>
+            </a:xfrm>
+            <a:prstGeom prst="roundRect">
+              <a:avLst/>
+            </a:prstGeom>
+          </p:spPr>
+          <p:style>
+            <a:lnRef idx="2">
+              <a:schemeClr val="accent3"/>
+            </a:lnRef>
+            <a:fillRef idx="1">
+              <a:schemeClr val="lt1"/>
+            </a:fillRef>
+            <a:effectRef idx="0">
+              <a:schemeClr val="accent3"/>
+            </a:effectRef>
+            <a:fontRef idx="minor">
+              <a:schemeClr val="dk1"/>
+            </a:fontRef>
+          </p:style>
+          <p:txBody>
+            <a:bodyPr rtlCol="0" anchor="ctr"/>
+            <a:lstStyle/>
+            <a:p>
+              <a:pPr algn="ctr"/>
+              <a:endParaRPr lang="en-US"/>
+            </a:p>
+          </p:txBody>
+        </p:sp>
+        <p:sp>
+          <p:nvSpPr>
+            <p:cNvPr id="8" name="Rounded Rectangle 7"/>
+            <p:cNvSpPr/>
+            <p:nvPr/>
+          </p:nvSpPr>
+          <p:spPr>
+            <a:xfrm>
+              <a:off x="4926438" y="3836126"/>
+              <a:ext cx="3379362" cy="381000"/>
+            </a:xfrm>
+            <a:prstGeom prst="roundRect">
+              <a:avLst/>
+            </a:prstGeom>
+          </p:spPr>
+          <p:style>
+            <a:lnRef idx="2">
+              <a:schemeClr val="accent3"/>
+            </a:lnRef>
+            <a:fillRef idx="1">
+              <a:schemeClr val="lt1"/>
+            </a:fillRef>
+            <a:effectRef idx="0">
+              <a:schemeClr val="accent3"/>
+            </a:effectRef>
+            <a:fontRef idx="minor">
+              <a:schemeClr val="dk1"/>
+            </a:fontRef>
+          </p:style>
+          <p:txBody>
+            <a:bodyPr rtlCol="0" anchor="ctr"/>
+            <a:lstStyle/>
+            <a:p>
+              <a:pPr algn="ctr"/>
+              <a:endParaRPr lang="en-US"/>
+            </a:p>
+          </p:txBody>
+        </p:sp>
+        <p:sp>
+          <p:nvSpPr>
+            <p:cNvPr id="9" name="TextBox 8"/>
+            <p:cNvSpPr txBox="1"/>
+            <p:nvPr/>
+          </p:nvSpPr>
+          <p:spPr>
+            <a:xfrm>
+              <a:off x="4876800" y="2311343"/>
+              <a:ext cx="458780" cy="338554"/>
+            </a:xfrm>
+            <a:prstGeom prst="rect">
+              <a:avLst/>
+            </a:prstGeom>
+            <a:noFill/>
+          </p:spPr>
+          <p:txBody>
+            <a:bodyPr wrap="none" rtlCol="0">
+              <a:spAutoFit/>
+            </a:bodyPr>
+            <a:lstStyle/>
+            <a:p>
+              <a:r>
+                <a:rPr lang="vi-VN" sz="1600" b="1" noProof="1" smtClean="0">
+                  <a:solidFill>
+                    <a:schemeClr val="bg1"/>
+                  </a:solidFill>
+                </a:rPr>
+                <a:t>Từ</a:t>
+              </a:r>
+              <a:endParaRPr lang="vi-VN" sz="1600" b="1" noProof="1">
+                <a:solidFill>
+                  <a:schemeClr val="bg1"/>
+                </a:solidFill>
+              </a:endParaRPr>
+            </a:p>
+          </p:txBody>
+        </p:sp>
+        <p:sp>
+          <p:nvSpPr>
+            <p:cNvPr id="10" name="TextBox 9"/>
+            <p:cNvSpPr txBox="1"/>
+            <p:nvPr/>
+          </p:nvSpPr>
+          <p:spPr>
+            <a:xfrm>
+              <a:off x="4907340" y="3390594"/>
+              <a:ext cx="529312" cy="338554"/>
+            </a:xfrm>
+            <a:prstGeom prst="rect">
+              <a:avLst/>
+            </a:prstGeom>
+            <a:noFill/>
+          </p:spPr>
+          <p:txBody>
+            <a:bodyPr wrap="none" rtlCol="0">
+              <a:spAutoFit/>
+            </a:bodyPr>
+            <a:lstStyle/>
+            <a:p>
+              <a:r>
+                <a:rPr lang="en-US" sz="1600" b="1" noProof="1" smtClean="0">
+                  <a:solidFill>
+                    <a:schemeClr val="bg1"/>
+                  </a:solidFill>
+                </a:rPr>
+                <a:t>Đến</a:t>
+              </a:r>
+              <a:endParaRPr lang="en-US" sz="1600" b="1" noProof="1">
+                <a:solidFill>
+                  <a:schemeClr val="bg1"/>
+                </a:solidFill>
+              </a:endParaRPr>
+            </a:p>
+          </p:txBody>
+        </p:sp>
+        <p:sp>
+          <p:nvSpPr>
+            <p:cNvPr id="11" name="Rounded Rectangle 10"/>
+            <p:cNvSpPr/>
+            <p:nvPr/>
+          </p:nvSpPr>
+          <p:spPr>
+            <a:xfrm>
+              <a:off x="5867400" y="5257800"/>
+              <a:ext cx="1285875" cy="533400"/>
+            </a:xfrm>
+            <a:prstGeom prst="roundRect">
+              <a:avLst/>
+            </a:prstGeom>
+          </p:spPr>
+          <p:style>
+            <a:lnRef idx="0">
+              <a:schemeClr val="accent3"/>
+            </a:lnRef>
+            <a:fillRef idx="3">
+              <a:schemeClr val="accent3"/>
+            </a:fillRef>
+            <a:effectRef idx="3">
+              <a:schemeClr val="accent3"/>
+            </a:effectRef>
+            <a:fontRef idx="minor">
+              <a:schemeClr val="lt1"/>
+            </a:fontRef>
+          </p:style>
+          <p:txBody>
+            <a:bodyPr rtlCol="0" anchor="ctr"/>
+            <a:lstStyle/>
+            <a:p>
+              <a:pPr algn="ctr"/>
+              <a:r>
+                <a:rPr lang="vi-VN" b="1" noProof="1" smtClean="0"/>
+                <a:t>Xem</a:t>
+              </a:r>
+              <a:endParaRPr lang="vi-VN" b="1" noProof="1"/>
+            </a:p>
+          </p:txBody>
+        </p:sp>
+        <p:pic>
+          <p:nvPicPr>
+            <p:cNvPr id="12" name="Picture 3"/>
+            <p:cNvPicPr>
+              <a:picLocks noChangeAspect="1" noChangeArrowheads="1"/>
+            </p:cNvPicPr>
+            <p:nvPr/>
+          </p:nvPicPr>
+          <p:blipFill>
+            <a:blip r:embed="rId3">
+              <a:extLst>
+                <a:ext uri="{28A0092B-C50C-407E-A947-70E740481C1C}">
+                  <a14:useLocalDpi xmlns:a14="http://schemas.microsoft.com/office/drawing/2010/main" val="0"/>
+                </a:ext>
+              </a:extLst>
+            </a:blip>
+            <a:srcRect/>
+            <a:stretch>
+              <a:fillRect/>
+            </a:stretch>
+          </p:blipFill>
+          <p:spPr bwMode="auto">
+            <a:xfrm>
+              <a:off x="6610350" y="4543424"/>
+              <a:ext cx="1238250" cy="334936"/>
+            </a:xfrm>
+            <a:prstGeom prst="rect">
+              <a:avLst/>
+            </a:prstGeom>
+            <a:noFill/>
+            <a:ln>
+              <a:noFill/>
+            </a:ln>
+            <a:effectLst/>
+            <a:extLst>
+              <a:ext uri="{909E8E84-426E-40DD-AFC4-6F175D3DCCD1}">
+                <a14:hiddenFill xmlns:a14="http://schemas.microsoft.com/office/drawing/2010/main">
+                  <a:solidFill>
+                    <a:schemeClr val="accent1"/>
+                  </a:solidFill>
+                </a14:hiddenFill>
+              </a:ext>
+              <a:ext uri="{91240B29-F687-4F45-9708-019B960494DF}">
+                <a14:hiddenLine xmlns:a14="http://schemas.microsoft.com/office/drawing/2010/main" w="9525">
+                  <a:solidFill>
+                    <a:schemeClr val="tx1"/>
+                  </a:solidFill>
+                  <a:miter lim="800000"/>
+                  <a:headEnd/>
+                  <a:tailEnd/>
+                </a14:hiddenLine>
+              </a:ext>
+              <a:ext uri="{AF507438-7753-43E0-B8FC-AC1667EBCBE1}">
+                <a14:hiddenEffects xmlns:a14="http://schemas.microsoft.com/office/drawing/2010/main">
+                  <a:effectLst>
+                    <a:outerShdw dist="35921" dir="2700000" algn="ctr" rotWithShape="0">
+                      <a:schemeClr val="bg2"/>
+                    </a:outerShdw>
+                  </a:effectLst>
+                </a14:hiddenEffects>
+              </a:ext>
+            </a:extLst>
+          </p:spPr>
+        </p:pic>
+        <p:pic>
+          <p:nvPicPr>
+            <p:cNvPr id="15" name="Picture 7"/>
+            <p:cNvPicPr>
+              <a:picLocks noChangeAspect="1" noChangeArrowheads="1"/>
+            </p:cNvPicPr>
+            <p:nvPr/>
+          </p:nvPicPr>
+          <p:blipFill>
+            <a:blip r:embed="rId4">
+              <a:extLst>
+                <a:ext uri="{28A0092B-C50C-407E-A947-70E740481C1C}">
+                  <a14:useLocalDpi xmlns:a14="http://schemas.microsoft.com/office/drawing/2010/main" val="0"/>
+                </a:ext>
+              </a:extLst>
+            </a:blip>
+            <a:srcRect/>
+            <a:stretch>
+              <a:fillRect/>
+            </a:stretch>
+          </p:blipFill>
+          <p:spPr bwMode="auto">
+            <a:xfrm>
+              <a:off x="5334000" y="4550738"/>
+              <a:ext cx="1161461" cy="321476"/>
+            </a:xfrm>
+            <a:prstGeom prst="rect">
+              <a:avLst/>
+            </a:prstGeom>
+            <a:noFill/>
+            <a:ln>
+              <a:noFill/>
+            </a:ln>
+            <a:effectLst/>
+            <a:extLst>
+              <a:ext uri="{909E8E84-426E-40DD-AFC4-6F175D3DCCD1}">
+                <a14:hiddenFill xmlns:a14="http://schemas.microsoft.com/office/drawing/2010/main">
+                  <a:solidFill>
+                    <a:schemeClr val="accent1"/>
+                  </a:solidFill>
+                </a14:hiddenFill>
+              </a:ext>
+              <a:ext uri="{91240B29-F687-4F45-9708-019B960494DF}">
+                <a14:hiddenLine xmlns:a14="http://schemas.microsoft.com/office/drawing/2010/main" w="9525">
+                  <a:solidFill>
+                    <a:schemeClr val="tx1"/>
+                  </a:solidFill>
+                  <a:miter lim="800000"/>
+                  <a:headEnd/>
+                  <a:tailEnd/>
+                </a14:hiddenLine>
+              </a:ext>
+              <a:ext uri="{AF507438-7753-43E0-B8FC-AC1667EBCBE1}">
+                <a14:hiddenEffects xmlns:a14="http://schemas.microsoft.com/office/drawing/2010/main">
+                  <a:effectLst>
+                    <a:outerShdw dist="35921" dir="2700000" algn="ctr" rotWithShape="0">
+                      <a:schemeClr val="bg2"/>
+                    </a:outerShdw>
+                  </a:effectLst>
+                </a14:hiddenEffects>
+              </a:ext>
+            </a:extLst>
+          </p:spPr>
+        </p:pic>
+      </p:grpSp>
+    </p:spTree>
+    <p:extLst>
+      <p:ext uri="{BB962C8B-B14F-4D97-AF65-F5344CB8AC3E}">
+        <p14:creationId xmlns:p14="http://schemas.microsoft.com/office/powerpoint/2010/main" val="1005896429"/>
+      </p:ext>
+    </p:extLst>
+  </p:cSld>
+  <p:clrMapOvr>
+    <a:masterClrMapping/>
+  </p:clrMapOvr>
+  <p:timing>
+    <p:tnLst>
+      <p:par>
+        <p:cTn id="1" dur="indefinite" restart="never" nodeType="tmRoot"/>
+      </p:par>
+    </p:tnLst>
+  </p:timing>
+</p:sld>
+</file>
+
+<file path=ppt/slides/slide8.xml><?xml version="1.0" encoding="utf-8"?>
+<p:sld xmlns:a="http://schemas.openxmlformats.org/drawingml/2006/main" xmlns:r="http://schemas.openxmlformats.org/officeDocument/2006/relationships" xmlns:p="http://schemas.openxmlformats.org/presentationml/2006/main">
+  <p:cSld>
+    <p:spTree>
+      <p:nvGrpSpPr>
+        <p:cNvPr id="1" name=""/>
+        <p:cNvGrpSpPr/>
+        <p:nvPr/>
+      </p:nvGrpSpPr>
+      <p:grpSpPr>
+        <a:xfrm>
+          <a:off x="0" y="0"/>
+          <a:ext cx="0" cy="0"/>
+          <a:chOff x="0" y="0"/>
+          <a:chExt cx="0" cy="0"/>
+        </a:xfrm>
+      </p:grpSpPr>
+      <p:pic>
+        <p:nvPicPr>
+          <p:cNvPr id="4" name="Picture 3" descr="routing2.png"/>
+          <p:cNvPicPr>
+            <a:picLocks noChangeAspect="1"/>
+          </p:cNvPicPr>
+          <p:nvPr/>
+        </p:nvPicPr>
+        <p:blipFill>
+          <a:blip r:embed="rId2"/>
+          <a:stretch>
+            <a:fillRect/>
+          </a:stretch>
+        </p:blipFill>
+        <p:spPr>
+          <a:xfrm>
+            <a:off x="4881154" y="1447800"/>
+            <a:ext cx="3154680" cy="5257800"/>
+          </a:xfrm>
+          <a:prstGeom prst="rect">
+            <a:avLst/>
+          </a:prstGeom>
+        </p:spPr>
+      </p:pic>
+    </p:spTree>
+    <p:extLst>
+      <p:ext uri="{BB962C8B-B14F-4D97-AF65-F5344CB8AC3E}">
+        <p14:creationId xmlns:p14="http://schemas.microsoft.com/office/powerpoint/2010/main" val="1936665062"/>
+      </p:ext>
+    </p:extLst>
+  </p:cSld>
+  <p:clrMapOvr>
+    <a:masterClrMapping/>
+  </p:clrMapOvr>
+  <p:timing>
+    <p:tnLst>
+      <p:par>
+        <p:cTn id="1" dur="indefinite" restart="never" nodeType="tmRoot"/>
+      </p:par>
+    </p:tnLst>
+  </p:timing>
+</p:sld>
+</file>
+
+<file path=ppt/slides/slide9.xml><?xml version="1.0" encoding="utf-8"?>
+<p:sld xmlns:a="http://schemas.openxmlformats.org/drawingml/2006/main" xmlns:r="http://schemas.openxmlformats.org/officeDocument/2006/relationships" xmlns:p="http://schemas.openxmlformats.org/presentationml/2006/main">
+  <p:cSld>
+    <p:spTree>
+      <p:nvGrpSpPr>
+        <p:cNvPr id="1" name=""/>
+        <p:cNvGrpSpPr/>
+        <p:nvPr/>
+      </p:nvGrpSpPr>
+      <p:grpSpPr>
+        <a:xfrm>
+          <a:off x="0" y="0"/>
+          <a:ext cx="0" cy="0"/>
+          <a:chOff x="0" y="0"/>
+          <a:chExt cx="0" cy="0"/>
+        </a:xfrm>
+      </p:grpSpPr>
+      <p:sp>
+        <p:nvSpPr>
+          <p:cNvPr id="2" name="Title 1"/>
+          <p:cNvSpPr>
+            <a:spLocks noGrp="1"/>
+          </p:cNvSpPr>
+          <p:nvPr>
+            <p:ph type="title"/>
+          </p:nvPr>
+        </p:nvSpPr>
+        <p:spPr/>
+        <p:txBody>
+          <a:bodyPr/>
+          <a:lstStyle/>
+          <a:p>
+            <a:endParaRPr lang="en-US"/>
+          </a:p>
+        </p:txBody>
+      </p:sp>
+      <p:grpSp>
+        <p:nvGrpSpPr>
+          <p:cNvPr id="4" name="Group 3"/>
+          <p:cNvGrpSpPr/>
+          <p:nvPr/>
+        </p:nvGrpSpPr>
+        <p:grpSpPr>
+          <a:xfrm>
+            <a:off x="3733800" y="1331867"/>
+            <a:ext cx="3743325" cy="5715000"/>
+            <a:chOff x="5943600" y="1331867"/>
+            <a:chExt cx="3743325" cy="5715000"/>
+          </a:xfrm>
+        </p:grpSpPr>
+        <p:grpSp>
+          <p:nvGrpSpPr>
+            <p:cNvPr id="9" name="Group 8"/>
+            <p:cNvGrpSpPr/>
+            <p:nvPr/>
+          </p:nvGrpSpPr>
+          <p:grpSpPr>
+            <a:xfrm>
+              <a:off x="5943600" y="1331867"/>
+              <a:ext cx="3743325" cy="5715000"/>
+              <a:chOff x="2505075" y="1219200"/>
+              <a:chExt cx="3743325" cy="5486400"/>
+            </a:xfrm>
+          </p:grpSpPr>
+          <p:pic>
+            <p:nvPicPr>
+              <p:cNvPr id="17" name="Picture 3" descr="C:\Users\TUAN-NGUYEN\Desktop\Capture.PNG"/>
+              <p:cNvPicPr>
+                <a:picLocks noChangeAspect="1" noChangeArrowheads="1"/>
+              </p:cNvPicPr>
+              <p:nvPr/>
+            </p:nvPicPr>
+            <p:blipFill>
+              <a:blip r:embed="rId2">
+                <a:extLst>
+                  <a:ext uri="{28A0092B-C50C-407E-A947-70E740481C1C}">
+                    <a14:useLocalDpi xmlns:a14="http://schemas.microsoft.com/office/drawing/2010/main" val="0"/>
+                  </a:ext>
+                </a:extLst>
+              </a:blip>
+              <a:srcRect/>
+              <a:stretch>
+                <a:fillRect/>
+              </a:stretch>
+            </p:blipFill>
+            <p:spPr bwMode="auto">
+              <a:xfrm>
+                <a:off x="2505075" y="1219200"/>
+                <a:ext cx="3743325" cy="5486400"/>
+              </a:xfrm>
+              <a:prstGeom prst="rect">
+                <a:avLst/>
+              </a:prstGeom>
+              <a:noFill/>
+              <a:extLst>
+                <a:ext uri="{909E8E84-426E-40DD-AFC4-6F175D3DCCD1}">
+                  <a14:hiddenFill xmlns:a14="http://schemas.microsoft.com/office/drawing/2010/main">
+                    <a:solidFill>
+                      <a:srgbClr val="FFFFFF"/>
+                    </a:solidFill>
+                  </a14:hiddenFill>
+                </a:ext>
+              </a:extLst>
+            </p:spPr>
+          </p:pic>
+          <p:sp>
+            <p:nvSpPr>
+              <p:cNvPr id="18" name="Rectangle 17"/>
+              <p:cNvSpPr/>
+              <p:nvPr/>
+            </p:nvSpPr>
+            <p:spPr>
+              <a:xfrm>
+                <a:off x="2603863" y="1624148"/>
+                <a:ext cx="3492137" cy="228600"/>
+              </a:xfrm>
+              <a:prstGeom prst="rect">
+                <a:avLst/>
+              </a:prstGeom>
+              <a:ln/>
+            </p:spPr>
+            <p:style>
+              <a:lnRef idx="1">
+                <a:schemeClr val="accent1"/>
+              </a:lnRef>
+              <a:fillRef idx="3">
+                <a:schemeClr val="accent1"/>
+              </a:fillRef>
+              <a:effectRef idx="2">
+                <a:schemeClr val="accent1"/>
+              </a:effectRef>
+              <a:fontRef idx="minor">
+                <a:schemeClr val="lt1"/>
+              </a:fontRef>
+            </p:style>
+            <p:txBody>
+              <a:bodyPr rtlCol="0" anchor="ctr"/>
+              <a:lstStyle/>
+              <a:p>
+                <a:pPr algn="ctr"/>
+                <a:r>
+                  <a:rPr lang="vi-VN" sz="1400" b="1" noProof="1" smtClean="0">
+                    <a:solidFill>
+                      <a:schemeClr val="bg1"/>
+                    </a:solidFill>
+                  </a:rPr>
+                  <a:t>MapPro v1.0</a:t>
+                </a:r>
+                <a:endParaRPr lang="vi-VN" sz="1400" b="1" noProof="1">
+                  <a:solidFill>
+                    <a:schemeClr val="bg1"/>
+                  </a:solidFill>
+                </a:endParaRPr>
+              </a:p>
+            </p:txBody>
+          </p:sp>
+        </p:grpSp>
+        <p:pic>
+          <p:nvPicPr>
+            <p:cNvPr id="5122" name="Picture 2"/>
+            <p:cNvPicPr>
+              <a:picLocks noChangeAspect="1" noChangeArrowheads="1"/>
+            </p:cNvPicPr>
+            <p:nvPr/>
+          </p:nvPicPr>
+          <p:blipFill>
+            <a:blip r:embed="rId3">
+              <a:extLst>
+                <a:ext uri="{28A0092B-C50C-407E-A947-70E740481C1C}">
+                  <a14:useLocalDpi xmlns:a14="http://schemas.microsoft.com/office/drawing/2010/main" val="0"/>
+                </a:ext>
+              </a:extLst>
+            </a:blip>
+            <a:srcRect/>
+            <a:stretch>
+              <a:fillRect/>
+            </a:stretch>
+          </p:blipFill>
+          <p:spPr bwMode="auto">
+            <a:xfrm>
+              <a:off x="6042387" y="2060529"/>
+              <a:ext cx="3492137" cy="4797471"/>
+            </a:xfrm>
+            <a:prstGeom prst="rect">
+              <a:avLst/>
+            </a:prstGeom>
+            <a:noFill/>
+            <a:ln>
+              <a:noFill/>
+            </a:ln>
+            <a:effectLst/>
+            <a:extLst>
+              <a:ext uri="{909E8E84-426E-40DD-AFC4-6F175D3DCCD1}">
+                <a14:hiddenFill xmlns:a14="http://schemas.microsoft.com/office/drawing/2010/main">
+                  <a:solidFill>
+                    <a:schemeClr val="accent1"/>
+                  </a:solidFill>
+                </a14:hiddenFill>
+              </a:ext>
+              <a:ext uri="{91240B29-F687-4F45-9708-019B960494DF}">
+                <a14:hiddenLine xmlns:a14="http://schemas.microsoft.com/office/drawing/2010/main" w="9525">
+                  <a:solidFill>
+                    <a:schemeClr val="tx1"/>
+                  </a:solidFill>
+                  <a:miter lim="800000"/>
+                  <a:headEnd/>
+                  <a:tailEnd/>
+                </a14:hiddenLine>
+              </a:ext>
+              <a:ext uri="{AF507438-7753-43E0-B8FC-AC1667EBCBE1}">
+                <a14:hiddenEffects xmlns:a14="http://schemas.microsoft.com/office/drawing/2010/main">
+                  <a:effectLst>
+                    <a:outerShdw dist="35921" dir="2700000" algn="ctr" rotWithShape="0">
+                      <a:schemeClr val="bg2"/>
+                    </a:outerShdw>
+                  </a:effectLst>
+                </a14:hiddenEffects>
+              </a:ext>
+            </a:extLst>
+          </p:spPr>
+        </p:pic>
+      </p:grpSp>
+    </p:spTree>
+    <p:extLst>
+      <p:ext uri="{BB962C8B-B14F-4D97-AF65-F5344CB8AC3E}">
+        <p14:creationId xmlns:p14="http://schemas.microsoft.com/office/powerpoint/2010/main" val="3298166870"/>
+      </p:ext>
+    </p:extLst>
+  </p:cSld>
+  <p:clrMapOvr>
+    <a:masterClrMapping/>
+  </p:clrMapOvr>
+  <p:timing>
+    <p:tnLst>
+      <p:par>
+        <p:cTn id="1" dur="indefinite" restart="never" nodeType="tmRoot"/>
+      </p:par>
+    </p:tnLst>
+  </p:timing>
 </p:sld>
 </file>
 

--- a/trunk/Design/User Interface Design.pptx
+++ b/trunk/Design/User Interface Design.pptx
@@ -6,10 +6,10 @@
     <p:sldMasterId id="2147483660" r:id="rId2"/>
   </p:sldMasterIdLst>
   <p:notesMasterIdLst>
-    <p:notesMasterId r:id="rId14"/>
+    <p:notesMasterId r:id="rId15"/>
   </p:notesMasterIdLst>
   <p:handoutMasterIdLst>
-    <p:handoutMasterId r:id="rId15"/>
+    <p:handoutMasterId r:id="rId16"/>
   </p:handoutMasterIdLst>
   <p:sldIdLst>
     <p:sldId id="256" r:id="rId3"/>
@@ -23,6 +23,7 @@
     <p:sldId id="263" r:id="rId11"/>
     <p:sldId id="264" r:id="rId12"/>
     <p:sldId id="265" r:id="rId13"/>
+    <p:sldId id="267" r:id="rId14"/>
   </p:sldIdLst>
   <p:sldSz cx="9144000" cy="6858000" type="screen4x3"/>
   <p:notesSz cx="6858000" cy="9144000"/>
@@ -892,6 +893,90 @@
     <p:extLst>
       <p:ext uri="{BB962C8B-B14F-4D97-AF65-F5344CB8AC3E}">
         <p14:creationId xmlns:p14="http://schemas.microsoft.com/office/powerpoint/2010/main" val="3895320088"/>
+      </p:ext>
+    </p:extLst>
+  </p:cSld>
+  <p:clrMapOvr>
+    <a:masterClrMapping/>
+  </p:clrMapOvr>
+</p:notes>
+</file>
+
+<file path=ppt/notesSlides/notesSlide4.xml><?xml version="1.0" encoding="utf-8"?>
+<p:notes xmlns:a="http://schemas.openxmlformats.org/drawingml/2006/main" xmlns:r="http://schemas.openxmlformats.org/officeDocument/2006/relationships" xmlns:p="http://schemas.openxmlformats.org/presentationml/2006/main">
+  <p:cSld>
+    <p:spTree>
+      <p:nvGrpSpPr>
+        <p:cNvPr id="1" name=""/>
+        <p:cNvGrpSpPr/>
+        <p:nvPr/>
+      </p:nvGrpSpPr>
+      <p:grpSpPr>
+        <a:xfrm>
+          <a:off x="0" y="0"/>
+          <a:ext cx="0" cy="0"/>
+          <a:chOff x="0" y="0"/>
+          <a:chExt cx="0" cy="0"/>
+        </a:xfrm>
+      </p:grpSpPr>
+      <p:sp>
+        <p:nvSpPr>
+          <p:cNvPr id="2" name="Slide Image Placeholder 1"/>
+          <p:cNvSpPr>
+            <a:spLocks noGrp="1" noRot="1" noChangeAspect="1"/>
+          </p:cNvSpPr>
+          <p:nvPr>
+            <p:ph type="sldImg"/>
+          </p:nvPr>
+        </p:nvSpPr>
+        <p:spPr/>
+      </p:sp>
+      <p:sp>
+        <p:nvSpPr>
+          <p:cNvPr id="3" name="Notes Placeholder 2"/>
+          <p:cNvSpPr>
+            <a:spLocks noGrp="1"/>
+          </p:cNvSpPr>
+          <p:nvPr>
+            <p:ph type="body" idx="1"/>
+          </p:nvPr>
+        </p:nvSpPr>
+        <p:spPr/>
+        <p:txBody>
+          <a:bodyPr/>
+          <a:lstStyle/>
+          <a:p>
+            <a:endParaRPr lang="en-US" dirty="0"/>
+          </a:p>
+        </p:txBody>
+      </p:sp>
+      <p:sp>
+        <p:nvSpPr>
+          <p:cNvPr id="4" name="Header Placeholder 3"/>
+          <p:cNvSpPr>
+            <a:spLocks noGrp="1"/>
+          </p:cNvSpPr>
+          <p:nvPr>
+            <p:ph type="hdr" sz="quarter" idx="10"/>
+          </p:nvPr>
+        </p:nvSpPr>
+        <p:spPr/>
+        <p:txBody>
+          <a:bodyPr/>
+          <a:lstStyle/>
+          <a:p>
+            <a:r>
+              <a:rPr lang="vi-VN" smtClean="0"/>
+              <a:t>MapPro - Giao diện người dùng v1.0</a:t>
+            </a:r>
+            <a:endParaRPr lang="en-US"/>
+          </a:p>
+        </p:txBody>
+      </p:sp>
+    </p:spTree>
+    <p:extLst>
+      <p:ext uri="{BB962C8B-B14F-4D97-AF65-F5344CB8AC3E}">
+        <p14:creationId xmlns:p14="http://schemas.microsoft.com/office/powerpoint/2010/main" val="2085585900"/>
       </p:ext>
     </p:extLst>
   </p:cSld>
@@ -7074,7 +7159,7 @@
         <p:spPr>
           <a:xfrm>
             <a:off x="1600200" y="2743200"/>
-            <a:ext cx="5786257" cy="1569660"/>
+            <a:ext cx="5786257" cy="1323439"/>
           </a:xfrm>
           <a:prstGeom prst="rect">
             <a:avLst/>
@@ -7089,14 +7174,16 @@
           <a:p>
             <a:pPr algn="ctr"/>
             <a:r>
-              <a:rPr lang="en-US" sz="4800" b="1" dirty="0" smtClean="0"/>
-              <a:t>THIẾT KẾ GIAO DIỆN NGƯỜI DÙNG v</a:t>
-            </a:r>
-            <a:r>
-              <a:rPr lang="en-US" sz="4800" b="1" dirty="0" smtClean="0"/>
-              <a:t>1.0</a:t>
-            </a:r>
-            <a:endParaRPr lang="en-US" sz="4800" b="1" dirty="0"/>
+              <a:rPr lang="en-US" sz="4000" b="1" dirty="0" smtClean="0">
+                <a:latin typeface="Times New Roman" pitchFamily="18" charset="0"/>
+                <a:cs typeface="Times New Roman" pitchFamily="18" charset="0"/>
+              </a:rPr>
+              <a:t>THIẾT KẾ GIAO DIỆN NGƯỜI DÙNG v1.0</a:t>
+            </a:r>
+            <a:endParaRPr lang="en-US" sz="4000" b="1" dirty="0">
+              <a:latin typeface="Times New Roman" pitchFamily="18" charset="0"/>
+              <a:cs typeface="Times New Roman" pitchFamily="18" charset="0"/>
+            </a:endParaRPr>
           </a:p>
         </p:txBody>
       </p:sp>
@@ -7174,7 +7261,7 @@
               <p:nvPr/>
             </p:nvPicPr>
             <p:blipFill>
-              <a:blip r:embed="rId2">
+              <a:blip r:embed="rId3">
                 <a:extLst>
                   <a:ext uri="{28A0092B-C50C-407E-A947-70E740481C1C}">
                     <a14:useLocalDpi xmlns:a14="http://schemas.microsoft.com/office/drawing/2010/main" val="0"/>
@@ -7269,7 +7356,7 @@
             <p:nvPr/>
           </p:nvPicPr>
           <p:blipFill>
-            <a:blip r:embed="rId3">
+            <a:blip r:embed="rId4">
               <a:extLst>
                 <a:ext uri="{28A0092B-C50C-407E-A947-70E740481C1C}">
                   <a14:useLocalDpi xmlns:a14="http://schemas.microsoft.com/office/drawing/2010/main" val="0"/>
@@ -7333,7 +7420,7 @@
         </p:nvSpPr>
         <p:spPr>
           <a:xfrm>
-            <a:off x="1604554" y="159603"/>
+            <a:off x="1757543" y="235803"/>
             <a:ext cx="5786257" cy="830997"/>
           </a:xfrm>
           <a:prstGeom prst="rect">
@@ -7357,58 +7444,789 @@
             <a:pPr algn="ctr"/>
             <a:r>
               <a:rPr lang="en-US" sz="2400" b="1" noProof="1" smtClean="0"/>
-              <a:t>Mã: MH03.2</a:t>
-            </a:r>
+              <a:t>(Mã</a:t>
+            </a:r>
+            <a:r>
+              <a:rPr lang="en-US" sz="2400" b="1" noProof="1" smtClean="0"/>
+              <a:t>: </a:t>
+            </a:r>
+            <a:r>
+              <a:rPr lang="en-US" sz="2400" b="1" noProof="1" smtClean="0"/>
+              <a:t>MH03.2)</a:t>
+            </a:r>
+            <a:endParaRPr lang="en-US" sz="2400" b="1" noProof="1" smtClean="0"/>
           </a:p>
         </p:txBody>
       </p:sp>
-    </p:spTree>
-    <p:extLst>
-      <p:ext uri="{BB962C8B-B14F-4D97-AF65-F5344CB8AC3E}">
-        <p14:creationId xmlns:p14="http://schemas.microsoft.com/office/powerpoint/2010/main" val="3298166870"/>
-      </p:ext>
-    </p:extLst>
-  </p:cSld>
-  <p:clrMapOvr>
-    <a:masterClrMapping/>
-  </p:clrMapOvr>
-  <p:timing>
-    <p:tnLst>
-      <p:par>
-        <p:cTn id="1" dur="indefinite" restart="never" nodeType="tmRoot"/>
-      </p:par>
-    </p:tnLst>
-  </p:timing>
-</p:sld>
-</file>
-
-<file path=ppt/slides/slide11.xml><?xml version="1.0" encoding="utf-8"?>
-<p:sld xmlns:a="http://schemas.openxmlformats.org/drawingml/2006/main" xmlns:r="http://schemas.openxmlformats.org/officeDocument/2006/relationships" xmlns:p="http://schemas.openxmlformats.org/presentationml/2006/main">
-  <p:cSld>
-    <p:spTree>
-      <p:nvGrpSpPr>
-        <p:cNvPr id="1" name=""/>
-        <p:cNvGrpSpPr/>
-        <p:nvPr/>
-      </p:nvGrpSpPr>
-      <p:grpSpPr>
-        <a:xfrm>
-          <a:off x="0" y="0"/>
-          <a:ext cx="0" cy="0"/>
-          <a:chOff x="0" y="0"/>
-          <a:chExt cx="0" cy="0"/>
-        </a:xfrm>
-      </p:grpSpPr>
+      <p:sp>
+        <p:nvSpPr>
+          <p:cNvPr id="8" name="Rounded Rectangle 7"/>
+          <p:cNvSpPr/>
+          <p:nvPr/>
+        </p:nvSpPr>
+        <p:spPr>
+          <a:xfrm>
+            <a:off x="5953125" y="3276600"/>
+            <a:ext cx="1274881" cy="228600"/>
+          </a:xfrm>
+          <a:prstGeom prst="roundRect">
+            <a:avLst/>
+          </a:prstGeom>
+        </p:spPr>
+        <p:style>
+          <a:lnRef idx="1">
+            <a:schemeClr val="accent3"/>
+          </a:lnRef>
+          <a:fillRef idx="2">
+            <a:schemeClr val="accent3"/>
+          </a:fillRef>
+          <a:effectRef idx="1">
+            <a:schemeClr val="accent3"/>
+          </a:effectRef>
+          <a:fontRef idx="minor">
+            <a:schemeClr val="dk1"/>
+          </a:fontRef>
+        </p:style>
+        <p:txBody>
+          <a:bodyPr rtlCol="0" anchor="ctr"/>
+          <a:lstStyle/>
+          <a:p>
+            <a:pPr algn="ctr"/>
+            <a:r>
+              <a:rPr lang="vi-VN" sz="1100" b="1" noProof="1" smtClean="0">
+                <a:latin typeface="+mj-lt"/>
+              </a:rPr>
+              <a:t>8 Đường 3/2</a:t>
+            </a:r>
+            <a:endParaRPr lang="vi-VN" sz="1100" b="1" noProof="1">
+              <a:latin typeface="+mj-lt"/>
+            </a:endParaRPr>
+          </a:p>
+        </p:txBody>
+      </p:sp>
+      <p:graphicFrame>
+        <p:nvGraphicFramePr>
+          <p:cNvPr id="11" name="Table 10"/>
+          <p:cNvGraphicFramePr>
+            <a:graphicFrameLocks noGrp="1"/>
+          </p:cNvGraphicFramePr>
+          <p:nvPr>
+            <p:extLst>
+              <p:ext uri="{D42A27DB-BD31-4B8C-83A1-F6EECF244321}">
+                <p14:modId xmlns:p14="http://schemas.microsoft.com/office/powerpoint/2010/main" val="2339841291"/>
+              </p:ext>
+            </p:extLst>
+          </p:nvPr>
+        </p:nvGraphicFramePr>
+        <p:xfrm>
+          <a:off x="126274" y="1122680"/>
+          <a:ext cx="5207726" cy="1010920"/>
+        </p:xfrm>
+        <a:graphic>
+          <a:graphicData uri="http://schemas.openxmlformats.org/drawingml/2006/table">
+            <a:tbl>
+              <a:tblPr firstRow="1" bandRow="1">
+                <a:tableStyleId>{5C22544A-7EE6-4342-B048-85BDC9FD1C3A}</a:tableStyleId>
+              </a:tblPr>
+              <a:tblGrid>
+                <a:gridCol w="5207726"/>
+              </a:tblGrid>
+              <a:tr h="370840">
+                <a:tc>
+                  <a:txBody>
+                    <a:bodyPr/>
+                    <a:lstStyle/>
+                    <a:p>
+                      <a:pPr algn="ctr"/>
+                      <a:r>
+                        <a:rPr lang="vi-VN" sz="1800" noProof="1" smtClean="0">
+                          <a:latin typeface="Times New Roman" pitchFamily="18" charset="0"/>
+                          <a:cs typeface="Times New Roman" pitchFamily="18" charset="0"/>
+                        </a:rPr>
+                        <a:t>Mô</a:t>
+                      </a:r>
+                      <a:r>
+                        <a:rPr lang="vi-VN" sz="1800" baseline="0" noProof="1" smtClean="0">
+                          <a:latin typeface="Times New Roman" pitchFamily="18" charset="0"/>
+                          <a:cs typeface="Times New Roman" pitchFamily="18" charset="0"/>
+                        </a:rPr>
+                        <a:t> tả</a:t>
+                      </a:r>
+                      <a:r>
+                        <a:rPr lang="en-US" sz="1800" baseline="0" noProof="1" smtClean="0">
+                          <a:latin typeface="Times New Roman" pitchFamily="18" charset="0"/>
+                          <a:cs typeface="Times New Roman" pitchFamily="18" charset="0"/>
+                        </a:rPr>
+                        <a:t> màn hình</a:t>
+                      </a:r>
+                      <a:endParaRPr lang="vi-VN" sz="1800" noProof="1">
+                        <a:latin typeface="Times New Roman" pitchFamily="18" charset="0"/>
+                        <a:cs typeface="Times New Roman" pitchFamily="18" charset="0"/>
+                      </a:endParaRPr>
+                    </a:p>
+                  </a:txBody>
+                  <a:tcPr/>
+                </a:tc>
+              </a:tr>
+              <a:tr h="370840">
+                <a:tc>
+                  <a:txBody>
+                    <a:bodyPr/>
+                    <a:lstStyle/>
+                    <a:p>
+                      <a:r>
+                        <a:rPr lang="en-US" sz="1800" noProof="1" smtClean="0">
+                          <a:latin typeface="Times New Roman" pitchFamily="18" charset="0"/>
+                          <a:cs typeface="Times New Roman" pitchFamily="18" charset="0"/>
+                        </a:rPr>
+                        <a:t>Màn</a:t>
+                      </a:r>
+                      <a:r>
+                        <a:rPr lang="en-US" sz="1800" baseline="0" noProof="1" smtClean="0">
+                          <a:latin typeface="Times New Roman" pitchFamily="18" charset="0"/>
+                          <a:cs typeface="Times New Roman" pitchFamily="18" charset="0"/>
+                        </a:rPr>
+                        <a:t> hình hiển thị bản đồ và cách đi giữa hai địa điểm cho trước.</a:t>
+                      </a:r>
+                      <a:endParaRPr lang="vi-VN" sz="1800" noProof="1">
+                        <a:latin typeface="Times New Roman" pitchFamily="18" charset="0"/>
+                        <a:cs typeface="Times New Roman" pitchFamily="18" charset="0"/>
+                      </a:endParaRPr>
+                    </a:p>
+                  </a:txBody>
+                  <a:tcPr/>
+                </a:tc>
+              </a:tr>
+            </a:tbl>
+          </a:graphicData>
+        </a:graphic>
+      </p:graphicFrame>
+      <p:graphicFrame>
+        <p:nvGraphicFramePr>
+          <p:cNvPr id="12" name="Table 11"/>
+          <p:cNvGraphicFramePr>
+            <a:graphicFrameLocks noGrp="1"/>
+          </p:cNvGraphicFramePr>
+          <p:nvPr>
+            <p:extLst>
+              <p:ext uri="{D42A27DB-BD31-4B8C-83A1-F6EECF244321}">
+                <p14:modId xmlns:p14="http://schemas.microsoft.com/office/powerpoint/2010/main" val="563114161"/>
+              </p:ext>
+            </p:extLst>
+          </p:nvPr>
+        </p:nvGraphicFramePr>
+        <p:xfrm>
+          <a:off x="152400" y="2333399"/>
+          <a:ext cx="5181600" cy="2238601"/>
+        </p:xfrm>
+        <a:graphic>
+          <a:graphicData uri="http://schemas.openxmlformats.org/drawingml/2006/table">
+            <a:tbl>
+              <a:tblPr firstRow="1" bandRow="1">
+                <a:tableStyleId>{5C22544A-7EE6-4342-B048-85BDC9FD1C3A}</a:tableStyleId>
+              </a:tblPr>
+              <a:tblGrid>
+                <a:gridCol w="762000"/>
+                <a:gridCol w="4419600"/>
+              </a:tblGrid>
+              <a:tr h="486001">
+                <a:tc>
+                  <a:txBody>
+                    <a:bodyPr/>
+                    <a:lstStyle/>
+                    <a:p>
+                      <a:pPr algn="ctr"/>
+                      <a:r>
+                        <a:rPr lang="vi-VN" sz="1800" noProof="1" smtClean="0">
+                          <a:latin typeface="+mj-lt"/>
+                        </a:rPr>
+                        <a:t>STT</a:t>
+                      </a:r>
+                    </a:p>
+                  </a:txBody>
+                  <a:tcPr/>
+                </a:tc>
+                <a:tc>
+                  <a:txBody>
+                    <a:bodyPr/>
+                    <a:lstStyle/>
+                    <a:p>
+                      <a:pPr algn="ctr"/>
+                      <a:r>
+                        <a:rPr lang="en-US" sz="1800" noProof="1" smtClean="0">
+                          <a:latin typeface="Times New Roman" pitchFamily="18" charset="0"/>
+                          <a:cs typeface="Times New Roman" pitchFamily="18" charset="0"/>
+                        </a:rPr>
+                        <a:t>Mô</a:t>
+                      </a:r>
+                      <a:r>
+                        <a:rPr lang="en-US" sz="1800" baseline="0" noProof="1" smtClean="0">
+                          <a:latin typeface="Times New Roman" pitchFamily="18" charset="0"/>
+                          <a:cs typeface="Times New Roman" pitchFamily="18" charset="0"/>
+                        </a:rPr>
+                        <a:t> tả thành phần</a:t>
+                      </a:r>
+                      <a:endParaRPr lang="vi-VN" sz="1800" noProof="1">
+                        <a:latin typeface="Times New Roman" pitchFamily="18" charset="0"/>
+                        <a:cs typeface="Times New Roman" pitchFamily="18" charset="0"/>
+                      </a:endParaRPr>
+                    </a:p>
+                  </a:txBody>
+                  <a:tcPr/>
+                </a:tc>
+              </a:tr>
+              <a:tr h="370840">
+                <a:tc>
+                  <a:txBody>
+                    <a:bodyPr/>
+                    <a:lstStyle/>
+                    <a:p>
+                      <a:pPr algn="ctr"/>
+                      <a:r>
+                        <a:rPr lang="en-US" sz="1800" dirty="0" smtClean="0">
+                          <a:solidFill>
+                            <a:srgbClr val="FF0000"/>
+                          </a:solidFill>
+                          <a:latin typeface="+mj-lt"/>
+                        </a:rPr>
+                        <a:t>(1)</a:t>
+                      </a:r>
+                      <a:endParaRPr lang="en-US" sz="1800" dirty="0">
+                        <a:solidFill>
+                          <a:srgbClr val="FF0000"/>
+                        </a:solidFill>
+                        <a:latin typeface="+mj-lt"/>
+                      </a:endParaRPr>
+                    </a:p>
+                  </a:txBody>
+                  <a:tcPr/>
+                </a:tc>
+                <a:tc>
+                  <a:txBody>
+                    <a:bodyPr/>
+                    <a:lstStyle/>
+                    <a:p>
+                      <a:pPr algn="just"/>
+                      <a:r>
+                        <a:rPr lang="en-US" sz="1800" noProof="1" smtClean="0">
+                          <a:latin typeface="Times New Roman" pitchFamily="18" charset="0"/>
+                          <a:cs typeface="Times New Roman" pitchFamily="18" charset="0"/>
+                        </a:rPr>
+                        <a:t>Hiển</a:t>
+                      </a:r>
+                      <a:r>
+                        <a:rPr lang="en-US" sz="1800" baseline="0" noProof="1" smtClean="0">
+                          <a:latin typeface="Times New Roman" pitchFamily="18" charset="0"/>
+                          <a:cs typeface="Times New Roman" pitchFamily="18" charset="0"/>
+                        </a:rPr>
+                        <a:t> thị địa chỉ hiện tại khi </a:t>
+                      </a:r>
+                      <a:r>
+                        <a:rPr lang="en-US" sz="1800" baseline="0" noProof="1" smtClean="0">
+                          <a:solidFill>
+                            <a:srgbClr val="FF0000"/>
+                          </a:solidFill>
+                          <a:latin typeface="Times New Roman" pitchFamily="18" charset="0"/>
+                          <a:cs typeface="Times New Roman" pitchFamily="18" charset="0"/>
+                        </a:rPr>
+                        <a:t>(3)</a:t>
+                      </a:r>
+                      <a:r>
+                        <a:rPr lang="en-US" sz="1800" baseline="0" noProof="1" smtClean="0">
+                          <a:latin typeface="Times New Roman" pitchFamily="18" charset="0"/>
+                          <a:cs typeface="Times New Roman" pitchFamily="18" charset="0"/>
+                        </a:rPr>
+                        <a:t> hoặc </a:t>
+                      </a:r>
+                      <a:r>
+                        <a:rPr lang="en-US" sz="1800" baseline="0" noProof="1" smtClean="0">
+                          <a:solidFill>
+                            <a:srgbClr val="FF0000"/>
+                          </a:solidFill>
+                          <a:latin typeface="Times New Roman" pitchFamily="18" charset="0"/>
+                          <a:cs typeface="Times New Roman" pitchFamily="18" charset="0"/>
+                        </a:rPr>
+                        <a:t>(4)</a:t>
+                      </a:r>
+                      <a:r>
+                        <a:rPr lang="en-US" sz="1800" baseline="0" noProof="1" smtClean="0">
+                          <a:latin typeface="Times New Roman" pitchFamily="18" charset="0"/>
+                          <a:cs typeface="Times New Roman" pitchFamily="18" charset="0"/>
+                        </a:rPr>
+                        <a:t> được click.</a:t>
+                      </a:r>
+                      <a:endParaRPr lang="vi-VN" sz="1800" noProof="1">
+                        <a:latin typeface="Times New Roman" pitchFamily="18" charset="0"/>
+                        <a:cs typeface="Times New Roman" pitchFamily="18" charset="0"/>
+                      </a:endParaRPr>
+                    </a:p>
+                  </a:txBody>
+                  <a:tcPr/>
+                </a:tc>
+              </a:tr>
+              <a:tr h="370840">
+                <a:tc>
+                  <a:txBody>
+                    <a:bodyPr/>
+                    <a:lstStyle/>
+                    <a:p>
+                      <a:pPr algn="ctr"/>
+                      <a:r>
+                        <a:rPr lang="en-US" sz="1800" dirty="0" smtClean="0">
+                          <a:solidFill>
+                            <a:srgbClr val="FF0000"/>
+                          </a:solidFill>
+                          <a:latin typeface="+mj-lt"/>
+                        </a:rPr>
+                        <a:t>(2)</a:t>
+                      </a:r>
+                      <a:endParaRPr lang="en-US" sz="1800" dirty="0">
+                        <a:solidFill>
+                          <a:srgbClr val="FF0000"/>
+                        </a:solidFill>
+                        <a:latin typeface="+mj-lt"/>
+                      </a:endParaRPr>
+                    </a:p>
+                  </a:txBody>
+                  <a:tcPr/>
+                </a:tc>
+                <a:tc>
+                  <a:txBody>
+                    <a:bodyPr/>
+                    <a:lstStyle/>
+                    <a:p>
+                      <a:pPr algn="just"/>
+                      <a:r>
+                        <a:rPr lang="en-US" sz="1800" noProof="1" smtClean="0">
+                          <a:latin typeface="Times New Roman" pitchFamily="18" charset="0"/>
+                          <a:cs typeface="Times New Roman" pitchFamily="18" charset="0"/>
+                        </a:rPr>
+                        <a:t>Vị</a:t>
+                      </a:r>
+                      <a:r>
+                        <a:rPr lang="en-US" sz="1800" baseline="0" noProof="1" smtClean="0">
+                          <a:latin typeface="Times New Roman" pitchFamily="18" charset="0"/>
+                          <a:cs typeface="Times New Roman" pitchFamily="18" charset="0"/>
+                        </a:rPr>
+                        <a:t> trí điểm xuất phát</a:t>
+                      </a:r>
+                      <a:endParaRPr lang="vi-VN" sz="1800" noProof="1">
+                        <a:latin typeface="Times New Roman" pitchFamily="18" charset="0"/>
+                        <a:cs typeface="Times New Roman" pitchFamily="18" charset="0"/>
+                      </a:endParaRPr>
+                    </a:p>
+                  </a:txBody>
+                  <a:tcPr/>
+                </a:tc>
+              </a:tr>
+              <a:tr h="370840">
+                <a:tc>
+                  <a:txBody>
+                    <a:bodyPr/>
+                    <a:lstStyle/>
+                    <a:p>
+                      <a:pPr algn="ctr"/>
+                      <a:r>
+                        <a:rPr lang="en-US" sz="1800" dirty="0" smtClean="0">
+                          <a:solidFill>
+                            <a:srgbClr val="FF0000"/>
+                          </a:solidFill>
+                          <a:latin typeface="+mj-lt"/>
+                        </a:rPr>
+                        <a:t>(3)</a:t>
+                      </a:r>
+                      <a:endParaRPr lang="en-US" sz="1800" dirty="0">
+                        <a:solidFill>
+                          <a:srgbClr val="FF0000"/>
+                        </a:solidFill>
+                        <a:latin typeface="+mj-lt"/>
+                      </a:endParaRPr>
+                    </a:p>
+                  </a:txBody>
+                  <a:tcPr/>
+                </a:tc>
+                <a:tc>
+                  <a:txBody>
+                    <a:bodyPr/>
+                    <a:lstStyle/>
+                    <a:p>
+                      <a:pPr algn="just"/>
+                      <a:r>
+                        <a:rPr lang="en-US" sz="1800" noProof="1" smtClean="0">
+                          <a:latin typeface="Times New Roman" pitchFamily="18" charset="0"/>
+                          <a:cs typeface="Times New Roman" pitchFamily="18" charset="0"/>
+                        </a:rPr>
+                        <a:t>Đường</a:t>
+                      </a:r>
+                      <a:r>
+                        <a:rPr lang="en-US" sz="1800" baseline="0" noProof="1" smtClean="0">
+                          <a:latin typeface="Times New Roman" pitchFamily="18" charset="0"/>
+                          <a:cs typeface="Times New Roman" pitchFamily="18" charset="0"/>
+                        </a:rPr>
+                        <a:t> đi</a:t>
+                      </a:r>
+                      <a:endParaRPr lang="vi-VN" sz="1800" noProof="1">
+                        <a:latin typeface="Times New Roman" pitchFamily="18" charset="0"/>
+                        <a:cs typeface="Times New Roman" pitchFamily="18" charset="0"/>
+                      </a:endParaRPr>
+                    </a:p>
+                  </a:txBody>
+                  <a:tcPr/>
+                </a:tc>
+              </a:tr>
+              <a:tr h="370840">
+                <a:tc>
+                  <a:txBody>
+                    <a:bodyPr/>
+                    <a:lstStyle/>
+                    <a:p>
+                      <a:pPr algn="ctr"/>
+                      <a:r>
+                        <a:rPr lang="en-US" sz="1800" dirty="0" smtClean="0">
+                          <a:solidFill>
+                            <a:srgbClr val="FF0000"/>
+                          </a:solidFill>
+                          <a:latin typeface="+mj-lt"/>
+                        </a:rPr>
+                        <a:t>(4)</a:t>
+                      </a:r>
+                      <a:endParaRPr lang="en-US" sz="1800" dirty="0">
+                        <a:solidFill>
+                          <a:srgbClr val="FF0000"/>
+                        </a:solidFill>
+                        <a:latin typeface="+mj-lt"/>
+                      </a:endParaRPr>
+                    </a:p>
+                  </a:txBody>
+                  <a:tcPr/>
+                </a:tc>
+                <a:tc>
+                  <a:txBody>
+                    <a:bodyPr/>
+                    <a:lstStyle/>
+                    <a:p>
+                      <a:pPr algn="just"/>
+                      <a:r>
+                        <a:rPr lang="en-US" sz="1800" noProof="1" smtClean="0">
+                          <a:latin typeface="Times New Roman" pitchFamily="18" charset="0"/>
+                          <a:cs typeface="Times New Roman" pitchFamily="18" charset="0"/>
+                        </a:rPr>
+                        <a:t>Vị</a:t>
+                      </a:r>
+                      <a:r>
+                        <a:rPr lang="en-US" sz="1800" baseline="0" noProof="1" smtClean="0">
+                          <a:latin typeface="Times New Roman" pitchFamily="18" charset="0"/>
+                          <a:cs typeface="Times New Roman" pitchFamily="18" charset="0"/>
+                        </a:rPr>
+                        <a:t> trí điểm đến</a:t>
+                      </a:r>
+                      <a:endParaRPr lang="vi-VN" sz="1800" noProof="1">
+                        <a:latin typeface="Times New Roman" pitchFamily="18" charset="0"/>
+                        <a:cs typeface="Times New Roman" pitchFamily="18" charset="0"/>
+                      </a:endParaRPr>
+                    </a:p>
+                  </a:txBody>
+                  <a:tcPr/>
+                </a:tc>
+              </a:tr>
+            </a:tbl>
+          </a:graphicData>
+        </a:graphic>
+      </p:graphicFrame>
+      <p:cxnSp>
+        <p:nvCxnSpPr>
+          <p:cNvPr id="3" name="Straight Arrow Connector 2"/>
+          <p:cNvCxnSpPr/>
+          <p:nvPr/>
+        </p:nvCxnSpPr>
+        <p:spPr>
+          <a:xfrm flipV="1">
+            <a:off x="5139876" y="3390900"/>
+            <a:ext cx="956124" cy="1657350"/>
+          </a:xfrm>
+          <a:prstGeom prst="straightConnector1">
+            <a:avLst/>
+          </a:prstGeom>
+          <a:ln>
+            <a:tailEnd type="arrow"/>
+          </a:ln>
+        </p:spPr>
+        <p:style>
+          <a:lnRef idx="2">
+            <a:schemeClr val="accent1"/>
+          </a:lnRef>
+          <a:fillRef idx="0">
+            <a:schemeClr val="accent1"/>
+          </a:fillRef>
+          <a:effectRef idx="1">
+            <a:schemeClr val="accent1"/>
+          </a:effectRef>
+          <a:fontRef idx="minor">
+            <a:schemeClr val="tx1"/>
+          </a:fontRef>
+        </p:style>
+      </p:cxnSp>
+      <p:cxnSp>
+        <p:nvCxnSpPr>
+          <p:cNvPr id="13" name="Straight Arrow Connector 12"/>
+          <p:cNvCxnSpPr/>
+          <p:nvPr/>
+        </p:nvCxnSpPr>
+        <p:spPr>
+          <a:xfrm flipV="1">
+            <a:off x="5257800" y="3695700"/>
+            <a:ext cx="1295400" cy="1638300"/>
+          </a:xfrm>
+          <a:prstGeom prst="straightConnector1">
+            <a:avLst/>
+          </a:prstGeom>
+          <a:ln>
+            <a:tailEnd type="arrow"/>
+          </a:ln>
+        </p:spPr>
+        <p:style>
+          <a:lnRef idx="2">
+            <a:schemeClr val="accent1"/>
+          </a:lnRef>
+          <a:fillRef idx="0">
+            <a:schemeClr val="accent1"/>
+          </a:fillRef>
+          <a:effectRef idx="1">
+            <a:schemeClr val="accent1"/>
+          </a:effectRef>
+          <a:fontRef idx="minor">
+            <a:schemeClr val="tx1"/>
+          </a:fontRef>
+        </p:style>
+      </p:cxnSp>
+      <p:cxnSp>
+        <p:nvCxnSpPr>
+          <p:cNvPr id="15" name="Straight Arrow Connector 14"/>
+          <p:cNvCxnSpPr/>
+          <p:nvPr/>
+        </p:nvCxnSpPr>
+        <p:spPr>
+          <a:xfrm flipV="1">
+            <a:off x="5410200" y="4000500"/>
+            <a:ext cx="1524000" cy="2095500"/>
+          </a:xfrm>
+          <a:prstGeom prst="straightConnector1">
+            <a:avLst/>
+          </a:prstGeom>
+          <a:ln>
+            <a:tailEnd type="arrow"/>
+          </a:ln>
+        </p:spPr>
+        <p:style>
+          <a:lnRef idx="2">
+            <a:schemeClr val="accent1"/>
+          </a:lnRef>
+          <a:fillRef idx="0">
+            <a:schemeClr val="accent1"/>
+          </a:fillRef>
+          <a:effectRef idx="1">
+            <a:schemeClr val="accent1"/>
+          </a:effectRef>
+          <a:fontRef idx="minor">
+            <a:schemeClr val="tx1"/>
+          </a:fontRef>
+        </p:style>
+      </p:cxnSp>
+      <p:cxnSp>
+        <p:nvCxnSpPr>
+          <p:cNvPr id="19" name="Straight Arrow Connector 18"/>
+          <p:cNvCxnSpPr/>
+          <p:nvPr/>
+        </p:nvCxnSpPr>
+        <p:spPr>
+          <a:xfrm>
+            <a:off x="8001000" y="762000"/>
+            <a:ext cx="228600" cy="2286000"/>
+          </a:xfrm>
+          <a:prstGeom prst="straightConnector1">
+            <a:avLst/>
+          </a:prstGeom>
+          <a:ln>
+            <a:tailEnd type="arrow"/>
+          </a:ln>
+        </p:spPr>
+        <p:style>
+          <a:lnRef idx="2">
+            <a:schemeClr val="accent1"/>
+          </a:lnRef>
+          <a:fillRef idx="0">
+            <a:schemeClr val="accent1"/>
+          </a:fillRef>
+          <a:effectRef idx="1">
+            <a:schemeClr val="accent1"/>
+          </a:effectRef>
+          <a:fontRef idx="minor">
+            <a:schemeClr val="tx1"/>
+          </a:fontRef>
+        </p:style>
+      </p:cxnSp>
+      <p:sp>
+        <p:nvSpPr>
+          <p:cNvPr id="21" name="TextBox 20"/>
+          <p:cNvSpPr txBox="1"/>
+          <p:nvPr/>
+        </p:nvSpPr>
+        <p:spPr>
+          <a:xfrm>
+            <a:off x="4869552" y="4873823"/>
+            <a:ext cx="388248" cy="307777"/>
+          </a:xfrm>
+          <a:prstGeom prst="rect">
+            <a:avLst/>
+          </a:prstGeom>
+          <a:noFill/>
+        </p:spPr>
+        <p:txBody>
+          <a:bodyPr wrap="none" rtlCol="0">
+            <a:spAutoFit/>
+          </a:bodyPr>
+          <a:lstStyle/>
+          <a:p>
+            <a:r>
+              <a:rPr lang="en-US" sz="1400" b="1" dirty="0" smtClean="0">
+                <a:solidFill>
+                  <a:srgbClr val="FF0000"/>
+                </a:solidFill>
+              </a:rPr>
+              <a:t>(1)</a:t>
+            </a:r>
+            <a:endParaRPr lang="en-US" sz="1400" b="1" dirty="0">
+              <a:solidFill>
+                <a:srgbClr val="FF0000"/>
+              </a:solidFill>
+            </a:endParaRPr>
+          </a:p>
+        </p:txBody>
+      </p:sp>
+      <p:sp>
+        <p:nvSpPr>
+          <p:cNvPr id="22" name="TextBox 21"/>
+          <p:cNvSpPr txBox="1"/>
+          <p:nvPr/>
+        </p:nvSpPr>
+        <p:spPr>
+          <a:xfrm>
+            <a:off x="4945752" y="5178623"/>
+            <a:ext cx="388248" cy="307777"/>
+          </a:xfrm>
+          <a:prstGeom prst="rect">
+            <a:avLst/>
+          </a:prstGeom>
+          <a:noFill/>
+        </p:spPr>
+        <p:txBody>
+          <a:bodyPr wrap="none" rtlCol="0">
+            <a:spAutoFit/>
+          </a:bodyPr>
+          <a:lstStyle/>
+          <a:p>
+            <a:r>
+              <a:rPr lang="en-US" sz="1400" b="1" dirty="0" smtClean="0">
+                <a:solidFill>
+                  <a:srgbClr val="FF0000"/>
+                </a:solidFill>
+              </a:rPr>
+              <a:t>(2)</a:t>
+            </a:r>
+            <a:endParaRPr lang="en-US" sz="1400" b="1" dirty="0">
+              <a:solidFill>
+                <a:srgbClr val="FF0000"/>
+              </a:solidFill>
+            </a:endParaRPr>
+          </a:p>
+        </p:txBody>
+      </p:sp>
+      <p:sp>
+        <p:nvSpPr>
+          <p:cNvPr id="23" name="TextBox 22"/>
+          <p:cNvSpPr txBox="1"/>
+          <p:nvPr/>
+        </p:nvSpPr>
+        <p:spPr>
+          <a:xfrm>
+            <a:off x="5105400" y="5940623"/>
+            <a:ext cx="388248" cy="307777"/>
+          </a:xfrm>
+          <a:prstGeom prst="rect">
+            <a:avLst/>
+          </a:prstGeom>
+          <a:noFill/>
+        </p:spPr>
+        <p:txBody>
+          <a:bodyPr wrap="none" rtlCol="0">
+            <a:spAutoFit/>
+          </a:bodyPr>
+          <a:lstStyle/>
+          <a:p>
+            <a:r>
+              <a:rPr lang="en-US" sz="1400" b="1" dirty="0" smtClean="0">
+                <a:solidFill>
+                  <a:srgbClr val="FF0000"/>
+                </a:solidFill>
+              </a:rPr>
+              <a:t>(3)</a:t>
+            </a:r>
+            <a:endParaRPr lang="en-US" sz="1400" b="1" dirty="0">
+              <a:solidFill>
+                <a:srgbClr val="FF0000"/>
+              </a:solidFill>
+            </a:endParaRPr>
+          </a:p>
+        </p:txBody>
+      </p:sp>
+      <p:sp>
+        <p:nvSpPr>
+          <p:cNvPr id="24" name="TextBox 23"/>
+          <p:cNvSpPr txBox="1"/>
+          <p:nvPr/>
+        </p:nvSpPr>
+        <p:spPr>
+          <a:xfrm>
+            <a:off x="7841352" y="533400"/>
+            <a:ext cx="388248" cy="307777"/>
+          </a:xfrm>
+          <a:prstGeom prst="rect">
+            <a:avLst/>
+          </a:prstGeom>
+          <a:noFill/>
+        </p:spPr>
+        <p:txBody>
+          <a:bodyPr wrap="none" rtlCol="0">
+            <a:spAutoFit/>
+          </a:bodyPr>
+          <a:lstStyle/>
+          <a:p>
+            <a:r>
+              <a:rPr lang="en-US" sz="1400" b="1" dirty="0" smtClean="0">
+                <a:solidFill>
+                  <a:srgbClr val="FF0000"/>
+                </a:solidFill>
+              </a:rPr>
+              <a:t>(4)</a:t>
+            </a:r>
+            <a:endParaRPr lang="en-US" sz="1400" b="1" dirty="0">
+              <a:solidFill>
+                <a:srgbClr val="FF0000"/>
+              </a:solidFill>
+            </a:endParaRPr>
+          </a:p>
+        </p:txBody>
+      </p:sp>
       <p:pic>
         <p:nvPicPr>
-          <p:cNvPr id="2055" name="Picture 7"/>
+          <p:cNvPr id="26" name="Picture 7"/>
           <p:cNvPicPr>
             <a:picLocks noChangeAspect="1" noChangeArrowheads="1"/>
           </p:cNvPicPr>
           <p:nvPr/>
         </p:nvPicPr>
         <p:blipFill>
-          <a:blip r:embed="rId2">
+          <a:blip r:embed="rId5">
             <a:extLst>
               <a:ext uri="{28A0092B-C50C-407E-A947-70E740481C1C}">
                 <a14:useLocalDpi xmlns:a14="http://schemas.microsoft.com/office/drawing/2010/main" val="0"/>
@@ -7422,218 +8240,8 @@
         </p:blipFill>
         <p:spPr bwMode="auto">
           <a:xfrm>
-            <a:off x="1295400" y="379838"/>
+            <a:off x="5905500" y="1928949"/>
             <a:ext cx="180975" cy="390525"/>
-          </a:xfrm>
-          <a:prstGeom prst="rect">
-            <a:avLst/>
-          </a:prstGeom>
-          <a:noFill/>
-          <a:ln>
-            <a:noFill/>
-          </a:ln>
-          <a:effectLst/>
-          <a:extLst>
-            <a:ext uri="{909E8E84-426E-40DD-AFC4-6F175D3DCCD1}">
-              <a14:hiddenFill xmlns:a14="http://schemas.microsoft.com/office/drawing/2010/main">
-                <a:solidFill>
-                  <a:schemeClr val="accent1"/>
-                </a:solidFill>
-              </a14:hiddenFill>
-            </a:ext>
-            <a:ext uri="{91240B29-F687-4F45-9708-019B960494DF}">
-              <a14:hiddenLine xmlns:a14="http://schemas.microsoft.com/office/drawing/2010/main" w="9525">
-                <a:solidFill>
-                  <a:schemeClr val="tx1"/>
-                </a:solidFill>
-                <a:miter lim="800000"/>
-                <a:headEnd/>
-                <a:tailEnd/>
-              </a14:hiddenLine>
-            </a:ext>
-            <a:ext uri="{AF507438-7753-43E0-B8FC-AC1667EBCBE1}">
-              <a14:hiddenEffects xmlns:a14="http://schemas.microsoft.com/office/drawing/2010/main">
-                <a:effectLst>
-                  <a:outerShdw dist="35921" dir="2700000" algn="ctr" rotWithShape="0">
-                    <a:schemeClr val="bg2"/>
-                  </a:outerShdw>
-                </a:effectLst>
-              </a14:hiddenEffects>
-            </a:ext>
-          </a:extLst>
-        </p:spPr>
-      </p:pic>
-      <p:sp>
-        <p:nvSpPr>
-          <p:cNvPr id="16" name="TextBox 15"/>
-          <p:cNvSpPr txBox="1"/>
-          <p:nvPr/>
-        </p:nvSpPr>
-        <p:spPr>
-          <a:xfrm>
-            <a:off x="1604554" y="159603"/>
-            <a:ext cx="5786257" cy="830997"/>
-          </a:xfrm>
-          <a:prstGeom prst="rect">
-            <a:avLst/>
-          </a:prstGeom>
-          <a:noFill/>
-        </p:spPr>
-        <p:txBody>
-          <a:bodyPr wrap="square" rtlCol="0">
-            <a:spAutoFit/>
-          </a:bodyPr>
-          <a:lstStyle/>
-          <a:p>
-            <a:pPr algn="ctr"/>
-            <a:r>
-              <a:rPr lang="en-US" sz="2400" b="1" noProof="1" smtClean="0"/>
-              <a:t>MÀN HÌNH DẪN ĐƯỜNG</a:t>
-            </a:r>
-          </a:p>
-          <a:p>
-            <a:pPr algn="ctr"/>
-            <a:r>
-              <a:rPr lang="en-US" sz="2400" b="1" noProof="1" smtClean="0"/>
-              <a:t>Mã: MH04</a:t>
-            </a:r>
-          </a:p>
-        </p:txBody>
-      </p:sp>
-      <p:grpSp>
-        <p:nvGrpSpPr>
-          <p:cNvPr id="12" name="Group 11"/>
-          <p:cNvGrpSpPr/>
-          <p:nvPr/>
-        </p:nvGrpSpPr>
-        <p:grpSpPr>
-          <a:xfrm>
-            <a:off x="5167312" y="1025434"/>
-            <a:ext cx="3743325" cy="5715000"/>
-            <a:chOff x="2505075" y="1219200"/>
-            <a:chExt cx="3743325" cy="5486400"/>
-          </a:xfrm>
-        </p:grpSpPr>
-        <p:pic>
-          <p:nvPicPr>
-            <p:cNvPr id="14" name="Picture 3" descr="C:\Users\TUAN-NGUYEN\Desktop\Capture.PNG"/>
-            <p:cNvPicPr>
-              <a:picLocks noChangeAspect="1" noChangeArrowheads="1"/>
-            </p:cNvPicPr>
-            <p:nvPr/>
-          </p:nvPicPr>
-          <p:blipFill>
-            <a:blip r:embed="rId3">
-              <a:extLst>
-                <a:ext uri="{28A0092B-C50C-407E-A947-70E740481C1C}">
-                  <a14:useLocalDpi xmlns:a14="http://schemas.microsoft.com/office/drawing/2010/main" val="0"/>
-                </a:ext>
-              </a:extLst>
-            </a:blip>
-            <a:srcRect/>
-            <a:stretch>
-              <a:fillRect/>
-            </a:stretch>
-          </p:blipFill>
-          <p:spPr bwMode="auto">
-            <a:xfrm>
-              <a:off x="2505075" y="1219200"/>
-              <a:ext cx="3743325" cy="5486400"/>
-            </a:xfrm>
-            <a:prstGeom prst="rect">
-              <a:avLst/>
-            </a:prstGeom>
-            <a:noFill/>
-            <a:extLst>
-              <a:ext uri="{909E8E84-426E-40DD-AFC4-6F175D3DCCD1}">
-                <a14:hiddenFill xmlns:a14="http://schemas.microsoft.com/office/drawing/2010/main">
-                  <a:solidFill>
-                    <a:srgbClr val="FFFFFF"/>
-                  </a:solidFill>
-                </a14:hiddenFill>
-              </a:ext>
-            </a:extLst>
-          </p:spPr>
-        </p:pic>
-        <p:sp>
-          <p:nvSpPr>
-            <p:cNvPr id="15" name="Rectangle 14"/>
-            <p:cNvSpPr/>
-            <p:nvPr/>
-          </p:nvSpPr>
-          <p:spPr>
-            <a:xfrm>
-              <a:off x="2603863" y="1624148"/>
-              <a:ext cx="3492137" cy="228600"/>
-            </a:xfrm>
-            <a:prstGeom prst="rect">
-              <a:avLst/>
-            </a:prstGeom>
-            <a:ln/>
-          </p:spPr>
-          <p:style>
-            <a:lnRef idx="1">
-              <a:schemeClr val="accent1"/>
-            </a:lnRef>
-            <a:fillRef idx="3">
-              <a:schemeClr val="accent1"/>
-            </a:fillRef>
-            <a:effectRef idx="2">
-              <a:schemeClr val="accent1"/>
-            </a:effectRef>
-            <a:fontRef idx="minor">
-              <a:schemeClr val="lt1"/>
-            </a:fontRef>
-          </p:style>
-          <p:txBody>
-            <a:bodyPr rtlCol="0" anchor="ctr"/>
-            <a:lstStyle/>
-            <a:p>
-              <a:pPr algn="ctr"/>
-              <a:r>
-                <a:rPr lang="vi-VN" sz="1400" b="1" noProof="1" smtClean="0">
-                  <a:solidFill>
-                    <a:schemeClr val="bg1"/>
-                  </a:solidFill>
-                  <a:latin typeface="+mj-lt"/>
-                </a:rPr>
-                <a:t>MapPro v1.0</a:t>
-              </a:r>
-              <a:endParaRPr lang="vi-VN" sz="1400" b="1" noProof="1">
-                <a:solidFill>
-                  <a:schemeClr val="bg1"/>
-                </a:solidFill>
-                <a:latin typeface="+mj-lt"/>
-              </a:endParaRPr>
-            </a:p>
-          </p:txBody>
-        </p:sp>
-      </p:grpSp>
-      <p:pic>
-        <p:nvPicPr>
-          <p:cNvPr id="1026" name="Picture 2"/>
-          <p:cNvPicPr>
-            <a:picLocks noChangeAspect="1" noChangeArrowheads="1"/>
-          </p:cNvPicPr>
-          <p:nvPr/>
-        </p:nvPicPr>
-        <p:blipFill>
-          <a:blip r:embed="rId4">
-            <a:extLst>
-              <a:ext uri="{28A0092B-C50C-407E-A947-70E740481C1C}">
-                <a14:useLocalDpi xmlns:a14="http://schemas.microsoft.com/office/drawing/2010/main" val="0"/>
-              </a:ext>
-            </a:extLst>
-          </a:blip>
-          <a:srcRect/>
-          <a:stretch>
-            <a:fillRect/>
-          </a:stretch>
-        </p:blipFill>
-        <p:spPr bwMode="auto">
-          <a:xfrm>
-            <a:off x="5279163" y="1689734"/>
-            <a:ext cx="3492137" cy="4939666"/>
           </a:xfrm>
           <a:prstGeom prst="rect">
             <a:avLst/>
@@ -7676,7 +8284,1676 @@
     </p:spTree>
     <p:extLst>
       <p:ext uri="{BB962C8B-B14F-4D97-AF65-F5344CB8AC3E}">
+        <p14:creationId xmlns:p14="http://schemas.microsoft.com/office/powerpoint/2010/main" val="3298166870"/>
+      </p:ext>
+    </p:extLst>
+  </p:cSld>
+  <p:clrMapOvr>
+    <a:masterClrMapping/>
+  </p:clrMapOvr>
+  <p:timing>
+    <p:tnLst>
+      <p:par>
+        <p:cTn id="1" dur="indefinite" restart="never" nodeType="tmRoot"/>
+      </p:par>
+    </p:tnLst>
+  </p:timing>
+</p:sld>
+</file>
+
+<file path=ppt/slides/slide11.xml><?xml version="1.0" encoding="utf-8"?>
+<p:sld xmlns:a="http://schemas.openxmlformats.org/drawingml/2006/main" xmlns:r="http://schemas.openxmlformats.org/officeDocument/2006/relationships" xmlns:p="http://schemas.openxmlformats.org/presentationml/2006/main">
+  <p:cSld>
+    <p:spTree>
+      <p:nvGrpSpPr>
+        <p:cNvPr id="1" name=""/>
+        <p:cNvGrpSpPr/>
+        <p:nvPr/>
+      </p:nvGrpSpPr>
+      <p:grpSpPr>
+        <a:xfrm>
+          <a:off x="0" y="0"/>
+          <a:ext cx="0" cy="0"/>
+          <a:chOff x="0" y="0"/>
+          <a:chExt cx="0" cy="0"/>
+        </a:xfrm>
+      </p:grpSpPr>
+      <p:sp>
+        <p:nvSpPr>
+          <p:cNvPr id="16" name="TextBox 15"/>
+          <p:cNvSpPr txBox="1"/>
+          <p:nvPr/>
+        </p:nvSpPr>
+        <p:spPr>
+          <a:xfrm>
+            <a:off x="1604554" y="159603"/>
+            <a:ext cx="5786257" cy="830997"/>
+          </a:xfrm>
+          <a:prstGeom prst="rect">
+            <a:avLst/>
+          </a:prstGeom>
+          <a:noFill/>
+        </p:spPr>
+        <p:txBody>
+          <a:bodyPr wrap="square" rtlCol="0">
+            <a:spAutoFit/>
+          </a:bodyPr>
+          <a:lstStyle/>
+          <a:p>
+            <a:pPr algn="ctr"/>
+            <a:r>
+              <a:rPr lang="en-US" sz="2400" b="1" noProof="1" smtClean="0"/>
+              <a:t>MÀN HÌNH </a:t>
+            </a:r>
+            <a:r>
+              <a:rPr lang="en-US" sz="2400" b="1" noProof="1" smtClean="0"/>
+              <a:t>BẢN ĐỒ</a:t>
+            </a:r>
+            <a:endParaRPr lang="en-US" sz="2400" b="1" noProof="1" smtClean="0"/>
+          </a:p>
+          <a:p>
+            <a:pPr algn="ctr"/>
+            <a:r>
+              <a:rPr lang="en-US" sz="2400" b="1" noProof="1" smtClean="0"/>
+              <a:t>(Mã</a:t>
+            </a:r>
+            <a:r>
+              <a:rPr lang="en-US" sz="2400" b="1" noProof="1" smtClean="0"/>
+              <a:t>: </a:t>
+            </a:r>
+            <a:r>
+              <a:rPr lang="en-US" sz="2400" b="1" noProof="1" smtClean="0"/>
+              <a:t>MH04)</a:t>
+            </a:r>
+            <a:endParaRPr lang="en-US" sz="2400" b="1" noProof="1" smtClean="0"/>
+          </a:p>
+        </p:txBody>
+      </p:sp>
+      <p:grpSp>
+        <p:nvGrpSpPr>
+          <p:cNvPr id="10" name="Group 9"/>
+          <p:cNvGrpSpPr/>
+          <p:nvPr/>
+        </p:nvGrpSpPr>
+        <p:grpSpPr>
+          <a:xfrm>
+            <a:off x="-76200" y="1025434"/>
+            <a:ext cx="4815096" cy="5715000"/>
+            <a:chOff x="221352" y="1025434"/>
+            <a:chExt cx="4815096" cy="5715000"/>
+          </a:xfrm>
+        </p:grpSpPr>
+        <p:grpSp>
+          <p:nvGrpSpPr>
+            <p:cNvPr id="2" name="Group 1"/>
+            <p:cNvGrpSpPr/>
+            <p:nvPr/>
+          </p:nvGrpSpPr>
+          <p:grpSpPr>
+            <a:xfrm>
+              <a:off x="904875" y="1025434"/>
+              <a:ext cx="3743325" cy="5715000"/>
+              <a:chOff x="5172075" y="1025434"/>
+              <a:chExt cx="3743325" cy="5715000"/>
+            </a:xfrm>
+          </p:grpSpPr>
+          <p:grpSp>
+            <p:nvGrpSpPr>
+              <p:cNvPr id="12" name="Group 11"/>
+              <p:cNvGrpSpPr/>
+              <p:nvPr/>
+            </p:nvGrpSpPr>
+            <p:grpSpPr>
+              <a:xfrm>
+                <a:off x="5172075" y="1025434"/>
+                <a:ext cx="3743325" cy="5715000"/>
+                <a:chOff x="2505075" y="1219200"/>
+                <a:chExt cx="3743325" cy="5486400"/>
+              </a:xfrm>
+            </p:grpSpPr>
+            <p:pic>
+              <p:nvPicPr>
+                <p:cNvPr id="14" name="Picture 3" descr="C:\Users\TUAN-NGUYEN\Desktop\Capture.PNG"/>
+                <p:cNvPicPr>
+                  <a:picLocks noChangeAspect="1" noChangeArrowheads="1"/>
+                </p:cNvPicPr>
+                <p:nvPr/>
+              </p:nvPicPr>
+              <p:blipFill>
+                <a:blip r:embed="rId2">
+                  <a:extLst>
+                    <a:ext uri="{28A0092B-C50C-407E-A947-70E740481C1C}">
+                      <a14:useLocalDpi xmlns:a14="http://schemas.microsoft.com/office/drawing/2010/main" val="0"/>
+                    </a:ext>
+                  </a:extLst>
+                </a:blip>
+                <a:srcRect/>
+                <a:stretch>
+                  <a:fillRect/>
+                </a:stretch>
+              </p:blipFill>
+              <p:spPr bwMode="auto">
+                <a:xfrm>
+                  <a:off x="2505075" y="1219200"/>
+                  <a:ext cx="3743325" cy="5486400"/>
+                </a:xfrm>
+                <a:prstGeom prst="rect">
+                  <a:avLst/>
+                </a:prstGeom>
+                <a:noFill/>
+                <a:extLst>
+                  <a:ext uri="{909E8E84-426E-40DD-AFC4-6F175D3DCCD1}">
+                    <a14:hiddenFill xmlns:a14="http://schemas.microsoft.com/office/drawing/2010/main">
+                      <a:solidFill>
+                        <a:srgbClr val="FFFFFF"/>
+                      </a:solidFill>
+                    </a14:hiddenFill>
+                  </a:ext>
+                </a:extLst>
+              </p:spPr>
+            </p:pic>
+            <p:sp>
+              <p:nvSpPr>
+                <p:cNvPr id="15" name="Rectangle 14"/>
+                <p:cNvSpPr/>
+                <p:nvPr/>
+              </p:nvSpPr>
+              <p:spPr>
+                <a:xfrm>
+                  <a:off x="2603863" y="1624148"/>
+                  <a:ext cx="3492137" cy="228600"/>
+                </a:xfrm>
+                <a:prstGeom prst="rect">
+                  <a:avLst/>
+                </a:prstGeom>
+                <a:ln/>
+              </p:spPr>
+              <p:style>
+                <a:lnRef idx="1">
+                  <a:schemeClr val="accent1"/>
+                </a:lnRef>
+                <a:fillRef idx="3">
+                  <a:schemeClr val="accent1"/>
+                </a:fillRef>
+                <a:effectRef idx="2">
+                  <a:schemeClr val="accent1"/>
+                </a:effectRef>
+                <a:fontRef idx="minor">
+                  <a:schemeClr val="lt1"/>
+                </a:fontRef>
+              </p:style>
+              <p:txBody>
+                <a:bodyPr rtlCol="0" anchor="ctr"/>
+                <a:lstStyle/>
+                <a:p>
+                  <a:pPr algn="ctr"/>
+                  <a:r>
+                    <a:rPr lang="vi-VN" sz="1400" b="1" noProof="1" smtClean="0">
+                      <a:solidFill>
+                        <a:schemeClr val="bg1"/>
+                      </a:solidFill>
+                      <a:latin typeface="+mj-lt"/>
+                    </a:rPr>
+                    <a:t>MapPro v1.0</a:t>
+                  </a:r>
+                  <a:endParaRPr lang="vi-VN" sz="1400" b="1" noProof="1">
+                    <a:solidFill>
+                      <a:schemeClr val="bg1"/>
+                    </a:solidFill>
+                    <a:latin typeface="+mj-lt"/>
+                  </a:endParaRPr>
+                </a:p>
+              </p:txBody>
+            </p:sp>
+          </p:grpSp>
+          <p:pic>
+            <p:nvPicPr>
+              <p:cNvPr id="1026" name="Picture 2"/>
+              <p:cNvPicPr>
+                <a:picLocks noChangeAspect="1" noChangeArrowheads="1"/>
+              </p:cNvPicPr>
+              <p:nvPr/>
+            </p:nvPicPr>
+            <p:blipFill>
+              <a:blip r:embed="rId3">
+                <a:extLst>
+                  <a:ext uri="{28A0092B-C50C-407E-A947-70E740481C1C}">
+                    <a14:useLocalDpi xmlns:a14="http://schemas.microsoft.com/office/drawing/2010/main" val="0"/>
+                  </a:ext>
+                </a:extLst>
+              </a:blip>
+              <a:srcRect/>
+              <a:stretch>
+                <a:fillRect/>
+              </a:stretch>
+            </p:blipFill>
+            <p:spPr bwMode="auto">
+              <a:xfrm>
+                <a:off x="5279163" y="1689734"/>
+                <a:ext cx="3492137" cy="4939666"/>
+              </a:xfrm>
+              <a:prstGeom prst="rect">
+                <a:avLst/>
+              </a:prstGeom>
+              <a:noFill/>
+              <a:ln>
+                <a:noFill/>
+              </a:ln>
+              <a:effectLst/>
+              <a:extLst>
+                <a:ext uri="{909E8E84-426E-40DD-AFC4-6F175D3DCCD1}">
+                  <a14:hiddenFill xmlns:a14="http://schemas.microsoft.com/office/drawing/2010/main">
+                    <a:solidFill>
+                      <a:schemeClr val="accent1"/>
+                    </a:solidFill>
+                  </a14:hiddenFill>
+                </a:ext>
+                <a:ext uri="{91240B29-F687-4F45-9708-019B960494DF}">
+                  <a14:hiddenLine xmlns:a14="http://schemas.microsoft.com/office/drawing/2010/main" w="9525">
+                    <a:solidFill>
+                      <a:schemeClr val="tx1"/>
+                    </a:solidFill>
+                    <a:miter lim="800000"/>
+                    <a:headEnd/>
+                    <a:tailEnd/>
+                  </a14:hiddenLine>
+                </a:ext>
+                <a:ext uri="{AF507438-7753-43E0-B8FC-AC1667EBCBE1}">
+                  <a14:hiddenEffects xmlns:a14="http://schemas.microsoft.com/office/drawing/2010/main">
+                    <a:effectLst>
+                      <a:outerShdw dist="35921" dir="2700000" algn="ctr" rotWithShape="0">
+                        <a:schemeClr val="bg2"/>
+                      </a:outerShdw>
+                    </a:effectLst>
+                  </a14:hiddenEffects>
+                </a:ext>
+              </a:extLst>
+            </p:spPr>
+          </p:pic>
+        </p:grpSp>
+        <p:cxnSp>
+          <p:nvCxnSpPr>
+            <p:cNvPr id="4" name="Straight Arrow Connector 3"/>
+            <p:cNvCxnSpPr/>
+            <p:nvPr/>
+          </p:nvCxnSpPr>
+          <p:spPr>
+            <a:xfrm>
+              <a:off x="533400" y="1689734"/>
+              <a:ext cx="609600" cy="367666"/>
+            </a:xfrm>
+            <a:prstGeom prst="straightConnector1">
+              <a:avLst/>
+            </a:prstGeom>
+            <a:ln>
+              <a:tailEnd type="arrow"/>
+            </a:ln>
+          </p:spPr>
+          <p:style>
+            <a:lnRef idx="2">
+              <a:schemeClr val="accent1"/>
+            </a:lnRef>
+            <a:fillRef idx="0">
+              <a:schemeClr val="accent1"/>
+            </a:fillRef>
+            <a:effectRef idx="1">
+              <a:schemeClr val="accent1"/>
+            </a:effectRef>
+            <a:fontRef idx="minor">
+              <a:schemeClr val="tx1"/>
+            </a:fontRef>
+          </p:style>
+        </p:cxnSp>
+        <p:cxnSp>
+          <p:nvCxnSpPr>
+            <p:cNvPr id="11" name="Straight Arrow Connector 10"/>
+            <p:cNvCxnSpPr>
+              <a:stCxn id="18" idx="0"/>
+            </p:cNvCxnSpPr>
+            <p:nvPr/>
+          </p:nvCxnSpPr>
+          <p:spPr>
+            <a:xfrm flipH="1" flipV="1">
+              <a:off x="4114800" y="1947591"/>
+              <a:ext cx="727524" cy="335432"/>
+            </a:xfrm>
+            <a:prstGeom prst="straightConnector1">
+              <a:avLst/>
+            </a:prstGeom>
+            <a:ln>
+              <a:tailEnd type="arrow"/>
+            </a:ln>
+          </p:spPr>
+          <p:style>
+            <a:lnRef idx="2">
+              <a:schemeClr val="accent1"/>
+            </a:lnRef>
+            <a:fillRef idx="0">
+              <a:schemeClr val="accent1"/>
+            </a:fillRef>
+            <a:effectRef idx="1">
+              <a:schemeClr val="accent1"/>
+            </a:effectRef>
+            <a:fontRef idx="minor">
+              <a:schemeClr val="tx1"/>
+            </a:fontRef>
+          </p:style>
+        </p:cxnSp>
+        <p:sp>
+          <p:nvSpPr>
+            <p:cNvPr id="17" name="TextBox 16"/>
+            <p:cNvSpPr txBox="1"/>
+            <p:nvPr/>
+          </p:nvSpPr>
+          <p:spPr>
+            <a:xfrm>
+              <a:off x="221352" y="1521023"/>
+              <a:ext cx="388248" cy="307777"/>
+            </a:xfrm>
+            <a:prstGeom prst="rect">
+              <a:avLst/>
+            </a:prstGeom>
+            <a:noFill/>
+          </p:spPr>
+          <p:txBody>
+            <a:bodyPr wrap="none" rtlCol="0">
+              <a:spAutoFit/>
+            </a:bodyPr>
+            <a:lstStyle/>
+            <a:p>
+              <a:r>
+                <a:rPr lang="en-US" sz="1400" b="1" dirty="0" smtClean="0">
+                  <a:solidFill>
+                    <a:srgbClr val="FF0000"/>
+                  </a:solidFill>
+                </a:rPr>
+                <a:t>(1)</a:t>
+              </a:r>
+              <a:endParaRPr lang="en-US" sz="1400" b="1" dirty="0">
+                <a:solidFill>
+                  <a:srgbClr val="FF0000"/>
+                </a:solidFill>
+              </a:endParaRPr>
+            </a:p>
+          </p:txBody>
+        </p:sp>
+        <p:sp>
+          <p:nvSpPr>
+            <p:cNvPr id="18" name="TextBox 17"/>
+            <p:cNvSpPr txBox="1"/>
+            <p:nvPr/>
+          </p:nvSpPr>
+          <p:spPr>
+            <a:xfrm>
+              <a:off x="4648200" y="2283023"/>
+              <a:ext cx="388248" cy="307777"/>
+            </a:xfrm>
+            <a:prstGeom prst="rect">
+              <a:avLst/>
+            </a:prstGeom>
+            <a:noFill/>
+          </p:spPr>
+          <p:txBody>
+            <a:bodyPr wrap="none" rtlCol="0">
+              <a:spAutoFit/>
+            </a:bodyPr>
+            <a:lstStyle/>
+            <a:p>
+              <a:r>
+                <a:rPr lang="en-US" sz="1400" b="1" dirty="0" smtClean="0">
+                  <a:solidFill>
+                    <a:srgbClr val="FF0000"/>
+                  </a:solidFill>
+                </a:rPr>
+                <a:t>(2)</a:t>
+              </a:r>
+              <a:endParaRPr lang="en-US" sz="1400" b="1" dirty="0">
+                <a:solidFill>
+                  <a:srgbClr val="FF0000"/>
+                </a:solidFill>
+              </a:endParaRPr>
+            </a:p>
+          </p:txBody>
+        </p:sp>
+        <p:sp>
+          <p:nvSpPr>
+            <p:cNvPr id="19" name="TextBox 18"/>
+            <p:cNvSpPr txBox="1"/>
+            <p:nvPr/>
+          </p:nvSpPr>
+          <p:spPr>
+            <a:xfrm>
+              <a:off x="2555607" y="6172200"/>
+              <a:ext cx="388248" cy="307777"/>
+            </a:xfrm>
+            <a:prstGeom prst="rect">
+              <a:avLst/>
+            </a:prstGeom>
+            <a:noFill/>
+          </p:spPr>
+          <p:txBody>
+            <a:bodyPr wrap="none" rtlCol="0">
+              <a:spAutoFit/>
+            </a:bodyPr>
+            <a:lstStyle/>
+            <a:p>
+              <a:r>
+                <a:rPr lang="en-US" sz="1400" b="1" dirty="0" smtClean="0">
+                  <a:solidFill>
+                    <a:srgbClr val="FF0000"/>
+                  </a:solidFill>
+                </a:rPr>
+                <a:t>(3)</a:t>
+              </a:r>
+              <a:endParaRPr lang="en-US" sz="1400" b="1" dirty="0">
+                <a:solidFill>
+                  <a:srgbClr val="FF0000"/>
+                </a:solidFill>
+              </a:endParaRPr>
+            </a:p>
+          </p:txBody>
+        </p:sp>
+      </p:grpSp>
+      <p:graphicFrame>
+        <p:nvGraphicFramePr>
+          <p:cNvPr id="21" name="Table 20"/>
+          <p:cNvGraphicFramePr>
+            <a:graphicFrameLocks noGrp="1"/>
+          </p:cNvGraphicFramePr>
+          <p:nvPr>
+            <p:extLst>
+              <p:ext uri="{D42A27DB-BD31-4B8C-83A1-F6EECF244321}">
+                <p14:modId xmlns:p14="http://schemas.microsoft.com/office/powerpoint/2010/main" val="1643566794"/>
+              </p:ext>
+            </p:extLst>
+          </p:nvPr>
+        </p:nvGraphicFramePr>
+        <p:xfrm>
+          <a:off x="4738896" y="1060857"/>
+          <a:ext cx="4087214" cy="1010920"/>
+        </p:xfrm>
+        <a:graphic>
+          <a:graphicData uri="http://schemas.openxmlformats.org/drawingml/2006/table">
+            <a:tbl>
+              <a:tblPr firstRow="1" bandRow="1">
+                <a:tableStyleId>{5C22544A-7EE6-4342-B048-85BDC9FD1C3A}</a:tableStyleId>
+              </a:tblPr>
+              <a:tblGrid>
+                <a:gridCol w="4087214"/>
+              </a:tblGrid>
+              <a:tr h="370840">
+                <a:tc>
+                  <a:txBody>
+                    <a:bodyPr/>
+                    <a:lstStyle/>
+                    <a:p>
+                      <a:pPr algn="ctr"/>
+                      <a:r>
+                        <a:rPr lang="vi-VN" sz="1800" noProof="1" smtClean="0">
+                          <a:latin typeface="Times New Roman" pitchFamily="18" charset="0"/>
+                          <a:cs typeface="Times New Roman" pitchFamily="18" charset="0"/>
+                        </a:rPr>
+                        <a:t>Mô</a:t>
+                      </a:r>
+                      <a:r>
+                        <a:rPr lang="vi-VN" sz="1800" baseline="0" noProof="1" smtClean="0">
+                          <a:latin typeface="Times New Roman" pitchFamily="18" charset="0"/>
+                          <a:cs typeface="Times New Roman" pitchFamily="18" charset="0"/>
+                        </a:rPr>
+                        <a:t> tả</a:t>
+                      </a:r>
+                      <a:r>
+                        <a:rPr lang="en-US" sz="1800" baseline="0" noProof="1" smtClean="0">
+                          <a:latin typeface="Times New Roman" pitchFamily="18" charset="0"/>
+                          <a:cs typeface="Times New Roman" pitchFamily="18" charset="0"/>
+                        </a:rPr>
+                        <a:t> màn hình</a:t>
+                      </a:r>
+                      <a:endParaRPr lang="vi-VN" sz="1800" noProof="1">
+                        <a:latin typeface="Times New Roman" pitchFamily="18" charset="0"/>
+                        <a:cs typeface="Times New Roman" pitchFamily="18" charset="0"/>
+                      </a:endParaRPr>
+                    </a:p>
+                  </a:txBody>
+                  <a:tcPr/>
+                </a:tc>
+              </a:tr>
+              <a:tr h="370840">
+                <a:tc>
+                  <a:txBody>
+                    <a:bodyPr/>
+                    <a:lstStyle/>
+                    <a:p>
+                      <a:r>
+                        <a:rPr lang="en-US" sz="1800" noProof="1" smtClean="0">
+                          <a:latin typeface="Times New Roman" pitchFamily="18" charset="0"/>
+                          <a:cs typeface="Times New Roman" pitchFamily="18" charset="0"/>
+                        </a:rPr>
+                        <a:t>Màn</a:t>
+                      </a:r>
+                      <a:r>
+                        <a:rPr lang="en-US" sz="1800" baseline="0" noProof="1" smtClean="0">
+                          <a:latin typeface="Times New Roman" pitchFamily="18" charset="0"/>
+                          <a:cs typeface="Times New Roman" pitchFamily="18" charset="0"/>
+                        </a:rPr>
+                        <a:t> hình hiển thị bản đồ và cách đi giữa hai địa điểm cho trước.</a:t>
+                      </a:r>
+                      <a:endParaRPr lang="vi-VN" sz="1800" noProof="1">
+                        <a:latin typeface="Times New Roman" pitchFamily="18" charset="0"/>
+                        <a:cs typeface="Times New Roman" pitchFamily="18" charset="0"/>
+                      </a:endParaRPr>
+                    </a:p>
+                  </a:txBody>
+                  <a:tcPr/>
+                </a:tc>
+              </a:tr>
+            </a:tbl>
+          </a:graphicData>
+        </a:graphic>
+      </p:graphicFrame>
+      <p:graphicFrame>
+        <p:nvGraphicFramePr>
+          <p:cNvPr id="22" name="Table 21"/>
+          <p:cNvGraphicFramePr>
+            <a:graphicFrameLocks noGrp="1"/>
+          </p:cNvGraphicFramePr>
+          <p:nvPr>
+            <p:extLst>
+              <p:ext uri="{D42A27DB-BD31-4B8C-83A1-F6EECF244321}">
+                <p14:modId xmlns:p14="http://schemas.microsoft.com/office/powerpoint/2010/main" val="2469808584"/>
+              </p:ext>
+            </p:extLst>
+          </p:nvPr>
+        </p:nvGraphicFramePr>
+        <p:xfrm>
+          <a:off x="4759400" y="2271576"/>
+          <a:ext cx="4066709" cy="2137001"/>
+        </p:xfrm>
+        <a:graphic>
+          <a:graphicData uri="http://schemas.openxmlformats.org/drawingml/2006/table">
+            <a:tbl>
+              <a:tblPr firstRow="1" bandRow="1">
+                <a:tableStyleId>{5C22544A-7EE6-4342-B048-85BDC9FD1C3A}</a:tableStyleId>
+              </a:tblPr>
+              <a:tblGrid>
+                <a:gridCol w="650800"/>
+                <a:gridCol w="3415909"/>
+              </a:tblGrid>
+              <a:tr h="486001">
+                <a:tc>
+                  <a:txBody>
+                    <a:bodyPr/>
+                    <a:lstStyle/>
+                    <a:p>
+                      <a:pPr algn="ctr"/>
+                      <a:r>
+                        <a:rPr lang="vi-VN" sz="1800" noProof="1" smtClean="0">
+                          <a:latin typeface="+mj-lt"/>
+                        </a:rPr>
+                        <a:t>STT</a:t>
+                      </a:r>
+                    </a:p>
+                  </a:txBody>
+                  <a:tcPr/>
+                </a:tc>
+                <a:tc>
+                  <a:txBody>
+                    <a:bodyPr/>
+                    <a:lstStyle/>
+                    <a:p>
+                      <a:pPr algn="ctr"/>
+                      <a:r>
+                        <a:rPr lang="en-US" sz="1800" noProof="1" smtClean="0">
+                          <a:latin typeface="Times New Roman" pitchFamily="18" charset="0"/>
+                          <a:cs typeface="Times New Roman" pitchFamily="18" charset="0"/>
+                        </a:rPr>
+                        <a:t>Mô</a:t>
+                      </a:r>
+                      <a:r>
+                        <a:rPr lang="en-US" sz="1800" baseline="0" noProof="1" smtClean="0">
+                          <a:latin typeface="Times New Roman" pitchFamily="18" charset="0"/>
+                          <a:cs typeface="Times New Roman" pitchFamily="18" charset="0"/>
+                        </a:rPr>
+                        <a:t> tả thành phần</a:t>
+                      </a:r>
+                      <a:endParaRPr lang="vi-VN" sz="1800" noProof="1">
+                        <a:latin typeface="Times New Roman" pitchFamily="18" charset="0"/>
+                        <a:cs typeface="Times New Roman" pitchFamily="18" charset="0"/>
+                      </a:endParaRPr>
+                    </a:p>
+                  </a:txBody>
+                  <a:tcPr/>
+                </a:tc>
+              </a:tr>
+              <a:tr h="370840">
+                <a:tc>
+                  <a:txBody>
+                    <a:bodyPr/>
+                    <a:lstStyle/>
+                    <a:p>
+                      <a:pPr algn="ctr"/>
+                      <a:r>
+                        <a:rPr lang="en-US" sz="1800" dirty="0" smtClean="0">
+                          <a:solidFill>
+                            <a:srgbClr val="FF0000"/>
+                          </a:solidFill>
+                          <a:latin typeface="+mj-lt"/>
+                        </a:rPr>
+                        <a:t>(1)</a:t>
+                      </a:r>
+                      <a:endParaRPr lang="en-US" sz="1800" dirty="0">
+                        <a:solidFill>
+                          <a:srgbClr val="FF0000"/>
+                        </a:solidFill>
+                        <a:latin typeface="+mj-lt"/>
+                      </a:endParaRPr>
+                    </a:p>
+                  </a:txBody>
+                  <a:tcPr/>
+                </a:tc>
+                <a:tc>
+                  <a:txBody>
+                    <a:bodyPr/>
+                    <a:lstStyle/>
+                    <a:p>
+                      <a:pPr algn="just"/>
+                      <a:r>
+                        <a:rPr lang="en-US" sz="1800" noProof="1" smtClean="0">
+                          <a:latin typeface="Times New Roman" pitchFamily="18" charset="0"/>
+                          <a:cs typeface="Times New Roman" pitchFamily="18" charset="0"/>
+                        </a:rPr>
+                        <a:t>Phóng</a:t>
+                      </a:r>
+                      <a:r>
+                        <a:rPr lang="en-US" sz="1800" baseline="0" noProof="1" smtClean="0">
+                          <a:latin typeface="Times New Roman" pitchFamily="18" charset="0"/>
+                          <a:cs typeface="Times New Roman" pitchFamily="18" charset="0"/>
+                        </a:rPr>
+                        <a:t> to/thu nhỏ bản đồ</a:t>
+                      </a:r>
+                      <a:endParaRPr lang="vi-VN" sz="1800" noProof="1">
+                        <a:latin typeface="Times New Roman" pitchFamily="18" charset="0"/>
+                        <a:cs typeface="Times New Roman" pitchFamily="18" charset="0"/>
+                      </a:endParaRPr>
+                    </a:p>
+                  </a:txBody>
+                  <a:tcPr/>
+                </a:tc>
+              </a:tr>
+              <a:tr h="370840">
+                <a:tc>
+                  <a:txBody>
+                    <a:bodyPr/>
+                    <a:lstStyle/>
+                    <a:p>
+                      <a:pPr algn="ctr"/>
+                      <a:r>
+                        <a:rPr lang="en-US" sz="1800" dirty="0" smtClean="0">
+                          <a:solidFill>
+                            <a:srgbClr val="FF0000"/>
+                          </a:solidFill>
+                          <a:latin typeface="+mj-lt"/>
+                        </a:rPr>
+                        <a:t>(2)</a:t>
+                      </a:r>
+                      <a:endParaRPr lang="en-US" sz="1800" dirty="0">
+                        <a:solidFill>
+                          <a:srgbClr val="FF0000"/>
+                        </a:solidFill>
+                        <a:latin typeface="+mj-lt"/>
+                      </a:endParaRPr>
+                    </a:p>
+                  </a:txBody>
+                  <a:tcPr/>
+                </a:tc>
+                <a:tc>
+                  <a:txBody>
+                    <a:bodyPr/>
+                    <a:lstStyle/>
+                    <a:p>
+                      <a:pPr algn="just"/>
+                      <a:r>
+                        <a:rPr lang="en-US" sz="1800" noProof="1" smtClean="0">
+                          <a:latin typeface="Times New Roman" pitchFamily="18" charset="0"/>
+                          <a:cs typeface="Times New Roman" pitchFamily="18" charset="0"/>
+                        </a:rPr>
+                        <a:t>Chế</a:t>
+                      </a:r>
+                      <a:r>
+                        <a:rPr lang="en-US" sz="1800" baseline="0" noProof="1" smtClean="0">
+                          <a:latin typeface="Times New Roman" pitchFamily="18" charset="0"/>
+                          <a:cs typeface="Times New Roman" pitchFamily="18" charset="0"/>
+                        </a:rPr>
+                        <a:t> độ hiển thị bản đồ (Map, Vệ tinh)</a:t>
+                      </a:r>
+                      <a:endParaRPr lang="vi-VN" sz="1800" noProof="1">
+                        <a:latin typeface="Times New Roman" pitchFamily="18" charset="0"/>
+                        <a:cs typeface="Times New Roman" pitchFamily="18" charset="0"/>
+                      </a:endParaRPr>
+                    </a:p>
+                  </a:txBody>
+                  <a:tcPr/>
+                </a:tc>
+              </a:tr>
+              <a:tr h="370840">
+                <a:tc>
+                  <a:txBody>
+                    <a:bodyPr/>
+                    <a:lstStyle/>
+                    <a:p>
+                      <a:pPr algn="ctr"/>
+                      <a:r>
+                        <a:rPr lang="en-US" sz="1800" dirty="0" smtClean="0">
+                          <a:solidFill>
+                            <a:srgbClr val="FF0000"/>
+                          </a:solidFill>
+                          <a:latin typeface="+mj-lt"/>
+                        </a:rPr>
+                        <a:t>(3)</a:t>
+                      </a:r>
+                      <a:endParaRPr lang="en-US" sz="1800" dirty="0">
+                        <a:solidFill>
+                          <a:srgbClr val="FF0000"/>
+                        </a:solidFill>
+                        <a:latin typeface="+mj-lt"/>
+                      </a:endParaRPr>
+                    </a:p>
+                  </a:txBody>
+                  <a:tcPr/>
+                </a:tc>
+                <a:tc>
+                  <a:txBody>
+                    <a:bodyPr/>
+                    <a:lstStyle/>
+                    <a:p>
+                      <a:pPr algn="just"/>
+                      <a:r>
+                        <a:rPr lang="en-US" sz="1800" noProof="1" smtClean="0">
+                          <a:latin typeface="Times New Roman" pitchFamily="18" charset="0"/>
+                          <a:cs typeface="Times New Roman" pitchFamily="18" charset="0"/>
+                        </a:rPr>
+                        <a:t>Khung nhập</a:t>
+                      </a:r>
+                      <a:r>
+                        <a:rPr lang="en-US" sz="1800" baseline="0" noProof="1" smtClean="0">
+                          <a:latin typeface="Times New Roman" pitchFamily="18" charset="0"/>
+                          <a:cs typeface="Times New Roman" pitchFamily="18" charset="0"/>
+                        </a:rPr>
+                        <a:t> tìm kiếm một địa điểm bất kỳ</a:t>
+                      </a:r>
+                      <a:endParaRPr lang="vi-VN" sz="1800" noProof="1">
+                        <a:latin typeface="Times New Roman" pitchFamily="18" charset="0"/>
+                        <a:cs typeface="Times New Roman" pitchFamily="18" charset="0"/>
+                      </a:endParaRPr>
+                    </a:p>
+                  </a:txBody>
+                  <a:tcPr/>
+                </a:tc>
+              </a:tr>
+            </a:tbl>
+          </a:graphicData>
+        </a:graphic>
+      </p:graphicFrame>
+    </p:spTree>
+    <p:extLst>
+      <p:ext uri="{BB962C8B-B14F-4D97-AF65-F5344CB8AC3E}">
         <p14:creationId xmlns:p14="http://schemas.microsoft.com/office/powerpoint/2010/main" val="1522106029"/>
+      </p:ext>
+    </p:extLst>
+  </p:cSld>
+  <p:clrMapOvr>
+    <a:masterClrMapping/>
+  </p:clrMapOvr>
+  <p:timing>
+    <p:tnLst>
+      <p:par>
+        <p:cTn id="1" dur="indefinite" restart="never" nodeType="tmRoot"/>
+      </p:par>
+    </p:tnLst>
+  </p:timing>
+</p:sld>
+</file>
+
+<file path=ppt/slides/slide12.xml><?xml version="1.0" encoding="utf-8"?>
+<p:sld xmlns:a="http://schemas.openxmlformats.org/drawingml/2006/main" xmlns:r="http://schemas.openxmlformats.org/officeDocument/2006/relationships" xmlns:p="http://schemas.openxmlformats.org/presentationml/2006/main">
+  <p:cSld>
+    <p:spTree>
+      <p:nvGrpSpPr>
+        <p:cNvPr id="1" name=""/>
+        <p:cNvGrpSpPr/>
+        <p:nvPr/>
+      </p:nvGrpSpPr>
+      <p:grpSpPr>
+        <a:xfrm>
+          <a:off x="0" y="0"/>
+          <a:ext cx="0" cy="0"/>
+          <a:chOff x="0" y="0"/>
+          <a:chExt cx="0" cy="0"/>
+        </a:xfrm>
+      </p:grpSpPr>
+      <p:sp>
+        <p:nvSpPr>
+          <p:cNvPr id="8" name="TextBox 7"/>
+          <p:cNvSpPr txBox="1"/>
+          <p:nvPr/>
+        </p:nvSpPr>
+        <p:spPr>
+          <a:xfrm>
+            <a:off x="1604554" y="159603"/>
+            <a:ext cx="5786257" cy="830997"/>
+          </a:xfrm>
+          <a:prstGeom prst="rect">
+            <a:avLst/>
+          </a:prstGeom>
+          <a:noFill/>
+        </p:spPr>
+        <p:txBody>
+          <a:bodyPr wrap="square" rtlCol="0">
+            <a:spAutoFit/>
+          </a:bodyPr>
+          <a:lstStyle/>
+          <a:p>
+            <a:pPr algn="ctr"/>
+            <a:r>
+              <a:rPr lang="en-US" sz="2400" b="1" noProof="1" smtClean="0"/>
+              <a:t>MÀN HÌNH </a:t>
+            </a:r>
+            <a:r>
+              <a:rPr lang="en-US" sz="2400" b="1" noProof="1" smtClean="0"/>
+              <a:t>BẢN ĐỒ</a:t>
+            </a:r>
+            <a:endParaRPr lang="en-US" sz="2400" b="1" noProof="1" smtClean="0"/>
+          </a:p>
+          <a:p>
+            <a:pPr algn="ctr"/>
+            <a:r>
+              <a:rPr lang="en-US" sz="2400" b="1" noProof="1" smtClean="0"/>
+              <a:t>(Mã</a:t>
+            </a:r>
+            <a:r>
+              <a:rPr lang="en-US" sz="2400" b="1" noProof="1" smtClean="0"/>
+              <a:t>: </a:t>
+            </a:r>
+            <a:r>
+              <a:rPr lang="en-US" sz="2400" b="1" noProof="1" smtClean="0"/>
+              <a:t>MH04.1)</a:t>
+            </a:r>
+            <a:endParaRPr lang="en-US" sz="2400" b="1" noProof="1" smtClean="0"/>
+          </a:p>
+        </p:txBody>
+      </p:sp>
+      <p:grpSp>
+        <p:nvGrpSpPr>
+          <p:cNvPr id="7" name="Group 6"/>
+          <p:cNvGrpSpPr/>
+          <p:nvPr/>
+        </p:nvGrpSpPr>
+        <p:grpSpPr>
+          <a:xfrm>
+            <a:off x="5248275" y="1025434"/>
+            <a:ext cx="3743325" cy="5715000"/>
+            <a:chOff x="607323" y="1025434"/>
+            <a:chExt cx="3743325" cy="5715000"/>
+          </a:xfrm>
+        </p:grpSpPr>
+        <p:grpSp>
+          <p:nvGrpSpPr>
+            <p:cNvPr id="10" name="Group 9"/>
+            <p:cNvGrpSpPr/>
+            <p:nvPr/>
+          </p:nvGrpSpPr>
+          <p:grpSpPr>
+            <a:xfrm>
+              <a:off x="607323" y="1025434"/>
+              <a:ext cx="3743325" cy="5715000"/>
+              <a:chOff x="5172075" y="1025434"/>
+              <a:chExt cx="3743325" cy="5715000"/>
+            </a:xfrm>
+          </p:grpSpPr>
+          <p:grpSp>
+            <p:nvGrpSpPr>
+              <p:cNvPr id="16" name="Group 15"/>
+              <p:cNvGrpSpPr/>
+              <p:nvPr/>
+            </p:nvGrpSpPr>
+            <p:grpSpPr>
+              <a:xfrm>
+                <a:off x="5172075" y="1025434"/>
+                <a:ext cx="3743325" cy="5715000"/>
+                <a:chOff x="2505075" y="1219200"/>
+                <a:chExt cx="3743325" cy="5486400"/>
+              </a:xfrm>
+            </p:grpSpPr>
+            <p:pic>
+              <p:nvPicPr>
+                <p:cNvPr id="18" name="Picture 3" descr="C:\Users\TUAN-NGUYEN\Desktop\Capture.PNG"/>
+                <p:cNvPicPr>
+                  <a:picLocks noChangeAspect="1" noChangeArrowheads="1"/>
+                </p:cNvPicPr>
+                <p:nvPr/>
+              </p:nvPicPr>
+              <p:blipFill>
+                <a:blip r:embed="rId2">
+                  <a:extLst>
+                    <a:ext uri="{28A0092B-C50C-407E-A947-70E740481C1C}">
+                      <a14:useLocalDpi xmlns:a14="http://schemas.microsoft.com/office/drawing/2010/main" val="0"/>
+                    </a:ext>
+                  </a:extLst>
+                </a:blip>
+                <a:srcRect/>
+                <a:stretch>
+                  <a:fillRect/>
+                </a:stretch>
+              </p:blipFill>
+              <p:spPr bwMode="auto">
+                <a:xfrm>
+                  <a:off x="2505075" y="1219200"/>
+                  <a:ext cx="3743325" cy="5486400"/>
+                </a:xfrm>
+                <a:prstGeom prst="rect">
+                  <a:avLst/>
+                </a:prstGeom>
+                <a:noFill/>
+                <a:extLst>
+                  <a:ext uri="{909E8E84-426E-40DD-AFC4-6F175D3DCCD1}">
+                    <a14:hiddenFill xmlns:a14="http://schemas.microsoft.com/office/drawing/2010/main">
+                      <a:solidFill>
+                        <a:srgbClr val="FFFFFF"/>
+                      </a:solidFill>
+                    </a14:hiddenFill>
+                  </a:ext>
+                </a:extLst>
+              </p:spPr>
+            </p:pic>
+            <p:sp>
+              <p:nvSpPr>
+                <p:cNvPr id="19" name="Rectangle 18"/>
+                <p:cNvSpPr/>
+                <p:nvPr/>
+              </p:nvSpPr>
+              <p:spPr>
+                <a:xfrm>
+                  <a:off x="2643052" y="1624148"/>
+                  <a:ext cx="3420000" cy="228600"/>
+                </a:xfrm>
+                <a:prstGeom prst="rect">
+                  <a:avLst/>
+                </a:prstGeom>
+                <a:ln/>
+              </p:spPr>
+              <p:style>
+                <a:lnRef idx="1">
+                  <a:schemeClr val="accent1"/>
+                </a:lnRef>
+                <a:fillRef idx="3">
+                  <a:schemeClr val="accent1"/>
+                </a:fillRef>
+                <a:effectRef idx="2">
+                  <a:schemeClr val="accent1"/>
+                </a:effectRef>
+                <a:fontRef idx="minor">
+                  <a:schemeClr val="lt1"/>
+                </a:fontRef>
+              </p:style>
+              <p:txBody>
+                <a:bodyPr rtlCol="0" anchor="ctr"/>
+                <a:lstStyle/>
+                <a:p>
+                  <a:pPr algn="ctr"/>
+                  <a:r>
+                    <a:rPr lang="vi-VN" sz="1400" b="1" noProof="1" smtClean="0">
+                      <a:solidFill>
+                        <a:schemeClr val="bg1"/>
+                      </a:solidFill>
+                      <a:latin typeface="+mj-lt"/>
+                    </a:rPr>
+                    <a:t>MapPro v1.0</a:t>
+                  </a:r>
+                  <a:endParaRPr lang="vi-VN" sz="1400" b="1" noProof="1">
+                    <a:solidFill>
+                      <a:schemeClr val="bg1"/>
+                    </a:solidFill>
+                    <a:latin typeface="+mj-lt"/>
+                  </a:endParaRPr>
+                </a:p>
+              </p:txBody>
+            </p:sp>
+          </p:grpSp>
+          <p:pic>
+            <p:nvPicPr>
+              <p:cNvPr id="17" name="Picture 2"/>
+              <p:cNvPicPr>
+                <a:picLocks noChangeAspect="1" noChangeArrowheads="1"/>
+              </p:cNvPicPr>
+              <p:nvPr/>
+            </p:nvPicPr>
+            <p:blipFill>
+              <a:blip r:embed="rId3">
+                <a:extLst>
+                  <a:ext uri="{28A0092B-C50C-407E-A947-70E740481C1C}">
+                    <a14:useLocalDpi xmlns:a14="http://schemas.microsoft.com/office/drawing/2010/main" val="0"/>
+                  </a:ext>
+                </a:extLst>
+              </a:blip>
+              <a:srcRect/>
+              <a:stretch>
+                <a:fillRect/>
+              </a:stretch>
+            </p:blipFill>
+            <p:spPr bwMode="auto">
+              <a:xfrm>
+                <a:off x="5279163" y="1689734"/>
+                <a:ext cx="3492137" cy="4939666"/>
+              </a:xfrm>
+              <a:prstGeom prst="rect">
+                <a:avLst/>
+              </a:prstGeom>
+              <a:noFill/>
+              <a:ln>
+                <a:noFill/>
+              </a:ln>
+              <a:effectLst/>
+              <a:extLst>
+                <a:ext uri="{909E8E84-426E-40DD-AFC4-6F175D3DCCD1}">
+                  <a14:hiddenFill xmlns:a14="http://schemas.microsoft.com/office/drawing/2010/main">
+                    <a:solidFill>
+                      <a:schemeClr val="accent1"/>
+                    </a:solidFill>
+                  </a14:hiddenFill>
+                </a:ext>
+                <a:ext uri="{91240B29-F687-4F45-9708-019B960494DF}">
+                  <a14:hiddenLine xmlns:a14="http://schemas.microsoft.com/office/drawing/2010/main" w="9525">
+                    <a:solidFill>
+                      <a:schemeClr val="tx1"/>
+                    </a:solidFill>
+                    <a:miter lim="800000"/>
+                    <a:headEnd/>
+                    <a:tailEnd/>
+                  </a14:hiddenLine>
+                </a:ext>
+                <a:ext uri="{AF507438-7753-43E0-B8FC-AC1667EBCBE1}">
+                  <a14:hiddenEffects xmlns:a14="http://schemas.microsoft.com/office/drawing/2010/main">
+                    <a:effectLst>
+                      <a:outerShdw dist="35921" dir="2700000" algn="ctr" rotWithShape="0">
+                        <a:schemeClr val="bg2"/>
+                      </a:outerShdw>
+                    </a:effectLst>
+                  </a14:hiddenEffects>
+                </a:ext>
+              </a:extLst>
+            </p:spPr>
+          </p:pic>
+        </p:grpSp>
+        <p:sp>
+          <p:nvSpPr>
+            <p:cNvPr id="6" name="TextBox 5"/>
+            <p:cNvSpPr txBox="1"/>
+            <p:nvPr/>
+          </p:nvSpPr>
+          <p:spPr>
+            <a:xfrm>
+              <a:off x="1540549" y="6185263"/>
+              <a:ext cx="2124299" cy="369332"/>
+            </a:xfrm>
+            <a:prstGeom prst="rect">
+              <a:avLst/>
+            </a:prstGeom>
+            <a:noFill/>
+          </p:spPr>
+          <p:txBody>
+            <a:bodyPr wrap="none" rtlCol="0">
+              <a:spAutoFit/>
+            </a:bodyPr>
+            <a:lstStyle/>
+            <a:p>
+              <a:r>
+                <a:rPr lang="en-US" dirty="0" smtClean="0"/>
+                <a:t>3 </a:t>
+              </a:r>
+              <a:r>
+                <a:rPr lang="vi-VN" noProof="1" smtClean="0"/>
+                <a:t>phạm </a:t>
+              </a:r>
+              <a:r>
+                <a:rPr lang="vi-VN" noProof="1" smtClean="0"/>
+                <a:t>ngọc </a:t>
+              </a:r>
+              <a:r>
+                <a:rPr lang="vi-VN" noProof="1" smtClean="0"/>
+                <a:t>thạch</a:t>
+              </a:r>
+              <a:endParaRPr lang="vi-VN" noProof="1"/>
+            </a:p>
+          </p:txBody>
+        </p:sp>
+      </p:grpSp>
+      <p:pic>
+        <p:nvPicPr>
+          <p:cNvPr id="22" name="Picture 2" descr="D:\Google_Map_Project\google-map-api-and-map-on-android\Resources\Icon\Endpoint.png"/>
+          <p:cNvPicPr>
+            <a:picLocks noChangeAspect="1" noChangeArrowheads="1"/>
+          </p:cNvPicPr>
+          <p:nvPr/>
+        </p:nvPicPr>
+        <p:blipFill>
+          <a:blip r:embed="rId4">
+            <a:extLst>
+              <a:ext uri="{28A0092B-C50C-407E-A947-70E740481C1C}">
+                <a14:useLocalDpi xmlns:a14="http://schemas.microsoft.com/office/drawing/2010/main" val="0"/>
+              </a:ext>
+            </a:extLst>
+          </a:blip>
+          <a:srcRect/>
+          <a:stretch>
+            <a:fillRect/>
+          </a:stretch>
+        </p:blipFill>
+        <p:spPr bwMode="auto">
+          <a:xfrm>
+            <a:off x="6348053" y="3924764"/>
+            <a:ext cx="278295" cy="361769"/>
+          </a:xfrm>
+          <a:prstGeom prst="rect">
+            <a:avLst/>
+          </a:prstGeom>
+          <a:noFill/>
+          <a:effectLst>
+            <a:outerShdw blurRad="76200" dir="18900000" sy="23000" kx="-1200000" algn="bl" rotWithShape="0">
+              <a:prstClr val="black">
+                <a:alpha val="89000"/>
+              </a:prstClr>
+            </a:outerShdw>
+          </a:effectLst>
+          <a:extLst>
+            <a:ext uri="{909E8E84-426E-40DD-AFC4-6F175D3DCCD1}">
+              <a14:hiddenFill xmlns:a14="http://schemas.microsoft.com/office/drawing/2010/main">
+                <a:solidFill>
+                  <a:srgbClr val="FFFFFF"/>
+                </a:solidFill>
+              </a14:hiddenFill>
+            </a:ext>
+          </a:extLst>
+        </p:spPr>
+      </p:pic>
+      <p:sp>
+        <p:nvSpPr>
+          <p:cNvPr id="23" name="Rounded Rectangle 22"/>
+          <p:cNvSpPr/>
+          <p:nvPr/>
+        </p:nvSpPr>
+        <p:spPr>
+          <a:xfrm>
+            <a:off x="5638800" y="3657600"/>
+            <a:ext cx="1904999" cy="225334"/>
+          </a:xfrm>
+          <a:prstGeom prst="roundRect">
+            <a:avLst/>
+          </a:prstGeom>
+        </p:spPr>
+        <p:style>
+          <a:lnRef idx="1">
+            <a:schemeClr val="accent3"/>
+          </a:lnRef>
+          <a:fillRef idx="2">
+            <a:schemeClr val="accent3"/>
+          </a:fillRef>
+          <a:effectRef idx="1">
+            <a:schemeClr val="accent3"/>
+          </a:effectRef>
+          <a:fontRef idx="minor">
+            <a:schemeClr val="dk1"/>
+          </a:fontRef>
+        </p:style>
+        <p:txBody>
+          <a:bodyPr rtlCol="0" anchor="ctr"/>
+          <a:lstStyle/>
+          <a:p>
+            <a:pPr algn="ctr"/>
+            <a:r>
+              <a:rPr lang="en-US" sz="1100" b="1" noProof="1" smtClean="0">
+                <a:latin typeface="+mj-lt"/>
+              </a:rPr>
+              <a:t>3 Phạm Ngọc Thạch, Quận 3</a:t>
+            </a:r>
+            <a:endParaRPr lang="vi-VN" sz="1100" b="1" noProof="1">
+              <a:latin typeface="+mj-lt"/>
+            </a:endParaRPr>
+          </a:p>
+        </p:txBody>
+      </p:sp>
+      <p:graphicFrame>
+        <p:nvGraphicFramePr>
+          <p:cNvPr id="24" name="Table 23"/>
+          <p:cNvGraphicFramePr>
+            <a:graphicFrameLocks noGrp="1"/>
+          </p:cNvGraphicFramePr>
+          <p:nvPr>
+            <p:extLst>
+              <p:ext uri="{D42A27DB-BD31-4B8C-83A1-F6EECF244321}">
+                <p14:modId xmlns:p14="http://schemas.microsoft.com/office/powerpoint/2010/main" val="2035125588"/>
+              </p:ext>
+            </p:extLst>
+          </p:nvPr>
+        </p:nvGraphicFramePr>
+        <p:xfrm>
+          <a:off x="179986" y="1060857"/>
+          <a:ext cx="4925414" cy="1010920"/>
+        </p:xfrm>
+        <a:graphic>
+          <a:graphicData uri="http://schemas.openxmlformats.org/drawingml/2006/table">
+            <a:tbl>
+              <a:tblPr firstRow="1" bandRow="1">
+                <a:tableStyleId>{5C22544A-7EE6-4342-B048-85BDC9FD1C3A}</a:tableStyleId>
+              </a:tblPr>
+              <a:tblGrid>
+                <a:gridCol w="4925414"/>
+              </a:tblGrid>
+              <a:tr h="370840">
+                <a:tc>
+                  <a:txBody>
+                    <a:bodyPr/>
+                    <a:lstStyle/>
+                    <a:p>
+                      <a:pPr algn="ctr"/>
+                      <a:r>
+                        <a:rPr lang="vi-VN" sz="1800" noProof="1" smtClean="0">
+                          <a:latin typeface="Times New Roman" pitchFamily="18" charset="0"/>
+                          <a:cs typeface="Times New Roman" pitchFamily="18" charset="0"/>
+                        </a:rPr>
+                        <a:t>Mô</a:t>
+                      </a:r>
+                      <a:r>
+                        <a:rPr lang="vi-VN" sz="1800" baseline="0" noProof="1" smtClean="0">
+                          <a:latin typeface="Times New Roman" pitchFamily="18" charset="0"/>
+                          <a:cs typeface="Times New Roman" pitchFamily="18" charset="0"/>
+                        </a:rPr>
+                        <a:t> tả</a:t>
+                      </a:r>
+                      <a:r>
+                        <a:rPr lang="en-US" sz="1800" baseline="0" noProof="1" smtClean="0">
+                          <a:latin typeface="Times New Roman" pitchFamily="18" charset="0"/>
+                          <a:cs typeface="Times New Roman" pitchFamily="18" charset="0"/>
+                        </a:rPr>
+                        <a:t> màn hình</a:t>
+                      </a:r>
+                      <a:endParaRPr lang="vi-VN" sz="1800" noProof="1">
+                        <a:latin typeface="Times New Roman" pitchFamily="18" charset="0"/>
+                        <a:cs typeface="Times New Roman" pitchFamily="18" charset="0"/>
+                      </a:endParaRPr>
+                    </a:p>
+                  </a:txBody>
+                  <a:tcPr/>
+                </a:tc>
+              </a:tr>
+              <a:tr h="370840">
+                <a:tc>
+                  <a:txBody>
+                    <a:bodyPr/>
+                    <a:lstStyle/>
+                    <a:p>
+                      <a:r>
+                        <a:rPr lang="en-US" sz="1800" noProof="1" smtClean="0">
+                          <a:latin typeface="Times New Roman" pitchFamily="18" charset="0"/>
+                          <a:cs typeface="Times New Roman" pitchFamily="18" charset="0"/>
+                        </a:rPr>
+                        <a:t>Màn</a:t>
+                      </a:r>
+                      <a:r>
+                        <a:rPr lang="en-US" sz="1800" baseline="0" noProof="1" smtClean="0">
+                          <a:latin typeface="Times New Roman" pitchFamily="18" charset="0"/>
+                          <a:cs typeface="Times New Roman" pitchFamily="18" charset="0"/>
+                        </a:rPr>
+                        <a:t> hình hiển thị bản đồ và cách đi giữa hai địa điểm cho trước.</a:t>
+                      </a:r>
+                      <a:endParaRPr lang="vi-VN" sz="1800" noProof="1">
+                        <a:latin typeface="Times New Roman" pitchFamily="18" charset="0"/>
+                        <a:cs typeface="Times New Roman" pitchFamily="18" charset="0"/>
+                      </a:endParaRPr>
+                    </a:p>
+                  </a:txBody>
+                  <a:tcPr/>
+                </a:tc>
+              </a:tr>
+            </a:tbl>
+          </a:graphicData>
+        </a:graphic>
+      </p:graphicFrame>
+      <p:graphicFrame>
+        <p:nvGraphicFramePr>
+          <p:cNvPr id="25" name="Table 24"/>
+          <p:cNvGraphicFramePr>
+            <a:graphicFrameLocks noGrp="1"/>
+          </p:cNvGraphicFramePr>
+          <p:nvPr>
+            <p:extLst>
+              <p:ext uri="{D42A27DB-BD31-4B8C-83A1-F6EECF244321}">
+                <p14:modId xmlns:p14="http://schemas.microsoft.com/office/powerpoint/2010/main" val="926302446"/>
+              </p:ext>
+            </p:extLst>
+          </p:nvPr>
+        </p:nvGraphicFramePr>
+        <p:xfrm>
+          <a:off x="228600" y="2286000"/>
+          <a:ext cx="4876800" cy="1496921"/>
+        </p:xfrm>
+        <a:graphic>
+          <a:graphicData uri="http://schemas.openxmlformats.org/drawingml/2006/table">
+            <a:tbl>
+              <a:tblPr firstRow="1" bandRow="1">
+                <a:tableStyleId>{5C22544A-7EE6-4342-B048-85BDC9FD1C3A}</a:tableStyleId>
+              </a:tblPr>
+              <a:tblGrid>
+                <a:gridCol w="780440"/>
+                <a:gridCol w="4096360"/>
+              </a:tblGrid>
+              <a:tr h="486001">
+                <a:tc>
+                  <a:txBody>
+                    <a:bodyPr/>
+                    <a:lstStyle/>
+                    <a:p>
+                      <a:pPr algn="ctr"/>
+                      <a:r>
+                        <a:rPr lang="vi-VN" sz="1800" noProof="1" smtClean="0">
+                          <a:latin typeface="+mj-lt"/>
+                        </a:rPr>
+                        <a:t>STT</a:t>
+                      </a:r>
+                    </a:p>
+                  </a:txBody>
+                  <a:tcPr/>
+                </a:tc>
+                <a:tc>
+                  <a:txBody>
+                    <a:bodyPr/>
+                    <a:lstStyle/>
+                    <a:p>
+                      <a:pPr algn="ctr"/>
+                      <a:r>
+                        <a:rPr lang="en-US" sz="1800" noProof="1" smtClean="0">
+                          <a:latin typeface="Times New Roman" pitchFamily="18" charset="0"/>
+                          <a:cs typeface="Times New Roman" pitchFamily="18" charset="0"/>
+                        </a:rPr>
+                        <a:t>Mô</a:t>
+                      </a:r>
+                      <a:r>
+                        <a:rPr lang="en-US" sz="1800" baseline="0" noProof="1" smtClean="0">
+                          <a:latin typeface="Times New Roman" pitchFamily="18" charset="0"/>
+                          <a:cs typeface="Times New Roman" pitchFamily="18" charset="0"/>
+                        </a:rPr>
+                        <a:t> tả thành phần</a:t>
+                      </a:r>
+                      <a:endParaRPr lang="vi-VN" sz="1800" noProof="1">
+                        <a:latin typeface="Times New Roman" pitchFamily="18" charset="0"/>
+                        <a:cs typeface="Times New Roman" pitchFamily="18" charset="0"/>
+                      </a:endParaRPr>
+                    </a:p>
+                  </a:txBody>
+                  <a:tcPr/>
+                </a:tc>
+              </a:tr>
+              <a:tr h="370840">
+                <a:tc>
+                  <a:txBody>
+                    <a:bodyPr/>
+                    <a:lstStyle/>
+                    <a:p>
+                      <a:pPr algn="ctr"/>
+                      <a:r>
+                        <a:rPr lang="en-US" sz="1800" dirty="0" smtClean="0">
+                          <a:solidFill>
+                            <a:srgbClr val="FF0000"/>
+                          </a:solidFill>
+                          <a:latin typeface="+mj-lt"/>
+                        </a:rPr>
+                        <a:t>(1)</a:t>
+                      </a:r>
+                      <a:endParaRPr lang="en-US" sz="1800" dirty="0">
+                        <a:solidFill>
+                          <a:srgbClr val="FF0000"/>
+                        </a:solidFill>
+                        <a:latin typeface="+mj-lt"/>
+                      </a:endParaRPr>
+                    </a:p>
+                  </a:txBody>
+                  <a:tcPr/>
+                </a:tc>
+                <a:tc>
+                  <a:txBody>
+                    <a:bodyPr/>
+                    <a:lstStyle/>
+                    <a:p>
+                      <a:pPr algn="just"/>
+                      <a:r>
+                        <a:rPr lang="en-US" sz="1800" noProof="1" smtClean="0">
+                          <a:latin typeface="Times New Roman" pitchFamily="18" charset="0"/>
+                          <a:cs typeface="Times New Roman" pitchFamily="18" charset="0"/>
+                        </a:rPr>
+                        <a:t>Hiển thị</a:t>
+                      </a:r>
+                      <a:r>
+                        <a:rPr lang="en-US" sz="1800" baseline="0" noProof="1" smtClean="0">
+                          <a:latin typeface="Times New Roman" pitchFamily="18" charset="0"/>
+                          <a:cs typeface="Times New Roman" pitchFamily="18" charset="0"/>
+                        </a:rPr>
+                        <a:t> địa chỉ của địa điểm được tìm thấy</a:t>
+                      </a:r>
+                      <a:endParaRPr lang="vi-VN" sz="1800" noProof="1">
+                        <a:latin typeface="Times New Roman" pitchFamily="18" charset="0"/>
+                        <a:cs typeface="Times New Roman" pitchFamily="18" charset="0"/>
+                      </a:endParaRPr>
+                    </a:p>
+                  </a:txBody>
+                  <a:tcPr/>
+                </a:tc>
+              </a:tr>
+              <a:tr h="370840">
+                <a:tc>
+                  <a:txBody>
+                    <a:bodyPr/>
+                    <a:lstStyle/>
+                    <a:p>
+                      <a:pPr algn="ctr"/>
+                      <a:r>
+                        <a:rPr lang="en-US" sz="1800" dirty="0" smtClean="0">
+                          <a:solidFill>
+                            <a:srgbClr val="FF0000"/>
+                          </a:solidFill>
+                          <a:latin typeface="+mj-lt"/>
+                        </a:rPr>
+                        <a:t>(2)</a:t>
+                      </a:r>
+                      <a:endParaRPr lang="en-US" sz="1800" dirty="0">
+                        <a:solidFill>
+                          <a:srgbClr val="FF0000"/>
+                        </a:solidFill>
+                        <a:latin typeface="+mj-lt"/>
+                      </a:endParaRPr>
+                    </a:p>
+                  </a:txBody>
+                  <a:tcPr/>
+                </a:tc>
+                <a:tc>
+                  <a:txBody>
+                    <a:bodyPr/>
+                    <a:lstStyle/>
+                    <a:p>
+                      <a:pPr algn="just"/>
+                      <a:r>
+                        <a:rPr lang="en-US" sz="1800" noProof="1" smtClean="0">
+                          <a:latin typeface="Times New Roman" pitchFamily="18" charset="0"/>
+                          <a:cs typeface="Times New Roman" pitchFamily="18" charset="0"/>
+                        </a:rPr>
+                        <a:t>Đánh</a:t>
+                      </a:r>
+                      <a:r>
+                        <a:rPr lang="en-US" sz="1800" baseline="0" noProof="1" smtClean="0">
+                          <a:latin typeface="Times New Roman" pitchFamily="18" charset="0"/>
+                          <a:cs typeface="Times New Roman" pitchFamily="18" charset="0"/>
+                        </a:rPr>
+                        <a:t> dấu địa chỉ được tìm thấy</a:t>
+                      </a:r>
+                      <a:endParaRPr lang="vi-VN" sz="1800" noProof="1">
+                        <a:latin typeface="Times New Roman" pitchFamily="18" charset="0"/>
+                        <a:cs typeface="Times New Roman" pitchFamily="18" charset="0"/>
+                      </a:endParaRPr>
+                    </a:p>
+                  </a:txBody>
+                  <a:tcPr/>
+                </a:tc>
+              </a:tr>
+            </a:tbl>
+          </a:graphicData>
+        </a:graphic>
+      </p:graphicFrame>
+      <p:cxnSp>
+        <p:nvCxnSpPr>
+          <p:cNvPr id="26" name="Straight Arrow Connector 25"/>
+          <p:cNvCxnSpPr>
+            <a:stCxn id="27" idx="3"/>
+          </p:cNvCxnSpPr>
+          <p:nvPr/>
+        </p:nvCxnSpPr>
+        <p:spPr>
+          <a:xfrm flipV="1">
+            <a:off x="4579248" y="3770268"/>
+            <a:ext cx="1211952" cy="1031821"/>
+          </a:xfrm>
+          <a:prstGeom prst="straightConnector1">
+            <a:avLst/>
+          </a:prstGeom>
+          <a:ln>
+            <a:tailEnd type="arrow"/>
+          </a:ln>
+        </p:spPr>
+        <p:style>
+          <a:lnRef idx="2">
+            <a:schemeClr val="accent1"/>
+          </a:lnRef>
+          <a:fillRef idx="0">
+            <a:schemeClr val="accent1"/>
+          </a:fillRef>
+          <a:effectRef idx="1">
+            <a:schemeClr val="accent1"/>
+          </a:effectRef>
+          <a:fontRef idx="minor">
+            <a:schemeClr val="tx1"/>
+          </a:fontRef>
+        </p:style>
+      </p:cxnSp>
+      <p:sp>
+        <p:nvSpPr>
+          <p:cNvPr id="27" name="TextBox 26"/>
+          <p:cNvSpPr txBox="1"/>
+          <p:nvPr/>
+        </p:nvSpPr>
+        <p:spPr>
+          <a:xfrm>
+            <a:off x="4191000" y="4648200"/>
+            <a:ext cx="388248" cy="307777"/>
+          </a:xfrm>
+          <a:prstGeom prst="rect">
+            <a:avLst/>
+          </a:prstGeom>
+          <a:noFill/>
+        </p:spPr>
+        <p:txBody>
+          <a:bodyPr wrap="none" rtlCol="0">
+            <a:spAutoFit/>
+          </a:bodyPr>
+          <a:lstStyle/>
+          <a:p>
+            <a:r>
+              <a:rPr lang="en-US" sz="1400" b="1" dirty="0" smtClean="0">
+                <a:solidFill>
+                  <a:srgbClr val="FF0000"/>
+                </a:solidFill>
+              </a:rPr>
+              <a:t>(1)</a:t>
+            </a:r>
+            <a:endParaRPr lang="en-US" sz="1400" b="1" dirty="0">
+              <a:solidFill>
+                <a:srgbClr val="FF0000"/>
+              </a:solidFill>
+            </a:endParaRPr>
+          </a:p>
+        </p:txBody>
+      </p:sp>
+      <p:cxnSp>
+        <p:nvCxnSpPr>
+          <p:cNvPr id="31" name="Straight Arrow Connector 30"/>
+          <p:cNvCxnSpPr/>
+          <p:nvPr/>
+        </p:nvCxnSpPr>
+        <p:spPr>
+          <a:xfrm flipV="1">
+            <a:off x="4731648" y="4159567"/>
+            <a:ext cx="1616405" cy="1403034"/>
+          </a:xfrm>
+          <a:prstGeom prst="straightConnector1">
+            <a:avLst/>
+          </a:prstGeom>
+          <a:ln>
+            <a:tailEnd type="arrow"/>
+          </a:ln>
+        </p:spPr>
+        <p:style>
+          <a:lnRef idx="2">
+            <a:schemeClr val="accent1"/>
+          </a:lnRef>
+          <a:fillRef idx="0">
+            <a:schemeClr val="accent1"/>
+          </a:fillRef>
+          <a:effectRef idx="1">
+            <a:schemeClr val="accent1"/>
+          </a:effectRef>
+          <a:fontRef idx="minor">
+            <a:schemeClr val="tx1"/>
+          </a:fontRef>
+        </p:style>
+      </p:cxnSp>
+      <p:sp>
+        <p:nvSpPr>
+          <p:cNvPr id="33" name="TextBox 32"/>
+          <p:cNvSpPr txBox="1"/>
+          <p:nvPr/>
+        </p:nvSpPr>
+        <p:spPr>
+          <a:xfrm>
+            <a:off x="4419600" y="5407223"/>
+            <a:ext cx="388248" cy="307777"/>
+          </a:xfrm>
+          <a:prstGeom prst="rect">
+            <a:avLst/>
+          </a:prstGeom>
+          <a:noFill/>
+        </p:spPr>
+        <p:txBody>
+          <a:bodyPr wrap="none" rtlCol="0">
+            <a:spAutoFit/>
+          </a:bodyPr>
+          <a:lstStyle/>
+          <a:p>
+            <a:r>
+              <a:rPr lang="en-US" sz="1400" b="1" dirty="0" smtClean="0">
+                <a:solidFill>
+                  <a:srgbClr val="FF0000"/>
+                </a:solidFill>
+              </a:rPr>
+              <a:t>(2)</a:t>
+            </a:r>
+            <a:endParaRPr lang="en-US" sz="1400" b="1" dirty="0">
+              <a:solidFill>
+                <a:srgbClr val="FF0000"/>
+              </a:solidFill>
+            </a:endParaRPr>
+          </a:p>
+        </p:txBody>
+      </p:sp>
+    </p:spTree>
+    <p:extLst>
+      <p:ext uri="{BB962C8B-B14F-4D97-AF65-F5344CB8AC3E}">
+        <p14:creationId xmlns:p14="http://schemas.microsoft.com/office/powerpoint/2010/main" val="3789236510"/>
       </p:ext>
     </p:extLst>
   </p:cSld>
@@ -8389,29 +10666,15 @@
             <a:pPr algn="ctr"/>
             <a:r>
               <a:rPr lang="en-US" sz="2400" b="1" noProof="1" smtClean="0"/>
-              <a:t>MÀN HÌNH </a:t>
-            </a:r>
+              <a:t>MÀN HÌNH MENU CHÍNH</a:t>
+            </a:r>
+          </a:p>
+          <a:p>
+            <a:pPr algn="ctr"/>
             <a:r>
               <a:rPr lang="en-US" sz="2400" b="1" noProof="1" smtClean="0"/>
-              <a:t>MENU CHÍNH</a:t>
-            </a:r>
-            <a:endParaRPr lang="en-US" sz="2400" b="1" noProof="1" smtClean="0"/>
-          </a:p>
-          <a:p>
-            <a:pPr algn="ctr"/>
-            <a:r>
-              <a:rPr lang="en-US" sz="2400" b="1" noProof="1" smtClean="0"/>
-              <a:t>(Mã</a:t>
-            </a:r>
-            <a:r>
-              <a:rPr lang="en-US" sz="2400" b="1" noProof="1" smtClean="0"/>
-              <a:t>: </a:t>
-            </a:r>
-            <a:r>
-              <a:rPr lang="en-US" sz="2400" b="1" noProof="1" smtClean="0"/>
-              <a:t>MH01)</a:t>
-            </a:r>
-            <a:endParaRPr lang="en-US" sz="2400" b="1" noProof="1" smtClean="0"/>
+              <a:t>(Mã: MH01)</a:t>
+            </a:r>
           </a:p>
         </p:txBody>
       </p:sp>
@@ -8424,7 +10687,7 @@
           <p:nvPr>
             <p:extLst>
               <p:ext uri="{D42A27DB-BD31-4B8C-83A1-F6EECF244321}">
-                <p14:modId xmlns:p14="http://schemas.microsoft.com/office/powerpoint/2010/main" val="3744739867"/>
+                <p14:modId xmlns:p14="http://schemas.microsoft.com/office/powerpoint/2010/main" val="1131855352"/>
               </p:ext>
             </p:extLst>
           </p:nvPr>
@@ -8706,7 +10969,21 @@
                           <a:latin typeface="Times New Roman" pitchFamily="18" charset="0"/>
                           <a:cs typeface="Times New Roman" pitchFamily="18" charset="0"/>
                         </a:rPr>
-                        <a:t> màn hình </a:t>
+                        <a:t> màn </a:t>
+                      </a:r>
+                      <a:r>
+                        <a:rPr lang="vi-VN" sz="1800" baseline="0" noProof="1" smtClean="0">
+                          <a:latin typeface="Times New Roman" pitchFamily="18" charset="0"/>
+                          <a:cs typeface="Times New Roman" pitchFamily="18" charset="0"/>
+                        </a:rPr>
+                        <a:t>hình</a:t>
+                      </a:r>
+                      <a:r>
+                        <a:rPr lang="en-US" sz="1800" baseline="0" noProof="1" smtClean="0">
+                          <a:latin typeface="Times New Roman" pitchFamily="18" charset="0"/>
+                          <a:cs typeface="Times New Roman" pitchFamily="18" charset="0"/>
+                        </a:rPr>
+                        <a:t> giới thiệu</a:t>
                       </a:r>
                       <a:endParaRPr lang="vi-VN" sz="1800" noProof="1">
                         <a:latin typeface="Times New Roman" pitchFamily="18" charset="0"/>
@@ -8781,14 +11058,7 @@
                 <a:latin typeface="Times New Roman" pitchFamily="18" charset="0"/>
                 <a:cs typeface="Times New Roman" pitchFamily="18" charset="0"/>
               </a:rPr>
-              <a:t>Hiển thị địa điểm hiện </a:t>
-            </a:r>
-            <a:r>
-              <a:rPr lang="vi-VN" sz="1600" b="1" noProof="1" smtClean="0">
-                <a:latin typeface="Times New Roman" pitchFamily="18" charset="0"/>
-                <a:cs typeface="Times New Roman" pitchFamily="18" charset="0"/>
-              </a:rPr>
-              <a:t>tại</a:t>
+              <a:t>Hiển thị địa điểm hiện tại</a:t>
             </a:r>
             <a:r>
               <a:rPr lang="en-US" sz="1600" b="1" noProof="1" smtClean="0">
@@ -8802,14 +11072,7 @@
                 <a:latin typeface="Times New Roman" pitchFamily="18" charset="0"/>
                 <a:cs typeface="Times New Roman" pitchFamily="18" charset="0"/>
               </a:rPr>
-              <a:t>ủa người </a:t>
-            </a:r>
-            <a:r>
-              <a:rPr lang="vi-VN" sz="1600" b="1" noProof="1" smtClean="0">
-                <a:latin typeface="Times New Roman" pitchFamily="18" charset="0"/>
-                <a:cs typeface="Times New Roman" pitchFamily="18" charset="0"/>
-              </a:rPr>
-              <a:t>dùng</a:t>
+              <a:t>ủa người dùng</a:t>
             </a:r>
             <a:endParaRPr lang="en-US" sz="1600" b="1" noProof="1" smtClean="0">
               <a:latin typeface="Times New Roman" pitchFamily="18" charset="0"/>
@@ -10017,20 +12280,7 @@
                           </a:effectLst>
                           <a:latin typeface="+mj-lt"/>
                         </a:rPr>
-                        <a:t> màn hình </a:t>
-                      </a:r>
-                      <a:r>
-                        <a:rPr lang="vi-VN" sz="2400" b="0" baseline="0" noProof="1" smtClean="0">
-                          <a:effectLst>
-                            <a:outerShdw blurRad="38100" dist="38100" dir="2700000" algn="tl">
-                              <a:srgbClr val="000000">
-                                <a:alpha val="43137"/>
-                              </a:srgbClr>
-                            </a:outerShdw>
-                          </a:effectLst>
-                          <a:latin typeface="+mj-lt"/>
-                        </a:rPr>
-                        <a:t>MH</a:t>
+                        <a:t> màn hình MH</a:t>
                       </a:r>
                       <a:r>
                         <a:rPr lang="en-US" sz="2400" b="0" baseline="0" noProof="1" smtClean="0">
@@ -10347,14 +12597,7 @@
                           <a:latin typeface="Times New Roman" pitchFamily="18" charset="0"/>
                           <a:cs typeface="Times New Roman" pitchFamily="18" charset="0"/>
                         </a:rPr>
-                        <a:t>Hiển </a:t>
-                      </a:r>
-                      <a:r>
-                        <a:rPr lang="vi-VN" sz="1800" noProof="1" smtClean="0">
-                          <a:latin typeface="Times New Roman" pitchFamily="18" charset="0"/>
-                          <a:cs typeface="Times New Roman" pitchFamily="18" charset="0"/>
-                        </a:rPr>
-                        <a:t>thị</a:t>
+                        <a:t>Hiển thị</a:t>
                       </a:r>
                       <a:r>
                         <a:rPr lang="en-US" sz="1800" baseline="0" noProof="1" smtClean="0">
@@ -10421,8 +12664,8 @@
         </p:nvGrpSpPr>
         <p:grpSpPr>
           <a:xfrm>
-            <a:off x="-530" y="990600"/>
-            <a:ext cx="3605878" cy="5791200"/>
+            <a:off x="-530" y="762000"/>
+            <a:ext cx="3605878" cy="5874603"/>
             <a:chOff x="4714875" y="990600"/>
             <a:chExt cx="3743325" cy="5715000"/>
           </a:xfrm>
@@ -10708,13 +12951,13 @@
             </a:prstGeom>
           </p:spPr>
           <p:style>
-            <a:lnRef idx="0">
+            <a:lnRef idx="1">
               <a:schemeClr val="accent3"/>
             </a:lnRef>
             <a:fillRef idx="3">
               <a:schemeClr val="accent3"/>
             </a:fillRef>
-            <a:effectRef idx="3">
+            <a:effectRef idx="2">
               <a:schemeClr val="accent3"/>
             </a:effectRef>
             <a:fontRef idx="minor">
@@ -10999,7 +13242,7 @@
         </p:nvSpPr>
         <p:spPr>
           <a:xfrm>
-            <a:off x="1604554" y="159603"/>
+            <a:off x="1833743" y="0"/>
             <a:ext cx="5786257" cy="830997"/>
           </a:xfrm>
           <a:prstGeom prst="rect">
@@ -11023,11 +13266,15 @@
             <a:pPr algn="ctr"/>
             <a:r>
               <a:rPr lang="en-US" sz="2400" b="1" noProof="1" smtClean="0"/>
-              <a:t>Mã: </a:t>
+              <a:t>(Mã</a:t>
             </a:r>
             <a:r>
               <a:rPr lang="en-US" sz="2400" b="1" noProof="1" smtClean="0"/>
-              <a:t>MH02.1</a:t>
+              <a:t>: </a:t>
+            </a:r>
+            <a:r>
+              <a:rPr lang="en-US" sz="2400" b="1" noProof="1" smtClean="0"/>
+              <a:t>MH02.1)</a:t>
             </a:r>
             <a:endParaRPr lang="en-US" sz="2400" b="1" noProof="1" smtClean="0"/>
           </a:p>
@@ -11041,7 +13288,7 @@
         </p:nvSpPr>
         <p:spPr>
           <a:xfrm>
-            <a:off x="1447800" y="2816423"/>
+            <a:off x="1447800" y="2667000"/>
             <a:ext cx="355647" cy="307777"/>
           </a:xfrm>
           <a:prstGeom prst="rect">
@@ -11080,13 +13327,13 @@
           <p:nvPr>
             <p:extLst>
               <p:ext uri="{D42A27DB-BD31-4B8C-83A1-F6EECF244321}">
-                <p14:modId xmlns:p14="http://schemas.microsoft.com/office/powerpoint/2010/main" val="783907461"/>
+                <p14:modId xmlns:p14="http://schemas.microsoft.com/office/powerpoint/2010/main" val="2231298771"/>
               </p:ext>
             </p:extLst>
           </p:nvPr>
         </p:nvGraphicFramePr>
         <p:xfrm>
-          <a:off x="3657600" y="990600"/>
+          <a:off x="3657600" y="762000"/>
           <a:ext cx="5410200" cy="1559560"/>
         </p:xfrm>
         <a:graphic>
@@ -11117,14 +13364,7 @@
                           <a:latin typeface="Times New Roman" pitchFamily="18" charset="0"/>
                           <a:cs typeface="Times New Roman" pitchFamily="18" charset="0"/>
                         </a:rPr>
-                        <a:t> </a:t>
-                      </a:r>
-                      <a:r>
-                        <a:rPr lang="vi-VN" sz="1600" baseline="0" noProof="1" smtClean="0">
-                          <a:latin typeface="Times New Roman" pitchFamily="18" charset="0"/>
-                          <a:cs typeface="Times New Roman" pitchFamily="18" charset="0"/>
-                        </a:rPr>
-                        <a:t>tả</a:t>
+                        <a:t> tả</a:t>
                       </a:r>
                       <a:r>
                         <a:rPr lang="en-US" sz="1600" baseline="0" noProof="1" smtClean="0">
@@ -11184,7 +13424,7 @@
         </p:nvSpPr>
         <p:spPr>
           <a:xfrm>
-            <a:off x="1447800" y="3883223"/>
+            <a:off x="1447800" y="3733800"/>
             <a:ext cx="388248" cy="307777"/>
           </a:xfrm>
           <a:prstGeom prst="rect">
@@ -11222,7 +13462,7 @@
         </p:nvSpPr>
         <p:spPr>
           <a:xfrm>
-            <a:off x="3048000" y="3121223"/>
+            <a:off x="3048000" y="2971800"/>
             <a:ext cx="388248" cy="307777"/>
           </a:xfrm>
           <a:prstGeom prst="rect">
@@ -11298,7 +13538,7 @@
         </p:nvSpPr>
         <p:spPr>
           <a:xfrm>
-            <a:off x="533400" y="4797623"/>
+            <a:off x="533400" y="4648200"/>
             <a:ext cx="388248" cy="307777"/>
           </a:xfrm>
           <a:prstGeom prst="rect">
@@ -11336,7 +13576,7 @@
         </p:nvSpPr>
         <p:spPr>
           <a:xfrm>
-            <a:off x="1828800" y="4800600"/>
+            <a:off x="1828800" y="4651177"/>
             <a:ext cx="388248" cy="307777"/>
           </a:xfrm>
           <a:prstGeom prst="rect">
@@ -11429,14 +13669,14 @@
           <p:nvPr>
             <p:extLst>
               <p:ext uri="{D42A27DB-BD31-4B8C-83A1-F6EECF244321}">
-                <p14:modId xmlns:p14="http://schemas.microsoft.com/office/powerpoint/2010/main" val="634239244"/>
+                <p14:modId xmlns:p14="http://schemas.microsoft.com/office/powerpoint/2010/main" val="2251052222"/>
               </p:ext>
             </p:extLst>
           </p:nvPr>
         </p:nvGraphicFramePr>
         <p:xfrm>
-          <a:off x="3657600" y="2699159"/>
-          <a:ext cx="5410200" cy="4275681"/>
+          <a:off x="3657600" y="2362200"/>
+          <a:ext cx="5410200" cy="4384040"/>
         </p:xfrm>
         <a:graphic>
           <a:graphicData uri="http://schemas.openxmlformats.org/drawingml/2006/table">
@@ -11448,7 +13688,7 @@
                 <a:gridCol w="636493"/>
                 <a:gridCol w="4773707"/>
               </a:tblGrid>
-              <a:tr h="486001">
+              <a:tr h="226923">
                 <a:tc>
                   <a:txBody>
                     <a:bodyPr/>
@@ -11461,9 +13701,6 @@
                         </a:rPr>
                         <a:t>STT</a:t>
                       </a:r>
-                      <a:endParaRPr lang="vi-VN" sz="1600" noProof="1" smtClean="0">
-                        <a:latin typeface="+mj-lt"/>
-                      </a:endParaRPr>
                     </a:p>
                   </a:txBody>
                   <a:tcPr/>
@@ -11994,8 +14231,19 @@
                           <a:latin typeface="Times New Roman" pitchFamily="18" charset="0"/>
                           <a:cs typeface="Times New Roman" pitchFamily="18" charset="0"/>
                         </a:rPr>
-                        <a:t> được chọn.</a:t>
+                        <a:t> được chọn</a:t>
                       </a:r>
+                      <a:r>
+                        <a:rPr lang="en-US" sz="1700" baseline="0" noProof="1" smtClean="0">
+                          <a:latin typeface="Times New Roman" pitchFamily="18" charset="0"/>
+                          <a:cs typeface="Times New Roman" pitchFamily="18" charset="0"/>
+                        </a:rPr>
+                        <a:t>. Phải kiểm tra (1) và (3) trước khi trước khi chuyển màn hình.</a:t>
+                      </a:r>
+                      <a:endParaRPr lang="en-US" sz="1700" baseline="0" noProof="1" smtClean="0">
+                        <a:latin typeface="Times New Roman" pitchFamily="18" charset="0"/>
+                        <a:cs typeface="Times New Roman" pitchFamily="18" charset="0"/>
+                      </a:endParaRPr>
                     </a:p>
                   </a:txBody>
                   <a:tcPr/>
@@ -12074,17 +14322,8 @@
             <a:pPr algn="ctr"/>
             <a:r>
               <a:rPr lang="en-US" sz="2400" b="1" noProof="1" smtClean="0"/>
-              <a:t>(Mã</a:t>
-            </a:r>
-            <a:r>
-              <a:rPr lang="en-US" sz="2400" b="1" noProof="1" smtClean="0"/>
-              <a:t>: </a:t>
-            </a:r>
-            <a:r>
-              <a:rPr lang="en-US" sz="2400" b="1" noProof="1" smtClean="0"/>
-              <a:t>MH02.2)</a:t>
-            </a:r>
-            <a:endParaRPr lang="en-US" sz="2400" b="1" noProof="1" smtClean="0"/>
+              <a:t>(Mã: MH02.2)</a:t>
+            </a:r>
           </a:p>
         </p:txBody>
       </p:sp>
@@ -12729,9 +14968,6 @@
                         </a:rPr>
                         <a:t>STT</a:t>
                       </a:r>
-                      <a:endParaRPr lang="vi-VN" sz="1800" noProof="1" smtClean="0">
-                        <a:latin typeface="+mj-lt"/>
-                      </a:endParaRPr>
                     </a:p>
                   </a:txBody>
                   <a:tcPr/>
@@ -13100,14 +15336,7 @@
                           <a:latin typeface="Times New Roman" pitchFamily="18" charset="0"/>
                           <a:cs typeface="Times New Roman" pitchFamily="18" charset="0"/>
                         </a:rPr>
-                        <a:t> </a:t>
-                      </a:r>
-                      <a:r>
-                        <a:rPr lang="vi-VN" sz="1800" baseline="0" noProof="1" smtClean="0">
-                          <a:latin typeface="Times New Roman" pitchFamily="18" charset="0"/>
-                          <a:cs typeface="Times New Roman" pitchFamily="18" charset="0"/>
-                        </a:rPr>
-                        <a:t>tả</a:t>
+                        <a:t> tả</a:t>
                       </a:r>
                       <a:r>
                         <a:rPr lang="en-US" sz="1800" baseline="0" noProof="1" smtClean="0">
@@ -14103,8 +16332,23 @@
                 </a:solidFill>
                 <a:latin typeface="+mj-lt"/>
               </a:rPr>
-              <a:t>ATM VietinBank</a:t>
-            </a:r>
+              <a:t>ATM </a:t>
+            </a:r>
+            <a:r>
+              <a:rPr lang="en-US" sz="1400" b="1" noProof="1" smtClean="0">
+                <a:solidFill>
+                  <a:schemeClr val="bg1"/>
+                </a:solidFill>
+                <a:latin typeface="+mj-lt"/>
+              </a:rPr>
+              <a:t>TechcomBank</a:t>
+            </a:r>
+            <a:endParaRPr lang="vi-VN" sz="1400" b="1" noProof="1" smtClean="0">
+              <a:solidFill>
+                <a:schemeClr val="bg1"/>
+              </a:solidFill>
+              <a:latin typeface="+mj-lt"/>
+            </a:endParaRPr>
           </a:p>
           <a:p>
             <a:r>
@@ -14312,252 +16556,6 @@
           </a:p>
         </p:txBody>
       </p:sp>
-      <p:pic>
-        <p:nvPicPr>
-          <p:cNvPr id="28" name="Picture 8" descr="C:\Users\TUAN-NGUYEN\Desktop\atm-icon.gif"/>
-          <p:cNvPicPr>
-            <a:picLocks noChangeAspect="1" noChangeArrowheads="1"/>
-          </p:cNvPicPr>
-          <p:nvPr/>
-        </p:nvPicPr>
-        <p:blipFill>
-          <a:blip r:embed="rId3">
-            <a:extLst>
-              <a:ext uri="{28A0092B-C50C-407E-A947-70E740481C1C}">
-                <a14:useLocalDpi xmlns:a14="http://schemas.microsoft.com/office/drawing/2010/main" val="0"/>
-              </a:ext>
-            </a:extLst>
-          </a:blip>
-          <a:srcRect/>
-          <a:stretch>
-            <a:fillRect/>
-          </a:stretch>
-        </p:blipFill>
-        <p:spPr bwMode="auto">
-          <a:xfrm>
-            <a:off x="207645" y="2605849"/>
-            <a:ext cx="828674" cy="652462"/>
-          </a:xfrm>
-          <a:prstGeom prst="rect">
-            <a:avLst/>
-          </a:prstGeom>
-          <a:noFill/>
-          <a:extLst>
-            <a:ext uri="{909E8E84-426E-40DD-AFC4-6F175D3DCCD1}">
-              <a14:hiddenFill xmlns:a14="http://schemas.microsoft.com/office/drawing/2010/main">
-                <a:solidFill>
-                  <a:srgbClr val="FFFFFF"/>
-                </a:solidFill>
-              </a14:hiddenFill>
-            </a:ext>
-          </a:extLst>
-        </p:spPr>
-      </p:pic>
-      <p:pic>
-        <p:nvPicPr>
-          <p:cNvPr id="29" name="Picture 8" descr="C:\Users\TUAN-NGUYEN\Desktop\atm-icon.gif"/>
-          <p:cNvPicPr>
-            <a:picLocks noChangeAspect="1" noChangeArrowheads="1"/>
-          </p:cNvPicPr>
-          <p:nvPr/>
-        </p:nvPicPr>
-        <p:blipFill>
-          <a:blip r:embed="rId3">
-            <a:extLst>
-              <a:ext uri="{28A0092B-C50C-407E-A947-70E740481C1C}">
-                <a14:useLocalDpi xmlns:a14="http://schemas.microsoft.com/office/drawing/2010/main" val="0"/>
-              </a:ext>
-            </a:extLst>
-          </a:blip>
-          <a:srcRect/>
-          <a:stretch>
-            <a:fillRect/>
-          </a:stretch>
-        </p:blipFill>
-        <p:spPr bwMode="auto">
-          <a:xfrm>
-            <a:off x="219211" y="3338341"/>
-            <a:ext cx="828674" cy="652462"/>
-          </a:xfrm>
-          <a:prstGeom prst="rect">
-            <a:avLst/>
-          </a:prstGeom>
-          <a:noFill/>
-          <a:extLst>
-            <a:ext uri="{909E8E84-426E-40DD-AFC4-6F175D3DCCD1}">
-              <a14:hiddenFill xmlns:a14="http://schemas.microsoft.com/office/drawing/2010/main">
-                <a:solidFill>
-                  <a:srgbClr val="FFFFFF"/>
-                </a:solidFill>
-              </a14:hiddenFill>
-            </a:ext>
-          </a:extLst>
-        </p:spPr>
-      </p:pic>
-      <p:pic>
-        <p:nvPicPr>
-          <p:cNvPr id="30" name="Picture 8" descr="C:\Users\TUAN-NGUYEN\Desktop\atm-icon.gif"/>
-          <p:cNvPicPr>
-            <a:picLocks noChangeAspect="1" noChangeArrowheads="1"/>
-          </p:cNvPicPr>
-          <p:nvPr/>
-        </p:nvPicPr>
-        <p:blipFill>
-          <a:blip r:embed="rId3">
-            <a:extLst>
-              <a:ext uri="{28A0092B-C50C-407E-A947-70E740481C1C}">
-                <a14:useLocalDpi xmlns:a14="http://schemas.microsoft.com/office/drawing/2010/main" val="0"/>
-              </a:ext>
-            </a:extLst>
-          </a:blip>
-          <a:srcRect/>
-          <a:stretch>
-            <a:fillRect/>
-          </a:stretch>
-        </p:blipFill>
-        <p:spPr bwMode="auto">
-          <a:xfrm>
-            <a:off x="219211" y="4089438"/>
-            <a:ext cx="828674" cy="652462"/>
-          </a:xfrm>
-          <a:prstGeom prst="rect">
-            <a:avLst/>
-          </a:prstGeom>
-          <a:noFill/>
-          <a:extLst>
-            <a:ext uri="{909E8E84-426E-40DD-AFC4-6F175D3DCCD1}">
-              <a14:hiddenFill xmlns:a14="http://schemas.microsoft.com/office/drawing/2010/main">
-                <a:solidFill>
-                  <a:srgbClr val="FFFFFF"/>
-                </a:solidFill>
-              </a14:hiddenFill>
-            </a:ext>
-          </a:extLst>
-        </p:spPr>
-      </p:pic>
-      <p:pic>
-        <p:nvPicPr>
-          <p:cNvPr id="31" name="Picture 8" descr="C:\Users\TUAN-NGUYEN\Desktop\atm-icon.gif"/>
-          <p:cNvPicPr>
-            <a:picLocks noChangeAspect="1" noChangeArrowheads="1"/>
-          </p:cNvPicPr>
-          <p:nvPr/>
-        </p:nvPicPr>
-        <p:blipFill>
-          <a:blip r:embed="rId3">
-            <a:extLst>
-              <a:ext uri="{28A0092B-C50C-407E-A947-70E740481C1C}">
-                <a14:useLocalDpi xmlns:a14="http://schemas.microsoft.com/office/drawing/2010/main" val="0"/>
-              </a:ext>
-            </a:extLst>
-          </a:blip>
-          <a:srcRect/>
-          <a:stretch>
-            <a:fillRect/>
-          </a:stretch>
-        </p:blipFill>
-        <p:spPr bwMode="auto">
-          <a:xfrm>
-            <a:off x="237140" y="4906396"/>
-            <a:ext cx="828674" cy="652462"/>
-          </a:xfrm>
-          <a:prstGeom prst="rect">
-            <a:avLst/>
-          </a:prstGeom>
-          <a:noFill/>
-          <a:extLst>
-            <a:ext uri="{909E8E84-426E-40DD-AFC4-6F175D3DCCD1}">
-              <a14:hiddenFill xmlns:a14="http://schemas.microsoft.com/office/drawing/2010/main">
-                <a:solidFill>
-                  <a:srgbClr val="FFFFFF"/>
-                </a:solidFill>
-              </a14:hiddenFill>
-            </a:ext>
-          </a:extLst>
-        </p:spPr>
-      </p:pic>
-      <p:pic>
-        <p:nvPicPr>
-          <p:cNvPr id="32" name="Picture 8" descr="C:\Users\TUAN-NGUYEN\Desktop\atm-icon.gif"/>
-          <p:cNvPicPr>
-            <a:picLocks noChangeAspect="1" noChangeArrowheads="1"/>
-          </p:cNvPicPr>
-          <p:nvPr/>
-        </p:nvPicPr>
-        <p:blipFill>
-          <a:blip r:embed="rId3">
-            <a:extLst>
-              <a:ext uri="{28A0092B-C50C-407E-A947-70E740481C1C}">
-                <a14:useLocalDpi xmlns:a14="http://schemas.microsoft.com/office/drawing/2010/main" val="0"/>
-              </a:ext>
-            </a:extLst>
-          </a:blip>
-          <a:srcRect/>
-          <a:stretch>
-            <a:fillRect/>
-          </a:stretch>
-        </p:blipFill>
-        <p:spPr bwMode="auto">
-          <a:xfrm>
-            <a:off x="219211" y="5619086"/>
-            <a:ext cx="828674" cy="652462"/>
-          </a:xfrm>
-          <a:prstGeom prst="rect">
-            <a:avLst/>
-          </a:prstGeom>
-          <a:noFill/>
-          <a:extLst>
-            <a:ext uri="{909E8E84-426E-40DD-AFC4-6F175D3DCCD1}">
-              <a14:hiddenFill xmlns:a14="http://schemas.microsoft.com/office/drawing/2010/main">
-                <a:solidFill>
-                  <a:srgbClr val="FFFFFF"/>
-                </a:solidFill>
-              </a14:hiddenFill>
-            </a:ext>
-          </a:extLst>
-        </p:spPr>
-      </p:pic>
-      <p:pic>
-        <p:nvPicPr>
-          <p:cNvPr id="27" name="Picture 8" descr="C:\Users\TUAN-NGUYEN\Desktop\atm-icon.gif"/>
-          <p:cNvPicPr>
-            <a:picLocks noChangeAspect="1" noChangeArrowheads="1"/>
-          </p:cNvPicPr>
-          <p:nvPr/>
-        </p:nvPicPr>
-        <p:blipFill>
-          <a:blip r:embed="rId3">
-            <a:extLst>
-              <a:ext uri="{28A0092B-C50C-407E-A947-70E740481C1C}">
-                <a14:useLocalDpi xmlns:a14="http://schemas.microsoft.com/office/drawing/2010/main" val="0"/>
-              </a:ext>
-            </a:extLst>
-          </a:blip>
-          <a:srcRect/>
-          <a:stretch>
-            <a:fillRect/>
-          </a:stretch>
-        </p:blipFill>
-        <p:spPr bwMode="auto">
-          <a:xfrm>
-            <a:off x="201114" y="1828800"/>
-            <a:ext cx="828674" cy="652462"/>
-          </a:xfrm>
-          <a:prstGeom prst="rect">
-            <a:avLst/>
-          </a:prstGeom>
-          <a:noFill/>
-          <a:extLst>
-            <a:ext uri="{909E8E84-426E-40DD-AFC4-6F175D3DCCD1}">
-              <a14:hiddenFill xmlns:a14="http://schemas.microsoft.com/office/drawing/2010/main">
-                <a:solidFill>
-                  <a:srgbClr val="FFFFFF"/>
-                </a:solidFill>
-              </a14:hiddenFill>
-            </a:ext>
-          </a:extLst>
-        </p:spPr>
-      </p:pic>
       <p:sp>
         <p:nvSpPr>
           <p:cNvPr id="33" name="TextBox 32"/>
@@ -14590,17 +16588,624 @@
             <a:pPr algn="ctr"/>
             <a:r>
               <a:rPr lang="en-US" sz="2400" b="1" noProof="1" smtClean="0"/>
-              <a:t>(Mã</a:t>
-            </a:r>
-            <a:r>
-              <a:rPr lang="en-US" sz="2400" b="1" noProof="1" smtClean="0"/>
-              <a:t>: </a:t>
-            </a:r>
-            <a:r>
-              <a:rPr lang="en-US" sz="2400" b="1" noProof="1" smtClean="0"/>
-              <a:t>MH02.3)</a:t>
-            </a:r>
-            <a:endParaRPr lang="en-US" sz="2400" b="1" noProof="1" smtClean="0"/>
+              <a:t>(Mã: MH02.3)</a:t>
+            </a:r>
+          </a:p>
+        </p:txBody>
+      </p:sp>
+      <p:pic>
+        <p:nvPicPr>
+          <p:cNvPr id="1026" name="Picture 2" descr="D:\Google_Map_Project\google-map-api-and-map-on-android\Resources\Icon\ATMicon4.png"/>
+          <p:cNvPicPr>
+            <a:picLocks noChangeAspect="1" noChangeArrowheads="1"/>
+          </p:cNvPicPr>
+          <p:nvPr/>
+        </p:nvPicPr>
+        <p:blipFill>
+          <a:blip r:embed="rId3">
+            <a:extLst>
+              <a:ext uri="{28A0092B-C50C-407E-A947-70E740481C1C}">
+                <a14:useLocalDpi xmlns:a14="http://schemas.microsoft.com/office/drawing/2010/main" val="0"/>
+              </a:ext>
+            </a:extLst>
+          </a:blip>
+          <a:srcRect/>
+          <a:stretch>
+            <a:fillRect/>
+          </a:stretch>
+        </p:blipFill>
+        <p:spPr bwMode="auto">
+          <a:xfrm>
+            <a:off x="103015" y="1778580"/>
+            <a:ext cx="1008647" cy="757099"/>
+          </a:xfrm>
+          <a:prstGeom prst="rect">
+            <a:avLst/>
+          </a:prstGeom>
+          <a:noFill/>
+          <a:extLst>
+            <a:ext uri="{909E8E84-426E-40DD-AFC4-6F175D3DCCD1}">
+              <a14:hiddenFill xmlns:a14="http://schemas.microsoft.com/office/drawing/2010/main">
+                <a:solidFill>
+                  <a:srgbClr val="FFFFFF"/>
+                </a:solidFill>
+              </a14:hiddenFill>
+            </a:ext>
+          </a:extLst>
+        </p:spPr>
+      </p:pic>
+      <p:pic>
+        <p:nvPicPr>
+          <p:cNvPr id="34" name="Picture 2" descr="D:\Google_Map_Project\google-map-api-and-map-on-android\Resources\Icon\ATMicon4.png"/>
+          <p:cNvPicPr>
+            <a:picLocks noChangeAspect="1" noChangeArrowheads="1"/>
+          </p:cNvPicPr>
+          <p:nvPr/>
+        </p:nvPicPr>
+        <p:blipFill>
+          <a:blip r:embed="rId3">
+            <a:extLst>
+              <a:ext uri="{28A0092B-C50C-407E-A947-70E740481C1C}">
+                <a14:useLocalDpi xmlns:a14="http://schemas.microsoft.com/office/drawing/2010/main" val="0"/>
+              </a:ext>
+            </a:extLst>
+          </a:blip>
+          <a:srcRect/>
+          <a:stretch>
+            <a:fillRect/>
+          </a:stretch>
+        </p:blipFill>
+        <p:spPr bwMode="auto">
+          <a:xfrm>
+            <a:off x="102326" y="2514600"/>
+            <a:ext cx="1008647" cy="757099"/>
+          </a:xfrm>
+          <a:prstGeom prst="rect">
+            <a:avLst/>
+          </a:prstGeom>
+          <a:noFill/>
+          <a:extLst>
+            <a:ext uri="{909E8E84-426E-40DD-AFC4-6F175D3DCCD1}">
+              <a14:hiddenFill xmlns:a14="http://schemas.microsoft.com/office/drawing/2010/main">
+                <a:solidFill>
+                  <a:srgbClr val="FFFFFF"/>
+                </a:solidFill>
+              </a14:hiddenFill>
+            </a:ext>
+          </a:extLst>
+        </p:spPr>
+      </p:pic>
+      <p:pic>
+        <p:nvPicPr>
+          <p:cNvPr id="35" name="Picture 2" descr="D:\Google_Map_Project\google-map-api-and-map-on-android\Resources\Icon\ATMicon4.png"/>
+          <p:cNvPicPr>
+            <a:picLocks noChangeAspect="1" noChangeArrowheads="1"/>
+          </p:cNvPicPr>
+          <p:nvPr/>
+        </p:nvPicPr>
+        <p:blipFill>
+          <a:blip r:embed="rId3">
+            <a:extLst>
+              <a:ext uri="{28A0092B-C50C-407E-A947-70E740481C1C}">
+                <a14:useLocalDpi xmlns:a14="http://schemas.microsoft.com/office/drawing/2010/main" val="0"/>
+              </a:ext>
+            </a:extLst>
+          </a:blip>
+          <a:srcRect/>
+          <a:stretch>
+            <a:fillRect/>
+          </a:stretch>
+        </p:blipFill>
+        <p:spPr bwMode="auto">
+          <a:xfrm>
+            <a:off x="102326" y="3276600"/>
+            <a:ext cx="1008647" cy="757099"/>
+          </a:xfrm>
+          <a:prstGeom prst="rect">
+            <a:avLst/>
+          </a:prstGeom>
+          <a:noFill/>
+          <a:extLst>
+            <a:ext uri="{909E8E84-426E-40DD-AFC4-6F175D3DCCD1}">
+              <a14:hiddenFill xmlns:a14="http://schemas.microsoft.com/office/drawing/2010/main">
+                <a:solidFill>
+                  <a:srgbClr val="FFFFFF"/>
+                </a:solidFill>
+              </a14:hiddenFill>
+            </a:ext>
+          </a:extLst>
+        </p:spPr>
+      </p:pic>
+      <p:pic>
+        <p:nvPicPr>
+          <p:cNvPr id="36" name="Picture 2" descr="D:\Google_Map_Project\google-map-api-and-map-on-android\Resources\Icon\ATMicon4.png"/>
+          <p:cNvPicPr>
+            <a:picLocks noChangeAspect="1" noChangeArrowheads="1"/>
+          </p:cNvPicPr>
+          <p:nvPr/>
+        </p:nvPicPr>
+        <p:blipFill>
+          <a:blip r:embed="rId3">
+            <a:extLst>
+              <a:ext uri="{28A0092B-C50C-407E-A947-70E740481C1C}">
+                <a14:useLocalDpi xmlns:a14="http://schemas.microsoft.com/office/drawing/2010/main" val="0"/>
+              </a:ext>
+            </a:extLst>
+          </a:blip>
+          <a:srcRect/>
+          <a:stretch>
+            <a:fillRect/>
+          </a:stretch>
+        </p:blipFill>
+        <p:spPr bwMode="auto">
+          <a:xfrm>
+            <a:off x="100148" y="4043501"/>
+            <a:ext cx="1008647" cy="757099"/>
+          </a:xfrm>
+          <a:prstGeom prst="rect">
+            <a:avLst/>
+          </a:prstGeom>
+          <a:noFill/>
+          <a:extLst>
+            <a:ext uri="{909E8E84-426E-40DD-AFC4-6F175D3DCCD1}">
+              <a14:hiddenFill xmlns:a14="http://schemas.microsoft.com/office/drawing/2010/main">
+                <a:solidFill>
+                  <a:srgbClr val="FFFFFF"/>
+                </a:solidFill>
+              </a14:hiddenFill>
+            </a:ext>
+          </a:extLst>
+        </p:spPr>
+      </p:pic>
+      <p:pic>
+        <p:nvPicPr>
+          <p:cNvPr id="37" name="Picture 2" descr="D:\Google_Map_Project\google-map-api-and-map-on-android\Resources\Icon\ATMicon4.png"/>
+          <p:cNvPicPr>
+            <a:picLocks noChangeAspect="1" noChangeArrowheads="1"/>
+          </p:cNvPicPr>
+          <p:nvPr/>
+        </p:nvPicPr>
+        <p:blipFill>
+          <a:blip r:embed="rId3">
+            <a:extLst>
+              <a:ext uri="{28A0092B-C50C-407E-A947-70E740481C1C}">
+                <a14:useLocalDpi xmlns:a14="http://schemas.microsoft.com/office/drawing/2010/main" val="0"/>
+              </a:ext>
+            </a:extLst>
+          </a:blip>
+          <a:srcRect/>
+          <a:stretch>
+            <a:fillRect/>
+          </a:stretch>
+        </p:blipFill>
+        <p:spPr bwMode="auto">
+          <a:xfrm>
+            <a:off x="108227" y="4800600"/>
+            <a:ext cx="1008647" cy="757099"/>
+          </a:xfrm>
+          <a:prstGeom prst="rect">
+            <a:avLst/>
+          </a:prstGeom>
+          <a:noFill/>
+          <a:extLst>
+            <a:ext uri="{909E8E84-426E-40DD-AFC4-6F175D3DCCD1}">
+              <a14:hiddenFill xmlns:a14="http://schemas.microsoft.com/office/drawing/2010/main">
+                <a:solidFill>
+                  <a:srgbClr val="FFFFFF"/>
+                </a:solidFill>
+              </a14:hiddenFill>
+            </a:ext>
+          </a:extLst>
+        </p:spPr>
+      </p:pic>
+      <p:pic>
+        <p:nvPicPr>
+          <p:cNvPr id="38" name="Picture 2" descr="D:\Google_Map_Project\google-map-api-and-map-on-android\Resources\Icon\ATMicon4.png"/>
+          <p:cNvPicPr>
+            <a:picLocks noChangeAspect="1" noChangeArrowheads="1"/>
+          </p:cNvPicPr>
+          <p:nvPr/>
+        </p:nvPicPr>
+        <p:blipFill>
+          <a:blip r:embed="rId3">
+            <a:extLst>
+              <a:ext uri="{28A0092B-C50C-407E-A947-70E740481C1C}">
+                <a14:useLocalDpi xmlns:a14="http://schemas.microsoft.com/office/drawing/2010/main" val="0"/>
+              </a:ext>
+            </a:extLst>
+          </a:blip>
+          <a:srcRect/>
+          <a:stretch>
+            <a:fillRect/>
+          </a:stretch>
+        </p:blipFill>
+        <p:spPr bwMode="auto">
+          <a:xfrm>
+            <a:off x="89263" y="5562600"/>
+            <a:ext cx="1008647" cy="757099"/>
+          </a:xfrm>
+          <a:prstGeom prst="rect">
+            <a:avLst/>
+          </a:prstGeom>
+          <a:noFill/>
+          <a:extLst>
+            <a:ext uri="{909E8E84-426E-40DD-AFC4-6F175D3DCCD1}">
+              <a14:hiddenFill xmlns:a14="http://schemas.microsoft.com/office/drawing/2010/main">
+                <a:solidFill>
+                  <a:srgbClr val="FFFFFF"/>
+                </a:solidFill>
+              </a14:hiddenFill>
+            </a:ext>
+          </a:extLst>
+        </p:spPr>
+      </p:pic>
+      <p:graphicFrame>
+        <p:nvGraphicFramePr>
+          <p:cNvPr id="39" name="Table 38"/>
+          <p:cNvGraphicFramePr>
+            <a:graphicFrameLocks noGrp="1"/>
+          </p:cNvGraphicFramePr>
+          <p:nvPr>
+            <p:extLst>
+              <p:ext uri="{D42A27DB-BD31-4B8C-83A1-F6EECF244321}">
+                <p14:modId xmlns:p14="http://schemas.microsoft.com/office/powerpoint/2010/main" val="3149123968"/>
+              </p:ext>
+            </p:extLst>
+          </p:nvPr>
+        </p:nvGraphicFramePr>
+        <p:xfrm>
+          <a:off x="3886200" y="1058367"/>
+          <a:ext cx="5207726" cy="741680"/>
+        </p:xfrm>
+        <a:graphic>
+          <a:graphicData uri="http://schemas.openxmlformats.org/drawingml/2006/table">
+            <a:tbl>
+              <a:tblPr firstRow="1" bandRow="1">
+                <a:tableStyleId>{5C22544A-7EE6-4342-B048-85BDC9FD1C3A}</a:tableStyleId>
+              </a:tblPr>
+              <a:tblGrid>
+                <a:gridCol w="5207726"/>
+              </a:tblGrid>
+              <a:tr h="370840">
+                <a:tc>
+                  <a:txBody>
+                    <a:bodyPr/>
+                    <a:lstStyle/>
+                    <a:p>
+                      <a:pPr algn="ctr"/>
+                      <a:r>
+                        <a:rPr lang="vi-VN" sz="1800" noProof="1" smtClean="0">
+                          <a:latin typeface="Times New Roman" pitchFamily="18" charset="0"/>
+                          <a:cs typeface="Times New Roman" pitchFamily="18" charset="0"/>
+                        </a:rPr>
+                        <a:t>Mô</a:t>
+                      </a:r>
+                      <a:r>
+                        <a:rPr lang="vi-VN" sz="1800" baseline="0" noProof="1" smtClean="0">
+                          <a:latin typeface="Times New Roman" pitchFamily="18" charset="0"/>
+                          <a:cs typeface="Times New Roman" pitchFamily="18" charset="0"/>
+                        </a:rPr>
+                        <a:t> tả</a:t>
+                      </a:r>
+                      <a:r>
+                        <a:rPr lang="en-US" sz="1800" baseline="0" noProof="1" smtClean="0">
+                          <a:latin typeface="Times New Roman" pitchFamily="18" charset="0"/>
+                          <a:cs typeface="Times New Roman" pitchFamily="18" charset="0"/>
+                        </a:rPr>
+                        <a:t> màn hình</a:t>
+                      </a:r>
+                      <a:endParaRPr lang="vi-VN" sz="1800" noProof="1">
+                        <a:latin typeface="Times New Roman" pitchFamily="18" charset="0"/>
+                        <a:cs typeface="Times New Roman" pitchFamily="18" charset="0"/>
+                      </a:endParaRPr>
+                    </a:p>
+                  </a:txBody>
+                  <a:tcPr/>
+                </a:tc>
+              </a:tr>
+              <a:tr h="370840">
+                <a:tc>
+                  <a:txBody>
+                    <a:bodyPr/>
+                    <a:lstStyle/>
+                    <a:p>
+                      <a:r>
+                        <a:rPr lang="en-US" sz="1800" noProof="1" smtClean="0">
+                          <a:latin typeface="Times New Roman" pitchFamily="18" charset="0"/>
+                          <a:cs typeface="Times New Roman" pitchFamily="18" charset="0"/>
+                        </a:rPr>
+                        <a:t>Liệt</a:t>
+                      </a:r>
+                      <a:r>
+                        <a:rPr lang="en-US" sz="1800" baseline="0" noProof="1" smtClean="0">
+                          <a:latin typeface="Times New Roman" pitchFamily="18" charset="0"/>
+                          <a:cs typeface="Times New Roman" pitchFamily="18" charset="0"/>
+                        </a:rPr>
+                        <a:t> kê danh sách máy ATM  kiểu danh sách.</a:t>
+                      </a:r>
+                      <a:endParaRPr lang="vi-VN" sz="1800" noProof="1">
+                        <a:latin typeface="Times New Roman" pitchFamily="18" charset="0"/>
+                        <a:cs typeface="Times New Roman" pitchFamily="18" charset="0"/>
+                      </a:endParaRPr>
+                    </a:p>
+                  </a:txBody>
+                  <a:tcPr/>
+                </a:tc>
+              </a:tr>
+            </a:tbl>
+          </a:graphicData>
+        </a:graphic>
+      </p:graphicFrame>
+      <p:cxnSp>
+        <p:nvCxnSpPr>
+          <p:cNvPr id="7" name="Straight Arrow Connector 6"/>
+          <p:cNvCxnSpPr/>
+          <p:nvPr/>
+        </p:nvCxnSpPr>
+        <p:spPr>
+          <a:xfrm flipH="1" flipV="1">
+            <a:off x="762002" y="2389301"/>
+            <a:ext cx="4419598" cy="265458"/>
+          </a:xfrm>
+          <a:prstGeom prst="straightConnector1">
+            <a:avLst/>
+          </a:prstGeom>
+          <a:ln>
+            <a:tailEnd type="arrow"/>
+          </a:ln>
+        </p:spPr>
+        <p:style>
+          <a:lnRef idx="2">
+            <a:schemeClr val="accent1"/>
+          </a:lnRef>
+          <a:fillRef idx="0">
+            <a:schemeClr val="accent1"/>
+          </a:fillRef>
+          <a:effectRef idx="1">
+            <a:schemeClr val="accent1"/>
+          </a:effectRef>
+          <a:fontRef idx="minor">
+            <a:schemeClr val="tx1"/>
+          </a:fontRef>
+        </p:style>
+      </p:cxnSp>
+      <p:cxnSp>
+        <p:nvCxnSpPr>
+          <p:cNvPr id="42" name="Straight Arrow Connector 41"/>
+          <p:cNvCxnSpPr/>
+          <p:nvPr/>
+        </p:nvCxnSpPr>
+        <p:spPr>
+          <a:xfrm flipH="1" flipV="1">
+            <a:off x="2667002" y="2819400"/>
+            <a:ext cx="2514598" cy="138648"/>
+          </a:xfrm>
+          <a:prstGeom prst="straightConnector1">
+            <a:avLst/>
+          </a:prstGeom>
+          <a:ln>
+            <a:tailEnd type="arrow"/>
+          </a:ln>
+        </p:spPr>
+        <p:style>
+          <a:lnRef idx="2">
+            <a:schemeClr val="accent1"/>
+          </a:lnRef>
+          <a:fillRef idx="0">
+            <a:schemeClr val="accent1"/>
+          </a:fillRef>
+          <a:effectRef idx="1">
+            <a:schemeClr val="accent1"/>
+          </a:effectRef>
+          <a:fontRef idx="minor">
+            <a:schemeClr val="tx1"/>
+          </a:fontRef>
+        </p:style>
+      </p:cxnSp>
+      <p:cxnSp>
+        <p:nvCxnSpPr>
+          <p:cNvPr id="47" name="Straight Arrow Connector 46"/>
+          <p:cNvCxnSpPr/>
+          <p:nvPr/>
+        </p:nvCxnSpPr>
+        <p:spPr>
+          <a:xfrm flipH="1" flipV="1">
+            <a:off x="2895602" y="3696942"/>
+            <a:ext cx="2209799" cy="132729"/>
+          </a:xfrm>
+          <a:prstGeom prst="straightConnector1">
+            <a:avLst/>
+          </a:prstGeom>
+          <a:ln>
+            <a:tailEnd type="arrow"/>
+          </a:ln>
+        </p:spPr>
+        <p:style>
+          <a:lnRef idx="2">
+            <a:schemeClr val="accent1"/>
+          </a:lnRef>
+          <a:fillRef idx="0">
+            <a:schemeClr val="accent1"/>
+          </a:fillRef>
+          <a:effectRef idx="1">
+            <a:schemeClr val="accent1"/>
+          </a:effectRef>
+          <a:fontRef idx="minor">
+            <a:schemeClr val="tx1"/>
+          </a:fontRef>
+        </p:style>
+      </p:cxnSp>
+      <p:sp>
+        <p:nvSpPr>
+          <p:cNvPr id="48" name="TextBox 47"/>
+          <p:cNvSpPr txBox="1"/>
+          <p:nvPr/>
+        </p:nvSpPr>
+        <p:spPr>
+          <a:xfrm>
+            <a:off x="5244737" y="2500142"/>
+            <a:ext cx="1127360" cy="369332"/>
+          </a:xfrm>
+          <a:prstGeom prst="rect">
+            <a:avLst/>
+          </a:prstGeom>
+          <a:noFill/>
+        </p:spPr>
+        <p:txBody>
+          <a:bodyPr wrap="none" rtlCol="0">
+            <a:spAutoFit/>
+          </a:bodyPr>
+          <a:lstStyle/>
+          <a:p>
+            <a:r>
+              <a:rPr lang="en-US" dirty="0" smtClean="0">
+                <a:latin typeface="Times New Roman" pitchFamily="18" charset="0"/>
+                <a:cs typeface="Times New Roman" pitchFamily="18" charset="0"/>
+              </a:rPr>
+              <a:t>Icon ATM</a:t>
+            </a:r>
+            <a:endParaRPr lang="en-US" dirty="0">
+              <a:latin typeface="Times New Roman" pitchFamily="18" charset="0"/>
+              <a:cs typeface="Times New Roman" pitchFamily="18" charset="0"/>
+            </a:endParaRPr>
+          </a:p>
+        </p:txBody>
+      </p:sp>
+      <p:sp>
+        <p:nvSpPr>
+          <p:cNvPr id="53" name="TextBox 52"/>
+          <p:cNvSpPr txBox="1"/>
+          <p:nvPr/>
+        </p:nvSpPr>
+        <p:spPr>
+          <a:xfrm>
+            <a:off x="5257800" y="2831068"/>
+            <a:ext cx="3371949" cy="646331"/>
+          </a:xfrm>
+          <a:prstGeom prst="rect">
+            <a:avLst/>
+          </a:prstGeom>
+          <a:noFill/>
+        </p:spPr>
+        <p:txBody>
+          <a:bodyPr wrap="none" rtlCol="0">
+            <a:spAutoFit/>
+          </a:bodyPr>
+          <a:lstStyle/>
+          <a:p>
+            <a:r>
+              <a:rPr lang="vi-VN" noProof="1" smtClean="0">
+                <a:latin typeface="+mj-lt"/>
+              </a:rPr>
+              <a:t>ATM của ngân hàng nào?</a:t>
+            </a:r>
+          </a:p>
+          <a:p>
+            <a:r>
+              <a:rPr lang="vi-VN" noProof="1" smtClean="0">
+                <a:latin typeface="+mj-lt"/>
+              </a:rPr>
+              <a:t>(Font: Time </a:t>
+            </a:r>
+            <a:r>
+              <a:rPr lang="vi-VN" noProof="1" smtClean="0">
+                <a:latin typeface="+mj-lt"/>
+              </a:rPr>
+              <a:t>New </a:t>
+            </a:r>
+            <a:r>
+              <a:rPr lang="vi-VN" noProof="1" smtClean="0">
+                <a:latin typeface="+mj-lt"/>
+              </a:rPr>
+              <a:t>Roman,</a:t>
+            </a:r>
+            <a:r>
+              <a:rPr lang="vi-VN" b="1" noProof="1" smtClean="0">
+                <a:latin typeface="+mj-lt"/>
+              </a:rPr>
+              <a:t>Bold</a:t>
+            </a:r>
+            <a:r>
+              <a:rPr lang="vi-VN" noProof="1" smtClean="0">
+                <a:latin typeface="+mj-lt"/>
+              </a:rPr>
+              <a:t>,1</a:t>
+            </a:r>
+            <a:r>
+              <a:rPr lang="en-US" noProof="1" smtClean="0">
+                <a:latin typeface="+mj-lt"/>
+              </a:rPr>
+              <a:t>4</a:t>
+            </a:r>
+            <a:r>
+              <a:rPr lang="vi-VN" noProof="1" smtClean="0">
+                <a:latin typeface="+mj-lt"/>
+              </a:rPr>
+              <a:t>)</a:t>
+            </a:r>
+            <a:endParaRPr lang="vi-VN" noProof="1">
+              <a:latin typeface="+mj-lt"/>
+            </a:endParaRPr>
+          </a:p>
+        </p:txBody>
+      </p:sp>
+      <p:sp>
+        <p:nvSpPr>
+          <p:cNvPr id="54" name="TextBox 53"/>
+          <p:cNvSpPr txBox="1"/>
+          <p:nvPr/>
+        </p:nvSpPr>
+        <p:spPr>
+          <a:xfrm>
+            <a:off x="5257800" y="3581400"/>
+            <a:ext cx="3371949" cy="646331"/>
+          </a:xfrm>
+          <a:prstGeom prst="rect">
+            <a:avLst/>
+          </a:prstGeom>
+          <a:noFill/>
+        </p:spPr>
+        <p:txBody>
+          <a:bodyPr wrap="none" rtlCol="0">
+            <a:spAutoFit/>
+          </a:bodyPr>
+          <a:lstStyle/>
+          <a:p>
+            <a:r>
+              <a:rPr lang="vi-VN" noProof="1" smtClean="0">
+                <a:latin typeface="+mj-lt"/>
+              </a:rPr>
+              <a:t>Địa chỉ của máy ATM tương ứng?</a:t>
+            </a:r>
+          </a:p>
+          <a:p>
+            <a:r>
+              <a:rPr lang="vi-VN" noProof="1" smtClean="0">
+                <a:latin typeface="+mj-lt"/>
+              </a:rPr>
+              <a:t>(Font: Time </a:t>
+            </a:r>
+            <a:r>
+              <a:rPr lang="vi-VN" noProof="1" smtClean="0">
+                <a:latin typeface="+mj-lt"/>
+              </a:rPr>
+              <a:t>New </a:t>
+            </a:r>
+            <a:r>
+              <a:rPr lang="vi-VN" noProof="1" smtClean="0">
+                <a:latin typeface="+mj-lt"/>
+              </a:rPr>
+              <a:t>Roman,12</a:t>
+            </a:r>
+            <a:r>
+              <a:rPr lang="vi-VN" noProof="1" smtClean="0">
+                <a:latin typeface="+mj-lt"/>
+              </a:rPr>
+              <a:t>)</a:t>
+            </a:r>
+            <a:endParaRPr lang="vi-VN" noProof="1">
+              <a:latin typeface="+mj-lt"/>
+            </a:endParaRPr>
           </a:p>
         </p:txBody>
       </p:sp>
@@ -14876,15 +17481,7 @@
                     <a:schemeClr val="bg1"/>
                   </a:solidFill>
                 </a:rPr>
-                <a:t> </a:t>
-              </a:r>
-              <a:r>
-                <a:rPr lang="en-US" sz="1600" b="1" noProof="1" smtClean="0">
-                  <a:solidFill>
-                    <a:schemeClr val="bg1"/>
-                  </a:solidFill>
-                </a:rPr>
-                <a:t>A</a:t>
+                <a:t> A</a:t>
               </a:r>
               <a:endParaRPr lang="vi-VN" sz="1600" b="1" noProof="1">
                 <a:solidFill>
@@ -14948,13 +17545,13 @@
             </a:prstGeom>
           </p:spPr>
           <p:style>
-            <a:lnRef idx="0">
+            <a:lnRef idx="1">
               <a:schemeClr val="accent3"/>
             </a:lnRef>
             <a:fillRef idx="3">
               <a:schemeClr val="accent3"/>
             </a:fillRef>
-            <a:effectRef idx="3">
+            <a:effectRef idx="2">
               <a:schemeClr val="accent3"/>
             </a:effectRef>
             <a:fontRef idx="minor">
@@ -15111,7 +17708,7 @@
         </p:nvSpPr>
         <p:spPr>
           <a:xfrm>
-            <a:off x="1604554" y="159603"/>
+            <a:off x="1604554" y="235803"/>
             <a:ext cx="5786257" cy="830997"/>
           </a:xfrm>
           <a:prstGeom prst="rect">
@@ -15135,17 +17732,8 @@
             <a:pPr algn="ctr"/>
             <a:r>
               <a:rPr lang="en-US" sz="2400" b="1" noProof="1" smtClean="0"/>
-              <a:t>(Mã</a:t>
-            </a:r>
-            <a:r>
-              <a:rPr lang="en-US" sz="2400" b="1" noProof="1" smtClean="0"/>
-              <a:t>: </a:t>
-            </a:r>
-            <a:r>
-              <a:rPr lang="en-US" sz="2400" b="1" noProof="1" smtClean="0"/>
-              <a:t>MH03)</a:t>
-            </a:r>
-            <a:endParaRPr lang="en-US" sz="2400" b="1" noProof="1" smtClean="0"/>
+              <a:t>(Mã: MH03)</a:t>
+            </a:r>
           </a:p>
         </p:txBody>
       </p:sp>
@@ -15222,7 +17810,7 @@
         <p:spPr>
           <a:xfrm>
             <a:off x="6248400" y="2338252"/>
-            <a:ext cx="1412566" cy="369332"/>
+            <a:ext cx="1358064" cy="369332"/>
           </a:xfrm>
           <a:prstGeom prst="rect">
             <a:avLst/>
@@ -15244,13 +17832,22 @@
               <a:t>( </a:t>
             </a:r>
             <a:r>
+              <a:rPr lang="en-US" sz="1600" noProof="1">
+                <a:solidFill>
+                  <a:schemeClr val="bg1"/>
+                </a:solidFill>
+                <a:latin typeface="+mj-lt"/>
+              </a:rPr>
+              <a:t>v</a:t>
+            </a:r>
+            <a:r>
               <a:rPr lang="vi-VN" sz="1600" noProof="1" smtClean="0">
                 <a:solidFill>
                   <a:schemeClr val="bg1"/>
                 </a:solidFill>
                 <a:latin typeface="+mj-lt"/>
               </a:rPr>
-              <a:t>Vị </a:t>
+              <a:t>ị </a:t>
             </a:r>
             <a:r>
               <a:rPr lang="vi-VN" sz="1600" noProof="1" smtClean="0">
@@ -15308,6 +17905,812 @@
           </a:p>
         </p:txBody>
       </p:sp>
+      <p:sp>
+        <p:nvSpPr>
+          <p:cNvPr id="22" name="TextBox 21"/>
+          <p:cNvSpPr txBox="1"/>
+          <p:nvPr/>
+        </p:nvSpPr>
+        <p:spPr>
+          <a:xfrm>
+            <a:off x="7536552" y="2133600"/>
+            <a:ext cx="388248" cy="307777"/>
+          </a:xfrm>
+          <a:prstGeom prst="rect">
+            <a:avLst/>
+          </a:prstGeom>
+          <a:noFill/>
+        </p:spPr>
+        <p:txBody>
+          <a:bodyPr wrap="none" rtlCol="0">
+            <a:spAutoFit/>
+          </a:bodyPr>
+          <a:lstStyle/>
+          <a:p>
+            <a:r>
+              <a:rPr lang="en-US" sz="1400" b="1" dirty="0" smtClean="0">
+                <a:solidFill>
+                  <a:srgbClr val="FF0000"/>
+                </a:solidFill>
+              </a:rPr>
+              <a:t>(1)</a:t>
+            </a:r>
+            <a:endParaRPr lang="en-US" sz="1400" b="1" dirty="0">
+              <a:solidFill>
+                <a:srgbClr val="FF0000"/>
+              </a:solidFill>
+            </a:endParaRPr>
+          </a:p>
+        </p:txBody>
+      </p:sp>
+      <p:sp>
+        <p:nvSpPr>
+          <p:cNvPr id="23" name="TextBox 22"/>
+          <p:cNvSpPr txBox="1"/>
+          <p:nvPr/>
+        </p:nvSpPr>
+        <p:spPr>
+          <a:xfrm>
+            <a:off x="7239000" y="2819400"/>
+            <a:ext cx="388248" cy="307777"/>
+          </a:xfrm>
+          <a:prstGeom prst="rect">
+            <a:avLst/>
+          </a:prstGeom>
+          <a:noFill/>
+        </p:spPr>
+        <p:txBody>
+          <a:bodyPr wrap="none" rtlCol="0">
+            <a:spAutoFit/>
+          </a:bodyPr>
+          <a:lstStyle/>
+          <a:p>
+            <a:r>
+              <a:rPr lang="en-US" sz="1400" b="1" dirty="0" smtClean="0">
+                <a:solidFill>
+                  <a:srgbClr val="FF0000"/>
+                </a:solidFill>
+              </a:rPr>
+              <a:t>(2)</a:t>
+            </a:r>
+            <a:endParaRPr lang="en-US" sz="1400" b="1" dirty="0">
+              <a:solidFill>
+                <a:srgbClr val="FF0000"/>
+              </a:solidFill>
+            </a:endParaRPr>
+          </a:p>
+        </p:txBody>
+      </p:sp>
+      <p:sp>
+        <p:nvSpPr>
+          <p:cNvPr id="24" name="TextBox 23"/>
+          <p:cNvSpPr txBox="1"/>
+          <p:nvPr/>
+        </p:nvSpPr>
+        <p:spPr>
+          <a:xfrm>
+            <a:off x="7231752" y="3886200"/>
+            <a:ext cx="388248" cy="307777"/>
+          </a:xfrm>
+          <a:prstGeom prst="rect">
+            <a:avLst/>
+          </a:prstGeom>
+          <a:noFill/>
+        </p:spPr>
+        <p:txBody>
+          <a:bodyPr wrap="none" rtlCol="0">
+            <a:spAutoFit/>
+          </a:bodyPr>
+          <a:lstStyle/>
+          <a:p>
+            <a:r>
+              <a:rPr lang="en-US" sz="1400" b="1" dirty="0" smtClean="0">
+                <a:solidFill>
+                  <a:srgbClr val="FF0000"/>
+                </a:solidFill>
+              </a:rPr>
+              <a:t>(3)</a:t>
+            </a:r>
+            <a:endParaRPr lang="en-US" sz="1400" b="1" dirty="0">
+              <a:solidFill>
+                <a:srgbClr val="FF0000"/>
+              </a:solidFill>
+            </a:endParaRPr>
+          </a:p>
+        </p:txBody>
+      </p:sp>
+      <p:sp>
+        <p:nvSpPr>
+          <p:cNvPr id="25" name="TextBox 24"/>
+          <p:cNvSpPr txBox="1"/>
+          <p:nvPr/>
+        </p:nvSpPr>
+        <p:spPr>
+          <a:xfrm>
+            <a:off x="6088752" y="4950023"/>
+            <a:ext cx="388248" cy="307777"/>
+          </a:xfrm>
+          <a:prstGeom prst="rect">
+            <a:avLst/>
+          </a:prstGeom>
+          <a:noFill/>
+        </p:spPr>
+        <p:txBody>
+          <a:bodyPr wrap="none" rtlCol="0">
+            <a:spAutoFit/>
+          </a:bodyPr>
+          <a:lstStyle/>
+          <a:p>
+            <a:r>
+              <a:rPr lang="en-US" sz="1400" b="1" dirty="0" smtClean="0">
+                <a:solidFill>
+                  <a:srgbClr val="FF0000"/>
+                </a:solidFill>
+              </a:rPr>
+              <a:t>(4)</a:t>
+            </a:r>
+            <a:endParaRPr lang="en-US" sz="1400" b="1" dirty="0">
+              <a:solidFill>
+                <a:srgbClr val="FF0000"/>
+              </a:solidFill>
+            </a:endParaRPr>
+          </a:p>
+        </p:txBody>
+      </p:sp>
+      <p:sp>
+        <p:nvSpPr>
+          <p:cNvPr id="26" name="TextBox 25"/>
+          <p:cNvSpPr txBox="1"/>
+          <p:nvPr/>
+        </p:nvSpPr>
+        <p:spPr>
+          <a:xfrm>
+            <a:off x="7391400" y="4950023"/>
+            <a:ext cx="388248" cy="307777"/>
+          </a:xfrm>
+          <a:prstGeom prst="rect">
+            <a:avLst/>
+          </a:prstGeom>
+          <a:noFill/>
+        </p:spPr>
+        <p:txBody>
+          <a:bodyPr wrap="none" rtlCol="0">
+            <a:spAutoFit/>
+          </a:bodyPr>
+          <a:lstStyle/>
+          <a:p>
+            <a:r>
+              <a:rPr lang="en-US" sz="1400" b="1" dirty="0" smtClean="0">
+                <a:solidFill>
+                  <a:srgbClr val="FF0000"/>
+                </a:solidFill>
+              </a:rPr>
+              <a:t>(5)</a:t>
+            </a:r>
+            <a:endParaRPr lang="en-US" sz="1400" b="1" dirty="0">
+              <a:solidFill>
+                <a:srgbClr val="FF0000"/>
+              </a:solidFill>
+            </a:endParaRPr>
+          </a:p>
+        </p:txBody>
+      </p:sp>
+      <p:sp>
+        <p:nvSpPr>
+          <p:cNvPr id="27" name="TextBox 26"/>
+          <p:cNvSpPr txBox="1"/>
+          <p:nvPr/>
+        </p:nvSpPr>
+        <p:spPr>
+          <a:xfrm>
+            <a:off x="7473415" y="5614852"/>
+            <a:ext cx="388248" cy="307777"/>
+          </a:xfrm>
+          <a:prstGeom prst="rect">
+            <a:avLst/>
+          </a:prstGeom>
+          <a:noFill/>
+        </p:spPr>
+        <p:txBody>
+          <a:bodyPr wrap="none" rtlCol="0">
+            <a:spAutoFit/>
+          </a:bodyPr>
+          <a:lstStyle/>
+          <a:p>
+            <a:r>
+              <a:rPr lang="en-US" sz="1400" b="1" dirty="0" smtClean="0">
+                <a:solidFill>
+                  <a:srgbClr val="FF0000"/>
+                </a:solidFill>
+              </a:rPr>
+              <a:t>(6)</a:t>
+            </a:r>
+            <a:endParaRPr lang="en-US" sz="1400" b="1" dirty="0">
+              <a:solidFill>
+                <a:srgbClr val="FF0000"/>
+              </a:solidFill>
+            </a:endParaRPr>
+          </a:p>
+        </p:txBody>
+      </p:sp>
+      <p:graphicFrame>
+        <p:nvGraphicFramePr>
+          <p:cNvPr id="28" name="Table 27"/>
+          <p:cNvGraphicFramePr>
+            <a:graphicFrameLocks noGrp="1"/>
+          </p:cNvGraphicFramePr>
+          <p:nvPr>
+            <p:extLst>
+              <p:ext uri="{D42A27DB-BD31-4B8C-83A1-F6EECF244321}">
+                <p14:modId xmlns:p14="http://schemas.microsoft.com/office/powerpoint/2010/main" val="671381072"/>
+              </p:ext>
+            </p:extLst>
+          </p:nvPr>
+        </p:nvGraphicFramePr>
+        <p:xfrm>
+          <a:off x="152400" y="2514600"/>
+          <a:ext cx="5181600" cy="3528921"/>
+        </p:xfrm>
+        <a:graphic>
+          <a:graphicData uri="http://schemas.openxmlformats.org/drawingml/2006/table">
+            <a:tbl>
+              <a:tblPr firstRow="1" bandRow="1">
+                <a:tableStyleId>{5C22544A-7EE6-4342-B048-85BDC9FD1C3A}</a:tableStyleId>
+              </a:tblPr>
+              <a:tblGrid>
+                <a:gridCol w="762000"/>
+                <a:gridCol w="4419600"/>
+              </a:tblGrid>
+              <a:tr h="486001">
+                <a:tc>
+                  <a:txBody>
+                    <a:bodyPr/>
+                    <a:lstStyle/>
+                    <a:p>
+                      <a:pPr algn="ctr"/>
+                      <a:r>
+                        <a:rPr lang="vi-VN" sz="1800" noProof="1" smtClean="0">
+                          <a:latin typeface="+mj-lt"/>
+                        </a:rPr>
+                        <a:t>STT</a:t>
+                      </a:r>
+                    </a:p>
+                  </a:txBody>
+                  <a:tcPr/>
+                </a:tc>
+                <a:tc>
+                  <a:txBody>
+                    <a:bodyPr/>
+                    <a:lstStyle/>
+                    <a:p>
+                      <a:pPr algn="ctr"/>
+                      <a:r>
+                        <a:rPr lang="en-US" sz="1800" noProof="1" smtClean="0">
+                          <a:latin typeface="Times New Roman" pitchFamily="18" charset="0"/>
+                          <a:cs typeface="Times New Roman" pitchFamily="18" charset="0"/>
+                        </a:rPr>
+                        <a:t>Mô</a:t>
+                      </a:r>
+                      <a:r>
+                        <a:rPr lang="en-US" sz="1800" baseline="0" noProof="1" smtClean="0">
+                          <a:latin typeface="Times New Roman" pitchFamily="18" charset="0"/>
+                          <a:cs typeface="Times New Roman" pitchFamily="18" charset="0"/>
+                        </a:rPr>
+                        <a:t> tả thành phần</a:t>
+                      </a:r>
+                      <a:endParaRPr lang="vi-VN" sz="1800" noProof="1">
+                        <a:latin typeface="Times New Roman" pitchFamily="18" charset="0"/>
+                        <a:cs typeface="Times New Roman" pitchFamily="18" charset="0"/>
+                      </a:endParaRPr>
+                    </a:p>
+                  </a:txBody>
+                  <a:tcPr/>
+                </a:tc>
+              </a:tr>
+              <a:tr h="370840">
+                <a:tc>
+                  <a:txBody>
+                    <a:bodyPr/>
+                    <a:lstStyle/>
+                    <a:p>
+                      <a:pPr algn="ctr"/>
+                      <a:r>
+                        <a:rPr lang="en-US" sz="1800" dirty="0" smtClean="0">
+                          <a:solidFill>
+                            <a:srgbClr val="FF0000"/>
+                          </a:solidFill>
+                          <a:latin typeface="+mj-lt"/>
+                        </a:rPr>
+                        <a:t>(1)</a:t>
+                      </a:r>
+                      <a:endParaRPr lang="en-US" sz="1800" dirty="0">
+                        <a:solidFill>
+                          <a:srgbClr val="FF0000"/>
+                        </a:solidFill>
+                        <a:latin typeface="+mj-lt"/>
+                      </a:endParaRPr>
+                    </a:p>
+                  </a:txBody>
+                  <a:tcPr/>
+                </a:tc>
+                <a:tc>
+                  <a:txBody>
+                    <a:bodyPr/>
+                    <a:lstStyle/>
+                    <a:p>
+                      <a:pPr algn="just"/>
+                      <a:r>
+                        <a:rPr lang="en-US" sz="1800" noProof="1" smtClean="0">
+                          <a:latin typeface="Times New Roman" pitchFamily="18" charset="0"/>
+                          <a:cs typeface="Times New Roman" pitchFamily="18" charset="0"/>
+                        </a:rPr>
+                        <a:t>Sử</a:t>
+                      </a:r>
+                      <a:r>
+                        <a:rPr lang="en-US" sz="1800" baseline="0" noProof="1" smtClean="0">
+                          <a:latin typeface="Times New Roman" pitchFamily="18" charset="0"/>
+                          <a:cs typeface="Times New Roman" pitchFamily="18" charset="0"/>
+                        </a:rPr>
+                        <a:t> dụng vị trí hiện tại hay không?</a:t>
+                      </a:r>
+                      <a:endParaRPr lang="vi-VN" sz="1800" noProof="1">
+                        <a:latin typeface="Times New Roman" pitchFamily="18" charset="0"/>
+                        <a:cs typeface="Times New Roman" pitchFamily="18" charset="0"/>
+                      </a:endParaRPr>
+                    </a:p>
+                  </a:txBody>
+                  <a:tcPr/>
+                </a:tc>
+              </a:tr>
+              <a:tr h="370840">
+                <a:tc>
+                  <a:txBody>
+                    <a:bodyPr/>
+                    <a:lstStyle/>
+                    <a:p>
+                      <a:pPr algn="ctr"/>
+                      <a:r>
+                        <a:rPr lang="en-US" sz="1800" dirty="0" smtClean="0">
+                          <a:solidFill>
+                            <a:srgbClr val="FF0000"/>
+                          </a:solidFill>
+                          <a:latin typeface="+mj-lt"/>
+                        </a:rPr>
+                        <a:t>(2)</a:t>
+                      </a:r>
+                      <a:endParaRPr lang="en-US" sz="1800" dirty="0">
+                        <a:solidFill>
+                          <a:srgbClr val="FF0000"/>
+                        </a:solidFill>
+                        <a:latin typeface="+mj-lt"/>
+                      </a:endParaRPr>
+                    </a:p>
+                  </a:txBody>
+                  <a:tcPr/>
+                </a:tc>
+                <a:tc>
+                  <a:txBody>
+                    <a:bodyPr/>
+                    <a:lstStyle/>
+                    <a:p>
+                      <a:pPr algn="just"/>
+                      <a:r>
+                        <a:rPr lang="en-US" sz="1800" noProof="1" smtClean="0">
+                          <a:latin typeface="Times New Roman" pitchFamily="18" charset="0"/>
+                          <a:cs typeface="Times New Roman" pitchFamily="18" charset="0"/>
+                        </a:rPr>
+                        <a:t>Nhập</a:t>
+                      </a:r>
+                      <a:r>
+                        <a:rPr lang="en-US" sz="1800" baseline="0" noProof="1" smtClean="0">
+                          <a:latin typeface="Times New Roman" pitchFamily="18" charset="0"/>
+                          <a:cs typeface="Times New Roman" pitchFamily="18" charset="0"/>
+                        </a:rPr>
+                        <a:t> vào vị trí xuất phát</a:t>
+                      </a:r>
+                      <a:endParaRPr lang="vi-VN" sz="1800" noProof="1">
+                        <a:latin typeface="Times New Roman" pitchFamily="18" charset="0"/>
+                        <a:cs typeface="Times New Roman" pitchFamily="18" charset="0"/>
+                      </a:endParaRPr>
+                    </a:p>
+                  </a:txBody>
+                  <a:tcPr/>
+                </a:tc>
+              </a:tr>
+              <a:tr h="370840">
+                <a:tc>
+                  <a:txBody>
+                    <a:bodyPr/>
+                    <a:lstStyle/>
+                    <a:p>
+                      <a:pPr algn="ctr"/>
+                      <a:r>
+                        <a:rPr lang="en-US" sz="1800" dirty="0" smtClean="0">
+                          <a:solidFill>
+                            <a:srgbClr val="FF0000"/>
+                          </a:solidFill>
+                          <a:latin typeface="+mj-lt"/>
+                        </a:rPr>
+                        <a:t>(3)</a:t>
+                      </a:r>
+                      <a:endParaRPr lang="en-US" sz="1800" dirty="0">
+                        <a:solidFill>
+                          <a:srgbClr val="FF0000"/>
+                        </a:solidFill>
+                        <a:latin typeface="+mj-lt"/>
+                      </a:endParaRPr>
+                    </a:p>
+                  </a:txBody>
+                  <a:tcPr/>
+                </a:tc>
+                <a:tc>
+                  <a:txBody>
+                    <a:bodyPr/>
+                    <a:lstStyle/>
+                    <a:p>
+                      <a:pPr algn="just"/>
+                      <a:r>
+                        <a:rPr lang="en-US" sz="1800" noProof="1" smtClean="0">
+                          <a:latin typeface="Times New Roman" pitchFamily="18" charset="0"/>
+                          <a:cs typeface="Times New Roman" pitchFamily="18" charset="0"/>
+                        </a:rPr>
+                        <a:t>Nhập</a:t>
+                      </a:r>
+                      <a:r>
+                        <a:rPr lang="en-US" sz="1800" baseline="0" noProof="1" smtClean="0">
+                          <a:latin typeface="Times New Roman" pitchFamily="18" charset="0"/>
+                          <a:cs typeface="Times New Roman" pitchFamily="18" charset="0"/>
+                        </a:rPr>
+                        <a:t> vào vị trí đến</a:t>
+                      </a:r>
+                      <a:endParaRPr lang="vi-VN" sz="1800" noProof="1">
+                        <a:latin typeface="Times New Roman" pitchFamily="18" charset="0"/>
+                        <a:cs typeface="Times New Roman" pitchFamily="18" charset="0"/>
+                      </a:endParaRPr>
+                    </a:p>
+                  </a:txBody>
+                  <a:tcPr/>
+                </a:tc>
+              </a:tr>
+              <a:tr h="370840">
+                <a:tc>
+                  <a:txBody>
+                    <a:bodyPr/>
+                    <a:lstStyle/>
+                    <a:p>
+                      <a:pPr algn="ctr"/>
+                      <a:r>
+                        <a:rPr lang="en-US" sz="1800" dirty="0" smtClean="0">
+                          <a:solidFill>
+                            <a:srgbClr val="FF0000"/>
+                          </a:solidFill>
+                          <a:latin typeface="+mj-lt"/>
+                        </a:rPr>
+                        <a:t>(4)</a:t>
+                      </a:r>
+                      <a:endParaRPr lang="en-US" sz="1800" dirty="0">
+                        <a:solidFill>
+                          <a:srgbClr val="FF0000"/>
+                        </a:solidFill>
+                        <a:latin typeface="+mj-lt"/>
+                      </a:endParaRPr>
+                    </a:p>
+                  </a:txBody>
+                  <a:tcPr/>
+                </a:tc>
+                <a:tc>
+                  <a:txBody>
+                    <a:bodyPr/>
+                    <a:lstStyle/>
+                    <a:p>
+                      <a:pPr algn="just"/>
+                      <a:r>
+                        <a:rPr lang="en-US" sz="1800" noProof="1" smtClean="0">
+                          <a:latin typeface="Times New Roman" pitchFamily="18" charset="0"/>
+                          <a:cs typeface="Times New Roman" pitchFamily="18" charset="0"/>
+                        </a:rPr>
+                        <a:t>Hiển</a:t>
+                      </a:r>
+                      <a:r>
+                        <a:rPr lang="en-US" sz="1800" baseline="0" noProof="1" smtClean="0">
+                          <a:latin typeface="Times New Roman" pitchFamily="18" charset="0"/>
+                          <a:cs typeface="Times New Roman" pitchFamily="18" charset="0"/>
+                        </a:rPr>
+                        <a:t> thị trên bản đồ (Màn hình: MH3.1)</a:t>
+                      </a:r>
+                      <a:endParaRPr lang="vi-VN" sz="1800" noProof="1">
+                        <a:latin typeface="Times New Roman" pitchFamily="18" charset="0"/>
+                        <a:cs typeface="Times New Roman" pitchFamily="18" charset="0"/>
+                      </a:endParaRPr>
+                    </a:p>
+                  </a:txBody>
+                  <a:tcPr/>
+                </a:tc>
+              </a:tr>
+              <a:tr h="370840">
+                <a:tc>
+                  <a:txBody>
+                    <a:bodyPr/>
+                    <a:lstStyle/>
+                    <a:p>
+                      <a:pPr algn="ctr"/>
+                      <a:r>
+                        <a:rPr lang="en-US" sz="1800" dirty="0" smtClean="0">
+                          <a:solidFill>
+                            <a:srgbClr val="FF0000"/>
+                          </a:solidFill>
+                          <a:latin typeface="+mj-lt"/>
+                        </a:rPr>
+                        <a:t>(5)</a:t>
+                      </a:r>
+                      <a:endParaRPr lang="en-US" sz="1800" dirty="0">
+                        <a:solidFill>
+                          <a:srgbClr val="FF0000"/>
+                        </a:solidFill>
+                        <a:latin typeface="+mj-lt"/>
+                      </a:endParaRPr>
+                    </a:p>
+                  </a:txBody>
+                  <a:tcPr/>
+                </a:tc>
+                <a:tc>
+                  <a:txBody>
+                    <a:bodyPr/>
+                    <a:lstStyle/>
+                    <a:p>
+                      <a:pPr algn="just"/>
+                      <a:r>
+                        <a:rPr lang="en-US" sz="1800" noProof="1" smtClean="0">
+                          <a:latin typeface="Times New Roman" pitchFamily="18" charset="0"/>
+                          <a:cs typeface="Times New Roman" pitchFamily="18" charset="0"/>
+                        </a:rPr>
+                        <a:t>Hiển</a:t>
+                      </a:r>
+                      <a:r>
+                        <a:rPr lang="en-US" sz="1800" baseline="0" noProof="1" smtClean="0">
+                          <a:latin typeface="Times New Roman" pitchFamily="18" charset="0"/>
+                          <a:cs typeface="Times New Roman" pitchFamily="18" charset="0"/>
+                        </a:rPr>
+                        <a:t> thị bằng text (Màn hình: MH3.2)</a:t>
+                      </a:r>
+                      <a:endParaRPr lang="vi-VN" sz="1800" noProof="1">
+                        <a:latin typeface="Times New Roman" pitchFamily="18" charset="0"/>
+                        <a:cs typeface="Times New Roman" pitchFamily="18" charset="0"/>
+                      </a:endParaRPr>
+                    </a:p>
+                  </a:txBody>
+                  <a:tcPr/>
+                </a:tc>
+              </a:tr>
+              <a:tr h="370840">
+                <a:tc>
+                  <a:txBody>
+                    <a:bodyPr/>
+                    <a:lstStyle/>
+                    <a:p>
+                      <a:pPr algn="ctr"/>
+                      <a:r>
+                        <a:rPr lang="en-US" sz="1800" dirty="0" smtClean="0">
+                          <a:solidFill>
+                            <a:srgbClr val="FF0000"/>
+                          </a:solidFill>
+                          <a:latin typeface="+mj-lt"/>
+                        </a:rPr>
+                        <a:t>(6)</a:t>
+                      </a:r>
+                      <a:endParaRPr lang="en-US" sz="1800" dirty="0">
+                        <a:solidFill>
+                          <a:srgbClr val="FF0000"/>
+                        </a:solidFill>
+                        <a:latin typeface="+mj-lt"/>
+                      </a:endParaRPr>
+                    </a:p>
+                  </a:txBody>
+                  <a:tcPr/>
+                </a:tc>
+                <a:tc>
+                  <a:txBody>
+                    <a:bodyPr/>
+                    <a:lstStyle/>
+                    <a:p>
+                      <a:pPr marL="0" marR="0" indent="0" algn="just" defTabSz="914400" rtl="0" eaLnBrk="1" fontAlgn="auto" latinLnBrk="0" hangingPunct="1">
+                        <a:lnSpc>
+                          <a:spcPct val="100000"/>
+                        </a:lnSpc>
+                        <a:spcBef>
+                          <a:spcPts val="0"/>
+                        </a:spcBef>
+                        <a:spcAft>
+                          <a:spcPts val="0"/>
+                        </a:spcAft>
+                        <a:buClrTx/>
+                        <a:buSzTx/>
+                        <a:buFontTx/>
+                        <a:buNone/>
+                        <a:tabLst/>
+                        <a:defRPr/>
+                      </a:pPr>
+                      <a:r>
+                        <a:rPr lang="en-US" sz="1800" baseline="0" noProof="1" smtClean="0">
+                          <a:latin typeface="Times New Roman" pitchFamily="18" charset="0"/>
+                          <a:cs typeface="Times New Roman" pitchFamily="18" charset="0"/>
+                        </a:rPr>
+                        <a:t>Mở màn hình MH03.1 nếu </a:t>
+                      </a:r>
+                      <a:r>
+                        <a:rPr lang="en-US" sz="1800" baseline="0" noProof="1" smtClean="0">
+                          <a:solidFill>
+                            <a:srgbClr val="C00000"/>
+                          </a:solidFill>
+                          <a:latin typeface="Times New Roman" pitchFamily="18" charset="0"/>
+                          <a:cs typeface="Times New Roman" pitchFamily="18" charset="0"/>
+                        </a:rPr>
+                        <a:t>(5)</a:t>
+                      </a:r>
+                      <a:r>
+                        <a:rPr lang="en-US" sz="1800" baseline="0" noProof="1" smtClean="0">
+                          <a:latin typeface="Times New Roman" pitchFamily="18" charset="0"/>
+                          <a:cs typeface="Times New Roman" pitchFamily="18" charset="0"/>
+                        </a:rPr>
+                        <a:t> được chọn. Mở màn hình MH03.2 nếu </a:t>
+                      </a:r>
+                      <a:r>
+                        <a:rPr lang="en-US" sz="1800" baseline="0" noProof="1" smtClean="0">
+                          <a:solidFill>
+                            <a:srgbClr val="C00000"/>
+                          </a:solidFill>
+                          <a:latin typeface="Times New Roman" pitchFamily="18" charset="0"/>
+                          <a:cs typeface="Times New Roman" pitchFamily="18" charset="0"/>
+                        </a:rPr>
+                        <a:t>(4)</a:t>
+                      </a:r>
+                      <a:r>
+                        <a:rPr lang="en-US" sz="1800" baseline="0" noProof="1" smtClean="0">
+                          <a:latin typeface="Times New Roman" pitchFamily="18" charset="0"/>
+                          <a:cs typeface="Times New Roman" pitchFamily="18" charset="0"/>
+                        </a:rPr>
+                        <a:t> được chọn. Phải kiểm tra </a:t>
+                      </a:r>
+                      <a:r>
+                        <a:rPr lang="en-US" sz="1800" baseline="0" noProof="1" smtClean="0">
+                          <a:solidFill>
+                            <a:srgbClr val="FF0000"/>
+                          </a:solidFill>
+                          <a:latin typeface="Times New Roman" pitchFamily="18" charset="0"/>
+                          <a:cs typeface="Times New Roman" pitchFamily="18" charset="0"/>
+                        </a:rPr>
+                        <a:t>(2) </a:t>
+                      </a:r>
+                      <a:r>
+                        <a:rPr lang="en-US" sz="1800" baseline="0" noProof="1" smtClean="0">
+                          <a:latin typeface="Times New Roman" pitchFamily="18" charset="0"/>
+                          <a:cs typeface="Times New Roman" pitchFamily="18" charset="0"/>
+                        </a:rPr>
+                        <a:t>và </a:t>
+                      </a:r>
+                      <a:r>
+                        <a:rPr lang="en-US" sz="1800" baseline="0" noProof="1" smtClean="0">
+                          <a:solidFill>
+                            <a:srgbClr val="FF0000"/>
+                          </a:solidFill>
+                          <a:latin typeface="Times New Roman" pitchFamily="18" charset="0"/>
+                          <a:cs typeface="Times New Roman" pitchFamily="18" charset="0"/>
+                        </a:rPr>
+                        <a:t>(3) </a:t>
+                      </a:r>
+                      <a:r>
+                        <a:rPr lang="en-US" sz="1800" baseline="0" noProof="1" smtClean="0">
+                          <a:latin typeface="Times New Roman" pitchFamily="18" charset="0"/>
+                          <a:cs typeface="Times New Roman" pitchFamily="18" charset="0"/>
+                        </a:rPr>
+                        <a:t>nhập đầy đủ thông tin trước khi chuyển sang màn hình mới.</a:t>
+                      </a:r>
+                    </a:p>
+                  </a:txBody>
+                  <a:tcPr/>
+                </a:tc>
+              </a:tr>
+            </a:tbl>
+          </a:graphicData>
+        </a:graphic>
+      </p:graphicFrame>
+      <p:graphicFrame>
+        <p:nvGraphicFramePr>
+          <p:cNvPr id="29" name="Table 28"/>
+          <p:cNvGraphicFramePr>
+            <a:graphicFrameLocks noGrp="1"/>
+          </p:cNvGraphicFramePr>
+          <p:nvPr>
+            <p:extLst>
+              <p:ext uri="{D42A27DB-BD31-4B8C-83A1-F6EECF244321}">
+                <p14:modId xmlns:p14="http://schemas.microsoft.com/office/powerpoint/2010/main" val="3742468950"/>
+              </p:ext>
+            </p:extLst>
+          </p:nvPr>
+        </p:nvGraphicFramePr>
+        <p:xfrm>
+          <a:off x="126274" y="1066800"/>
+          <a:ext cx="5207726" cy="1285240"/>
+        </p:xfrm>
+        <a:graphic>
+          <a:graphicData uri="http://schemas.openxmlformats.org/drawingml/2006/table">
+            <a:tbl>
+              <a:tblPr firstRow="1" bandRow="1">
+                <a:tableStyleId>{5C22544A-7EE6-4342-B048-85BDC9FD1C3A}</a:tableStyleId>
+              </a:tblPr>
+              <a:tblGrid>
+                <a:gridCol w="5207726"/>
+              </a:tblGrid>
+              <a:tr h="370840">
+                <a:tc>
+                  <a:txBody>
+                    <a:bodyPr/>
+                    <a:lstStyle/>
+                    <a:p>
+                      <a:pPr algn="ctr"/>
+                      <a:r>
+                        <a:rPr lang="vi-VN" sz="1800" noProof="1" smtClean="0">
+                          <a:latin typeface="Times New Roman" pitchFamily="18" charset="0"/>
+                          <a:cs typeface="Times New Roman" pitchFamily="18" charset="0"/>
+                        </a:rPr>
+                        <a:t>Mô</a:t>
+                      </a:r>
+                      <a:r>
+                        <a:rPr lang="vi-VN" sz="1800" baseline="0" noProof="1" smtClean="0">
+                          <a:latin typeface="Times New Roman" pitchFamily="18" charset="0"/>
+                          <a:cs typeface="Times New Roman" pitchFamily="18" charset="0"/>
+                        </a:rPr>
+                        <a:t> tả</a:t>
+                      </a:r>
+                      <a:r>
+                        <a:rPr lang="en-US" sz="1800" baseline="0" noProof="1" smtClean="0">
+                          <a:latin typeface="Times New Roman" pitchFamily="18" charset="0"/>
+                          <a:cs typeface="Times New Roman" pitchFamily="18" charset="0"/>
+                        </a:rPr>
+                        <a:t> màn hình</a:t>
+                      </a:r>
+                      <a:endParaRPr lang="vi-VN" sz="1800" noProof="1">
+                        <a:latin typeface="Times New Roman" pitchFamily="18" charset="0"/>
+                        <a:cs typeface="Times New Roman" pitchFamily="18" charset="0"/>
+                      </a:endParaRPr>
+                    </a:p>
+                  </a:txBody>
+                  <a:tcPr/>
+                </a:tc>
+              </a:tr>
+              <a:tr h="370840">
+                <a:tc>
+                  <a:txBody>
+                    <a:bodyPr/>
+                    <a:lstStyle/>
+                    <a:p>
+                      <a:r>
+                        <a:rPr lang="en-US" sz="1800" noProof="1" smtClean="0">
+                          <a:latin typeface="Times New Roman" pitchFamily="18" charset="0"/>
+                          <a:cs typeface="Times New Roman" pitchFamily="18" charset="0"/>
+                        </a:rPr>
+                        <a:t>Màn</a:t>
+                      </a:r>
+                      <a:r>
+                        <a:rPr lang="en-US" sz="1800" baseline="0" noProof="1" smtClean="0">
+                          <a:latin typeface="Times New Roman" pitchFamily="18" charset="0"/>
+                          <a:cs typeface="Times New Roman" pitchFamily="18" charset="0"/>
+                        </a:rPr>
+                        <a:t> hình cho phép người dùng nhập vào vị trí nguồn và đích cần chỉ đường. Lựa chọn kiểu chỉ đường trên bản đồ hay chỉ đường bằng text.</a:t>
+                      </a:r>
+                      <a:endParaRPr lang="vi-VN" sz="1800" noProof="1">
+                        <a:latin typeface="Times New Roman" pitchFamily="18" charset="0"/>
+                        <a:cs typeface="Times New Roman" pitchFamily="18" charset="0"/>
+                      </a:endParaRPr>
+                    </a:p>
+                  </a:txBody>
+                  <a:tcPr/>
+                </a:tc>
+              </a:tr>
+            </a:tbl>
+          </a:graphicData>
+        </a:graphic>
+      </p:graphicFrame>
     </p:spTree>
     <p:extLst>
       <p:ext uri="{BB962C8B-B14F-4D97-AF65-F5344CB8AC3E}">
@@ -15353,8 +18756,8 @@
         </p:nvGrpSpPr>
         <p:grpSpPr>
           <a:xfrm>
-            <a:off x="4879808" y="1447800"/>
-            <a:ext cx="3156026" cy="5257800"/>
+            <a:off x="3778174" y="1143000"/>
+            <a:ext cx="3156026" cy="5638800"/>
             <a:chOff x="4879808" y="1447800"/>
             <a:chExt cx="3156026" cy="5257800"/>
           </a:xfrm>
@@ -15445,7 +18848,7 @@
         </p:nvSpPr>
         <p:spPr>
           <a:xfrm>
-            <a:off x="1604554" y="159603"/>
+            <a:off x="1757543" y="235803"/>
             <a:ext cx="5786257" cy="830997"/>
           </a:xfrm>
           <a:prstGeom prst="rect">
@@ -15469,20 +18872,420 @@
             <a:pPr algn="ctr"/>
             <a:r>
               <a:rPr lang="en-US" sz="2400" b="1" noProof="1" smtClean="0"/>
-              <a:t>(Mã</a:t>
-            </a:r>
-            <a:r>
-              <a:rPr lang="en-US" sz="2400" b="1" noProof="1" smtClean="0"/>
-              <a:t>: </a:t>
-            </a:r>
-            <a:r>
-              <a:rPr lang="en-US" sz="2400" b="1" noProof="1" smtClean="0"/>
-              <a:t>MH03.1)</a:t>
-            </a:r>
-            <a:endParaRPr lang="en-US" sz="2400" b="1" noProof="1" smtClean="0"/>
+              <a:t>(Mã: MH03.1)</a:t>
+            </a:r>
           </a:p>
         </p:txBody>
       </p:sp>
+      <p:cxnSp>
+        <p:nvCxnSpPr>
+          <p:cNvPr id="7" name="Straight Arrow Connector 6"/>
+          <p:cNvCxnSpPr/>
+          <p:nvPr/>
+        </p:nvCxnSpPr>
+        <p:spPr>
+          <a:xfrm>
+            <a:off x="2598733" y="4437966"/>
+            <a:ext cx="1363667" cy="134034"/>
+          </a:xfrm>
+          <a:prstGeom prst="straightConnector1">
+            <a:avLst/>
+          </a:prstGeom>
+          <a:ln>
+            <a:tailEnd type="arrow"/>
+          </a:ln>
+        </p:spPr>
+        <p:style>
+          <a:lnRef idx="2">
+            <a:schemeClr val="accent1"/>
+          </a:lnRef>
+          <a:fillRef idx="0">
+            <a:schemeClr val="accent1"/>
+          </a:fillRef>
+          <a:effectRef idx="1">
+            <a:schemeClr val="accent1"/>
+          </a:effectRef>
+          <a:fontRef idx="minor">
+            <a:schemeClr val="tx1"/>
+          </a:fontRef>
+        </p:style>
+      </p:cxnSp>
+      <p:sp>
+        <p:nvSpPr>
+          <p:cNvPr id="11" name="TextBox 10"/>
+          <p:cNvSpPr txBox="1"/>
+          <p:nvPr/>
+        </p:nvSpPr>
+        <p:spPr>
+          <a:xfrm>
+            <a:off x="1135067" y="4038600"/>
+            <a:ext cx="1608133" cy="646331"/>
+          </a:xfrm>
+          <a:prstGeom prst="rect">
+            <a:avLst/>
+          </a:prstGeom>
+          <a:noFill/>
+        </p:spPr>
+        <p:txBody>
+          <a:bodyPr wrap="none" rtlCol="0">
+            <a:spAutoFit/>
+          </a:bodyPr>
+          <a:lstStyle/>
+          <a:p>
+            <a:r>
+              <a:rPr lang="vi-VN" noProof="1" smtClean="0">
+                <a:latin typeface="+mj-lt"/>
+              </a:rPr>
+              <a:t>Icon tương ứng</a:t>
+            </a:r>
+          </a:p>
+          <a:p>
+            <a:r>
+              <a:rPr lang="vi-VN" noProof="1" smtClean="0">
+                <a:latin typeface="+mj-lt"/>
+              </a:rPr>
+              <a:t> với đường đi</a:t>
+            </a:r>
+            <a:endParaRPr lang="vi-VN" noProof="1">
+              <a:latin typeface="+mj-lt"/>
+            </a:endParaRPr>
+          </a:p>
+        </p:txBody>
+      </p:sp>
+      <p:cxnSp>
+        <p:nvCxnSpPr>
+          <p:cNvPr id="15" name="Straight Arrow Connector 14"/>
+          <p:cNvCxnSpPr/>
+          <p:nvPr/>
+        </p:nvCxnSpPr>
+        <p:spPr>
+          <a:xfrm flipH="1" flipV="1">
+            <a:off x="6570118" y="3048000"/>
+            <a:ext cx="1049882" cy="515035"/>
+          </a:xfrm>
+          <a:prstGeom prst="straightConnector1">
+            <a:avLst/>
+          </a:prstGeom>
+          <a:ln>
+            <a:tailEnd type="arrow"/>
+          </a:ln>
+        </p:spPr>
+        <p:style>
+          <a:lnRef idx="2">
+            <a:schemeClr val="accent1"/>
+          </a:lnRef>
+          <a:fillRef idx="0">
+            <a:schemeClr val="accent1"/>
+          </a:fillRef>
+          <a:effectRef idx="1">
+            <a:schemeClr val="accent1"/>
+          </a:effectRef>
+          <a:fontRef idx="minor">
+            <a:schemeClr val="tx1"/>
+          </a:fontRef>
+        </p:style>
+      </p:cxnSp>
+      <p:sp>
+        <p:nvSpPr>
+          <p:cNvPr id="18" name="TextBox 17"/>
+          <p:cNvSpPr txBox="1"/>
+          <p:nvPr/>
+        </p:nvSpPr>
+        <p:spPr>
+          <a:xfrm>
+            <a:off x="7622944" y="3239869"/>
+            <a:ext cx="1140056" cy="646331"/>
+          </a:xfrm>
+          <a:prstGeom prst="rect">
+            <a:avLst/>
+          </a:prstGeom>
+          <a:noFill/>
+        </p:spPr>
+        <p:txBody>
+          <a:bodyPr wrap="none" rtlCol="0">
+            <a:spAutoFit/>
+          </a:bodyPr>
+          <a:lstStyle/>
+          <a:p>
+            <a:r>
+              <a:rPr lang="en-US" noProof="1" smtClean="0">
+                <a:latin typeface="Times New Roman" pitchFamily="18" charset="0"/>
+                <a:cs typeface="Times New Roman" pitchFamily="18" charset="0"/>
+              </a:rPr>
+              <a:t>Thông tin </a:t>
+            </a:r>
+          </a:p>
+          <a:p>
+            <a:r>
+              <a:rPr lang="en-US" noProof="1" smtClean="0">
+                <a:latin typeface="Times New Roman" pitchFamily="18" charset="0"/>
+                <a:cs typeface="Times New Roman" pitchFamily="18" charset="0"/>
+              </a:rPr>
+              <a:t>chỉ đường</a:t>
+            </a:r>
+            <a:endParaRPr lang="vi-VN" noProof="1">
+              <a:latin typeface="Times New Roman" pitchFamily="18" charset="0"/>
+              <a:cs typeface="Times New Roman" pitchFamily="18" charset="0"/>
+            </a:endParaRPr>
+          </a:p>
+        </p:txBody>
+      </p:sp>
+      <p:cxnSp>
+        <p:nvCxnSpPr>
+          <p:cNvPr id="19" name="Straight Arrow Connector 18"/>
+          <p:cNvCxnSpPr/>
+          <p:nvPr/>
+        </p:nvCxnSpPr>
+        <p:spPr>
+          <a:xfrm flipV="1">
+            <a:off x="2667000" y="4742765"/>
+            <a:ext cx="1600200" cy="515035"/>
+          </a:xfrm>
+          <a:prstGeom prst="straightConnector1">
+            <a:avLst/>
+          </a:prstGeom>
+          <a:ln>
+            <a:tailEnd type="arrow"/>
+          </a:ln>
+        </p:spPr>
+        <p:style>
+          <a:lnRef idx="2">
+            <a:schemeClr val="accent1"/>
+          </a:lnRef>
+          <a:fillRef idx="0">
+            <a:schemeClr val="accent1"/>
+          </a:fillRef>
+          <a:effectRef idx="1">
+            <a:schemeClr val="accent1"/>
+          </a:effectRef>
+          <a:fontRef idx="minor">
+            <a:schemeClr val="tx1"/>
+          </a:fontRef>
+        </p:style>
+      </p:cxnSp>
+      <p:sp>
+        <p:nvSpPr>
+          <p:cNvPr id="21" name="TextBox 20"/>
+          <p:cNvSpPr txBox="1"/>
+          <p:nvPr/>
+        </p:nvSpPr>
+        <p:spPr>
+          <a:xfrm>
+            <a:off x="1318116" y="5000282"/>
+            <a:ext cx="1342034" cy="646331"/>
+          </a:xfrm>
+          <a:prstGeom prst="rect">
+            <a:avLst/>
+          </a:prstGeom>
+          <a:noFill/>
+        </p:spPr>
+        <p:txBody>
+          <a:bodyPr wrap="none" rtlCol="0">
+            <a:spAutoFit/>
+          </a:bodyPr>
+          <a:lstStyle/>
+          <a:p>
+            <a:pPr algn="just"/>
+            <a:r>
+              <a:rPr lang="en-US" noProof="1" smtClean="0">
+                <a:latin typeface="Times New Roman" pitchFamily="18" charset="0"/>
+                <a:cs typeface="Times New Roman" pitchFamily="18" charset="0"/>
+              </a:rPr>
+              <a:t>Chiều dài</a:t>
+            </a:r>
+          </a:p>
+          <a:p>
+            <a:pPr algn="just"/>
+            <a:r>
+              <a:rPr lang="en-US" noProof="1" smtClean="0">
+                <a:latin typeface="Times New Roman" pitchFamily="18" charset="0"/>
+                <a:cs typeface="Times New Roman" pitchFamily="18" charset="0"/>
+              </a:rPr>
+              <a:t> đoạn đường</a:t>
+            </a:r>
+            <a:endParaRPr lang="vi-VN" noProof="1">
+              <a:latin typeface="Times New Roman" pitchFamily="18" charset="0"/>
+              <a:cs typeface="Times New Roman" pitchFamily="18" charset="0"/>
+            </a:endParaRPr>
+          </a:p>
+        </p:txBody>
+      </p:sp>
+      <p:cxnSp>
+        <p:nvCxnSpPr>
+          <p:cNvPr id="24" name="Straight Arrow Connector 23"/>
+          <p:cNvCxnSpPr/>
+          <p:nvPr/>
+        </p:nvCxnSpPr>
+        <p:spPr>
+          <a:xfrm flipH="1">
+            <a:off x="6019800" y="2133600"/>
+            <a:ext cx="990600" cy="457200"/>
+          </a:xfrm>
+          <a:prstGeom prst="straightConnector1">
+            <a:avLst/>
+          </a:prstGeom>
+          <a:ln>
+            <a:tailEnd type="arrow"/>
+          </a:ln>
+        </p:spPr>
+        <p:style>
+          <a:lnRef idx="2">
+            <a:schemeClr val="accent1"/>
+          </a:lnRef>
+          <a:fillRef idx="0">
+            <a:schemeClr val="accent1"/>
+          </a:fillRef>
+          <a:effectRef idx="1">
+            <a:schemeClr val="accent1"/>
+          </a:effectRef>
+          <a:fontRef idx="minor">
+            <a:schemeClr val="tx1"/>
+          </a:fontRef>
+        </p:style>
+      </p:cxnSp>
+      <p:sp>
+        <p:nvSpPr>
+          <p:cNvPr id="26" name="TextBox 25"/>
+          <p:cNvSpPr txBox="1"/>
+          <p:nvPr/>
+        </p:nvSpPr>
+        <p:spPr>
+          <a:xfrm>
+            <a:off x="6914876" y="1792069"/>
+            <a:ext cx="2305324" cy="646331"/>
+          </a:xfrm>
+          <a:prstGeom prst="rect">
+            <a:avLst/>
+          </a:prstGeom>
+          <a:noFill/>
+        </p:spPr>
+        <p:txBody>
+          <a:bodyPr wrap="square" rtlCol="0">
+            <a:spAutoFit/>
+          </a:bodyPr>
+          <a:lstStyle/>
+          <a:p>
+            <a:r>
+              <a:rPr lang="en-US" noProof="1" smtClean="0">
+                <a:latin typeface="Times New Roman" pitchFamily="18" charset="0"/>
+                <a:cs typeface="Times New Roman" pitchFamily="18" charset="0"/>
+              </a:rPr>
+              <a:t>Tổng chiều dài lộ trình</a:t>
+            </a:r>
+          </a:p>
+          <a:p>
+            <a:r>
+              <a:rPr lang="en-US" noProof="1" smtClean="0">
+                <a:latin typeface="Times New Roman" pitchFamily="18" charset="0"/>
+                <a:cs typeface="Times New Roman" pitchFamily="18" charset="0"/>
+              </a:rPr>
+              <a:t> &amp; thời gian trung bình</a:t>
+            </a:r>
+            <a:endParaRPr lang="vi-VN" noProof="1">
+              <a:latin typeface="Times New Roman" pitchFamily="18" charset="0"/>
+              <a:cs typeface="Times New Roman" pitchFamily="18" charset="0"/>
+            </a:endParaRPr>
+          </a:p>
+        </p:txBody>
+      </p:sp>
+      <p:graphicFrame>
+        <p:nvGraphicFramePr>
+          <p:cNvPr id="34" name="Table 33"/>
+          <p:cNvGraphicFramePr>
+            <a:graphicFrameLocks noGrp="1"/>
+          </p:cNvGraphicFramePr>
+          <p:nvPr>
+            <p:extLst>
+              <p:ext uri="{D42A27DB-BD31-4B8C-83A1-F6EECF244321}">
+                <p14:modId xmlns:p14="http://schemas.microsoft.com/office/powerpoint/2010/main" val="3025748366"/>
+              </p:ext>
+            </p:extLst>
+          </p:nvPr>
+        </p:nvGraphicFramePr>
+        <p:xfrm>
+          <a:off x="152400" y="1143000"/>
+          <a:ext cx="3505200" cy="1707219"/>
+        </p:xfrm>
+        <a:graphic>
+          <a:graphicData uri="http://schemas.openxmlformats.org/drawingml/2006/table">
+            <a:tbl>
+              <a:tblPr firstRow="1" bandRow="1">
+                <a:tableStyleId>{5C22544A-7EE6-4342-B048-85BDC9FD1C3A}</a:tableStyleId>
+              </a:tblPr>
+              <a:tblGrid>
+                <a:gridCol w="3505200"/>
+              </a:tblGrid>
+              <a:tr h="340022">
+                <a:tc>
+                  <a:txBody>
+                    <a:bodyPr/>
+                    <a:lstStyle/>
+                    <a:p>
+                      <a:pPr algn="ctr"/>
+                      <a:r>
+                        <a:rPr lang="vi-VN" sz="1800" noProof="1" smtClean="0">
+                          <a:latin typeface="Times New Roman" pitchFamily="18" charset="0"/>
+                          <a:cs typeface="Times New Roman" pitchFamily="18" charset="0"/>
+                        </a:rPr>
+                        <a:t>Mô</a:t>
+                      </a:r>
+                      <a:r>
+                        <a:rPr lang="vi-VN" sz="1800" baseline="0" noProof="1" smtClean="0">
+                          <a:latin typeface="Times New Roman" pitchFamily="18" charset="0"/>
+                          <a:cs typeface="Times New Roman" pitchFamily="18" charset="0"/>
+                        </a:rPr>
+                        <a:t> tả</a:t>
+                      </a:r>
+                      <a:r>
+                        <a:rPr lang="en-US" sz="1800" baseline="0" noProof="1" smtClean="0">
+                          <a:latin typeface="Times New Roman" pitchFamily="18" charset="0"/>
+                          <a:cs typeface="Times New Roman" pitchFamily="18" charset="0"/>
+                        </a:rPr>
+                        <a:t> màn hình</a:t>
+                      </a:r>
+                      <a:endParaRPr lang="vi-VN" sz="1800" noProof="1">
+                        <a:latin typeface="Times New Roman" pitchFamily="18" charset="0"/>
+                        <a:cs typeface="Times New Roman" pitchFamily="18" charset="0"/>
+                      </a:endParaRPr>
+                    </a:p>
+                  </a:txBody>
+                  <a:tcPr/>
+                </a:tc>
+              </a:tr>
+              <a:tr h="1341459">
+                <a:tc>
+                  <a:txBody>
+                    <a:bodyPr/>
+                    <a:lstStyle/>
+                    <a:p>
+                      <a:pPr algn="just"/>
+                      <a:r>
+                        <a:rPr lang="en-US" sz="1800" noProof="1" smtClean="0">
+                          <a:latin typeface="Times New Roman" pitchFamily="18" charset="0"/>
+                          <a:cs typeface="Times New Roman" pitchFamily="18" charset="0"/>
+                        </a:rPr>
+                        <a:t>Hiển</a:t>
+                      </a:r>
+                      <a:r>
+                        <a:rPr lang="en-US" sz="1800" baseline="0" noProof="1" smtClean="0">
+                          <a:latin typeface="Times New Roman" pitchFamily="18" charset="0"/>
+                          <a:cs typeface="Times New Roman" pitchFamily="18" charset="0"/>
+                        </a:rPr>
+                        <a:t> thị hường dẫn chi tiết hướng dẫn đi đường. Thông tin chiều dài đường đi và thời gian trung bình đi đường.</a:t>
+                      </a:r>
+                      <a:endParaRPr lang="vi-VN" sz="1800" noProof="1">
+                        <a:latin typeface="Times New Roman" pitchFamily="18" charset="0"/>
+                        <a:cs typeface="Times New Roman" pitchFamily="18" charset="0"/>
+                      </a:endParaRPr>
+                    </a:p>
+                  </a:txBody>
+                  <a:tcPr/>
+                </a:tc>
+              </a:tr>
+            </a:tbl>
+          </a:graphicData>
+        </a:graphic>
+      </p:graphicFrame>
     </p:spTree>
     <p:extLst>
       <p:ext uri="{BB962C8B-B14F-4D97-AF65-F5344CB8AC3E}">

--- a/trunk/Design/User Interface Design.pptx
+++ b/trunk/Design/User Interface Design.pptx
@@ -211,7 +211,7 @@
           <a:p>
             <a:fld id="{706F560A-4D91-4406-9A94-8F67B1AC9413}" type="datetimeFigureOut">
               <a:rPr lang="en-US" smtClean="0"/>
-              <a:t>10/9/2011</a:t>
+              <a:t>10/10/2011</a:t>
             </a:fld>
             <a:endParaRPr lang="en-US"/>
           </a:p>
@@ -381,7 +381,7 @@
           <a:p>
             <a:fld id="{71438451-3664-4A89-928E-EC26E39D86A9}" type="datetimeFigureOut">
               <a:rPr lang="en-US" smtClean="0"/>
-              <a:t>10/9/2011</a:t>
+              <a:t>10/10/2011</a:t>
             </a:fld>
             <a:endParaRPr lang="en-US"/>
           </a:p>
@@ -1181,7 +1181,7 @@
           <a:p>
             <a:fld id="{89161F91-829E-4B97-9A83-37CFC818E404}" type="datetime1">
               <a:rPr lang="en-US" smtClean="0"/>
-              <a:t>10/9/2011</a:t>
+              <a:t>10/10/2011</a:t>
             </a:fld>
             <a:endParaRPr lang="en-US"/>
           </a:p>
@@ -1394,7 +1394,7 @@
           <a:p>
             <a:fld id="{4A8FEE6B-8D4D-4107-9C62-044A2B880741}" type="datetime1">
               <a:rPr lang="en-US" smtClean="0"/>
-              <a:t>10/9/2011</a:t>
+              <a:t>10/10/2011</a:t>
             </a:fld>
             <a:endParaRPr lang="en-US"/>
           </a:p>
@@ -1600,7 +1600,7 @@
           <a:p>
             <a:fld id="{779B4C7F-7EB6-4838-B21B-AB62F3ED8D60}" type="datetime1">
               <a:rPr lang="en-US" smtClean="0"/>
-              <a:t>10/9/2011</a:t>
+              <a:t>10/10/2011</a:t>
             </a:fld>
             <a:endParaRPr lang="en-US"/>
           </a:p>
@@ -1854,7 +1854,7 @@
           <a:p>
             <a:fld id="{6513E33B-C4F1-44B7-B20A-3AA7FA457DA3}" type="datetimeFigureOut">
               <a:rPr lang="en-US" smtClean="0"/>
-              <a:t>10/9/2011</a:t>
+              <a:t>10/10/2011</a:t>
             </a:fld>
             <a:endParaRPr lang="en-US"/>
           </a:p>
@@ -2031,7 +2031,7 @@
           <a:p>
             <a:fld id="{6513E33B-C4F1-44B7-B20A-3AA7FA457DA3}" type="datetimeFigureOut">
               <a:rPr lang="en-US" smtClean="0"/>
-              <a:t>10/9/2011</a:t>
+              <a:t>10/10/2011</a:t>
             </a:fld>
             <a:endParaRPr lang="en-US"/>
           </a:p>
@@ -2277,7 +2277,7 @@
           <a:p>
             <a:fld id="{6513E33B-C4F1-44B7-B20A-3AA7FA457DA3}" type="datetimeFigureOut">
               <a:rPr lang="en-US" smtClean="0"/>
-              <a:t>10/9/2011</a:t>
+              <a:t>10/10/2011</a:t>
             </a:fld>
             <a:endParaRPr lang="en-US"/>
           </a:p>
@@ -2565,7 +2565,7 @@
           <a:p>
             <a:fld id="{6513E33B-C4F1-44B7-B20A-3AA7FA457DA3}" type="datetimeFigureOut">
               <a:rPr lang="en-US" smtClean="0"/>
-              <a:t>10/9/2011</a:t>
+              <a:t>10/10/2011</a:t>
             </a:fld>
             <a:endParaRPr lang="en-US"/>
           </a:p>
@@ -2987,7 +2987,7 @@
           <a:p>
             <a:fld id="{6513E33B-C4F1-44B7-B20A-3AA7FA457DA3}" type="datetimeFigureOut">
               <a:rPr lang="en-US" smtClean="0"/>
-              <a:t>10/9/2011</a:t>
+              <a:t>10/10/2011</a:t>
             </a:fld>
             <a:endParaRPr lang="en-US"/>
           </a:p>
@@ -3105,7 +3105,7 @@
           <a:p>
             <a:fld id="{6513E33B-C4F1-44B7-B20A-3AA7FA457DA3}" type="datetimeFigureOut">
               <a:rPr lang="en-US" smtClean="0"/>
-              <a:t>10/9/2011</a:t>
+              <a:t>10/10/2011</a:t>
             </a:fld>
             <a:endParaRPr lang="en-US"/>
           </a:p>
@@ -3200,7 +3200,7 @@
           <a:p>
             <a:fld id="{6513E33B-C4F1-44B7-B20A-3AA7FA457DA3}" type="datetimeFigureOut">
               <a:rPr lang="en-US" smtClean="0"/>
-              <a:t>10/9/2011</a:t>
+              <a:t>10/10/2011</a:t>
             </a:fld>
             <a:endParaRPr lang="en-US"/>
           </a:p>
@@ -3477,7 +3477,7 @@
           <a:p>
             <a:fld id="{6513E33B-C4F1-44B7-B20A-3AA7FA457DA3}" type="datetimeFigureOut">
               <a:rPr lang="en-US" smtClean="0"/>
-              <a:t>10/9/2011</a:t>
+              <a:t>10/10/2011</a:t>
             </a:fld>
             <a:endParaRPr lang="en-US"/>
           </a:p>
@@ -3678,7 +3678,7 @@
           <a:p>
             <a:fld id="{858CEAC1-C084-43CE-B111-80261FD83F32}" type="datetime1">
               <a:rPr lang="en-US" smtClean="0"/>
-              <a:t>10/9/2011</a:t>
+              <a:t>10/10/2011</a:t>
             </a:fld>
             <a:endParaRPr lang="en-US"/>
           </a:p>
@@ -3943,7 +3943,7 @@
           <a:p>
             <a:fld id="{6513E33B-C4F1-44B7-B20A-3AA7FA457DA3}" type="datetimeFigureOut">
               <a:rPr lang="en-US" smtClean="0"/>
-              <a:t>10/9/2011</a:t>
+              <a:t>10/10/2011</a:t>
             </a:fld>
             <a:endParaRPr lang="en-US"/>
           </a:p>
@@ -4113,7 +4113,7 @@
           <a:p>
             <a:fld id="{6513E33B-C4F1-44B7-B20A-3AA7FA457DA3}" type="datetimeFigureOut">
               <a:rPr lang="en-US" smtClean="0"/>
-              <a:t>10/9/2011</a:t>
+              <a:t>10/10/2011</a:t>
             </a:fld>
             <a:endParaRPr lang="en-US"/>
           </a:p>
@@ -4293,7 +4293,7 @@
           <a:p>
             <a:fld id="{6513E33B-C4F1-44B7-B20A-3AA7FA457DA3}" type="datetimeFigureOut">
               <a:rPr lang="en-US" smtClean="0"/>
-              <a:t>10/9/2011</a:t>
+              <a:t>10/10/2011</a:t>
             </a:fld>
             <a:endParaRPr lang="en-US"/>
           </a:p>
@@ -4553,7 +4553,7 @@
           <a:p>
             <a:fld id="{6A983225-91F0-4D5C-A61C-D852ED7BC220}" type="datetime1">
               <a:rPr lang="en-US" smtClean="0"/>
-              <a:t>10/9/2011</a:t>
+              <a:t>10/10/2011</a:t>
             </a:fld>
             <a:endParaRPr lang="en-US"/>
           </a:p>
@@ -4875,7 +4875,7 @@
           <a:p>
             <a:fld id="{1075BF20-5B9A-4BA3-8C18-D8D77AC93B29}" type="datetime1">
               <a:rPr lang="en-US" smtClean="0"/>
-              <a:t>10/9/2011</a:t>
+              <a:t>10/10/2011</a:t>
             </a:fld>
             <a:endParaRPr lang="en-US"/>
           </a:p>
@@ -5337,7 +5337,7 @@
           <a:p>
             <a:fld id="{493E3484-58C4-47AD-B403-F2073F9171CD}" type="datetime1">
               <a:rPr lang="en-US" smtClean="0"/>
-              <a:t>10/9/2011</a:t>
+              <a:t>10/10/2011</a:t>
             </a:fld>
             <a:endParaRPr lang="en-US"/>
           </a:p>
@@ -5483,7 +5483,7 @@
           <a:p>
             <a:fld id="{015FC715-89FD-4D20-B473-E80788F67899}" type="datetime1">
               <a:rPr lang="en-US" smtClean="0"/>
-              <a:t>10/9/2011</a:t>
+              <a:t>10/10/2011</a:t>
             </a:fld>
             <a:endParaRPr lang="en-US"/>
           </a:p>
@@ -5598,7 +5598,7 @@
           <a:p>
             <a:fld id="{81A91C36-3AE4-447D-9D42-61BC4BD3C220}" type="datetime1">
               <a:rPr lang="en-US" smtClean="0"/>
-              <a:t>10/9/2011</a:t>
+              <a:t>10/10/2011</a:t>
             </a:fld>
             <a:endParaRPr lang="en-US"/>
           </a:p>
@@ -5904,7 +5904,7 @@
           <a:p>
             <a:fld id="{F006AB86-54B5-4CF0-BFDD-BB14CA451BD8}" type="datetime1">
               <a:rPr lang="en-US" smtClean="0"/>
-              <a:t>10/9/2011</a:t>
+              <a:t>10/10/2011</a:t>
             </a:fld>
             <a:endParaRPr lang="en-US"/>
           </a:p>
@@ -6186,7 +6186,7 @@
           <a:p>
             <a:fld id="{524A09CA-DD13-41B6-9B08-3655863F1AE4}" type="datetime1">
               <a:rPr lang="en-US" smtClean="0"/>
-              <a:t>10/9/2011</a:t>
+              <a:t>10/10/2011</a:t>
             </a:fld>
             <a:endParaRPr lang="en-US"/>
           </a:p>
@@ -6768,7 +6768,7 @@
           <a:p>
             <a:fld id="{6513E33B-C4F1-44B7-B20A-3AA7FA457DA3}" type="datetimeFigureOut">
               <a:rPr lang="en-US" smtClean="0"/>
-              <a:t>10/9/2011</a:t>
+              <a:t>10/10/2011</a:t>
             </a:fld>
             <a:endParaRPr lang="en-US"/>
           </a:p>
@@ -7158,8 +7158,8 @@
         </p:nvSpPr>
         <p:spPr>
           <a:xfrm>
-            <a:off x="1600200" y="2743200"/>
-            <a:ext cx="5786257" cy="1323439"/>
+            <a:off x="1524000" y="2743200"/>
+            <a:ext cx="6324600" cy="1323439"/>
           </a:xfrm>
           <a:prstGeom prst="rect">
             <a:avLst/>
@@ -7169,18 +7169,212 @@
         <p:txBody>
           <a:bodyPr wrap="square" rtlCol="0">
             <a:spAutoFit/>
+            <a:scene3d>
+              <a:camera prst="orthographicFront">
+                <a:rot lat="0" lon="0" rev="0"/>
+              </a:camera>
+              <a:lightRig rig="contrasting" dir="t">
+                <a:rot lat="0" lon="0" rev="4500000"/>
+              </a:lightRig>
+            </a:scene3d>
+            <a:sp3d contourW="6350" prstMaterial="metal">
+              <a:bevelT w="127000" h="31750" prst="relaxedInset"/>
+              <a:contourClr>
+                <a:schemeClr val="accent1">
+                  <a:shade val="75000"/>
+                </a:schemeClr>
+              </a:contourClr>
+            </a:sp3d>
           </a:bodyPr>
           <a:lstStyle/>
           <a:p>
             <a:pPr algn="ctr"/>
             <a:r>
-              <a:rPr lang="en-US" sz="4000" b="1" dirty="0" smtClean="0">
+              <a:rPr lang="en-US" sz="4000" b="1" cap="all" dirty="0" smtClean="0">
+                <a:ln w="0"/>
+                <a:gradFill flip="none">
+                  <a:gsLst>
+                    <a:gs pos="0">
+                      <a:schemeClr val="accent1">
+                        <a:tint val="75000"/>
+                        <a:shade val="75000"/>
+                        <a:satMod val="170000"/>
+                      </a:schemeClr>
+                    </a:gs>
+                    <a:gs pos="49000">
+                      <a:schemeClr val="accent1">
+                        <a:tint val="88000"/>
+                        <a:shade val="65000"/>
+                        <a:satMod val="172000"/>
+                      </a:schemeClr>
+                    </a:gs>
+                    <a:gs pos="50000">
+                      <a:schemeClr val="accent1">
+                        <a:shade val="65000"/>
+                        <a:satMod val="130000"/>
+                      </a:schemeClr>
+                    </a:gs>
+                    <a:gs pos="92000">
+                      <a:schemeClr val="accent1">
+                        <a:shade val="50000"/>
+                        <a:satMod val="120000"/>
+                      </a:schemeClr>
+                    </a:gs>
+                    <a:gs pos="100000">
+                      <a:schemeClr val="accent1">
+                        <a:shade val="48000"/>
+                        <a:satMod val="120000"/>
+                      </a:schemeClr>
+                    </a:gs>
+                  </a:gsLst>
+                  <a:lin ang="5400000"/>
+                </a:gradFill>
+                <a:effectLst>
+                  <a:reflection blurRad="12700" stA="50000" endPos="50000" dist="5000" dir="5400000" sy="-100000" rotWithShape="0"/>
+                </a:effectLst>
                 <a:latin typeface="Times New Roman" pitchFamily="18" charset="0"/>
                 <a:cs typeface="Times New Roman" pitchFamily="18" charset="0"/>
               </a:rPr>
-              <a:t>THIẾT KẾ GIAO DIỆN NGƯỜI DÙNG v1.0</a:t>
-            </a:r>
-            <a:endParaRPr lang="en-US" sz="4000" b="1" dirty="0">
+              <a:t>THIẾT KẾ GIAO DIỆN NGƯỜI DÙNG </a:t>
+            </a:r>
+            <a:r>
+              <a:rPr lang="en-US" sz="4000" b="1" dirty="0" smtClean="0">
+                <a:ln w="0"/>
+                <a:gradFill flip="none">
+                  <a:gsLst>
+                    <a:gs pos="0">
+                      <a:schemeClr val="accent1">
+                        <a:tint val="75000"/>
+                        <a:shade val="75000"/>
+                        <a:satMod val="170000"/>
+                      </a:schemeClr>
+                    </a:gs>
+                    <a:gs pos="49000">
+                      <a:schemeClr val="accent1">
+                        <a:tint val="88000"/>
+                        <a:shade val="65000"/>
+                        <a:satMod val="172000"/>
+                      </a:schemeClr>
+                    </a:gs>
+                    <a:gs pos="50000">
+                      <a:schemeClr val="accent1">
+                        <a:shade val="65000"/>
+                        <a:satMod val="130000"/>
+                      </a:schemeClr>
+                    </a:gs>
+                    <a:gs pos="92000">
+                      <a:schemeClr val="accent1">
+                        <a:shade val="50000"/>
+                        <a:satMod val="120000"/>
+                      </a:schemeClr>
+                    </a:gs>
+                    <a:gs pos="100000">
+                      <a:schemeClr val="accent1">
+                        <a:shade val="48000"/>
+                        <a:satMod val="120000"/>
+                      </a:schemeClr>
+                    </a:gs>
+                  </a:gsLst>
+                  <a:lin ang="5400000"/>
+                </a:gradFill>
+                <a:effectLst>
+                  <a:reflection blurRad="12700" stA="50000" endPos="50000" dist="5000" dir="5400000" sy="-100000" rotWithShape="0"/>
+                </a:effectLst>
+                <a:latin typeface="Times New Roman" pitchFamily="18" charset="0"/>
+                <a:cs typeface="Times New Roman" pitchFamily="18" charset="0"/>
+              </a:rPr>
+              <a:t>v</a:t>
+            </a:r>
+            <a:r>
+              <a:rPr lang="en-US" sz="4000" b="1" cap="all" dirty="0" smtClean="0">
+                <a:ln w="0"/>
+                <a:gradFill flip="none">
+                  <a:gsLst>
+                    <a:gs pos="0">
+                      <a:schemeClr val="accent1">
+                        <a:tint val="75000"/>
+                        <a:shade val="75000"/>
+                        <a:satMod val="170000"/>
+                      </a:schemeClr>
+                    </a:gs>
+                    <a:gs pos="49000">
+                      <a:schemeClr val="accent1">
+                        <a:tint val="88000"/>
+                        <a:shade val="65000"/>
+                        <a:satMod val="172000"/>
+                      </a:schemeClr>
+                    </a:gs>
+                    <a:gs pos="50000">
+                      <a:schemeClr val="accent1">
+                        <a:shade val="65000"/>
+                        <a:satMod val="130000"/>
+                      </a:schemeClr>
+                    </a:gs>
+                    <a:gs pos="92000">
+                      <a:schemeClr val="accent1">
+                        <a:shade val="50000"/>
+                        <a:satMod val="120000"/>
+                      </a:schemeClr>
+                    </a:gs>
+                    <a:gs pos="100000">
+                      <a:schemeClr val="accent1">
+                        <a:shade val="48000"/>
+                        <a:satMod val="120000"/>
+                      </a:schemeClr>
+                    </a:gs>
+                  </a:gsLst>
+                  <a:lin ang="5400000"/>
+                </a:gradFill>
+                <a:effectLst>
+                  <a:reflection blurRad="12700" stA="50000" endPos="50000" dist="5000" dir="5400000" sy="-100000" rotWithShape="0"/>
+                </a:effectLst>
+                <a:latin typeface="Times New Roman" pitchFamily="18" charset="0"/>
+                <a:cs typeface="Times New Roman" pitchFamily="18" charset="0"/>
+              </a:rPr>
+              <a:t>1.0</a:t>
+            </a:r>
+            <a:endParaRPr lang="en-US" sz="4000" b="1" cap="all" dirty="0">
+              <a:ln w="0"/>
+              <a:gradFill flip="none">
+                <a:gsLst>
+                  <a:gs pos="0">
+                    <a:schemeClr val="accent1">
+                      <a:tint val="75000"/>
+                      <a:shade val="75000"/>
+                      <a:satMod val="170000"/>
+                    </a:schemeClr>
+                  </a:gs>
+                  <a:gs pos="49000">
+                    <a:schemeClr val="accent1">
+                      <a:tint val="88000"/>
+                      <a:shade val="65000"/>
+                      <a:satMod val="172000"/>
+                    </a:schemeClr>
+                  </a:gs>
+                  <a:gs pos="50000">
+                    <a:schemeClr val="accent1">
+                      <a:shade val="65000"/>
+                      <a:satMod val="130000"/>
+                    </a:schemeClr>
+                  </a:gs>
+                  <a:gs pos="92000">
+                    <a:schemeClr val="accent1">
+                      <a:shade val="50000"/>
+                      <a:satMod val="120000"/>
+                    </a:schemeClr>
+                  </a:gs>
+                  <a:gs pos="100000">
+                    <a:schemeClr val="accent1">
+                      <a:shade val="48000"/>
+                      <a:satMod val="120000"/>
+                    </a:schemeClr>
+                  </a:gs>
+                </a:gsLst>
+                <a:lin ang="5400000"/>
+              </a:gradFill>
+              <a:effectLst>
+                <a:reflection blurRad="12700" stA="50000" endPos="50000" dist="5000" dir="5400000" sy="-100000" rotWithShape="0"/>
+              </a:effectLst>
               <a:latin typeface="Times New Roman" pitchFamily="18" charset="0"/>
               <a:cs typeface="Times New Roman" pitchFamily="18" charset="0"/>
             </a:endParaRPr>
@@ -7436,25 +7630,26 @@
           <a:p>
             <a:pPr algn="ctr"/>
             <a:r>
+              <a:rPr lang="en-US" sz="2400" b="1" noProof="1" smtClean="0">
+                <a:latin typeface="Times New Roman" pitchFamily="18" charset="0"/>
+                <a:cs typeface="Times New Roman" pitchFamily="18" charset="0"/>
+              </a:rPr>
+              <a:t>MÀN HÌNH DẪN ĐƯỜNG</a:t>
+            </a:r>
+          </a:p>
+          <a:p>
+            <a:pPr algn="ctr"/>
+            <a:r>
+              <a:rPr lang="en-US" sz="2400" b="1" noProof="1" smtClean="0">
+                <a:latin typeface="Times New Roman" pitchFamily="18" charset="0"/>
+                <a:cs typeface="Times New Roman" pitchFamily="18" charset="0"/>
+              </a:rPr>
+              <a:t>(Mã: MH03.2</a:t>
+            </a:r>
+            <a:r>
               <a:rPr lang="en-US" sz="2400" b="1" noProof="1" smtClean="0"/>
-              <a:t>MÀN HÌNH DẪN ĐƯỜNG</a:t>
-            </a:r>
-          </a:p>
-          <a:p>
-            <a:pPr algn="ctr"/>
-            <a:r>
-              <a:rPr lang="en-US" sz="2400" b="1" noProof="1" smtClean="0"/>
-              <a:t>(Mã</a:t>
-            </a:r>
-            <a:r>
-              <a:rPr lang="en-US" sz="2400" b="1" noProof="1" smtClean="0"/>
-              <a:t>: </a:t>
-            </a:r>
-            <a:r>
-              <a:rPr lang="en-US" sz="2400" b="1" noProof="1" smtClean="0"/>
-              <a:t>MH03.2)</a:t>
-            </a:r>
-            <a:endParaRPr lang="en-US" sz="2400" b="1" noProof="1" smtClean="0"/>
+              <a:t>)</a:t>
+            </a:r>
           </a:p>
         </p:txBody>
       </p:sp>
@@ -8342,30 +8537,22 @@
           <a:p>
             <a:pPr algn="ctr"/>
             <a:r>
-              <a:rPr lang="en-US" sz="2400" b="1" noProof="1" smtClean="0"/>
-              <a:t>MÀN HÌNH </a:t>
-            </a:r>
-            <a:r>
-              <a:rPr lang="en-US" sz="2400" b="1" noProof="1" smtClean="0"/>
-              <a:t>BẢN ĐỒ</a:t>
-            </a:r>
-            <a:endParaRPr lang="en-US" sz="2400" b="1" noProof="1" smtClean="0"/>
+              <a:rPr lang="en-US" sz="2400" b="1" noProof="1" smtClean="0">
+                <a:latin typeface="Times New Roman" pitchFamily="18" charset="0"/>
+                <a:cs typeface="Times New Roman" pitchFamily="18" charset="0"/>
+              </a:rPr>
+              <a:t>MÀN HÌNH BẢN ĐỒ</a:t>
+            </a:r>
           </a:p>
           <a:p>
             <a:pPr algn="ctr"/>
             <a:r>
-              <a:rPr lang="en-US" sz="2400" b="1" noProof="1" smtClean="0"/>
-              <a:t>(Mã</a:t>
-            </a:r>
-            <a:r>
-              <a:rPr lang="en-US" sz="2400" b="1" noProof="1" smtClean="0"/>
-              <a:t>: </a:t>
-            </a:r>
-            <a:r>
-              <a:rPr lang="en-US" sz="2400" b="1" noProof="1" smtClean="0"/>
-              <a:t>MH04)</a:t>
-            </a:r>
-            <a:endParaRPr lang="en-US" sz="2400" b="1" noProof="1" smtClean="0"/>
+              <a:rPr lang="en-US" sz="2400" b="1" noProof="1" smtClean="0">
+                <a:latin typeface="Times New Roman" pitchFamily="18" charset="0"/>
+                <a:cs typeface="Times New Roman" pitchFamily="18" charset="0"/>
+              </a:rPr>
+              <a:t>(Mã: MH04)</a:t>
+            </a:r>
           </a:p>
         </p:txBody>
       </p:sp>
@@ -9156,29 +9343,26 @@
             <a:pPr algn="ctr"/>
             <a:r>
               <a:rPr lang="en-US" sz="2400" b="1" noProof="1" smtClean="0"/>
-              <a:t>MÀN HÌNH </a:t>
+              <a:t>MÀN </a:t>
+            </a:r>
+            <a:r>
+              <a:rPr lang="en-US" sz="2400" b="1" noProof="1" smtClean="0">
+                <a:latin typeface="Times New Roman" pitchFamily="18" charset="0"/>
+                <a:cs typeface="Times New Roman" pitchFamily="18" charset="0"/>
+              </a:rPr>
+              <a:t>HÌNH</a:t>
             </a:r>
             <a:r>
               <a:rPr lang="en-US" sz="2400" b="1" noProof="1" smtClean="0"/>
-              <a:t>BẢN ĐỒ</a:t>
-            </a:r>
-            <a:endParaRPr lang="en-US" sz="2400" b="1" noProof="1" smtClean="0"/>
+              <a:t> BẢN ĐỒ</a:t>
+            </a:r>
           </a:p>
           <a:p>
             <a:pPr algn="ctr"/>
             <a:r>
               <a:rPr lang="en-US" sz="2400" b="1" noProof="1" smtClean="0"/>
-              <a:t>(Mã</a:t>
-            </a:r>
-            <a:r>
-              <a:rPr lang="en-US" sz="2400" b="1" noProof="1" smtClean="0"/>
-              <a:t>: </a:t>
-            </a:r>
-            <a:r>
-              <a:rPr lang="en-US" sz="2400" b="1" noProof="1" smtClean="0"/>
-              <a:t>MH04.1)</a:t>
-            </a:r>
-            <a:endParaRPr lang="en-US" sz="2400" b="1" noProof="1" smtClean="0"/>
+              <a:t>(Mã: MH04.1)</a:t>
+            </a:r>
           </a:p>
         </p:txBody>
       </p:sp>
@@ -9412,15 +9596,7 @@
               </a:r>
               <a:r>
                 <a:rPr lang="vi-VN" noProof="1" smtClean="0"/>
-                <a:t>phạm </a:t>
-              </a:r>
-              <a:r>
-                <a:rPr lang="vi-VN" noProof="1" smtClean="0"/>
-                <a:t>ngọc </a:t>
-              </a:r>
-              <a:r>
-                <a:rPr lang="vi-VN" noProof="1" smtClean="0"/>
-                <a:t>thạch</a:t>
+                <a:t>phạm ngọc thạch</a:t>
               </a:r>
               <a:endParaRPr lang="vi-VN" noProof="1"/>
             </a:p>
@@ -9627,14 +9803,14 @@
           <p:nvPr>
             <p:extLst>
               <p:ext uri="{D42A27DB-BD31-4B8C-83A1-F6EECF244321}">
-                <p14:modId xmlns:p14="http://schemas.microsoft.com/office/powerpoint/2010/main" val="926302446"/>
+                <p14:modId xmlns:p14="http://schemas.microsoft.com/office/powerpoint/2010/main" val="2830624594"/>
               </p:ext>
             </p:extLst>
           </p:nvPr>
         </p:nvGraphicFramePr>
         <p:xfrm>
           <a:off x="228600" y="2286000"/>
-          <a:ext cx="4876800" cy="1496921"/>
+          <a:ext cx="4876800" cy="2137001"/>
         </p:xfrm>
         <a:graphic>
           <a:graphicData uri="http://schemas.openxmlformats.org/drawingml/2006/table">
@@ -9792,6 +9968,61 @@
                           <a:cs typeface="Times New Roman" pitchFamily="18" charset="0"/>
                         </a:rPr>
                         <a:t> dấu địa chỉ được tìm thấy</a:t>
+                      </a:r>
+                      <a:endParaRPr lang="vi-VN" sz="1800" noProof="1">
+                        <a:latin typeface="Times New Roman" pitchFamily="18" charset="0"/>
+                        <a:cs typeface="Times New Roman" pitchFamily="18" charset="0"/>
+                      </a:endParaRPr>
+                    </a:p>
+                  </a:txBody>
+                  <a:tcPr/>
+                </a:tc>
+              </a:tr>
+              <a:tr h="370840">
+                <a:tc>
+                  <a:txBody>
+                    <a:bodyPr/>
+                    <a:lstStyle/>
+                    <a:p>
+                      <a:pPr algn="ctr"/>
+                      <a:r>
+                        <a:rPr lang="en-US" sz="1800" dirty="0" smtClean="0">
+                          <a:solidFill>
+                            <a:srgbClr val="FF0000"/>
+                          </a:solidFill>
+                          <a:latin typeface="+mj-lt"/>
+                        </a:rPr>
+                        <a:t>(3)</a:t>
+                      </a:r>
+                      <a:endParaRPr lang="en-US" sz="1800" dirty="0">
+                        <a:solidFill>
+                          <a:srgbClr val="FF0000"/>
+                        </a:solidFill>
+                        <a:latin typeface="+mj-lt"/>
+                      </a:endParaRPr>
+                    </a:p>
+                  </a:txBody>
+                  <a:tcPr/>
+                </a:tc>
+                <a:tc>
+                  <a:txBody>
+                    <a:bodyPr/>
+                    <a:lstStyle/>
+                    <a:p>
+                      <a:pPr algn="just"/>
+                      <a:r>
+                        <a:rPr lang="en-US" sz="1800" noProof="1" smtClean="0">
+                          <a:latin typeface="Times New Roman" pitchFamily="18" charset="0"/>
+                          <a:cs typeface="Times New Roman" pitchFamily="18" charset="0"/>
+                        </a:rPr>
+                        <a:t>Khi click</a:t>
+                      </a:r>
+                      <a:r>
+                        <a:rPr lang="en-US" sz="1800" baseline="0" noProof="1" smtClean="0">
+                          <a:latin typeface="Times New Roman" pitchFamily="18" charset="0"/>
+                          <a:cs typeface="Times New Roman" pitchFamily="18" charset="0"/>
+                        </a:rPr>
+                        <a:t> bản đồ sẽ hiện địa điểm tại chỗ click.</a:t>
                       </a:r>
                       <a:endParaRPr lang="vi-VN" sz="1800" noProof="1">
                         <a:latin typeface="Times New Roman" pitchFamily="18" charset="0"/>
@@ -9950,6 +10181,44 @@
           </a:p>
         </p:txBody>
       </p:sp>
+      <p:sp>
+        <p:nvSpPr>
+          <p:cNvPr id="20" name="TextBox 19"/>
+          <p:cNvSpPr txBox="1"/>
+          <p:nvPr/>
+        </p:nvSpPr>
+        <p:spPr>
+          <a:xfrm>
+            <a:off x="6781800" y="5181600"/>
+            <a:ext cx="388248" cy="307777"/>
+          </a:xfrm>
+          <a:prstGeom prst="rect">
+            <a:avLst/>
+          </a:prstGeom>
+          <a:noFill/>
+        </p:spPr>
+        <p:txBody>
+          <a:bodyPr wrap="none" rtlCol="0">
+            <a:spAutoFit/>
+          </a:bodyPr>
+          <a:lstStyle/>
+          <a:p>
+            <a:r>
+              <a:rPr lang="en-US" sz="1400" b="1" dirty="0" smtClean="0">
+                <a:solidFill>
+                  <a:srgbClr val="FF0000"/>
+                </a:solidFill>
+              </a:rPr>
+              <a:t>(3)</a:t>
+            </a:r>
+            <a:endParaRPr lang="en-US" sz="1400" b="1" dirty="0">
+              <a:solidFill>
+                <a:srgbClr val="FF0000"/>
+              </a:solidFill>
+            </a:endParaRPr>
+          </a:p>
+        </p:txBody>
+      </p:sp>
     </p:spTree>
     <p:extLst>
       <p:ext uri="{BB962C8B-B14F-4D97-AF65-F5344CB8AC3E}">
@@ -10125,517 +10394,108 @@
       </p:grpSpPr>
       <p:grpSp>
         <p:nvGrpSpPr>
-          <p:cNvPr id="3" name="Group 2"/>
+          <p:cNvPr id="11" name="Group 10"/>
           <p:cNvGrpSpPr/>
           <p:nvPr/>
         </p:nvGrpSpPr>
         <p:grpSpPr>
           <a:xfrm>
             <a:off x="76200" y="990600"/>
-            <a:ext cx="3429000" cy="5715000"/>
-            <a:chOff x="4648200" y="990600"/>
-            <a:chExt cx="3743325" cy="5715000"/>
+            <a:ext cx="3429000" cy="5714999"/>
+            <a:chOff x="2505075" y="1219200"/>
+            <a:chExt cx="3743325" cy="5486400"/>
           </a:xfrm>
         </p:grpSpPr>
-        <p:grpSp>
-          <p:nvGrpSpPr>
-            <p:cNvPr id="11" name="Group 10"/>
-            <p:cNvGrpSpPr/>
+        <p:pic>
+          <p:nvPicPr>
+            <p:cNvPr id="1027" name="Picture 3" descr="C:\Users\TUAN-NGUYEN\Desktop\Capture.PNG"/>
+            <p:cNvPicPr>
+              <a:picLocks noChangeAspect="1" noChangeArrowheads="1"/>
+            </p:cNvPicPr>
             <p:nvPr/>
-          </p:nvGrpSpPr>
-          <p:grpSpPr>
-            <a:xfrm>
-              <a:off x="4648200" y="990600"/>
-              <a:ext cx="3743325" cy="5715000"/>
-              <a:chOff x="2505075" y="1219200"/>
-              <a:chExt cx="3743325" cy="5486400"/>
-            </a:xfrm>
-          </p:grpSpPr>
-          <p:pic>
-            <p:nvPicPr>
-              <p:cNvPr id="1027" name="Picture 3" descr="C:\Users\TUAN-NGUYEN\Desktop\Capture.PNG"/>
-              <p:cNvPicPr>
-                <a:picLocks noChangeAspect="1" noChangeArrowheads="1"/>
-              </p:cNvPicPr>
-              <p:nvPr/>
-            </p:nvPicPr>
-            <p:blipFill>
-              <a:blip r:embed="rId2">
-                <a:extLst>
-                  <a:ext uri="{28A0092B-C50C-407E-A947-70E740481C1C}">
-                    <a14:useLocalDpi xmlns:a14="http://schemas.microsoft.com/office/drawing/2010/main" val="0"/>
-                  </a:ext>
-                </a:extLst>
-              </a:blip>
-              <a:srcRect/>
-              <a:stretch>
-                <a:fillRect/>
-              </a:stretch>
-            </p:blipFill>
-            <p:spPr bwMode="auto">
-              <a:xfrm>
-                <a:off x="2505075" y="1219200"/>
-                <a:ext cx="3743325" cy="5486400"/>
-              </a:xfrm>
-              <a:prstGeom prst="rect">
-                <a:avLst/>
-              </a:prstGeom>
-              <a:noFill/>
+          </p:nvPicPr>
+          <p:blipFill>
+            <a:blip r:embed="rId2">
               <a:extLst>
-                <a:ext uri="{909E8E84-426E-40DD-AFC4-6F175D3DCCD1}">
-                  <a14:hiddenFill xmlns:a14="http://schemas.microsoft.com/office/drawing/2010/main">
-                    <a:solidFill>
-                      <a:srgbClr val="FFFFFF"/>
-                    </a:solidFill>
-                  </a14:hiddenFill>
+                <a:ext uri="{28A0092B-C50C-407E-A947-70E740481C1C}">
+                  <a14:useLocalDpi xmlns:a14="http://schemas.microsoft.com/office/drawing/2010/main" val="0"/>
                 </a:ext>
               </a:extLst>
-            </p:spPr>
-          </p:pic>
-          <p:sp>
-            <p:nvSpPr>
-              <p:cNvPr id="4" name="Rectangle 3"/>
-              <p:cNvSpPr/>
-              <p:nvPr/>
-            </p:nvSpPr>
-            <p:spPr>
-              <a:xfrm>
-                <a:off x="2635675" y="1636689"/>
-                <a:ext cx="3419119" cy="228600"/>
-              </a:xfrm>
-              <a:prstGeom prst="rect">
-                <a:avLst/>
-              </a:prstGeom>
-              <a:ln/>
-            </p:spPr>
-            <p:style>
-              <a:lnRef idx="1">
-                <a:schemeClr val="accent1"/>
-              </a:lnRef>
-              <a:fillRef idx="3">
-                <a:schemeClr val="accent1"/>
-              </a:fillRef>
-              <a:effectRef idx="2">
-                <a:schemeClr val="accent1"/>
-              </a:effectRef>
-              <a:fontRef idx="minor">
-                <a:schemeClr val="lt1"/>
-              </a:fontRef>
-            </p:style>
-            <p:txBody>
-              <a:bodyPr rtlCol="0" anchor="ctr"/>
-              <a:lstStyle/>
-              <a:p>
-                <a:pPr algn="ctr"/>
-                <a:r>
-                  <a:rPr lang="vi-VN" sz="1400" b="1" noProof="1" smtClean="0">
-                    <a:solidFill>
-                      <a:schemeClr val="bg1"/>
-                    </a:solidFill>
-                    <a:latin typeface="+mj-lt"/>
-                  </a:rPr>
-                  <a:t>MapPro v1.0</a:t>
-                </a:r>
-                <a:endParaRPr lang="vi-VN" sz="1400" b="1" noProof="1">
-                  <a:solidFill>
-                    <a:schemeClr val="bg1"/>
-                  </a:solidFill>
-                  <a:latin typeface="+mj-lt"/>
-                </a:endParaRPr>
-              </a:p>
-            </p:txBody>
-          </p:sp>
-          <p:sp>
-            <p:nvSpPr>
-              <p:cNvPr id="8" name="Rounded Rectangle 7"/>
-              <p:cNvSpPr/>
-              <p:nvPr/>
-            </p:nvSpPr>
-            <p:spPr>
-              <a:xfrm>
-                <a:off x="4469386" y="2514601"/>
-                <a:ext cx="1560893" cy="990600"/>
-              </a:xfrm>
-              <a:prstGeom prst="roundRect">
-                <a:avLst/>
-              </a:prstGeom>
-            </p:spPr>
-            <p:style>
-              <a:lnRef idx="1">
-                <a:schemeClr val="accent3"/>
-              </a:lnRef>
-              <a:fillRef idx="2">
-                <a:schemeClr val="accent3"/>
-              </a:fillRef>
-              <a:effectRef idx="1">
-                <a:schemeClr val="accent3"/>
-              </a:effectRef>
-              <a:fontRef idx="minor">
-                <a:schemeClr val="dk1"/>
-              </a:fontRef>
-            </p:style>
-            <p:txBody>
-              <a:bodyPr rtlCol="0" anchor="ctr"/>
-              <a:lstStyle/>
-              <a:p>
-                <a:pPr algn="ctr"/>
-                <a:r>
-                  <a:rPr lang="vi-VN" sz="1400" b="1" noProof="1" smtClean="0"/>
-                  <a:t>Bản đồ</a:t>
-                </a:r>
-                <a:endParaRPr lang="vi-VN" sz="1400" b="1" noProof="1"/>
-              </a:p>
-            </p:txBody>
-          </p:sp>
-          <p:sp>
-            <p:nvSpPr>
-              <p:cNvPr id="9" name="Rounded Rectangle 8"/>
-              <p:cNvSpPr/>
-              <p:nvPr/>
-            </p:nvSpPr>
-            <p:spPr>
-              <a:xfrm>
-                <a:off x="2579846" y="4114800"/>
-                <a:ext cx="1502554" cy="990600"/>
-              </a:xfrm>
-              <a:prstGeom prst="roundRect">
-                <a:avLst/>
-              </a:prstGeom>
-            </p:spPr>
-            <p:style>
-              <a:lnRef idx="1">
-                <a:schemeClr val="accent3"/>
-              </a:lnRef>
-              <a:fillRef idx="2">
-                <a:schemeClr val="accent3"/>
-              </a:fillRef>
-              <a:effectRef idx="1">
-                <a:schemeClr val="accent3"/>
-              </a:effectRef>
-              <a:fontRef idx="minor">
-                <a:schemeClr val="dk1"/>
-              </a:fontRef>
-            </p:style>
-            <p:txBody>
-              <a:bodyPr rtlCol="0" anchor="ctr"/>
-              <a:lstStyle/>
-              <a:p>
-                <a:pPr algn="ctr"/>
-                <a:r>
-                  <a:rPr lang="vi-VN" sz="1400" b="1" noProof="1" smtClean="0"/>
-                  <a:t>Dẫn đường</a:t>
-                </a:r>
-                <a:endParaRPr lang="vi-VN" sz="1400" b="1" noProof="1"/>
-              </a:p>
-            </p:txBody>
-          </p:sp>
-          <p:sp>
-            <p:nvSpPr>
-              <p:cNvPr id="10" name="Rounded Rectangle 9"/>
-              <p:cNvSpPr/>
-              <p:nvPr/>
-            </p:nvSpPr>
-            <p:spPr>
-              <a:xfrm>
-                <a:off x="4469386" y="4114800"/>
-                <a:ext cx="1560893" cy="990600"/>
-              </a:xfrm>
-              <a:prstGeom prst="roundRect">
-                <a:avLst/>
-              </a:prstGeom>
-            </p:spPr>
-            <p:style>
-              <a:lnRef idx="1">
-                <a:schemeClr val="accent3"/>
-              </a:lnRef>
-              <a:fillRef idx="2">
-                <a:schemeClr val="accent3"/>
-              </a:fillRef>
-              <a:effectRef idx="1">
-                <a:schemeClr val="accent3"/>
-              </a:effectRef>
-              <a:fontRef idx="minor">
-                <a:schemeClr val="dk1"/>
-              </a:fontRef>
-            </p:style>
-            <p:txBody>
-              <a:bodyPr rtlCol="0" anchor="ctr"/>
-              <a:lstStyle/>
-              <a:p>
-                <a:pPr algn="ctr"/>
-                <a:r>
-                  <a:rPr lang="vi-VN" sz="1400" b="1" noProof="1" smtClean="0">
-                    <a:latin typeface="Arial" pitchFamily="34" charset="0"/>
-                    <a:cs typeface="Arial" pitchFamily="34" charset="0"/>
-                  </a:rPr>
-                  <a:t>Giới thiệu</a:t>
-                </a:r>
-                <a:endParaRPr lang="vi-VN" sz="1400" b="1" noProof="1">
-                  <a:latin typeface="Arial" pitchFamily="34" charset="0"/>
-                  <a:cs typeface="Arial" pitchFamily="34" charset="0"/>
-                </a:endParaRPr>
-              </a:p>
-            </p:txBody>
-          </p:sp>
-          <p:sp>
-            <p:nvSpPr>
-              <p:cNvPr id="7" name="TextBox 6"/>
-              <p:cNvSpPr txBox="1"/>
-              <p:nvPr/>
-            </p:nvSpPr>
-            <p:spPr>
-              <a:xfrm>
-                <a:off x="2952671" y="5827776"/>
-                <a:ext cx="2891959" cy="472745"/>
-              </a:xfrm>
-              <a:prstGeom prst="rect">
-                <a:avLst/>
-              </a:prstGeom>
-              <a:noFill/>
-            </p:spPr>
-            <p:txBody>
-              <a:bodyPr wrap="none" rtlCol="0">
-                <a:spAutoFit/>
-              </a:bodyPr>
-              <a:lstStyle/>
-              <a:p>
-                <a:pPr algn="ctr"/>
-                <a:r>
-                  <a:rPr lang="vi-VN" sz="1300" b="1" noProof="1" smtClean="0">
-                    <a:solidFill>
-                      <a:schemeClr val="bg1"/>
-                    </a:solidFill>
-                    <a:latin typeface="+mj-lt"/>
-                  </a:rPr>
-                  <a:t>Vị trí hiện tại</a:t>
-                </a:r>
-              </a:p>
-              <a:p>
-                <a:pPr algn="ctr"/>
-                <a:r>
-                  <a:rPr lang="vi-VN" sz="1300" b="1" noProof="1" smtClean="0">
-                    <a:solidFill>
-                      <a:schemeClr val="bg1"/>
-                    </a:solidFill>
-                    <a:latin typeface="+mj-lt"/>
-                  </a:rPr>
-                  <a:t>Đường Nguyễn Trãi – Q1-TpHCM</a:t>
-                </a:r>
-                <a:endParaRPr lang="vi-VN" sz="1300" b="1" noProof="1">
-                  <a:solidFill>
-                    <a:schemeClr val="bg1"/>
-                  </a:solidFill>
-                  <a:latin typeface="+mj-lt"/>
-                </a:endParaRPr>
-              </a:p>
-            </p:txBody>
-          </p:sp>
-        </p:grpSp>
-        <p:sp>
-          <p:nvSpPr>
-            <p:cNvPr id="28" name="TextBox 27"/>
-            <p:cNvSpPr txBox="1"/>
-            <p:nvPr/>
-          </p:nvSpPr>
-          <p:spPr>
+            </a:blip>
+            <a:srcRect/>
+            <a:stretch>
+              <a:fillRect/>
+            </a:stretch>
+          </p:blipFill>
+          <p:spPr bwMode="auto">
             <a:xfrm>
-              <a:off x="6608451" y="4730948"/>
-              <a:ext cx="388248" cy="307777"/>
+              <a:off x="2505075" y="1219200"/>
+              <a:ext cx="3743325" cy="5486400"/>
             </a:xfrm>
             <a:prstGeom prst="rect">
               <a:avLst/>
             </a:prstGeom>
             <a:noFill/>
+            <a:extLst>
+              <a:ext uri="{909E8E84-426E-40DD-AFC4-6F175D3DCCD1}">
+                <a14:hiddenFill xmlns:a14="http://schemas.microsoft.com/office/drawing/2010/main">
+                  <a:solidFill>
+                    <a:srgbClr val="FFFFFF"/>
+                  </a:solidFill>
+                </a14:hiddenFill>
+              </a:ext>
+            </a:extLst>
           </p:spPr>
-          <p:txBody>
-            <a:bodyPr wrap="none" rtlCol="0">
-              <a:spAutoFit/>
-            </a:bodyPr>
-            <a:lstStyle/>
-            <a:p>
-              <a:r>
-                <a:rPr lang="en-US" sz="1400" b="1" dirty="0" smtClean="0">
-                  <a:solidFill>
-                    <a:srgbClr val="FF0000"/>
-                  </a:solidFill>
-                </a:rPr>
-                <a:t>(4)</a:t>
-              </a:r>
-              <a:endParaRPr lang="en-US" sz="1400" b="1" dirty="0">
-                <a:solidFill>
-                  <a:srgbClr val="FF0000"/>
-                </a:solidFill>
-              </a:endParaRPr>
-            </a:p>
-          </p:txBody>
-        </p:sp>
-        <p:grpSp>
-          <p:nvGrpSpPr>
-            <p:cNvPr id="2" name="Group 1"/>
-            <p:cNvGrpSpPr/>
-            <p:nvPr/>
-          </p:nvGrpSpPr>
-          <p:grpSpPr>
-            <a:xfrm>
-              <a:off x="4741002" y="2339976"/>
-              <a:ext cx="1502554" cy="1031875"/>
-              <a:chOff x="4741002" y="2339976"/>
-              <a:chExt cx="1502554" cy="1031875"/>
-            </a:xfrm>
-          </p:grpSpPr>
-          <p:sp>
-            <p:nvSpPr>
-              <p:cNvPr id="18" name="Rounded Rectangle 17"/>
-              <p:cNvSpPr/>
-              <p:nvPr/>
-            </p:nvSpPr>
-            <p:spPr>
-              <a:xfrm>
-                <a:off x="4741002" y="2339976"/>
-                <a:ext cx="1502554" cy="1031875"/>
-              </a:xfrm>
-              <a:prstGeom prst="roundRect">
-                <a:avLst/>
-              </a:prstGeom>
-            </p:spPr>
-            <p:style>
-              <a:lnRef idx="1">
-                <a:schemeClr val="accent3"/>
-              </a:lnRef>
-              <a:fillRef idx="2">
-                <a:schemeClr val="accent3"/>
-              </a:fillRef>
-              <a:effectRef idx="1">
-                <a:schemeClr val="accent3"/>
-              </a:effectRef>
-              <a:fontRef idx="minor">
-                <a:schemeClr val="dk1"/>
-              </a:fontRef>
-            </p:style>
-            <p:txBody>
-              <a:bodyPr rtlCol="0" anchor="ctr"/>
-              <a:lstStyle/>
-              <a:p>
-                <a:pPr algn="ctr"/>
-                <a:r>
-                  <a:rPr lang="vi-VN" sz="1400" b="1" noProof="1" smtClean="0"/>
-                  <a:t>Địa điểm</a:t>
-                </a:r>
-                <a:endParaRPr lang="vi-VN" sz="1400" b="1" noProof="1"/>
-              </a:p>
-            </p:txBody>
-          </p:sp>
-          <p:sp>
-            <p:nvSpPr>
-              <p:cNvPr id="23" name="TextBox 22"/>
-              <p:cNvSpPr txBox="1"/>
-              <p:nvPr/>
-            </p:nvSpPr>
-            <p:spPr>
-              <a:xfrm>
-                <a:off x="4817373" y="3028014"/>
-                <a:ext cx="388248" cy="307777"/>
-              </a:xfrm>
-              <a:prstGeom prst="rect">
-                <a:avLst/>
-              </a:prstGeom>
-              <a:noFill/>
-            </p:spPr>
-            <p:txBody>
-              <a:bodyPr wrap="none" rtlCol="0">
-                <a:spAutoFit/>
-              </a:bodyPr>
-              <a:lstStyle/>
-              <a:p>
-                <a:r>
-                  <a:rPr lang="en-US" sz="1400" b="1" dirty="0" smtClean="0">
-                    <a:solidFill>
-                      <a:srgbClr val="FF0000"/>
-                    </a:solidFill>
-                  </a:rPr>
-                  <a:t>(1)</a:t>
-                </a:r>
-                <a:endParaRPr lang="en-US" sz="1400" b="1" dirty="0">
-                  <a:solidFill>
-                    <a:srgbClr val="FF0000"/>
-                  </a:solidFill>
-                </a:endParaRPr>
-              </a:p>
-            </p:txBody>
-          </p:sp>
-        </p:grpSp>
+        </p:pic>
         <p:sp>
           <p:nvSpPr>
-            <p:cNvPr id="26" name="TextBox 25"/>
-            <p:cNvSpPr txBox="1"/>
+            <p:cNvPr id="4" name="Rectangle 3"/>
+            <p:cNvSpPr/>
             <p:nvPr/>
           </p:nvSpPr>
           <p:spPr>
             <a:xfrm>
-              <a:off x="6612510" y="3010597"/>
-              <a:ext cx="388248" cy="307777"/>
+              <a:off x="2635675" y="1636689"/>
+              <a:ext cx="3419119" cy="228600"/>
             </a:xfrm>
             <a:prstGeom prst="rect">
               <a:avLst/>
             </a:prstGeom>
-            <a:noFill/>
+            <a:ln/>
           </p:spPr>
+          <p:style>
+            <a:lnRef idx="1">
+              <a:schemeClr val="accent1"/>
+            </a:lnRef>
+            <a:fillRef idx="3">
+              <a:schemeClr val="accent1"/>
+            </a:fillRef>
+            <a:effectRef idx="2">
+              <a:schemeClr val="accent1"/>
+            </a:effectRef>
+            <a:fontRef idx="minor">
+              <a:schemeClr val="lt1"/>
+            </a:fontRef>
+          </p:style>
           <p:txBody>
-            <a:bodyPr wrap="none" rtlCol="0">
-              <a:spAutoFit/>
-            </a:bodyPr>
+            <a:bodyPr rtlCol="0" anchor="ctr"/>
             <a:lstStyle/>
             <a:p>
+              <a:pPr algn="ctr"/>
               <a:r>
-                <a:rPr lang="en-US" sz="1400" b="1" dirty="0" smtClean="0">
+                <a:rPr lang="vi-VN" sz="1400" b="1" noProof="1" smtClean="0">
                   <a:solidFill>
-                    <a:srgbClr val="FF0000"/>
+                    <a:schemeClr val="bg1"/>
                   </a:solidFill>
+                  <a:latin typeface="+mj-lt"/>
                 </a:rPr>
-                <a:t>(2)</a:t>
+                <a:t>MapPro v1.0</a:t>
               </a:r>
-              <a:endParaRPr lang="en-US" sz="1400" b="1" dirty="0">
+              <a:endParaRPr lang="vi-VN" sz="1400" b="1" noProof="1">
                 <a:solidFill>
-                  <a:srgbClr val="FF0000"/>
+                  <a:schemeClr val="bg1"/>
                 </a:solidFill>
-              </a:endParaRPr>
-            </a:p>
-          </p:txBody>
-        </p:sp>
-        <p:sp>
-          <p:nvSpPr>
-            <p:cNvPr id="27" name="TextBox 26"/>
-            <p:cNvSpPr txBox="1"/>
-            <p:nvPr/>
-          </p:nvSpPr>
-          <p:spPr>
-            <a:xfrm>
-              <a:off x="4800600" y="4721423"/>
-              <a:ext cx="388248" cy="307777"/>
-            </a:xfrm>
-            <a:prstGeom prst="rect">
-              <a:avLst/>
-            </a:prstGeom>
-            <a:noFill/>
-          </p:spPr>
-          <p:txBody>
-            <a:bodyPr wrap="none" rtlCol="0">
-              <a:spAutoFit/>
-            </a:bodyPr>
-            <a:lstStyle/>
-            <a:p>
-              <a:r>
-                <a:rPr lang="en-US" sz="1400" b="1" dirty="0" smtClean="0">
-                  <a:solidFill>
-                    <a:srgbClr val="FF0000"/>
-                  </a:solidFill>
-                </a:rPr>
-                <a:t>(3)</a:t>
-              </a:r>
-              <a:endParaRPr lang="en-US" sz="1400" b="1" dirty="0">
-                <a:solidFill>
-                  <a:srgbClr val="FF0000"/>
-                </a:solidFill>
+                <a:latin typeface="+mj-lt"/>
               </a:endParaRPr>
             </a:p>
           </p:txBody>
@@ -10649,7 +10509,7 @@
         </p:nvSpPr>
         <p:spPr>
           <a:xfrm>
-            <a:off x="1604554" y="159603"/>
+            <a:off x="2138543" y="159603"/>
             <a:ext cx="5786257" cy="830997"/>
           </a:xfrm>
           <a:prstGeom prst="rect">
@@ -10665,14 +10525,20 @@
           <a:p>
             <a:pPr algn="ctr"/>
             <a:r>
-              <a:rPr lang="en-US" sz="2400" b="1" noProof="1" smtClean="0"/>
+              <a:rPr lang="en-US" sz="2400" b="1" noProof="1" smtClean="0">
+                <a:latin typeface="Times New Roman" pitchFamily="18" charset="0"/>
+                <a:cs typeface="Times New Roman" pitchFamily="18" charset="0"/>
+              </a:rPr>
               <a:t>MÀN HÌNH MENU CHÍNH</a:t>
             </a:r>
           </a:p>
           <a:p>
             <a:pPr algn="ctr"/>
             <a:r>
-              <a:rPr lang="en-US" sz="2400" b="1" noProof="1" smtClean="0"/>
+              <a:rPr lang="en-US" sz="2400" b="1" noProof="1" smtClean="0">
+                <a:latin typeface="Times New Roman" pitchFamily="18" charset="0"/>
+                <a:cs typeface="Times New Roman" pitchFamily="18" charset="0"/>
+              </a:rPr>
               <a:t>(Mã: MH01)</a:t>
             </a:r>
           </a:p>
@@ -10687,7 +10553,7 @@
           <p:nvPr>
             <p:extLst>
               <p:ext uri="{D42A27DB-BD31-4B8C-83A1-F6EECF244321}">
-                <p14:modId xmlns:p14="http://schemas.microsoft.com/office/powerpoint/2010/main" val="1131855352"/>
+                <p14:modId xmlns:p14="http://schemas.microsoft.com/office/powerpoint/2010/main" val="2314571002"/>
               </p:ext>
             </p:extLst>
           </p:nvPr>
@@ -10808,7 +10674,14 @@
                         <a:rPr lang="vi-VN" sz="1800" baseline="0" noProof="1" smtClean="0">
                           <a:latin typeface="+mj-lt"/>
                         </a:rPr>
-                        <a:t> màn hình MH02</a:t>
+                        <a:t> màn hình </a:t>
+                      </a:r>
+                      <a:r>
+                        <a:rPr lang="vi-VN" sz="1800" baseline="0" noProof="1" smtClean="0">
+                          <a:latin typeface="+mj-lt"/>
+                          <a:hlinkClick r:id="rId3" action="ppaction://hlinksldjump"/>
+                        </a:rPr>
+                        <a:t>MH02</a:t>
                       </a:r>
                       <a:endParaRPr lang="vi-VN" sz="1800" noProof="1">
                         <a:latin typeface="+mj-lt"/>
@@ -10861,7 +10734,23 @@
                           <a:latin typeface="Times New Roman" pitchFamily="18" charset="0"/>
                           <a:cs typeface="Times New Roman" pitchFamily="18" charset="0"/>
                         </a:rPr>
-                        <a:t> màn hình MH04</a:t>
+                        <a:t> màn hình </a:t>
+                      </a:r>
+                      <a:r>
+                        <a:rPr lang="vi-VN" sz="1800" baseline="0" noProof="1" smtClean="0">
+                          <a:latin typeface="Times New Roman" pitchFamily="18" charset="0"/>
+                          <a:cs typeface="Times New Roman" pitchFamily="18" charset="0"/>
+                          <a:hlinkClick r:id="rId4" action="ppaction://hlinksldjump"/>
+                        </a:rPr>
+                        <a:t>MH0</a:t>
+                      </a:r>
+                      <a:r>
+                        <a:rPr lang="en-US" sz="1800" baseline="0" noProof="1" smtClean="0">
+                          <a:latin typeface="Times New Roman" pitchFamily="18" charset="0"/>
+                          <a:cs typeface="Times New Roman" pitchFamily="18" charset="0"/>
+                          <a:hlinkClick r:id="rId4" action="ppaction://hlinksldjump"/>
+                        </a:rPr>
+                        <a:t>3</a:t>
                       </a:r>
                       <a:endParaRPr lang="vi-VN" sz="1800" noProof="1">
                         <a:latin typeface="Times New Roman" pitchFamily="18" charset="0"/>
@@ -10915,7 +10804,23 @@
                           <a:latin typeface="Times New Roman" pitchFamily="18" charset="0"/>
                           <a:cs typeface="Times New Roman" pitchFamily="18" charset="0"/>
                         </a:rPr>
-                        <a:t> màn hình MH05</a:t>
+                        <a:t> màn hình </a:t>
+                      </a:r>
+                      <a:r>
+                        <a:rPr lang="vi-VN" sz="1800" baseline="0" noProof="1" smtClean="0">
+                          <a:latin typeface="Times New Roman" pitchFamily="18" charset="0"/>
+                          <a:cs typeface="Times New Roman" pitchFamily="18" charset="0"/>
+                          <a:hlinkClick r:id="rId5" action="ppaction://hlinksldjump"/>
+                        </a:rPr>
+                        <a:t>MH0</a:t>
+                      </a:r>
+                      <a:r>
+                        <a:rPr lang="en-US" sz="1800" baseline="0" noProof="1" smtClean="0">
+                          <a:latin typeface="Times New Roman" pitchFamily="18" charset="0"/>
+                          <a:cs typeface="Times New Roman" pitchFamily="18" charset="0"/>
+                          <a:hlinkClick r:id="rId5" action="ppaction://hlinksldjump"/>
+                        </a:rPr>
+                        <a:t>4</a:t>
                       </a:r>
                       <a:endParaRPr lang="vi-VN" sz="1800" noProof="1">
                         <a:latin typeface="Times New Roman" pitchFamily="18" charset="0"/>
@@ -10969,14 +10874,7 @@
                           <a:latin typeface="Times New Roman" pitchFamily="18" charset="0"/>
                           <a:cs typeface="Times New Roman" pitchFamily="18" charset="0"/>
                         </a:rPr>
-                        <a:t> màn </a:t>
-                      </a:r>
-                      <a:r>
-                        <a:rPr lang="vi-VN" sz="1800" baseline="0" noProof="1" smtClean="0">
-                          <a:latin typeface="Times New Roman" pitchFamily="18" charset="0"/>
-                          <a:cs typeface="Times New Roman" pitchFamily="18" charset="0"/>
-                        </a:rPr>
-                        <a:t>hình</a:t>
+                        <a:t> màn hình</a:t>
                       </a:r>
                       <a:r>
                         <a:rPr lang="en-US" sz="1800" baseline="0" noProof="1" smtClean="0">
@@ -10998,39 +10896,6 @@
           </a:graphicData>
         </a:graphic>
       </p:graphicFrame>
-      <p:cxnSp>
-        <p:nvCxnSpPr>
-          <p:cNvPr id="16" name="Straight Arrow Connector 15"/>
-          <p:cNvCxnSpPr/>
-          <p:nvPr/>
-        </p:nvCxnSpPr>
-        <p:spPr>
-          <a:xfrm flipH="1">
-            <a:off x="3150460" y="6022032"/>
-            <a:ext cx="1802540" cy="9525"/>
-          </a:xfrm>
-          <a:prstGeom prst="straightConnector1">
-            <a:avLst/>
-          </a:prstGeom>
-          <a:ln>
-            <a:tailEnd type="arrow"/>
-          </a:ln>
-        </p:spPr>
-        <p:style>
-          <a:lnRef idx="3">
-            <a:schemeClr val="accent1"/>
-          </a:lnRef>
-          <a:fillRef idx="0">
-            <a:schemeClr val="accent1"/>
-          </a:fillRef>
-          <a:effectRef idx="2">
-            <a:schemeClr val="accent1"/>
-          </a:effectRef>
-          <a:fontRef idx="minor">
-            <a:schemeClr val="tx1"/>
-          </a:fontRef>
-        </p:style>
-      </p:cxnSp>
       <p:sp>
         <p:nvSpPr>
           <p:cNvPr id="21" name="TextBox 20"/>
@@ -11094,47 +10959,6 @@
           </a:p>
         </p:txBody>
       </p:sp>
-      <p:pic>
-        <p:nvPicPr>
-          <p:cNvPr id="3074" name="Picture 2" descr="D:\Google_Map_Project\google-map-api-and-map-on-android\Resources\Icon\StartPoint.png"/>
-          <p:cNvPicPr>
-            <a:picLocks noChangeAspect="1" noChangeArrowheads="1"/>
-          </p:cNvPicPr>
-          <p:nvPr/>
-        </p:nvPicPr>
-        <p:blipFill>
-          <a:blip r:embed="rId3">
-            <a:extLst>
-              <a:ext uri="{28A0092B-C50C-407E-A947-70E740481C1C}">
-                <a14:useLocalDpi xmlns:a14="http://schemas.microsoft.com/office/drawing/2010/main" val="0"/>
-              </a:ext>
-            </a:extLst>
-          </a:blip>
-          <a:srcRect/>
-          <a:stretch>
-            <a:fillRect/>
-          </a:stretch>
-        </p:blipFill>
-        <p:spPr bwMode="auto">
-          <a:xfrm>
-            <a:off x="304800" y="5843597"/>
-            <a:ext cx="311379" cy="404803"/>
-          </a:xfrm>
-          <a:prstGeom prst="rect">
-            <a:avLst/>
-          </a:prstGeom>
-          <a:noFill/>
-          <a:extLst>
-            <a:ext uri="{909E8E84-426E-40DD-AFC4-6F175D3DCCD1}">
-              <a14:hiddenFill xmlns:a14="http://schemas.microsoft.com/office/drawing/2010/main">
-                <a:solidFill>
-                  <a:srgbClr val="FFFFFF"/>
-                </a:solidFill>
-              </a14:hiddenFill>
-            </a:ext>
-          </a:extLst>
-        </p:spPr>
-      </p:pic>
       <p:graphicFrame>
         <p:nvGraphicFramePr>
           <p:cNvPr id="25" name="Table 24"/>
@@ -11294,6 +11118,499 @@
           </a:p>
         </p:txBody>
       </p:sp>
+      <p:sp>
+        <p:nvSpPr>
+          <p:cNvPr id="6" name="Rectangle 5"/>
+          <p:cNvSpPr/>
+          <p:nvPr/>
+        </p:nvSpPr>
+        <p:spPr>
+          <a:xfrm>
+            <a:off x="195834" y="1663609"/>
+            <a:ext cx="3156966" cy="4889591"/>
+          </a:xfrm>
+          <a:prstGeom prst="rect">
+            <a:avLst/>
+          </a:prstGeom>
+          <a:solidFill>
+            <a:schemeClr val="bg1">
+              <a:lumMod val="95000"/>
+            </a:schemeClr>
+          </a:solidFill>
+        </p:spPr>
+        <p:style>
+          <a:lnRef idx="2">
+            <a:schemeClr val="accent1">
+              <a:shade val="50000"/>
+            </a:schemeClr>
+          </a:lnRef>
+          <a:fillRef idx="1">
+            <a:schemeClr val="accent1"/>
+          </a:fillRef>
+          <a:effectRef idx="0">
+            <a:schemeClr val="accent1"/>
+          </a:effectRef>
+          <a:fontRef idx="minor">
+            <a:schemeClr val="lt1"/>
+          </a:fontRef>
+        </p:style>
+        <p:txBody>
+          <a:bodyPr rtlCol="0" anchor="ctr"/>
+          <a:lstStyle/>
+          <a:p>
+            <a:pPr algn="ctr"/>
+            <a:endParaRPr lang="en-US" dirty="0"/>
+          </a:p>
+        </p:txBody>
+      </p:sp>
+      <p:pic>
+        <p:nvPicPr>
+          <p:cNvPr id="1026" name="Picture 2" descr="D:\Google_Map_Project\google-map-api-and-map-on-android\Resources\Icon\newmenu\bando.png"/>
+          <p:cNvPicPr>
+            <a:picLocks noChangeAspect="1" noChangeArrowheads="1"/>
+          </p:cNvPicPr>
+          <p:nvPr/>
+        </p:nvPicPr>
+        <p:blipFill>
+          <a:blip r:embed="rId6">
+            <a:extLst>
+              <a:ext uri="{28A0092B-C50C-407E-A947-70E740481C1C}">
+                <a14:useLocalDpi xmlns:a14="http://schemas.microsoft.com/office/drawing/2010/main" val="0"/>
+              </a:ext>
+            </a:extLst>
+          </a:blip>
+          <a:srcRect/>
+          <a:stretch>
+            <a:fillRect/>
+          </a:stretch>
+        </p:blipFill>
+        <p:spPr bwMode="auto">
+          <a:xfrm>
+            <a:off x="1868265" y="2046065"/>
+            <a:ext cx="1343471" cy="1343471"/>
+          </a:xfrm>
+          <a:prstGeom prst="rect">
+            <a:avLst/>
+          </a:prstGeom>
+          <a:noFill/>
+          <a:extLst>
+            <a:ext uri="{909E8E84-426E-40DD-AFC4-6F175D3DCCD1}">
+              <a14:hiddenFill xmlns:a14="http://schemas.microsoft.com/office/drawing/2010/main">
+                <a:solidFill>
+                  <a:srgbClr val="FFFFFF"/>
+                </a:solidFill>
+              </a14:hiddenFill>
+            </a:ext>
+          </a:extLst>
+        </p:spPr>
+      </p:pic>
+      <p:pic>
+        <p:nvPicPr>
+          <p:cNvPr id="12" name="Picture 3" descr="D:\Google_Map_Project\google-map-api-and-map-on-android\Resources\Icon\newmenu\diadiem1.png"/>
+          <p:cNvPicPr>
+            <a:picLocks noChangeAspect="1" noChangeArrowheads="1"/>
+          </p:cNvPicPr>
+          <p:nvPr/>
+        </p:nvPicPr>
+        <p:blipFill>
+          <a:blip r:embed="rId7">
+            <a:extLst>
+              <a:ext uri="{28A0092B-C50C-407E-A947-70E740481C1C}">
+                <a14:useLocalDpi xmlns:a14="http://schemas.microsoft.com/office/drawing/2010/main" val="0"/>
+              </a:ext>
+            </a:extLst>
+          </a:blip>
+          <a:srcRect/>
+          <a:stretch>
+            <a:fillRect/>
+          </a:stretch>
+        </p:blipFill>
+        <p:spPr bwMode="auto">
+          <a:xfrm>
+            <a:off x="268063" y="2096865"/>
+            <a:ext cx="1343472" cy="1343471"/>
+          </a:xfrm>
+          <a:prstGeom prst="rect">
+            <a:avLst/>
+          </a:prstGeom>
+          <a:noFill/>
+          <a:extLst>
+            <a:ext uri="{909E8E84-426E-40DD-AFC4-6F175D3DCCD1}">
+              <a14:hiddenFill xmlns:a14="http://schemas.microsoft.com/office/drawing/2010/main">
+                <a:solidFill>
+                  <a:srgbClr val="FFFFFF"/>
+                </a:solidFill>
+              </a14:hiddenFill>
+            </a:ext>
+          </a:extLst>
+        </p:spPr>
+      </p:pic>
+      <p:pic>
+        <p:nvPicPr>
+          <p:cNvPr id="1030" name="Picture 6" descr="D:\Google_Map_Project\google-map-api-and-map-on-android\Resources\Icon\newmenu\Danduong.png"/>
+          <p:cNvPicPr>
+            <a:picLocks noChangeAspect="1" noChangeArrowheads="1"/>
+          </p:cNvPicPr>
+          <p:nvPr/>
+        </p:nvPicPr>
+        <p:blipFill>
+          <a:blip r:embed="rId8">
+            <a:extLst>
+              <a:ext uri="{28A0092B-C50C-407E-A947-70E740481C1C}">
+                <a14:useLocalDpi xmlns:a14="http://schemas.microsoft.com/office/drawing/2010/main" val="0"/>
+              </a:ext>
+            </a:extLst>
+          </a:blip>
+          <a:srcRect/>
+          <a:stretch>
+            <a:fillRect/>
+          </a:stretch>
+        </p:blipFill>
+        <p:spPr bwMode="auto">
+          <a:xfrm>
+            <a:off x="265754" y="3886200"/>
+            <a:ext cx="1343472" cy="1343471"/>
+          </a:xfrm>
+          <a:prstGeom prst="rect">
+            <a:avLst/>
+          </a:prstGeom>
+          <a:noFill/>
+          <a:extLst>
+            <a:ext uri="{909E8E84-426E-40DD-AFC4-6F175D3DCCD1}">
+              <a14:hiddenFill xmlns:a14="http://schemas.microsoft.com/office/drawing/2010/main">
+                <a:solidFill>
+                  <a:srgbClr val="FFFFFF"/>
+                </a:solidFill>
+              </a14:hiddenFill>
+            </a:ext>
+          </a:extLst>
+        </p:spPr>
+      </p:pic>
+      <p:pic>
+        <p:nvPicPr>
+          <p:cNvPr id="1031" name="Picture 7" descr="D:\Google_Map_Project\google-map-api-and-map-on-android\Resources\Icon\newmenu\gioithieu1.png"/>
+          <p:cNvPicPr>
+            <a:picLocks noChangeAspect="1" noChangeArrowheads="1"/>
+          </p:cNvPicPr>
+          <p:nvPr/>
+        </p:nvPicPr>
+        <p:blipFill>
+          <a:blip r:embed="rId9">
+            <a:extLst>
+              <a:ext uri="{28A0092B-C50C-407E-A947-70E740481C1C}">
+                <a14:useLocalDpi xmlns:a14="http://schemas.microsoft.com/office/drawing/2010/main" val="0"/>
+              </a:ext>
+            </a:extLst>
+          </a:blip>
+          <a:srcRect/>
+          <a:stretch>
+            <a:fillRect/>
+          </a:stretch>
+        </p:blipFill>
+        <p:spPr bwMode="auto">
+          <a:xfrm>
+            <a:off x="1865956" y="3886200"/>
+            <a:ext cx="1343471" cy="1343471"/>
+          </a:xfrm>
+          <a:prstGeom prst="rect">
+            <a:avLst/>
+          </a:prstGeom>
+          <a:noFill/>
+          <a:extLst>
+            <a:ext uri="{909E8E84-426E-40DD-AFC4-6F175D3DCCD1}">
+              <a14:hiddenFill xmlns:a14="http://schemas.microsoft.com/office/drawing/2010/main">
+                <a:solidFill>
+                  <a:srgbClr val="FFFFFF"/>
+                </a:solidFill>
+              </a14:hiddenFill>
+            </a:ext>
+          </a:extLst>
+        </p:spPr>
+      </p:pic>
+      <p:sp>
+        <p:nvSpPr>
+          <p:cNvPr id="13" name="TextBox 12"/>
+          <p:cNvSpPr txBox="1"/>
+          <p:nvPr/>
+        </p:nvSpPr>
+        <p:spPr>
+          <a:xfrm>
+            <a:off x="685800" y="5906869"/>
+            <a:ext cx="2459583" cy="461665"/>
+          </a:xfrm>
+          <a:prstGeom prst="rect">
+            <a:avLst/>
+          </a:prstGeom>
+          <a:noFill/>
+        </p:spPr>
+        <p:txBody>
+          <a:bodyPr wrap="none" rtlCol="0">
+            <a:spAutoFit/>
+          </a:bodyPr>
+          <a:lstStyle/>
+          <a:p>
+            <a:pPr algn="ctr"/>
+            <a:r>
+              <a:rPr lang="vi-VN" sz="1200" b="1" noProof="1">
+                <a:latin typeface="+mj-lt"/>
+              </a:rPr>
+              <a:t>Vị trí hiện tại</a:t>
+            </a:r>
+          </a:p>
+          <a:p>
+            <a:pPr algn="ctr"/>
+            <a:r>
+              <a:rPr lang="vi-VN" sz="1200" b="1" noProof="1">
+                <a:latin typeface="+mj-lt"/>
+              </a:rPr>
+              <a:t>Đường Nguyễn Trãi </a:t>
+            </a:r>
+            <a:r>
+              <a:rPr lang="vi-VN" sz="1200" b="1" noProof="1">
+                <a:latin typeface="+mj-lt"/>
+              </a:rPr>
+              <a:t>– </a:t>
+            </a:r>
+            <a:r>
+              <a:rPr lang="vi-VN" sz="1200" b="1" noProof="1" smtClean="0">
+                <a:latin typeface="+mj-lt"/>
+              </a:rPr>
+              <a:t>Q1-TpHCM</a:t>
+            </a:r>
+            <a:endParaRPr lang="vi-VN" sz="1200" b="1" noProof="1">
+              <a:latin typeface="+mj-lt"/>
+            </a:endParaRPr>
+          </a:p>
+        </p:txBody>
+      </p:sp>
+      <p:pic>
+        <p:nvPicPr>
+          <p:cNvPr id="3074" name="Picture 2" descr="D:\Google_Map_Project\google-map-api-and-map-on-android\Resources\Icon\StartPoint.png"/>
+          <p:cNvPicPr>
+            <a:picLocks noChangeAspect="1" noChangeArrowheads="1"/>
+          </p:cNvPicPr>
+          <p:nvPr/>
+        </p:nvPicPr>
+        <p:blipFill>
+          <a:blip r:embed="rId10">
+            <a:extLst>
+              <a:ext uri="{28A0092B-C50C-407E-A947-70E740481C1C}">
+                <a14:useLocalDpi xmlns:a14="http://schemas.microsoft.com/office/drawing/2010/main" val="0"/>
+              </a:ext>
+            </a:extLst>
+          </a:blip>
+          <a:srcRect/>
+          <a:stretch>
+            <a:fillRect/>
+          </a:stretch>
+        </p:blipFill>
+        <p:spPr bwMode="auto">
+          <a:xfrm>
+            <a:off x="491510" y="5935299"/>
+            <a:ext cx="311379" cy="404803"/>
+          </a:xfrm>
+          <a:prstGeom prst="rect">
+            <a:avLst/>
+          </a:prstGeom>
+          <a:noFill/>
+          <a:extLst>
+            <a:ext uri="{909E8E84-426E-40DD-AFC4-6F175D3DCCD1}">
+              <a14:hiddenFill xmlns:a14="http://schemas.microsoft.com/office/drawing/2010/main">
+                <a:solidFill>
+                  <a:srgbClr val="FFFFFF"/>
+                </a:solidFill>
+              </a14:hiddenFill>
+            </a:ext>
+          </a:extLst>
+        </p:spPr>
+      </p:pic>
+      <p:cxnSp>
+        <p:nvCxnSpPr>
+          <p:cNvPr id="16" name="Straight Arrow Connector 15"/>
+          <p:cNvCxnSpPr>
+            <a:stCxn id="21" idx="1"/>
+          </p:cNvCxnSpPr>
+          <p:nvPr/>
+        </p:nvCxnSpPr>
+        <p:spPr>
+          <a:xfrm flipH="1" flipV="1">
+            <a:off x="3145384" y="6022032"/>
+            <a:ext cx="1807616" cy="61556"/>
+          </a:xfrm>
+          <a:prstGeom prst="straightConnector1">
+            <a:avLst/>
+          </a:prstGeom>
+          <a:ln>
+            <a:tailEnd type="arrow"/>
+          </a:ln>
+        </p:spPr>
+        <p:style>
+          <a:lnRef idx="3">
+            <a:schemeClr val="accent1"/>
+          </a:lnRef>
+          <a:fillRef idx="0">
+            <a:schemeClr val="accent1"/>
+          </a:fillRef>
+          <a:effectRef idx="2">
+            <a:schemeClr val="accent1"/>
+          </a:effectRef>
+          <a:fontRef idx="minor">
+            <a:schemeClr val="tx1"/>
+          </a:fontRef>
+        </p:style>
+      </p:cxnSp>
+      <p:sp>
+        <p:nvSpPr>
+          <p:cNvPr id="24" name="TextBox 23"/>
+          <p:cNvSpPr txBox="1"/>
+          <p:nvPr/>
+        </p:nvSpPr>
+        <p:spPr>
+          <a:xfrm>
+            <a:off x="381000" y="2667000"/>
+            <a:ext cx="442750" cy="369332"/>
+          </a:xfrm>
+          <a:prstGeom prst="rect">
+            <a:avLst/>
+          </a:prstGeom>
+          <a:noFill/>
+        </p:spPr>
+        <p:txBody>
+          <a:bodyPr wrap="none" rtlCol="0">
+            <a:spAutoFit/>
+          </a:bodyPr>
+          <a:lstStyle/>
+          <a:p>
+            <a:r>
+              <a:rPr lang="en-US" dirty="0" smtClean="0">
+                <a:solidFill>
+                  <a:srgbClr val="FF0000"/>
+                </a:solidFill>
+              </a:rPr>
+              <a:t>(1)</a:t>
+            </a:r>
+            <a:endParaRPr lang="en-US" dirty="0">
+              <a:solidFill>
+                <a:srgbClr val="FF0000"/>
+              </a:solidFill>
+            </a:endParaRPr>
+          </a:p>
+        </p:txBody>
+      </p:sp>
+      <p:sp>
+        <p:nvSpPr>
+          <p:cNvPr id="37" name="TextBox 36"/>
+          <p:cNvSpPr txBox="1"/>
+          <p:nvPr/>
+        </p:nvSpPr>
+        <p:spPr>
+          <a:xfrm>
+            <a:off x="1919450" y="2590800"/>
+            <a:ext cx="442750" cy="369332"/>
+          </a:xfrm>
+          <a:prstGeom prst="rect">
+            <a:avLst/>
+          </a:prstGeom>
+          <a:noFill/>
+        </p:spPr>
+        <p:txBody>
+          <a:bodyPr wrap="none" rtlCol="0">
+            <a:spAutoFit/>
+          </a:bodyPr>
+          <a:lstStyle/>
+          <a:p>
+            <a:r>
+              <a:rPr lang="en-US" dirty="0" smtClean="0">
+                <a:solidFill>
+                  <a:srgbClr val="FF0000"/>
+                </a:solidFill>
+              </a:rPr>
+              <a:t>(2)</a:t>
+            </a:r>
+            <a:endParaRPr lang="en-US" dirty="0">
+              <a:solidFill>
+                <a:srgbClr val="FF0000"/>
+              </a:solidFill>
+            </a:endParaRPr>
+          </a:p>
+        </p:txBody>
+      </p:sp>
+      <p:sp>
+        <p:nvSpPr>
+          <p:cNvPr id="39" name="TextBox 38"/>
+          <p:cNvSpPr txBox="1"/>
+          <p:nvPr/>
+        </p:nvSpPr>
+        <p:spPr>
+          <a:xfrm>
+            <a:off x="395450" y="4050268"/>
+            <a:ext cx="442750" cy="369332"/>
+          </a:xfrm>
+          <a:prstGeom prst="rect">
+            <a:avLst/>
+          </a:prstGeom>
+          <a:noFill/>
+        </p:spPr>
+        <p:txBody>
+          <a:bodyPr wrap="none" rtlCol="0">
+            <a:spAutoFit/>
+          </a:bodyPr>
+          <a:lstStyle/>
+          <a:p>
+            <a:r>
+              <a:rPr lang="en-US" dirty="0" smtClean="0">
+                <a:solidFill>
+                  <a:srgbClr val="FF0000"/>
+                </a:solidFill>
+              </a:rPr>
+              <a:t>(3)</a:t>
+            </a:r>
+            <a:endParaRPr lang="en-US" dirty="0">
+              <a:solidFill>
+                <a:srgbClr val="FF0000"/>
+              </a:solidFill>
+            </a:endParaRPr>
+          </a:p>
+        </p:txBody>
+      </p:sp>
+      <p:sp>
+        <p:nvSpPr>
+          <p:cNvPr id="40" name="TextBox 39"/>
+          <p:cNvSpPr txBox="1"/>
+          <p:nvPr/>
+        </p:nvSpPr>
+        <p:spPr>
+          <a:xfrm>
+            <a:off x="2057304" y="4050268"/>
+            <a:ext cx="442750" cy="369332"/>
+          </a:xfrm>
+          <a:prstGeom prst="rect">
+            <a:avLst/>
+          </a:prstGeom>
+          <a:noFill/>
+        </p:spPr>
+        <p:txBody>
+          <a:bodyPr wrap="none" rtlCol="0">
+            <a:spAutoFit/>
+          </a:bodyPr>
+          <a:lstStyle/>
+          <a:p>
+            <a:r>
+              <a:rPr lang="en-US" dirty="0" smtClean="0">
+                <a:solidFill>
+                  <a:srgbClr val="FF0000"/>
+                </a:solidFill>
+              </a:rPr>
+              <a:t>(4)</a:t>
+            </a:r>
+            <a:endParaRPr lang="en-US" dirty="0">
+              <a:solidFill>
+                <a:srgbClr val="FF0000"/>
+              </a:solidFill>
+            </a:endParaRPr>
+          </a:p>
+        </p:txBody>
+      </p:sp>
     </p:spTree>
     <p:extLst>
       <p:ext uri="{BB962C8B-B14F-4D97-AF65-F5344CB8AC3E}">
@@ -11355,14 +11672,20 @@
           <a:p>
             <a:pPr algn="ctr"/>
             <a:r>
-              <a:rPr lang="en-US" sz="2400" b="1" noProof="1" smtClean="0"/>
+              <a:rPr lang="en-US" sz="2400" b="1" noProof="1" smtClean="0">
+                <a:latin typeface="Times New Roman" pitchFamily="18" charset="0"/>
+                <a:cs typeface="Times New Roman" pitchFamily="18" charset="0"/>
+              </a:rPr>
               <a:t>MÀN HÌNH ĐỊA ĐIỂM</a:t>
             </a:r>
           </a:p>
           <a:p>
             <a:pPr algn="ctr"/>
             <a:r>
-              <a:rPr lang="en-US" sz="2400" b="1" noProof="1" smtClean="0"/>
+              <a:rPr lang="en-US" sz="2400" b="1" noProof="1" smtClean="0">
+                <a:latin typeface="Times New Roman" pitchFamily="18" charset="0"/>
+                <a:cs typeface="Times New Roman" pitchFamily="18" charset="0"/>
+              </a:rPr>
               <a:t>Mã: MH02</a:t>
             </a:r>
           </a:p>
@@ -12144,7 +12467,7 @@
           <p:nvPr>
             <p:extLst>
               <p:ext uri="{D42A27DB-BD31-4B8C-83A1-F6EECF244321}">
-                <p14:modId xmlns:p14="http://schemas.microsoft.com/office/powerpoint/2010/main" val="3010154450"/>
+                <p14:modId xmlns:p14="http://schemas.microsoft.com/office/powerpoint/2010/main" val="3424431240"/>
               </p:ext>
             </p:extLst>
           </p:nvPr>
@@ -12258,51 +12581,36 @@
                       <a:pPr algn="ctr"/>
                       <a:r>
                         <a:rPr lang="vi-VN" sz="2400" b="0" noProof="1" smtClean="0">
-                          <a:effectLst>
-                            <a:outerShdw blurRad="38100" dist="38100" dir="2700000" algn="tl">
-                              <a:srgbClr val="000000">
-                                <a:alpha val="43137"/>
-                              </a:srgbClr>
-                            </a:outerShdw>
-                          </a:effectLst>
+                          <a:effectLst/>
                           <a:latin typeface="+mj-lt"/>
                         </a:rPr>
                         <a:t>Mở</a:t>
                       </a:r>
                       <a:r>
                         <a:rPr lang="vi-VN" sz="2400" b="0" baseline="0" noProof="1" smtClean="0">
-                          <a:effectLst>
-                            <a:outerShdw blurRad="38100" dist="38100" dir="2700000" algn="tl">
-                              <a:srgbClr val="000000">
-                                <a:alpha val="43137"/>
-                              </a:srgbClr>
-                            </a:outerShdw>
-                          </a:effectLst>
+                          <a:effectLst/>
                           <a:latin typeface="+mj-lt"/>
                         </a:rPr>
-                        <a:t> màn hình MH</a:t>
+                        <a:t> màn hình </a:t>
+                      </a:r>
+                      <a:r>
+                        <a:rPr lang="vi-VN" sz="2400" b="0" baseline="0" noProof="1" smtClean="0">
+                          <a:effectLst/>
+                          <a:latin typeface="+mj-lt"/>
+                          <a:hlinkClick r:id="rId10" action="ppaction://hlinksldjump"/>
+                        </a:rPr>
+                        <a:t>MH</a:t>
                       </a:r>
                       <a:r>
                         <a:rPr lang="en-US" sz="2400" b="0" baseline="0" noProof="1" smtClean="0">
-                          <a:effectLst>
-                            <a:outerShdw blurRad="38100" dist="38100" dir="2700000" algn="tl">
-                              <a:srgbClr val="000000">
-                                <a:alpha val="43137"/>
-                              </a:srgbClr>
-                            </a:outerShdw>
-                          </a:effectLst>
+                          <a:effectLst/>
                           <a:latin typeface="+mj-lt"/>
+                          <a:hlinkClick r:id="rId10" action="ppaction://hlinksldjump"/>
                         </a:rPr>
                         <a:t>02_1</a:t>
                       </a:r>
                       <a:endParaRPr lang="vi-VN" sz="2400" b="0" noProof="1">
-                        <a:effectLst>
-                          <a:outerShdw blurRad="38100" dist="38100" dir="2700000" algn="tl">
-                            <a:srgbClr val="000000">
-                              <a:alpha val="43137"/>
-                            </a:srgbClr>
-                          </a:outerShdw>
-                        </a:effectLst>
+                        <a:effectLst/>
                         <a:latin typeface="+mj-lt"/>
                       </a:endParaRPr>
                     </a:p>
@@ -13258,25 +13566,22 @@
           <a:p>
             <a:pPr algn="ctr"/>
             <a:r>
-              <a:rPr lang="en-US" sz="2400" b="1" noProof="1" smtClean="0"/>
+              <a:rPr lang="en-US" sz="2400" b="1" noProof="1" smtClean="0">
+                <a:latin typeface="Times New Roman" pitchFamily="18" charset="0"/>
+                <a:cs typeface="Times New Roman" pitchFamily="18" charset="0"/>
+              </a:rPr>
               <a:t>MÀN HÌNH ĐỊA ĐIỂM</a:t>
             </a:r>
           </a:p>
           <a:p>
             <a:pPr algn="ctr"/>
             <a:r>
-              <a:rPr lang="en-US" sz="2400" b="1" noProof="1" smtClean="0"/>
-              <a:t>(Mã</a:t>
-            </a:r>
-            <a:r>
-              <a:rPr lang="en-US" sz="2400" b="1" noProof="1" smtClean="0"/>
-              <a:t>: </a:t>
-            </a:r>
-            <a:r>
-              <a:rPr lang="en-US" sz="2400" b="1" noProof="1" smtClean="0"/>
-              <a:t>MH02.1)</a:t>
-            </a:r>
-            <a:endParaRPr lang="en-US" sz="2400" b="1" noProof="1" smtClean="0"/>
+              <a:rPr lang="en-US" sz="2400" b="1" noProof="1" smtClean="0">
+                <a:latin typeface="Times New Roman" pitchFamily="18" charset="0"/>
+                <a:cs typeface="Times New Roman" pitchFamily="18" charset="0"/>
+              </a:rPr>
+              <a:t>(Mã: MH02.1)</a:t>
+            </a:r>
           </a:p>
         </p:txBody>
       </p:sp>
@@ -13669,7 +13974,7 @@
           <p:nvPr>
             <p:extLst>
               <p:ext uri="{D42A27DB-BD31-4B8C-83A1-F6EECF244321}">
-                <p14:modId xmlns:p14="http://schemas.microsoft.com/office/powerpoint/2010/main" val="2251052222"/>
+                <p14:modId xmlns:p14="http://schemas.microsoft.com/office/powerpoint/2010/main" val="1606443000"/>
               </p:ext>
             </p:extLst>
           </p:nvPr>
@@ -14066,7 +14371,22 @@
                           <a:latin typeface="Times New Roman" pitchFamily="18" charset="0"/>
                           <a:cs typeface="Times New Roman" pitchFamily="18" charset="0"/>
                         </a:rPr>
-                        <a:t> chọn hiển thị thông tin tìm được trên bản đồ (Màn hình: MH02.2)</a:t>
+                        <a:t> chọn hiển thị thông tin tìm được trên bản đồ (Màn hình: </a:t>
+                      </a:r>
+                      <a:r>
+                        <a:rPr lang="en-US" sz="1700" baseline="0" noProof="1" smtClean="0">
+                          <a:latin typeface="Times New Roman" pitchFamily="18" charset="0"/>
+                          <a:cs typeface="Times New Roman" pitchFamily="18" charset="0"/>
+                          <a:hlinkClick r:id="rId7" action="ppaction://hlinksldjump"/>
+                        </a:rPr>
+                        <a:t>MH02.2</a:t>
+                      </a:r>
+                      <a:r>
+                        <a:rPr lang="en-US" sz="1700" baseline="0" noProof="1" smtClean="0">
+                          <a:latin typeface="Times New Roman" pitchFamily="18" charset="0"/>
+                          <a:cs typeface="Times New Roman" pitchFamily="18" charset="0"/>
+                        </a:rPr>
+                        <a:t>)</a:t>
                       </a:r>
                       <a:endParaRPr lang="vi-VN" sz="1700" noProof="1">
                         <a:latin typeface="Times New Roman" pitchFamily="18" charset="0"/>
@@ -14137,7 +14457,22 @@
                           <a:latin typeface="Times New Roman" pitchFamily="18" charset="0"/>
                           <a:cs typeface="Times New Roman" pitchFamily="18" charset="0"/>
                         </a:rPr>
-                        <a:t> chọn hiển thị thông tin tìm được liệt kê theo danh sách (Màn hình: MH02.3)</a:t>
+                        <a:t> chọn hiển thị thông tin tìm được liệt kê theo danh sách (Màn hình: </a:t>
+                      </a:r>
+                      <a:r>
+                        <a:rPr lang="en-US" sz="1700" baseline="0" noProof="1" smtClean="0">
+                          <a:latin typeface="Times New Roman" pitchFamily="18" charset="0"/>
+                          <a:cs typeface="Times New Roman" pitchFamily="18" charset="0"/>
+                          <a:hlinkClick r:id="rId8" action="ppaction://hlinksldjump"/>
+                        </a:rPr>
+                        <a:t>MH02.3</a:t>
+                      </a:r>
+                      <a:r>
+                        <a:rPr lang="en-US" sz="1700" baseline="0" noProof="1" smtClean="0">
+                          <a:latin typeface="Times New Roman" pitchFamily="18" charset="0"/>
+                          <a:cs typeface="Times New Roman" pitchFamily="18" charset="0"/>
+                        </a:rPr>
+                        <a:t>)</a:t>
                       </a:r>
                     </a:p>
                   </a:txBody>
@@ -14197,7 +14532,22 @@
                           <a:latin typeface="Times New Roman" pitchFamily="18" charset="0"/>
                           <a:cs typeface="Times New Roman" pitchFamily="18" charset="0"/>
                         </a:rPr>
-                        <a:t>Mở màn hình MH02.2 nếu </a:t>
+                        <a:t>Mở màn hình </a:t>
+                      </a:r>
+                      <a:r>
+                        <a:rPr lang="en-US" sz="1700" baseline="0" noProof="1" smtClean="0">
+                          <a:latin typeface="Times New Roman" pitchFamily="18" charset="0"/>
+                          <a:cs typeface="Times New Roman" pitchFamily="18" charset="0"/>
+                          <a:hlinkClick r:id="rId7" action="ppaction://hlinksldjump"/>
+                        </a:rPr>
+                        <a:t>MH02.2 </a:t>
+                      </a:r>
+                      <a:r>
+                        <a:rPr lang="en-US" sz="1700" baseline="0" noProof="1" smtClean="0">
+                          <a:latin typeface="Times New Roman" pitchFamily="18" charset="0"/>
+                          <a:cs typeface="Times New Roman" pitchFamily="18" charset="0"/>
+                        </a:rPr>
+                        <a:t>nếu </a:t>
                       </a:r>
                       <a:r>
                         <a:rPr lang="en-US" sz="1700" baseline="0" noProof="1" smtClean="0">
@@ -14214,7 +14564,22 @@
                           <a:latin typeface="Times New Roman" pitchFamily="18" charset="0"/>
                           <a:cs typeface="Times New Roman" pitchFamily="18" charset="0"/>
                         </a:rPr>
-                        <a:t> được chọn. Mở màn hình MH02.3 nếu </a:t>
+                        <a:t> được chọn. Mở màn hình </a:t>
+                      </a:r>
+                      <a:r>
+                        <a:rPr lang="en-US" sz="1700" baseline="0" noProof="1" smtClean="0">
+                          <a:latin typeface="Times New Roman" pitchFamily="18" charset="0"/>
+                          <a:cs typeface="Times New Roman" pitchFamily="18" charset="0"/>
+                          <a:hlinkClick r:id="rId8" action="ppaction://hlinksldjump"/>
+                        </a:rPr>
+                        <a:t>MH02.3 </a:t>
+                      </a:r>
+                      <a:r>
+                        <a:rPr lang="en-US" sz="1700" baseline="0" noProof="1" smtClean="0">
+                          <a:latin typeface="Times New Roman" pitchFamily="18" charset="0"/>
+                          <a:cs typeface="Times New Roman" pitchFamily="18" charset="0"/>
+                        </a:rPr>
+                        <a:t>nếu </a:t>
                       </a:r>
                       <a:r>
                         <a:rPr lang="en-US" sz="1700" baseline="0" noProof="1" smtClean="0">
@@ -14231,19 +14596,8 @@
                           <a:latin typeface="Times New Roman" pitchFamily="18" charset="0"/>
                           <a:cs typeface="Times New Roman" pitchFamily="18" charset="0"/>
                         </a:rPr>
-                        <a:t> được chọn</a:t>
-                      </a:r>
-                      <a:r>
-                        <a:rPr lang="en-US" sz="1700" baseline="0" noProof="1" smtClean="0">
-                          <a:latin typeface="Times New Roman" pitchFamily="18" charset="0"/>
-                          <a:cs typeface="Times New Roman" pitchFamily="18" charset="0"/>
-                        </a:rPr>
-                        <a:t>. Phải kiểm tra (1) và (3) trước khi trước khi chuyển màn hình.</a:t>
-                      </a:r>
-                      <a:endParaRPr lang="en-US" sz="1700" baseline="0" noProof="1" smtClean="0">
-                        <a:latin typeface="Times New Roman" pitchFamily="18" charset="0"/>
-                        <a:cs typeface="Times New Roman" pitchFamily="18" charset="0"/>
-                      </a:endParaRPr>
+                        <a:t> được chọn. Phải kiểm tra (1) và (3) trước khi trước khi chuyển màn hình.</a:t>
+                      </a:r>
                     </a:p>
                   </a:txBody>
                   <a:tcPr/>
@@ -14314,14 +14668,20 @@
           <a:p>
             <a:pPr algn="ctr"/>
             <a:r>
-              <a:rPr lang="en-US" sz="2400" b="1" noProof="1" smtClean="0"/>
+              <a:rPr lang="en-US" sz="2400" b="1" noProof="1" smtClean="0">
+                <a:latin typeface="Times New Roman" pitchFamily="18" charset="0"/>
+                <a:cs typeface="Times New Roman" pitchFamily="18" charset="0"/>
+              </a:rPr>
               <a:t>MÀN HÌNH ĐỊA ĐIỂM</a:t>
             </a:r>
           </a:p>
           <a:p>
             <a:pPr algn="ctr"/>
             <a:r>
-              <a:rPr lang="en-US" sz="2400" b="1" noProof="1" smtClean="0"/>
+              <a:rPr lang="en-US" sz="2400" b="1" noProof="1" smtClean="0">
+                <a:latin typeface="Times New Roman" pitchFamily="18" charset="0"/>
+                <a:cs typeface="Times New Roman" pitchFamily="18" charset="0"/>
+              </a:rPr>
               <a:t>(Mã: MH02.2)</a:t>
             </a:r>
           </a:p>
@@ -16580,14 +16940,20 @@
           <a:p>
             <a:pPr algn="ctr"/>
             <a:r>
-              <a:rPr lang="en-US" sz="2400" b="1" noProof="1" smtClean="0"/>
+              <a:rPr lang="en-US" sz="2400" b="1" noProof="1" smtClean="0">
+                <a:latin typeface="Times New Roman" pitchFamily="18" charset="0"/>
+                <a:cs typeface="Times New Roman" pitchFamily="18" charset="0"/>
+              </a:rPr>
               <a:t>MÀN HÌNH ĐỊA ĐIỂM</a:t>
             </a:r>
           </a:p>
           <a:p>
             <a:pPr algn="ctr"/>
             <a:r>
-              <a:rPr lang="en-US" sz="2400" b="1" noProof="1" smtClean="0"/>
+              <a:rPr lang="en-US" sz="2400" b="1" noProof="1" smtClean="0">
+                <a:latin typeface="Times New Roman" pitchFamily="18" charset="0"/>
+                <a:cs typeface="Times New Roman" pitchFamily="18" charset="0"/>
+              </a:rPr>
               <a:t>(Mã: MH02.3)</a:t>
             </a:r>
           </a:p>
@@ -17105,19 +17471,7 @@
               <a:rPr lang="vi-VN" noProof="1" smtClean="0">
                 <a:latin typeface="+mj-lt"/>
               </a:rPr>
-              <a:t>(Font: Time </a:t>
-            </a:r>
-            <a:r>
-              <a:rPr lang="vi-VN" noProof="1" smtClean="0">
-                <a:latin typeface="+mj-lt"/>
-              </a:rPr>
-              <a:t>New </a:t>
-            </a:r>
-            <a:r>
-              <a:rPr lang="vi-VN" noProof="1" smtClean="0">
-                <a:latin typeface="+mj-lt"/>
-              </a:rPr>
-              <a:t>Roman,</a:t>
+              <a:t>(Font: Time New Roman,</a:t>
             </a:r>
             <a:r>
               <a:rPr lang="vi-VN" b="1" noProof="1" smtClean="0">
@@ -17183,25 +17537,7 @@
               <a:rPr lang="vi-VN" noProof="1" smtClean="0">
                 <a:latin typeface="+mj-lt"/>
               </a:rPr>
-              <a:t>(Font: Time </a:t>
-            </a:r>
-            <a:r>
-              <a:rPr lang="vi-VN" noProof="1" smtClean="0">
-                <a:latin typeface="+mj-lt"/>
-              </a:rPr>
-              <a:t>New </a:t>
-            </a:r>
-            <a:r>
-              <a:rPr lang="vi-VN" noProof="1" smtClean="0">
-                <a:latin typeface="+mj-lt"/>
-              </a:rPr>
-              <a:t>Roman,12</a:t>
-            </a:r>
-            <a:r>
-              <a:rPr lang="vi-VN" noProof="1" smtClean="0">
-                <a:latin typeface="+mj-lt"/>
-              </a:rPr>
-              <a:t>)</a:t>
+              <a:t>(Font: Time New Roman,12)</a:t>
             </a:r>
             <a:endParaRPr lang="vi-VN" noProof="1">
               <a:latin typeface="+mj-lt"/>
@@ -17724,14 +18060,20 @@
           <a:p>
             <a:pPr algn="ctr"/>
             <a:r>
-              <a:rPr lang="en-US" sz="2400" b="1" noProof="1" smtClean="0"/>
+              <a:rPr lang="en-US" sz="2400" b="1" noProof="1" smtClean="0">
+                <a:latin typeface="Times New Roman" pitchFamily="18" charset="0"/>
+                <a:cs typeface="Times New Roman" pitchFamily="18" charset="0"/>
+              </a:rPr>
               <a:t>MÀN HÌNH DẪN ĐƯỜNG</a:t>
             </a:r>
           </a:p>
           <a:p>
             <a:pPr algn="ctr"/>
             <a:r>
-              <a:rPr lang="en-US" sz="2400" b="1" noProof="1" smtClean="0"/>
+              <a:rPr lang="en-US" sz="2400" b="1" noProof="1" smtClean="0">
+                <a:latin typeface="Times New Roman" pitchFamily="18" charset="0"/>
+                <a:cs typeface="Times New Roman" pitchFamily="18" charset="0"/>
+              </a:rPr>
               <a:t>(Mã: MH03)</a:t>
             </a:r>
           </a:p>
@@ -17847,16 +18189,7 @@
                 </a:solidFill>
                 <a:latin typeface="+mj-lt"/>
               </a:rPr>
-              <a:t>ị </a:t>
-            </a:r>
-            <a:r>
-              <a:rPr lang="vi-VN" sz="1600" noProof="1" smtClean="0">
-                <a:solidFill>
-                  <a:schemeClr val="bg1"/>
-                </a:solidFill>
-                <a:latin typeface="+mj-lt"/>
-              </a:rPr>
-              <a:t>trí hiện tại</a:t>
+              <a:t>ị trí hiện tại</a:t>
             </a:r>
             <a:endParaRPr lang="vi-VN" sz="1600" noProof="1">
               <a:solidFill>
@@ -18142,7 +18475,7 @@
           <p:nvPr>
             <p:extLst>
               <p:ext uri="{D42A27DB-BD31-4B8C-83A1-F6EECF244321}">
-                <p14:modId xmlns:p14="http://schemas.microsoft.com/office/powerpoint/2010/main" val="671381072"/>
+                <p14:modId xmlns:p14="http://schemas.microsoft.com/office/powerpoint/2010/main" val="2751355515"/>
               </p:ext>
             </p:extLst>
           </p:nvPr>
@@ -18416,7 +18749,22 @@
                           <a:latin typeface="Times New Roman" pitchFamily="18" charset="0"/>
                           <a:cs typeface="Times New Roman" pitchFamily="18" charset="0"/>
                         </a:rPr>
-                        <a:t> thị trên bản đồ (Màn hình: MH3.1)</a:t>
+                        <a:t> thị trên bản đồ (Màn hình: </a:t>
+                      </a:r>
+                      <a:r>
+                        <a:rPr lang="en-US" sz="1800" baseline="0" noProof="1" smtClean="0">
+                          <a:latin typeface="Times New Roman" pitchFamily="18" charset="0"/>
+                          <a:cs typeface="Times New Roman" pitchFamily="18" charset="0"/>
+                          <a:hlinkClick r:id="rId6" action="ppaction://hlinksldjump"/>
+                        </a:rPr>
+                        <a:t>MH3.1</a:t>
+                      </a:r>
+                      <a:r>
+                        <a:rPr lang="en-US" sz="1800" baseline="0" noProof="1" smtClean="0">
+                          <a:latin typeface="Times New Roman" pitchFamily="18" charset="0"/>
+                          <a:cs typeface="Times New Roman" pitchFamily="18" charset="0"/>
+                        </a:rPr>
+                        <a:t>)</a:t>
                       </a:r>
                       <a:endParaRPr lang="vi-VN" sz="1800" noProof="1">
                         <a:latin typeface="Times New Roman" pitchFamily="18" charset="0"/>
@@ -18471,7 +18819,22 @@
                           <a:latin typeface="Times New Roman" pitchFamily="18" charset="0"/>
                           <a:cs typeface="Times New Roman" pitchFamily="18" charset="0"/>
                         </a:rPr>
-                        <a:t> thị bằng text (Màn hình: MH3.2)</a:t>
+                        <a:t> thị bằng text (Màn hình: </a:t>
+                      </a:r>
+                      <a:r>
+                        <a:rPr lang="en-US" sz="1800" baseline="0" noProof="1" smtClean="0">
+                          <a:latin typeface="Times New Roman" pitchFamily="18" charset="0"/>
+                          <a:cs typeface="Times New Roman" pitchFamily="18" charset="0"/>
+                          <a:hlinkClick r:id="rId7" action="ppaction://hlinksldjump"/>
+                        </a:rPr>
+                        <a:t>MH3.2</a:t>
+                      </a:r>
+                      <a:r>
+                        <a:rPr lang="en-US" sz="1800" baseline="0" noProof="1" smtClean="0">
+                          <a:latin typeface="Times New Roman" pitchFamily="18" charset="0"/>
+                          <a:cs typeface="Times New Roman" pitchFamily="18" charset="0"/>
+                        </a:rPr>
+                        <a:t>)</a:t>
                       </a:r>
                       <a:endParaRPr lang="vi-VN" sz="1800" noProof="1">
                         <a:latin typeface="Times New Roman" pitchFamily="18" charset="0"/>
@@ -18535,7 +18898,22 @@
                           <a:latin typeface="Times New Roman" pitchFamily="18" charset="0"/>
                           <a:cs typeface="Times New Roman" pitchFamily="18" charset="0"/>
                         </a:rPr>
-                        <a:t>Mở màn hình MH03.1 nếu </a:t>
+                        <a:t>Mở màn hình </a:t>
+                      </a:r>
+                      <a:r>
+                        <a:rPr lang="en-US" sz="1800" baseline="0" noProof="1" smtClean="0">
+                          <a:latin typeface="Times New Roman" pitchFamily="18" charset="0"/>
+                          <a:cs typeface="Times New Roman" pitchFamily="18" charset="0"/>
+                          <a:hlinkClick r:id="rId6" action="ppaction://hlinksldjump"/>
+                        </a:rPr>
+                        <a:t>MH03.1 </a:t>
+                      </a:r>
+                      <a:r>
+                        <a:rPr lang="en-US" sz="1800" baseline="0" noProof="1" smtClean="0">
+                          <a:latin typeface="Times New Roman" pitchFamily="18" charset="0"/>
+                          <a:cs typeface="Times New Roman" pitchFamily="18" charset="0"/>
+                        </a:rPr>
+                        <a:t>nếu </a:t>
                       </a:r>
                       <a:r>
                         <a:rPr lang="en-US" sz="1800" baseline="0" noProof="1" smtClean="0">
@@ -18552,7 +18930,22 @@
                           <a:latin typeface="Times New Roman" pitchFamily="18" charset="0"/>
                           <a:cs typeface="Times New Roman" pitchFamily="18" charset="0"/>
                         </a:rPr>
-                        <a:t> được chọn. Mở màn hình MH03.2 nếu </a:t>
+                        <a:t> được chọn. Mở màn hình </a:t>
+                      </a:r>
+                      <a:r>
+                        <a:rPr lang="en-US" sz="1800" baseline="0" noProof="1" smtClean="0">
+                          <a:latin typeface="Times New Roman" pitchFamily="18" charset="0"/>
+                          <a:cs typeface="Times New Roman" pitchFamily="18" charset="0"/>
+                          <a:hlinkClick r:id="rId7" action="ppaction://hlinksldjump"/>
+                        </a:rPr>
+                        <a:t>MH03.2 </a:t>
+                      </a:r>
+                      <a:r>
+                        <a:rPr lang="en-US" sz="1800" baseline="0" noProof="1" smtClean="0">
+                          <a:latin typeface="Times New Roman" pitchFamily="18" charset="0"/>
+                          <a:cs typeface="Times New Roman" pitchFamily="18" charset="0"/>
+                        </a:rPr>
+                        <a:t>nếu </a:t>
                       </a:r>
                       <a:r>
                         <a:rPr lang="en-US" sz="1800" baseline="0" noProof="1" smtClean="0">
@@ -18864,14 +19257,20 @@
           <a:p>
             <a:pPr algn="ctr"/>
             <a:r>
-              <a:rPr lang="en-US" sz="2400" b="1" noProof="1" smtClean="0"/>
+              <a:rPr lang="en-US" sz="2400" b="1" noProof="1" smtClean="0">
+                <a:latin typeface="Times New Roman" pitchFamily="18" charset="0"/>
+                <a:cs typeface="Times New Roman" pitchFamily="18" charset="0"/>
+              </a:rPr>
               <a:t>MÀN HÌNH DẪN ĐƯỜNG</a:t>
             </a:r>
           </a:p>
           <a:p>
             <a:pPr algn="ctr"/>
             <a:r>
-              <a:rPr lang="en-US" sz="2400" b="1" noProof="1" smtClean="0"/>
+              <a:rPr lang="en-US" sz="2400" b="1" noProof="1" smtClean="0">
+                <a:latin typeface="Times New Roman" pitchFamily="18" charset="0"/>
+                <a:cs typeface="Times New Roman" pitchFamily="18" charset="0"/>
+              </a:rPr>
               <a:t>(Mã: MH03.1)</a:t>
             </a:r>
           </a:p>
